--- a/Model.pptx
+++ b/Model.pptx
@@ -4622,13 +4622,12 @@
           </p:cNvPr>
           <p:cNvCxnSpPr>
             <a:cxnSpLocks/>
-            <a:endCxn id="5" idx="0"/>
           </p:cNvCxnSpPr>
           <p:nvPr/>
         </p:nvCxnSpPr>
         <p:spPr>
           <a:xfrm>
-            <a:off x="3079629" y="1171570"/>
+            <a:off x="3034635" y="1175594"/>
             <a:ext cx="0" cy="1840221"/>
           </a:xfrm>
           <a:prstGeom prst="straightConnector1">
@@ -5067,8 +5066,8 @@
           </a:fontRef>
         </p:style>
       </p:cxnSp>
-      <mc:AlternateContent xmlns:mc="http://schemas.openxmlformats.org/markup-compatibility/2006" xmlns:a14="http://schemas.microsoft.com/office/drawing/2010/main">
-        <mc:Choice Requires="a14">
+      <mc:AlternateContent xmlns:mc="http://schemas.openxmlformats.org/markup-compatibility/2006">
+        <mc:Choice xmlns:a14="http://schemas.microsoft.com/office/drawing/2010/main" Requires="a14">
           <p:sp>
             <p:nvSpPr>
               <p:cNvPr id="116" name="TextBox 115">
@@ -5083,7 +5082,7 @@
             </p:nvSpPr>
             <p:spPr>
               <a:xfrm>
-                <a:off x="3614669" y="3989138"/>
+                <a:off x="3539214" y="3989138"/>
                 <a:ext cx="606755" cy="379848"/>
               </a:xfrm>
               <a:prstGeom prst="rect">
@@ -5138,10 +5137,16 @@
                             </m:e>
                             <m:sub>
                               <m:r>
-                                <a:rPr lang="en-GB" i="1">
+                                <a:rPr lang="en-US" b="0" i="1" smtClean="0">
                                   <a:latin typeface="Cambria Math" panose="02040503050406030204" pitchFamily="18" charset="0"/>
                                 </a:rPr>
-                                <m:t>𝑠</m:t>
+                                <m:t>𝐻𝐶</m:t>
+                              </m:r>
+                              <m:r>
+                                <a:rPr lang="en-US" b="0" i="1" smtClean="0">
+                                  <a:latin typeface="Cambria Math" panose="02040503050406030204" pitchFamily="18" charset="0"/>
+                                </a:rPr>
+                                <m:t>1</m:t>
                               </m:r>
                             </m:sub>
                           </m:sSub>
@@ -5155,7 +5160,7 @@
             </p:txBody>
           </p:sp>
         </mc:Choice>
-        <mc:Fallback xmlns="">
+        <mc:Fallback>
           <p:sp>
             <p:nvSpPr>
               <p:cNvPr id="116" name="TextBox 115">
@@ -5172,7 +5177,7 @@
             </p:nvSpPr>
             <p:spPr>
               <a:xfrm>
-                <a:off x="3614669" y="3989138"/>
+                <a:off x="3539214" y="3989138"/>
                 <a:ext cx="606755" cy="379848"/>
               </a:xfrm>
               <a:prstGeom prst="rect">
@@ -5181,7 +5186,7 @@
               <a:blipFill>
                 <a:blip r:embed="rId2"/>
                 <a:stretch>
-                  <a:fillRect b="-9524"/>
+                  <a:fillRect l="-2020" r="-3030" b="-9524"/>
                 </a:stretch>
               </a:blipFill>
             </p:spPr>
@@ -5200,8 +5205,8 @@
           </p:sp>
         </mc:Fallback>
       </mc:AlternateContent>
-      <mc:AlternateContent xmlns:mc="http://schemas.openxmlformats.org/markup-compatibility/2006" xmlns:a14="http://schemas.microsoft.com/office/drawing/2010/main">
-        <mc:Choice Requires="a14">
+      <mc:AlternateContent xmlns:mc="http://schemas.openxmlformats.org/markup-compatibility/2006">
+        <mc:Choice xmlns:a14="http://schemas.microsoft.com/office/drawing/2010/main" Requires="a14">
           <p:sp>
             <p:nvSpPr>
               <p:cNvPr id="117" name="TextBox 116">
@@ -5216,7 +5221,7 @@
             </p:nvSpPr>
             <p:spPr>
               <a:xfrm>
-                <a:off x="7636332" y="3922643"/>
+                <a:off x="7550076" y="3922443"/>
                 <a:ext cx="606755" cy="379848"/>
               </a:xfrm>
               <a:prstGeom prst="rect">
@@ -5271,10 +5276,16 @@
                             </m:e>
                             <m:sub>
                               <m:r>
-                                <a:rPr lang="en-GB" i="1">
+                                <a:rPr lang="en-US" b="0" i="1" smtClean="0">
                                   <a:latin typeface="Cambria Math" panose="02040503050406030204" pitchFamily="18" charset="0"/>
                                 </a:rPr>
-                                <m:t>𝑠</m:t>
+                                <m:t>𝐻𝐶</m:t>
+                              </m:r>
+                              <m:r>
+                                <a:rPr lang="en-US" b="0" i="1" smtClean="0">
+                                  <a:latin typeface="Cambria Math" panose="02040503050406030204" pitchFamily="18" charset="0"/>
+                                </a:rPr>
+                                <m:t>2</m:t>
                               </m:r>
                             </m:sub>
                           </m:sSub>
@@ -5288,7 +5299,7 @@
             </p:txBody>
           </p:sp>
         </mc:Choice>
-        <mc:Fallback xmlns="">
+        <mc:Fallback>
           <p:sp>
             <p:nvSpPr>
               <p:cNvPr id="117" name="TextBox 116">
@@ -5305,7 +5316,7 @@
             </p:nvSpPr>
             <p:spPr>
               <a:xfrm>
-                <a:off x="7636332" y="3922643"/>
+                <a:off x="7550076" y="3922443"/>
                 <a:ext cx="606755" cy="379848"/>
               </a:xfrm>
               <a:prstGeom prst="rect">
@@ -5314,7 +5325,7 @@
               <a:blipFill>
                 <a:blip r:embed="rId3"/>
                 <a:stretch>
-                  <a:fillRect b="-9524"/>
+                  <a:fillRect l="-2020" r="-3030" b="-9524"/>
                 </a:stretch>
               </a:blipFill>
             </p:spPr>
@@ -12323,7 +12334,7 @@
             </p:nvSpPr>
             <p:spPr>
               <a:xfrm>
-                <a:off x="2282825" y="3681025"/>
+                <a:off x="2173876" y="3681025"/>
                 <a:ext cx="606755" cy="379848"/>
               </a:xfrm>
               <a:prstGeom prst="rect">
@@ -12378,10 +12389,16 @@
                             </m:e>
                             <m:sub>
                               <m:r>
-                                <a:rPr lang="en-GB" i="1">
+                                <a:rPr lang="en-US" b="0" i="1" smtClean="0">
                                   <a:latin typeface="Cambria Math" panose="02040503050406030204" pitchFamily="18" charset="0"/>
                                 </a:rPr>
-                                <m:t>𝑠</m:t>
+                                <m:t>𝐻𝐶</m:t>
+                              </m:r>
+                              <m:r>
+                                <a:rPr lang="en-US" b="0" i="1" smtClean="0">
+                                  <a:latin typeface="Cambria Math" panose="02040503050406030204" pitchFamily="18" charset="0"/>
+                                </a:rPr>
+                                <m:t>1</m:t>
                               </m:r>
                             </m:sub>
                           </m:sSub>
@@ -12412,7 +12429,7 @@
             </p:nvSpPr>
             <p:spPr>
               <a:xfrm>
-                <a:off x="2282825" y="3681025"/>
+                <a:off x="2173876" y="3681025"/>
                 <a:ext cx="606755" cy="379848"/>
               </a:xfrm>
               <a:prstGeom prst="rect">
@@ -12421,7 +12438,7 @@
               <a:blipFill>
                 <a:blip r:embed="rId2"/>
                 <a:stretch>
-                  <a:fillRect b="-9677"/>
+                  <a:fillRect l="-2020" r="-3030" b="-9677"/>
                 </a:stretch>
               </a:blipFill>
             </p:spPr>
@@ -12456,7 +12473,7 @@
             </p:nvSpPr>
             <p:spPr>
               <a:xfrm>
-                <a:off x="6304488" y="3614530"/>
+                <a:off x="6164149" y="3614530"/>
                 <a:ext cx="606755" cy="379848"/>
               </a:xfrm>
               <a:prstGeom prst="rect">
@@ -12511,10 +12528,16 @@
                             </m:e>
                             <m:sub>
                               <m:r>
-                                <a:rPr lang="en-GB" i="1">
+                                <a:rPr lang="en-US" b="0" i="1" smtClean="0">
                                   <a:latin typeface="Cambria Math" panose="02040503050406030204" pitchFamily="18" charset="0"/>
                                 </a:rPr>
-                                <m:t>𝑠</m:t>
+                                <m:t>𝐻𝐶</m:t>
+                              </m:r>
+                              <m:r>
+                                <a:rPr lang="en-US" b="0" i="1" smtClean="0">
+                                  <a:latin typeface="Cambria Math" panose="02040503050406030204" pitchFamily="18" charset="0"/>
+                                </a:rPr>
+                                <m:t>2</m:t>
                               </m:r>
                             </m:sub>
                           </m:sSub>
@@ -12545,7 +12568,7 @@
             </p:nvSpPr>
             <p:spPr>
               <a:xfrm>
-                <a:off x="6304488" y="3614530"/>
+                <a:off x="6164149" y="3614530"/>
                 <a:ext cx="606755" cy="379848"/>
               </a:xfrm>
               <a:prstGeom prst="rect">
@@ -12554,7 +12577,7 @@
               <a:blipFill>
                 <a:blip r:embed="rId3"/>
                 <a:stretch>
-                  <a:fillRect b="-9677"/>
+                  <a:fillRect l="-2000" r="-3000" b="-9677"/>
                 </a:stretch>
               </a:blipFill>
             </p:spPr>
@@ -12573,8 +12596,8 @@
           </p:sp>
         </mc:Fallback>
       </mc:AlternateContent>
-      <mc:AlternateContent xmlns:mc="http://schemas.openxmlformats.org/markup-compatibility/2006">
-        <mc:Choice xmlns:a14="http://schemas.microsoft.com/office/drawing/2010/main" Requires="a14">
+      <mc:AlternateContent xmlns:mc="http://schemas.openxmlformats.org/markup-compatibility/2006" xmlns:a14="http://schemas.microsoft.com/office/drawing/2010/main">
+        <mc:Choice Requires="a14">
           <p:sp>
             <p:nvSpPr>
               <p:cNvPr id="118" name="TextBox 117">
@@ -12661,7 +12684,7 @@
             </p:txBody>
           </p:sp>
         </mc:Choice>
-        <mc:Fallback>
+        <mc:Fallback xmlns="">
           <p:sp>
             <p:nvSpPr>
               <p:cNvPr id="118" name="TextBox 117">
@@ -12706,8 +12729,8 @@
           </p:sp>
         </mc:Fallback>
       </mc:AlternateContent>
-      <mc:AlternateContent xmlns:mc="http://schemas.openxmlformats.org/markup-compatibility/2006">
-        <mc:Choice xmlns:a14="http://schemas.microsoft.com/office/drawing/2010/main" Requires="a14">
+      <mc:AlternateContent xmlns:mc="http://schemas.openxmlformats.org/markup-compatibility/2006" xmlns:a14="http://schemas.microsoft.com/office/drawing/2010/main">
+        <mc:Choice Requires="a14">
           <p:sp>
             <p:nvSpPr>
               <p:cNvPr id="119" name="TextBox 118">
@@ -12794,7 +12817,7 @@
             </p:txBody>
           </p:sp>
         </mc:Choice>
-        <mc:Fallback>
+        <mc:Fallback xmlns="">
           <p:sp>
             <p:nvSpPr>
               <p:cNvPr id="119" name="TextBox 118">
@@ -14013,8 +14036,8 @@
           </a:fontRef>
         </p:style>
       </p:cxnSp>
-      <mc:AlternateContent xmlns:mc="http://schemas.openxmlformats.org/markup-compatibility/2006">
-        <mc:Choice xmlns:a14="http://schemas.microsoft.com/office/drawing/2010/main" Requires="a14">
+      <mc:AlternateContent xmlns:mc="http://schemas.openxmlformats.org/markup-compatibility/2006" xmlns:a14="http://schemas.microsoft.com/office/drawing/2010/main">
+        <mc:Choice Requires="a14">
           <p:sp>
             <p:nvSpPr>
               <p:cNvPr id="203" name="TextBox 202">
@@ -14094,7 +14117,7 @@
             </p:txBody>
           </p:sp>
         </mc:Choice>
-        <mc:Fallback>
+        <mc:Fallback xmlns="">
           <p:sp>
             <p:nvSpPr>
               <p:cNvPr id="203" name="TextBox 202">
@@ -14139,8 +14162,8 @@
           </p:sp>
         </mc:Fallback>
       </mc:AlternateContent>
-      <mc:AlternateContent xmlns:mc="http://schemas.openxmlformats.org/markup-compatibility/2006">
-        <mc:Choice xmlns:a14="http://schemas.microsoft.com/office/drawing/2010/main" Requires="a14">
+      <mc:AlternateContent xmlns:mc="http://schemas.openxmlformats.org/markup-compatibility/2006" xmlns:a14="http://schemas.microsoft.com/office/drawing/2010/main">
+        <mc:Choice Requires="a14">
           <p:sp>
             <p:nvSpPr>
               <p:cNvPr id="204" name="TextBox 203">
@@ -14220,7 +14243,7 @@
             </p:txBody>
           </p:sp>
         </mc:Choice>
-        <mc:Fallback>
+        <mc:Fallback xmlns="">
           <p:sp>
             <p:nvSpPr>
               <p:cNvPr id="204" name="TextBox 203">
@@ -14265,8 +14288,8 @@
           </p:sp>
         </mc:Fallback>
       </mc:AlternateContent>
-      <mc:AlternateContent xmlns:mc="http://schemas.openxmlformats.org/markup-compatibility/2006">
-        <mc:Choice xmlns:a14="http://schemas.microsoft.com/office/drawing/2010/main" Requires="a14">
+      <mc:AlternateContent xmlns:mc="http://schemas.openxmlformats.org/markup-compatibility/2006" xmlns:a14="http://schemas.microsoft.com/office/drawing/2010/main">
+        <mc:Choice Requires="a14">
           <p:sp>
             <p:nvSpPr>
               <p:cNvPr id="208" name="TextBox 207">
@@ -14346,7 +14369,7 @@
             </p:txBody>
           </p:sp>
         </mc:Choice>
-        <mc:Fallback>
+        <mc:Fallback xmlns="">
           <p:sp>
             <p:nvSpPr>
               <p:cNvPr id="208" name="TextBox 207">
@@ -14808,8 +14831,8 @@
           </a:p>
         </p:txBody>
       </p:sp>
-      <mc:AlternateContent xmlns:mc="http://schemas.openxmlformats.org/markup-compatibility/2006">
-        <mc:Choice xmlns:a14="http://schemas.microsoft.com/office/drawing/2010/main" Requires="a14">
+      <mc:AlternateContent xmlns:mc="http://schemas.openxmlformats.org/markup-compatibility/2006" xmlns:a14="http://schemas.microsoft.com/office/drawing/2010/main">
+        <mc:Choice Requires="a14">
           <p:sp>
             <p:nvSpPr>
               <p:cNvPr id="237" name="TextBox 236">
@@ -14896,7 +14919,7 @@
             </p:txBody>
           </p:sp>
         </mc:Choice>
-        <mc:Fallback>
+        <mc:Fallback xmlns="">
           <p:sp>
             <p:nvSpPr>
               <p:cNvPr id="237" name="TextBox 236">
@@ -14941,8 +14964,8 @@
           </p:sp>
         </mc:Fallback>
       </mc:AlternateContent>
-      <mc:AlternateContent xmlns:mc="http://schemas.openxmlformats.org/markup-compatibility/2006">
-        <mc:Choice xmlns:a14="http://schemas.microsoft.com/office/drawing/2010/main" Requires="a14">
+      <mc:AlternateContent xmlns:mc="http://schemas.openxmlformats.org/markup-compatibility/2006" xmlns:a14="http://schemas.microsoft.com/office/drawing/2010/main">
+        <mc:Choice Requires="a14">
           <p:sp>
             <p:nvSpPr>
               <p:cNvPr id="238" name="TextBox 237">
@@ -15029,7 +15052,7 @@
             </p:txBody>
           </p:sp>
         </mc:Choice>
-        <mc:Fallback>
+        <mc:Fallback xmlns="">
           <p:sp>
             <p:nvSpPr>
               <p:cNvPr id="238" name="TextBox 237">
@@ -15074,8 +15097,8 @@
           </p:sp>
         </mc:Fallback>
       </mc:AlternateContent>
-      <mc:AlternateContent xmlns:mc="http://schemas.openxmlformats.org/markup-compatibility/2006">
-        <mc:Choice xmlns:a14="http://schemas.microsoft.com/office/drawing/2010/main" Requires="a14">
+      <mc:AlternateContent xmlns:mc="http://schemas.openxmlformats.org/markup-compatibility/2006" xmlns:a14="http://schemas.microsoft.com/office/drawing/2010/main">
+        <mc:Choice Requires="a14">
           <p:sp>
             <p:nvSpPr>
               <p:cNvPr id="239" name="TextBox 238">
@@ -15168,7 +15191,7 @@
             </p:txBody>
           </p:sp>
         </mc:Choice>
-        <mc:Fallback>
+        <mc:Fallback xmlns="">
           <p:sp>
             <p:nvSpPr>
               <p:cNvPr id="239" name="TextBox 238">
@@ -15213,8 +15236,8 @@
           </p:sp>
         </mc:Fallback>
       </mc:AlternateContent>
-      <mc:AlternateContent xmlns:mc="http://schemas.openxmlformats.org/markup-compatibility/2006">
-        <mc:Choice xmlns:a14="http://schemas.microsoft.com/office/drawing/2010/main" Requires="a14">
+      <mc:AlternateContent xmlns:mc="http://schemas.openxmlformats.org/markup-compatibility/2006" xmlns:a14="http://schemas.microsoft.com/office/drawing/2010/main">
+        <mc:Choice Requires="a14">
           <p:sp>
             <p:nvSpPr>
               <p:cNvPr id="240" name="TextBox 239">
@@ -15319,7 +15342,7 @@
             </p:txBody>
           </p:sp>
         </mc:Choice>
-        <mc:Fallback>
+        <mc:Fallback xmlns="">
           <p:sp>
             <p:nvSpPr>
               <p:cNvPr id="240" name="TextBox 239">
@@ -15364,8 +15387,8 @@
           </p:sp>
         </mc:Fallback>
       </mc:AlternateContent>
-      <mc:AlternateContent xmlns:mc="http://schemas.openxmlformats.org/markup-compatibility/2006">
-        <mc:Choice xmlns:a14="http://schemas.microsoft.com/office/drawing/2010/main" Requires="a14">
+      <mc:AlternateContent xmlns:mc="http://schemas.openxmlformats.org/markup-compatibility/2006" xmlns:a14="http://schemas.microsoft.com/office/drawing/2010/main">
+        <mc:Choice Requires="a14">
           <p:sp>
             <p:nvSpPr>
               <p:cNvPr id="241" name="TextBox 240">
@@ -15452,7 +15475,7 @@
             </p:txBody>
           </p:sp>
         </mc:Choice>
-        <mc:Fallback>
+        <mc:Fallback xmlns="">
           <p:sp>
             <p:nvSpPr>
               <p:cNvPr id="241" name="TextBox 240">
@@ -15497,8 +15520,8 @@
           </p:sp>
         </mc:Fallback>
       </mc:AlternateContent>
-      <mc:AlternateContent xmlns:mc="http://schemas.openxmlformats.org/markup-compatibility/2006">
-        <mc:Choice xmlns:a14="http://schemas.microsoft.com/office/drawing/2010/main" Requires="a14">
+      <mc:AlternateContent xmlns:mc="http://schemas.openxmlformats.org/markup-compatibility/2006" xmlns:a14="http://schemas.microsoft.com/office/drawing/2010/main">
+        <mc:Choice Requires="a14">
           <p:sp>
             <p:nvSpPr>
               <p:cNvPr id="242" name="TextBox 241">
@@ -15585,7 +15608,7 @@
             </p:txBody>
           </p:sp>
         </mc:Choice>
-        <mc:Fallback>
+        <mc:Fallback xmlns="">
           <p:sp>
             <p:nvSpPr>
               <p:cNvPr id="242" name="TextBox 241">
@@ -15630,8 +15653,8 @@
           </p:sp>
         </mc:Fallback>
       </mc:AlternateContent>
-      <mc:AlternateContent xmlns:mc="http://schemas.openxmlformats.org/markup-compatibility/2006">
-        <mc:Choice xmlns:a14="http://schemas.microsoft.com/office/drawing/2010/main" Requires="a14">
+      <mc:AlternateContent xmlns:mc="http://schemas.openxmlformats.org/markup-compatibility/2006" xmlns:a14="http://schemas.microsoft.com/office/drawing/2010/main">
+        <mc:Choice Requires="a14">
           <p:sp>
             <p:nvSpPr>
               <p:cNvPr id="247" name="TextBox 246">
@@ -15718,7 +15741,7 @@
             </p:txBody>
           </p:sp>
         </mc:Choice>
-        <mc:Fallback>
+        <mc:Fallback xmlns="">
           <p:sp>
             <p:nvSpPr>
               <p:cNvPr id="247" name="TextBox 246">
@@ -15763,8 +15786,8 @@
           </p:sp>
         </mc:Fallback>
       </mc:AlternateContent>
-      <mc:AlternateContent xmlns:mc="http://schemas.openxmlformats.org/markup-compatibility/2006">
-        <mc:Choice xmlns:a14="http://schemas.microsoft.com/office/drawing/2010/main" Requires="a14">
+      <mc:AlternateContent xmlns:mc="http://schemas.openxmlformats.org/markup-compatibility/2006" xmlns:a14="http://schemas.microsoft.com/office/drawing/2010/main">
+        <mc:Choice Requires="a14">
           <p:sp>
             <p:nvSpPr>
               <p:cNvPr id="125" name="TextBox 124">
@@ -15869,7 +15892,7 @@
             </p:txBody>
           </p:sp>
         </mc:Choice>
-        <mc:Fallback>
+        <mc:Fallback xmlns="">
           <p:sp>
             <p:nvSpPr>
               <p:cNvPr id="125" name="TextBox 124">
@@ -15914,8 +15937,8 @@
           </p:sp>
         </mc:Fallback>
       </mc:AlternateContent>
-      <mc:AlternateContent xmlns:mc="http://schemas.openxmlformats.org/markup-compatibility/2006">
-        <mc:Choice xmlns:a14="http://schemas.microsoft.com/office/drawing/2010/main" Requires="a14">
+      <mc:AlternateContent xmlns:mc="http://schemas.openxmlformats.org/markup-compatibility/2006" xmlns:a14="http://schemas.microsoft.com/office/drawing/2010/main">
+        <mc:Choice Requires="a14">
           <p:sp>
             <p:nvSpPr>
               <p:cNvPr id="127" name="TextBox 126">
@@ -16008,7 +16031,7 @@
             </p:txBody>
           </p:sp>
         </mc:Choice>
-        <mc:Fallback>
+        <mc:Fallback xmlns="">
           <p:sp>
             <p:nvSpPr>
               <p:cNvPr id="127" name="TextBox 126">
@@ -16053,8 +16076,8 @@
           </p:sp>
         </mc:Fallback>
       </mc:AlternateContent>
-      <mc:AlternateContent xmlns:mc="http://schemas.openxmlformats.org/markup-compatibility/2006">
-        <mc:Choice xmlns:a14="http://schemas.microsoft.com/office/drawing/2010/main" Requires="a14">
+      <mc:AlternateContent xmlns:mc="http://schemas.openxmlformats.org/markup-compatibility/2006" xmlns:a14="http://schemas.microsoft.com/office/drawing/2010/main">
+        <mc:Choice Requires="a14">
           <p:sp>
             <p:nvSpPr>
               <p:cNvPr id="135" name="TextBox 134">
@@ -16147,7 +16170,7 @@
             </p:txBody>
           </p:sp>
         </mc:Choice>
-        <mc:Fallback>
+        <mc:Fallback xmlns="">
           <p:sp>
             <p:nvSpPr>
               <p:cNvPr id="135" name="TextBox 134">
@@ -17892,7 +17915,7 @@
             </p:nvSpPr>
             <p:spPr>
               <a:xfrm>
-                <a:off x="2282825" y="3681025"/>
+                <a:off x="2182395" y="3681025"/>
                 <a:ext cx="606755" cy="379848"/>
               </a:xfrm>
               <a:prstGeom prst="rect">
@@ -17947,10 +17970,16 @@
                             </m:e>
                             <m:sub>
                               <m:r>
-                                <a:rPr lang="en-GB" i="1">
+                                <a:rPr lang="en-US" b="0" i="1" smtClean="0">
                                   <a:latin typeface="Cambria Math" panose="02040503050406030204" pitchFamily="18" charset="0"/>
                                 </a:rPr>
-                                <m:t>𝑠</m:t>
+                                <m:t>𝐻𝐶</m:t>
+                              </m:r>
+                              <m:r>
+                                <a:rPr lang="en-US" b="0" i="1" smtClean="0">
+                                  <a:latin typeface="Cambria Math" panose="02040503050406030204" pitchFamily="18" charset="0"/>
+                                </a:rPr>
+                                <m:t>1</m:t>
                               </m:r>
                             </m:sub>
                           </m:sSub>
@@ -17981,7 +18010,7 @@
             </p:nvSpPr>
             <p:spPr>
               <a:xfrm>
-                <a:off x="2282825" y="3681025"/>
+                <a:off x="2182395" y="3681025"/>
                 <a:ext cx="606755" cy="379848"/>
               </a:xfrm>
               <a:prstGeom prst="rect">
@@ -17990,7 +18019,7 @@
               <a:blipFill>
                 <a:blip r:embed="rId2"/>
                 <a:stretch>
-                  <a:fillRect b="-9677"/>
+                  <a:fillRect l="-2000" r="-3000" b="-9677"/>
                 </a:stretch>
               </a:blipFill>
             </p:spPr>
@@ -18025,7 +18054,7 @@
             </p:nvSpPr>
             <p:spPr>
               <a:xfrm>
-                <a:off x="6304488" y="3614530"/>
+                <a:off x="7173250" y="3605280"/>
                 <a:ext cx="606755" cy="379848"/>
               </a:xfrm>
               <a:prstGeom prst="rect">
@@ -18080,10 +18109,16 @@
                             </m:e>
                             <m:sub>
                               <m:r>
-                                <a:rPr lang="en-GB" i="1">
+                                <a:rPr lang="en-US" b="0" i="1" smtClean="0">
                                   <a:latin typeface="Cambria Math" panose="02040503050406030204" pitchFamily="18" charset="0"/>
                                 </a:rPr>
-                                <m:t>𝑠</m:t>
+                                <m:t>𝐻𝐶</m:t>
+                              </m:r>
+                              <m:r>
+                                <a:rPr lang="en-US" b="0" i="1" smtClean="0">
+                                  <a:latin typeface="Cambria Math" panose="02040503050406030204" pitchFamily="18" charset="0"/>
+                                </a:rPr>
+                                <m:t>2</m:t>
                               </m:r>
                             </m:sub>
                           </m:sSub>
@@ -18114,7 +18149,7 @@
             </p:nvSpPr>
             <p:spPr>
               <a:xfrm>
-                <a:off x="6304488" y="3614530"/>
+                <a:off x="7173250" y="3605280"/>
                 <a:ext cx="606755" cy="379848"/>
               </a:xfrm>
               <a:prstGeom prst="rect">
@@ -18123,7 +18158,7 @@
               <a:blipFill>
                 <a:blip r:embed="rId3"/>
                 <a:stretch>
-                  <a:fillRect b="-9677"/>
+                  <a:fillRect l="-2020" r="-3030" b="-9524"/>
                 </a:stretch>
               </a:blipFill>
             </p:spPr>
@@ -18142,8 +18177,8 @@
           </p:sp>
         </mc:Fallback>
       </mc:AlternateContent>
-      <mc:AlternateContent xmlns:mc="http://schemas.openxmlformats.org/markup-compatibility/2006">
-        <mc:Choice xmlns:a14="http://schemas.microsoft.com/office/drawing/2010/main" Requires="a14">
+      <mc:AlternateContent xmlns:mc="http://schemas.openxmlformats.org/markup-compatibility/2006" xmlns:a14="http://schemas.microsoft.com/office/drawing/2010/main">
+        <mc:Choice Requires="a14">
           <p:sp>
             <p:nvSpPr>
               <p:cNvPr id="118" name="TextBox 117">
@@ -18230,7 +18265,7 @@
             </p:txBody>
           </p:sp>
         </mc:Choice>
-        <mc:Fallback>
+        <mc:Fallback xmlns="">
           <p:sp>
             <p:nvSpPr>
               <p:cNvPr id="118" name="TextBox 117">
@@ -18275,8 +18310,8 @@
           </p:sp>
         </mc:Fallback>
       </mc:AlternateContent>
-      <mc:AlternateContent xmlns:mc="http://schemas.openxmlformats.org/markup-compatibility/2006">
-        <mc:Choice xmlns:a14="http://schemas.microsoft.com/office/drawing/2010/main" Requires="a14">
+      <mc:AlternateContent xmlns:mc="http://schemas.openxmlformats.org/markup-compatibility/2006" xmlns:a14="http://schemas.microsoft.com/office/drawing/2010/main">
+        <mc:Choice Requires="a14">
           <p:sp>
             <p:nvSpPr>
               <p:cNvPr id="119" name="TextBox 118">
@@ -18363,7 +18398,7 @@
             </p:txBody>
           </p:sp>
         </mc:Choice>
-        <mc:Fallback>
+        <mc:Fallback xmlns="">
           <p:sp>
             <p:nvSpPr>
               <p:cNvPr id="119" name="TextBox 118">
@@ -19582,8 +19617,8 @@
           </a:fontRef>
         </p:style>
       </p:cxnSp>
-      <mc:AlternateContent xmlns:mc="http://schemas.openxmlformats.org/markup-compatibility/2006">
-        <mc:Choice xmlns:a14="http://schemas.microsoft.com/office/drawing/2010/main" Requires="a14">
+      <mc:AlternateContent xmlns:mc="http://schemas.openxmlformats.org/markup-compatibility/2006" xmlns:a14="http://schemas.microsoft.com/office/drawing/2010/main">
+        <mc:Choice Requires="a14">
           <p:sp>
             <p:nvSpPr>
               <p:cNvPr id="203" name="TextBox 202">
@@ -19663,7 +19698,7 @@
             </p:txBody>
           </p:sp>
         </mc:Choice>
-        <mc:Fallback>
+        <mc:Fallback xmlns="">
           <p:sp>
             <p:nvSpPr>
               <p:cNvPr id="203" name="TextBox 202">
@@ -19708,8 +19743,8 @@
           </p:sp>
         </mc:Fallback>
       </mc:AlternateContent>
-      <mc:AlternateContent xmlns:mc="http://schemas.openxmlformats.org/markup-compatibility/2006">
-        <mc:Choice xmlns:a14="http://schemas.microsoft.com/office/drawing/2010/main" Requires="a14">
+      <mc:AlternateContent xmlns:mc="http://schemas.openxmlformats.org/markup-compatibility/2006" xmlns:a14="http://schemas.microsoft.com/office/drawing/2010/main">
+        <mc:Choice Requires="a14">
           <p:sp>
             <p:nvSpPr>
               <p:cNvPr id="204" name="TextBox 203">
@@ -19789,7 +19824,7 @@
             </p:txBody>
           </p:sp>
         </mc:Choice>
-        <mc:Fallback>
+        <mc:Fallback xmlns="">
           <p:sp>
             <p:nvSpPr>
               <p:cNvPr id="204" name="TextBox 203">
@@ -19834,8 +19869,8 @@
           </p:sp>
         </mc:Fallback>
       </mc:AlternateContent>
-      <mc:AlternateContent xmlns:mc="http://schemas.openxmlformats.org/markup-compatibility/2006">
-        <mc:Choice xmlns:a14="http://schemas.microsoft.com/office/drawing/2010/main" Requires="a14">
+      <mc:AlternateContent xmlns:mc="http://schemas.openxmlformats.org/markup-compatibility/2006" xmlns:a14="http://schemas.microsoft.com/office/drawing/2010/main">
+        <mc:Choice Requires="a14">
           <p:sp>
             <p:nvSpPr>
               <p:cNvPr id="208" name="TextBox 207">
@@ -19915,7 +19950,7 @@
             </p:txBody>
           </p:sp>
         </mc:Choice>
-        <mc:Fallback>
+        <mc:Fallback xmlns="">
           <p:sp>
             <p:nvSpPr>
               <p:cNvPr id="208" name="TextBox 207">
@@ -20139,7 +20174,7 @@
         </p:nvSpPr>
         <p:spPr>
           <a:xfrm>
-            <a:off x="1343202" y="2367397"/>
+            <a:off x="1343034" y="2519012"/>
             <a:ext cx="328512" cy="369332"/>
           </a:xfrm>
           <a:prstGeom prst="rect">
@@ -20377,8 +20412,8 @@
           </a:p>
         </p:txBody>
       </p:sp>
-      <mc:AlternateContent xmlns:mc="http://schemas.openxmlformats.org/markup-compatibility/2006">
-        <mc:Choice xmlns:a14="http://schemas.microsoft.com/office/drawing/2010/main" Requires="a14">
+      <mc:AlternateContent xmlns:mc="http://schemas.openxmlformats.org/markup-compatibility/2006" xmlns:a14="http://schemas.microsoft.com/office/drawing/2010/main">
+        <mc:Choice Requires="a14">
           <p:sp>
             <p:nvSpPr>
               <p:cNvPr id="237" name="TextBox 236">
@@ -20465,7 +20500,7 @@
             </p:txBody>
           </p:sp>
         </mc:Choice>
-        <mc:Fallback>
+        <mc:Fallback xmlns="">
           <p:sp>
             <p:nvSpPr>
               <p:cNvPr id="237" name="TextBox 236">
@@ -20510,8 +20545,8 @@
           </p:sp>
         </mc:Fallback>
       </mc:AlternateContent>
-      <mc:AlternateContent xmlns:mc="http://schemas.openxmlformats.org/markup-compatibility/2006">
-        <mc:Choice xmlns:a14="http://schemas.microsoft.com/office/drawing/2010/main" Requires="a14">
+      <mc:AlternateContent xmlns:mc="http://schemas.openxmlformats.org/markup-compatibility/2006" xmlns:a14="http://schemas.microsoft.com/office/drawing/2010/main">
+        <mc:Choice Requires="a14">
           <p:sp>
             <p:nvSpPr>
               <p:cNvPr id="238" name="TextBox 237">
@@ -20598,7 +20633,7 @@
             </p:txBody>
           </p:sp>
         </mc:Choice>
-        <mc:Fallback>
+        <mc:Fallback xmlns="">
           <p:sp>
             <p:nvSpPr>
               <p:cNvPr id="238" name="TextBox 237">
@@ -20643,8 +20678,8 @@
           </p:sp>
         </mc:Fallback>
       </mc:AlternateContent>
-      <mc:AlternateContent xmlns:mc="http://schemas.openxmlformats.org/markup-compatibility/2006">
-        <mc:Choice xmlns:a14="http://schemas.microsoft.com/office/drawing/2010/main" Requires="a14">
+      <mc:AlternateContent xmlns:mc="http://schemas.openxmlformats.org/markup-compatibility/2006" xmlns:a14="http://schemas.microsoft.com/office/drawing/2010/main">
+        <mc:Choice Requires="a14">
           <p:sp>
             <p:nvSpPr>
               <p:cNvPr id="239" name="TextBox 238">
@@ -20737,7 +20772,7 @@
             </p:txBody>
           </p:sp>
         </mc:Choice>
-        <mc:Fallback>
+        <mc:Fallback xmlns="">
           <p:sp>
             <p:nvSpPr>
               <p:cNvPr id="239" name="TextBox 238">
@@ -20782,8 +20817,8 @@
           </p:sp>
         </mc:Fallback>
       </mc:AlternateContent>
-      <mc:AlternateContent xmlns:mc="http://schemas.openxmlformats.org/markup-compatibility/2006">
-        <mc:Choice xmlns:a14="http://schemas.microsoft.com/office/drawing/2010/main" Requires="a14">
+      <mc:AlternateContent xmlns:mc="http://schemas.openxmlformats.org/markup-compatibility/2006" xmlns:a14="http://schemas.microsoft.com/office/drawing/2010/main">
+        <mc:Choice Requires="a14">
           <p:sp>
             <p:nvSpPr>
               <p:cNvPr id="240" name="TextBox 239">
@@ -20888,7 +20923,7 @@
             </p:txBody>
           </p:sp>
         </mc:Choice>
-        <mc:Fallback>
+        <mc:Fallback xmlns="">
           <p:sp>
             <p:nvSpPr>
               <p:cNvPr id="240" name="TextBox 239">
@@ -20933,8 +20968,8 @@
           </p:sp>
         </mc:Fallback>
       </mc:AlternateContent>
-      <mc:AlternateContent xmlns:mc="http://schemas.openxmlformats.org/markup-compatibility/2006">
-        <mc:Choice xmlns:a14="http://schemas.microsoft.com/office/drawing/2010/main" Requires="a14">
+      <mc:AlternateContent xmlns:mc="http://schemas.openxmlformats.org/markup-compatibility/2006" xmlns:a14="http://schemas.microsoft.com/office/drawing/2010/main">
+        <mc:Choice Requires="a14">
           <p:sp>
             <p:nvSpPr>
               <p:cNvPr id="241" name="TextBox 240">
@@ -21021,7 +21056,7 @@
             </p:txBody>
           </p:sp>
         </mc:Choice>
-        <mc:Fallback>
+        <mc:Fallback xmlns="">
           <p:sp>
             <p:nvSpPr>
               <p:cNvPr id="241" name="TextBox 240">
@@ -21066,8 +21101,8 @@
           </p:sp>
         </mc:Fallback>
       </mc:AlternateContent>
-      <mc:AlternateContent xmlns:mc="http://schemas.openxmlformats.org/markup-compatibility/2006">
-        <mc:Choice xmlns:a14="http://schemas.microsoft.com/office/drawing/2010/main" Requires="a14">
+      <mc:AlternateContent xmlns:mc="http://schemas.openxmlformats.org/markup-compatibility/2006" xmlns:a14="http://schemas.microsoft.com/office/drawing/2010/main">
+        <mc:Choice Requires="a14">
           <p:sp>
             <p:nvSpPr>
               <p:cNvPr id="242" name="TextBox 241">
@@ -21154,7 +21189,7 @@
             </p:txBody>
           </p:sp>
         </mc:Choice>
-        <mc:Fallback>
+        <mc:Fallback xmlns="">
           <p:sp>
             <p:nvSpPr>
               <p:cNvPr id="242" name="TextBox 241">
@@ -21199,8 +21234,8 @@
           </p:sp>
         </mc:Fallback>
       </mc:AlternateContent>
-      <mc:AlternateContent xmlns:mc="http://schemas.openxmlformats.org/markup-compatibility/2006">
-        <mc:Choice xmlns:a14="http://schemas.microsoft.com/office/drawing/2010/main" Requires="a14">
+      <mc:AlternateContent xmlns:mc="http://schemas.openxmlformats.org/markup-compatibility/2006" xmlns:a14="http://schemas.microsoft.com/office/drawing/2010/main">
+        <mc:Choice Requires="a14">
           <p:sp>
             <p:nvSpPr>
               <p:cNvPr id="247" name="TextBox 246">
@@ -21287,7 +21322,7 @@
             </p:txBody>
           </p:sp>
         </mc:Choice>
-        <mc:Fallback>
+        <mc:Fallback xmlns="">
           <p:sp>
             <p:nvSpPr>
               <p:cNvPr id="247" name="TextBox 246">
@@ -21332,8 +21367,8 @@
           </p:sp>
         </mc:Fallback>
       </mc:AlternateContent>
-      <mc:AlternateContent xmlns:mc="http://schemas.openxmlformats.org/markup-compatibility/2006">
-        <mc:Choice xmlns:a14="http://schemas.microsoft.com/office/drawing/2010/main" Requires="a14">
+      <mc:AlternateContent xmlns:mc="http://schemas.openxmlformats.org/markup-compatibility/2006" xmlns:a14="http://schemas.microsoft.com/office/drawing/2010/main">
+        <mc:Choice Requires="a14">
           <p:sp>
             <p:nvSpPr>
               <p:cNvPr id="125" name="TextBox 124">
@@ -21438,7 +21473,7 @@
             </p:txBody>
           </p:sp>
         </mc:Choice>
-        <mc:Fallback>
+        <mc:Fallback xmlns="">
           <p:sp>
             <p:nvSpPr>
               <p:cNvPr id="125" name="TextBox 124">
@@ -21483,8 +21518,8 @@
           </p:sp>
         </mc:Fallback>
       </mc:AlternateContent>
-      <mc:AlternateContent xmlns:mc="http://schemas.openxmlformats.org/markup-compatibility/2006">
-        <mc:Choice xmlns:a14="http://schemas.microsoft.com/office/drawing/2010/main" Requires="a14">
+      <mc:AlternateContent xmlns:mc="http://schemas.openxmlformats.org/markup-compatibility/2006" xmlns:a14="http://schemas.microsoft.com/office/drawing/2010/main">
+        <mc:Choice Requires="a14">
           <p:sp>
             <p:nvSpPr>
               <p:cNvPr id="127" name="TextBox 126">
@@ -21577,7 +21612,7 @@
             </p:txBody>
           </p:sp>
         </mc:Choice>
-        <mc:Fallback>
+        <mc:Fallback xmlns="">
           <p:sp>
             <p:nvSpPr>
               <p:cNvPr id="127" name="TextBox 126">
@@ -21622,8 +21657,8 @@
           </p:sp>
         </mc:Fallback>
       </mc:AlternateContent>
-      <mc:AlternateContent xmlns:mc="http://schemas.openxmlformats.org/markup-compatibility/2006">
-        <mc:Choice xmlns:a14="http://schemas.microsoft.com/office/drawing/2010/main" Requires="a14">
+      <mc:AlternateContent xmlns:mc="http://schemas.openxmlformats.org/markup-compatibility/2006" xmlns:a14="http://schemas.microsoft.com/office/drawing/2010/main">
+        <mc:Choice Requires="a14">
           <p:sp>
             <p:nvSpPr>
               <p:cNvPr id="135" name="TextBox 134">
@@ -21716,7 +21751,7 @@
             </p:txBody>
           </p:sp>
         </mc:Choice>
-        <mc:Fallback>
+        <mc:Fallback xmlns="">
           <p:sp>
             <p:nvSpPr>
               <p:cNvPr id="135" name="TextBox 134">
@@ -22121,8 +22156,8 @@
           </a:fontRef>
         </p:style>
       </p:cxnSp>
-      <mc:AlternateContent xmlns:mc="http://schemas.openxmlformats.org/markup-compatibility/2006">
-        <mc:Choice xmlns:a14="http://schemas.microsoft.com/office/drawing/2010/main" Requires="a14">
+      <mc:AlternateContent xmlns:mc="http://schemas.openxmlformats.org/markup-compatibility/2006" xmlns:a14="http://schemas.microsoft.com/office/drawing/2010/main">
+        <mc:Choice Requires="a14">
           <p:sp>
             <p:nvSpPr>
               <p:cNvPr id="115" name="TextBox 114">
@@ -22209,7 +22244,7 @@
             </p:txBody>
           </p:sp>
         </mc:Choice>
-        <mc:Fallback>
+        <mc:Fallback xmlns="">
           <p:sp>
             <p:nvSpPr>
               <p:cNvPr id="115" name="TextBox 114">
@@ -22254,8 +22289,8 @@
           </p:sp>
         </mc:Fallback>
       </mc:AlternateContent>
-      <mc:AlternateContent xmlns:mc="http://schemas.openxmlformats.org/markup-compatibility/2006">
-        <mc:Choice xmlns:a14="http://schemas.microsoft.com/office/drawing/2010/main" Requires="a14">
+      <mc:AlternateContent xmlns:mc="http://schemas.openxmlformats.org/markup-compatibility/2006" xmlns:a14="http://schemas.microsoft.com/office/drawing/2010/main">
+        <mc:Choice Requires="a14">
           <p:sp>
             <p:nvSpPr>
               <p:cNvPr id="120" name="TextBox 119">
@@ -22342,7 +22377,7 @@
             </p:txBody>
           </p:sp>
         </mc:Choice>
-        <mc:Fallback>
+        <mc:Fallback xmlns="">
           <p:sp>
             <p:nvSpPr>
               <p:cNvPr id="120" name="TextBox 119">
@@ -24658,7 +24693,7 @@
           <a:p>
             <a:r>
               <a:rPr lang="en-GB" sz="1400" dirty="0"/>
-              <a:t>Indoor temperature</a:t>
+              <a:t>Indoor temperature (C)</a:t>
             </a:r>
           </a:p>
           <a:p>
@@ -24684,7 +24719,7 @@
         <p:spPr>
           <a:xfrm>
             <a:off x="1006336" y="3429000"/>
-            <a:ext cx="2057401" cy="954107"/>
+            <a:ext cx="2057401" cy="1384995"/>
           </a:xfrm>
           <a:prstGeom prst="rect">
             <a:avLst/>
@@ -24730,6 +24765,18 @@
             <a:r>
               <a:rPr lang="en-US" sz="1400" dirty="0"/>
               <a:t>)</a:t>
+            </a:r>
+          </a:p>
+          <a:p>
+            <a:r>
+              <a:rPr lang="en-US" sz="1400" dirty="0"/>
+              <a:t>Heating Coil 1 Energy (J)</a:t>
+            </a:r>
+          </a:p>
+          <a:p>
+            <a:r>
+              <a:rPr lang="en-US" sz="1400" dirty="0"/>
+              <a:t>Heating Coil 2 Energy (J)</a:t>
             </a:r>
           </a:p>
           <a:p>
@@ -25023,7 +25070,7 @@
         </p:nvSpPr>
         <p:spPr>
           <a:xfrm>
-            <a:off x="107310" y="3644883"/>
+            <a:off x="102742" y="3643274"/>
             <a:ext cx="1175302" cy="307777"/>
           </a:xfrm>
           <a:prstGeom prst="rect">
@@ -25081,8 +25128,8 @@
           </a:p>
         </p:txBody>
       </p:sp>
-      <mc:AlternateContent xmlns:mc="http://schemas.openxmlformats.org/markup-compatibility/2006" xmlns:a14="http://schemas.microsoft.com/office/drawing/2010/main">
-        <mc:Choice Requires="a14">
+      <mc:AlternateContent xmlns:mc="http://schemas.openxmlformats.org/markup-compatibility/2006">
+        <mc:Choice xmlns:a14="http://schemas.microsoft.com/office/drawing/2010/main" Requires="a14">
           <p:sp>
             <p:nvSpPr>
               <p:cNvPr id="15" name="TextBox 14">
@@ -25097,7 +25144,7 @@
             </p:nvSpPr>
             <p:spPr>
               <a:xfrm>
-                <a:off x="-16389" y="3850508"/>
+                <a:off x="10517" y="4287657"/>
                 <a:ext cx="606755" cy="315984"/>
               </a:xfrm>
               <a:prstGeom prst="rect">
@@ -25152,7 +25199,7 @@
                             </m:e>
                             <m:sub>
                               <m:r>
-                                <a:rPr lang="en-GB" sz="1400" i="1">
+                                <a:rPr lang="en-US" sz="1400" b="0" i="1" smtClean="0">
                                   <a:latin typeface="Cambria Math" panose="02040503050406030204" pitchFamily="18" charset="0"/>
                                 </a:rPr>
                                 <m:t>𝑠</m:t>
@@ -25169,7 +25216,7 @@
             </p:txBody>
           </p:sp>
         </mc:Choice>
-        <mc:Fallback xmlns="">
+        <mc:Fallback>
           <p:sp>
             <p:nvSpPr>
               <p:cNvPr id="15" name="TextBox 14">
@@ -25186,7 +25233,7 @@
             </p:nvSpPr>
             <p:spPr>
               <a:xfrm>
-                <a:off x="-16389" y="3850508"/>
+                <a:off x="10517" y="4287657"/>
                 <a:ext cx="606755" cy="315984"/>
               </a:xfrm>
               <a:prstGeom prst="rect">
@@ -25195,7 +25242,7 @@
               <a:blipFill>
                 <a:blip r:embed="rId3"/>
                 <a:stretch>
-                  <a:fillRect b="-7843"/>
+                  <a:fillRect b="-7692"/>
                 </a:stretch>
               </a:blipFill>
             </p:spPr>
@@ -25214,8 +25261,8 @@
           </p:sp>
         </mc:Fallback>
       </mc:AlternateContent>
-      <mc:AlternateContent xmlns:mc="http://schemas.openxmlformats.org/markup-compatibility/2006" xmlns:a14="http://schemas.microsoft.com/office/drawing/2010/main">
-        <mc:Choice Requires="a14">
+      <mc:AlternateContent xmlns:mc="http://schemas.openxmlformats.org/markup-compatibility/2006">
+        <mc:Choice xmlns:a14="http://schemas.microsoft.com/office/drawing/2010/main" Requires="a14">
           <p:sp>
             <p:nvSpPr>
               <p:cNvPr id="16" name="TextBox 15">
@@ -25230,7 +25277,7 @@
             </p:nvSpPr>
             <p:spPr>
               <a:xfrm>
-                <a:off x="-16389" y="4067123"/>
+                <a:off x="-16389" y="4487214"/>
                 <a:ext cx="606755" cy="315984"/>
               </a:xfrm>
               <a:prstGeom prst="rect">
@@ -25302,7 +25349,7 @@
             </p:txBody>
           </p:sp>
         </mc:Choice>
-        <mc:Fallback xmlns="">
+        <mc:Fallback>
           <p:sp>
             <p:nvSpPr>
               <p:cNvPr id="16" name="TextBox 15">
@@ -25319,7 +25366,7 @@
             </p:nvSpPr>
             <p:spPr>
               <a:xfrm>
-                <a:off x="-16389" y="4067123"/>
+                <a:off x="-16389" y="4487214"/>
                 <a:ext cx="606755" cy="315984"/>
               </a:xfrm>
               <a:prstGeom prst="rect">
@@ -25361,7 +25408,7 @@
         </p:nvSpPr>
         <p:spPr>
           <a:xfrm>
-            <a:off x="1006336" y="4348519"/>
+            <a:off x="1006336" y="4687975"/>
             <a:ext cx="4241525" cy="2246769"/>
           </a:xfrm>
           <a:prstGeom prst="rect">
@@ -25433,7 +25480,7 @@
           <a:p>
             <a:r>
               <a:rPr lang="en-US" sz="1400" dirty="0"/>
-              <a:t>Indoor air temperature set point </a:t>
+              <a:t>Indoor air temperature set point (C) </a:t>
             </a:r>
           </a:p>
           <a:p>
@@ -25445,7 +25492,7 @@
           <a:p>
             <a:r>
               <a:rPr lang="en-US" sz="1400" dirty="0"/>
-              <a:t>Supply air temperature set point</a:t>
+              <a:t>Supply air temperature set point (C)</a:t>
             </a:r>
           </a:p>
           <a:p>
@@ -25467,7 +25514,7 @@
         </p:nvSpPr>
         <p:spPr>
           <a:xfrm>
-            <a:off x="107310" y="4571274"/>
+            <a:off x="107310" y="4910730"/>
             <a:ext cx="606755" cy="523220"/>
           </a:xfrm>
           <a:prstGeom prst="rect">
@@ -25491,8 +25538,8 @@
           </a:p>
         </p:txBody>
       </p:sp>
-      <mc:AlternateContent xmlns:mc="http://schemas.openxmlformats.org/markup-compatibility/2006" xmlns:a14="http://schemas.microsoft.com/office/drawing/2010/main">
-        <mc:Choice Requires="a14">
+      <mc:AlternateContent xmlns:mc="http://schemas.openxmlformats.org/markup-compatibility/2006">
+        <mc:Choice xmlns:a14="http://schemas.microsoft.com/office/drawing/2010/main" Requires="a14">
           <p:sp>
             <p:nvSpPr>
               <p:cNvPr id="19" name="TextBox 18">
@@ -25507,7 +25554,7 @@
             </p:nvSpPr>
             <p:spPr>
               <a:xfrm>
-                <a:off x="0" y="4761937"/>
+                <a:off x="0" y="5101393"/>
                 <a:ext cx="762969" cy="307777"/>
               </a:xfrm>
               <a:prstGeom prst="rect">
@@ -25585,7 +25632,7 @@
             </p:txBody>
           </p:sp>
         </mc:Choice>
-        <mc:Fallback xmlns="">
+        <mc:Fallback>
           <p:sp>
             <p:nvSpPr>
               <p:cNvPr id="19" name="TextBox 18">
@@ -25602,7 +25649,7 @@
             </p:nvSpPr>
             <p:spPr>
               <a:xfrm>
-                <a:off x="0" y="4761937"/>
+                <a:off x="0" y="5101393"/>
                 <a:ext cx="762969" cy="307777"/>
               </a:xfrm>
               <a:prstGeom prst="rect">
@@ -25630,8 +25677,8 @@
           </p:sp>
         </mc:Fallback>
       </mc:AlternateContent>
-      <mc:AlternateContent xmlns:mc="http://schemas.openxmlformats.org/markup-compatibility/2006" xmlns:a14="http://schemas.microsoft.com/office/drawing/2010/main">
-        <mc:Choice Requires="a14">
+      <mc:AlternateContent xmlns:mc="http://schemas.openxmlformats.org/markup-compatibility/2006">
+        <mc:Choice xmlns:a14="http://schemas.microsoft.com/office/drawing/2010/main" Requires="a14">
           <p:sp>
             <p:nvSpPr>
               <p:cNvPr id="20" name="TextBox 19">
@@ -25646,7 +25693,7 @@
             </p:nvSpPr>
             <p:spPr>
               <a:xfrm>
-                <a:off x="-214662" y="5001721"/>
+                <a:off x="-214662" y="5341177"/>
                 <a:ext cx="1410802" cy="307777"/>
               </a:xfrm>
               <a:prstGeom prst="rect">
@@ -25736,7 +25783,7 @@
             </p:txBody>
           </p:sp>
         </mc:Choice>
-        <mc:Fallback xmlns="">
+        <mc:Fallback>
           <p:sp>
             <p:nvSpPr>
               <p:cNvPr id="20" name="TextBox 19">
@@ -25753,7 +25800,7 @@
             </p:nvSpPr>
             <p:spPr>
               <a:xfrm>
-                <a:off x="-214662" y="5001721"/>
+                <a:off x="-214662" y="5341177"/>
                 <a:ext cx="1410802" cy="307777"/>
               </a:xfrm>
               <a:prstGeom prst="rect">
@@ -25781,8 +25828,8 @@
           </p:sp>
         </mc:Fallback>
       </mc:AlternateContent>
-      <mc:AlternateContent xmlns:mc="http://schemas.openxmlformats.org/markup-compatibility/2006" xmlns:a14="http://schemas.microsoft.com/office/drawing/2010/main">
-        <mc:Choice Requires="a14">
+      <mc:AlternateContent xmlns:mc="http://schemas.openxmlformats.org/markup-compatibility/2006">
+        <mc:Choice xmlns:a14="http://schemas.microsoft.com/office/drawing/2010/main" Requires="a14">
           <p:sp>
             <p:nvSpPr>
               <p:cNvPr id="22" name="TextBox 21">
@@ -25797,7 +25844,7 @@
             </p:nvSpPr>
             <p:spPr>
               <a:xfrm>
-                <a:off x="48449" y="5219308"/>
+                <a:off x="48449" y="5558764"/>
                 <a:ext cx="477078" cy="307777"/>
               </a:xfrm>
               <a:prstGeom prst="rect">
@@ -25832,7 +25879,7 @@
             </p:txBody>
           </p:sp>
         </mc:Choice>
-        <mc:Fallback xmlns="">
+        <mc:Fallback>
           <p:sp>
             <p:nvSpPr>
               <p:cNvPr id="22" name="TextBox 21">
@@ -25849,7 +25896,7 @@
             </p:nvSpPr>
             <p:spPr>
               <a:xfrm>
-                <a:off x="48449" y="5219308"/>
+                <a:off x="48449" y="5558764"/>
                 <a:ext cx="477078" cy="307777"/>
               </a:xfrm>
               <a:prstGeom prst="rect">
@@ -25858,7 +25905,7 @@
               <a:blipFill>
                 <a:blip r:embed="rId7"/>
                 <a:stretch>
-                  <a:fillRect b="-5882"/>
+                  <a:fillRect b="-8000"/>
                 </a:stretch>
               </a:blipFill>
             </p:spPr>
@@ -25891,7 +25938,7 @@
         </p:nvSpPr>
         <p:spPr>
           <a:xfrm>
-            <a:off x="115538" y="5400163"/>
+            <a:off x="115538" y="5739619"/>
             <a:ext cx="342900" cy="307777"/>
           </a:xfrm>
           <a:prstGeom prst="rect">
@@ -25912,8 +25959,8 @@
           </a:p>
         </p:txBody>
       </p:sp>
-      <mc:AlternateContent xmlns:mc="http://schemas.openxmlformats.org/markup-compatibility/2006" xmlns:a14="http://schemas.microsoft.com/office/drawing/2010/main">
-        <mc:Choice Requires="a14">
+      <mc:AlternateContent xmlns:mc="http://schemas.openxmlformats.org/markup-compatibility/2006">
+        <mc:Choice xmlns:a14="http://schemas.microsoft.com/office/drawing/2010/main" Requires="a14">
           <p:sp>
             <p:nvSpPr>
               <p:cNvPr id="25" name="TextBox 24">
@@ -25928,7 +25975,7 @@
             </p:nvSpPr>
             <p:spPr>
               <a:xfrm>
-                <a:off x="10517" y="5634617"/>
+                <a:off x="10517" y="5974073"/>
                 <a:ext cx="642399" cy="327975"/>
               </a:xfrm>
               <a:prstGeom prst="rect">
@@ -25993,7 +26040,7 @@
             </p:txBody>
           </p:sp>
         </mc:Choice>
-        <mc:Fallback xmlns="">
+        <mc:Fallback>
           <p:sp>
             <p:nvSpPr>
               <p:cNvPr id="25" name="TextBox 24">
@@ -26010,7 +26057,7 @@
             </p:nvSpPr>
             <p:spPr>
               <a:xfrm>
-                <a:off x="10517" y="5634617"/>
+                <a:off x="10517" y="5974073"/>
                 <a:ext cx="642399" cy="327975"/>
               </a:xfrm>
               <a:prstGeom prst="rect">
@@ -26038,8 +26085,8 @@
           </p:sp>
         </mc:Fallback>
       </mc:AlternateContent>
-      <mc:AlternateContent xmlns:mc="http://schemas.openxmlformats.org/markup-compatibility/2006" xmlns:a14="http://schemas.microsoft.com/office/drawing/2010/main">
-        <mc:Choice Requires="a14">
+      <mc:AlternateContent xmlns:mc="http://schemas.openxmlformats.org/markup-compatibility/2006">
+        <mc:Choice xmlns:a14="http://schemas.microsoft.com/office/drawing/2010/main" Requires="a14">
           <p:sp>
             <p:nvSpPr>
               <p:cNvPr id="26" name="TextBox 25">
@@ -26054,7 +26101,7 @@
             </p:nvSpPr>
             <p:spPr>
               <a:xfrm>
-                <a:off x="104255" y="5852204"/>
+                <a:off x="104255" y="6191660"/>
                 <a:ext cx="386484" cy="327975"/>
               </a:xfrm>
               <a:prstGeom prst="rect">
@@ -26119,7 +26166,7 @@
             </p:txBody>
           </p:sp>
         </mc:Choice>
-        <mc:Fallback xmlns="">
+        <mc:Fallback>
           <p:sp>
             <p:nvSpPr>
               <p:cNvPr id="26" name="TextBox 25">
@@ -26136,7 +26183,7 @@
             </p:nvSpPr>
             <p:spPr>
               <a:xfrm>
-                <a:off x="104255" y="5852204"/>
+                <a:off x="104255" y="6191660"/>
                 <a:ext cx="386484" cy="327975"/>
               </a:xfrm>
               <a:prstGeom prst="rect">
@@ -26164,8 +26211,8 @@
           </p:sp>
         </mc:Fallback>
       </mc:AlternateContent>
-      <mc:AlternateContent xmlns:mc="http://schemas.openxmlformats.org/markup-compatibility/2006" xmlns:a14="http://schemas.microsoft.com/office/drawing/2010/main">
-        <mc:Choice Requires="a14">
+      <mc:AlternateContent xmlns:mc="http://schemas.openxmlformats.org/markup-compatibility/2006">
+        <mc:Choice xmlns:a14="http://schemas.microsoft.com/office/drawing/2010/main" Requires="a14">
           <p:sp>
             <p:nvSpPr>
               <p:cNvPr id="27" name="TextBox 26">
@@ -26180,7 +26227,7 @@
             </p:nvSpPr>
             <p:spPr>
               <a:xfrm>
-                <a:off x="102742" y="6122890"/>
+                <a:off x="102742" y="6462346"/>
                 <a:ext cx="307945" cy="329642"/>
               </a:xfrm>
               <a:prstGeom prst="rect">
@@ -26245,7 +26292,7 @@
             </p:txBody>
           </p:sp>
         </mc:Choice>
-        <mc:Fallback xmlns="">
+        <mc:Fallback>
           <p:sp>
             <p:nvSpPr>
               <p:cNvPr id="27" name="TextBox 26">
@@ -26262,7 +26309,7 @@
             </p:nvSpPr>
             <p:spPr>
               <a:xfrm>
-                <a:off x="102742" y="6122890"/>
+                <a:off x="102742" y="6462346"/>
                 <a:ext cx="307945" cy="329642"/>
               </a:xfrm>
               <a:prstGeom prst="rect">
@@ -26272,6 +26319,284 @@
                 <a:blip r:embed="rId10"/>
                 <a:stretch>
                   <a:fillRect r="-28000"/>
+                </a:stretch>
+              </a:blipFill>
+            </p:spPr>
+            <p:txBody>
+              <a:bodyPr/>
+              <a:lstStyle/>
+              <a:p>
+                <a:r>
+                  <a:rPr lang="en-GB">
+                    <a:noFill/>
+                  </a:rPr>
+                  <a:t> </a:t>
+                </a:r>
+              </a:p>
+            </p:txBody>
+          </p:sp>
+        </mc:Fallback>
+      </mc:AlternateContent>
+      <mc:AlternateContent xmlns:mc="http://schemas.openxmlformats.org/markup-compatibility/2006">
+        <mc:Choice xmlns:a14="http://schemas.microsoft.com/office/drawing/2010/main" Requires="a14">
+          <p:sp>
+            <p:nvSpPr>
+              <p:cNvPr id="21" name="TextBox 20">
+                <a:extLst>
+                  <a:ext uri="{FF2B5EF4-FFF2-40B4-BE49-F238E27FC236}">
+                    <a16:creationId xmlns:a16="http://schemas.microsoft.com/office/drawing/2014/main" id="{E02A05E4-07D7-58CA-7C95-DA5A8EB3AA29}"/>
+                  </a:ext>
+                </a:extLst>
+              </p:cNvPr>
+              <p:cNvSpPr txBox="1"/>
+              <p:nvPr/>
+            </p:nvSpPr>
+            <p:spPr>
+              <a:xfrm>
+                <a:off x="70576" y="3823202"/>
+                <a:ext cx="606755" cy="315984"/>
+              </a:xfrm>
+              <a:prstGeom prst="rect">
+                <a:avLst/>
+              </a:prstGeom>
+              <a:noFill/>
+            </p:spPr>
+            <p:txBody>
+              <a:bodyPr wrap="square">
+                <a:spAutoFit/>
+              </a:bodyPr>
+              <a:lstStyle/>
+              <a:p>
+                <a:pPr/>
+                <a14:m>
+                  <m:oMathPara xmlns:m="http://schemas.openxmlformats.org/officeDocument/2006/math">
+                    <m:oMathParaPr>
+                      <m:jc m:val="centerGroup"/>
+                    </m:oMathParaPr>
+                    <m:oMath xmlns:m="http://schemas.openxmlformats.org/officeDocument/2006/math">
+                      <m:acc>
+                        <m:accPr>
+                          <m:chr m:val="̇"/>
+                          <m:ctrlPr>
+                            <a:rPr lang="en-GB" sz="1400" i="1" smtClean="0">
+                              <a:solidFill>
+                                <a:srgbClr val="836967"/>
+                              </a:solidFill>
+                              <a:latin typeface="Cambria Math" panose="02040503050406030204" pitchFamily="18" charset="0"/>
+                            </a:rPr>
+                          </m:ctrlPr>
+                        </m:accPr>
+                        <m:e>
+                          <m:sSub>
+                            <m:sSubPr>
+                              <m:ctrlPr>
+                                <a:rPr lang="en-GB" sz="1400" i="1">
+                                  <a:solidFill>
+                                    <a:srgbClr val="836967"/>
+                                  </a:solidFill>
+                                  <a:latin typeface="Cambria Math" panose="02040503050406030204" pitchFamily="18" charset="0"/>
+                                </a:rPr>
+                              </m:ctrlPr>
+                            </m:sSubPr>
+                            <m:e>
+                              <m:r>
+                                <a:rPr lang="en-GB" sz="1400" i="1">
+                                  <a:latin typeface="Cambria Math" panose="02040503050406030204" pitchFamily="18" charset="0"/>
+                                </a:rPr>
+                                <m:t>𝑄</m:t>
+                              </m:r>
+                            </m:e>
+                            <m:sub>
+                              <m:r>
+                                <a:rPr lang="en-US" sz="1400" b="0" i="1" smtClean="0">
+                                  <a:latin typeface="Cambria Math" panose="02040503050406030204" pitchFamily="18" charset="0"/>
+                                </a:rPr>
+                                <m:t>𝐻𝐶</m:t>
+                              </m:r>
+                              <m:r>
+                                <a:rPr lang="en-US" sz="1400" b="0" i="1" smtClean="0">
+                                  <a:latin typeface="Cambria Math" panose="02040503050406030204" pitchFamily="18" charset="0"/>
+                                </a:rPr>
+                                <m:t>1</m:t>
+                              </m:r>
+                            </m:sub>
+                          </m:sSub>
+                        </m:e>
+                      </m:acc>
+                    </m:oMath>
+                  </m:oMathPara>
+                </a14:m>
+                <a:endParaRPr lang="en-GB" sz="1400" dirty="0"/>
+              </a:p>
+            </p:txBody>
+          </p:sp>
+        </mc:Choice>
+        <mc:Fallback>
+          <p:sp>
+            <p:nvSpPr>
+              <p:cNvPr id="21" name="TextBox 20">
+                <a:extLst>
+                  <a:ext uri="{FF2B5EF4-FFF2-40B4-BE49-F238E27FC236}">
+                    <a16:creationId xmlns:a16="http://schemas.microsoft.com/office/drawing/2014/main" id="{E02A05E4-07D7-58CA-7C95-DA5A8EB3AA29}"/>
+                  </a:ext>
+                </a:extLst>
+              </p:cNvPr>
+              <p:cNvSpPr txBox="1">
+                <a:spLocks noRot="1" noChangeAspect="1" noMove="1" noResize="1" noEditPoints="1" noAdjustHandles="1" noChangeArrowheads="1" noChangeShapeType="1" noTextEdit="1"/>
+              </p:cNvSpPr>
+              <p:nvPr/>
+            </p:nvSpPr>
+            <p:spPr>
+              <a:xfrm>
+                <a:off x="70576" y="3823202"/>
+                <a:ext cx="606755" cy="315984"/>
+              </a:xfrm>
+              <a:prstGeom prst="rect">
+                <a:avLst/>
+              </a:prstGeom>
+              <a:blipFill>
+                <a:blip r:embed="rId11"/>
+                <a:stretch>
+                  <a:fillRect b="-7692"/>
+                </a:stretch>
+              </a:blipFill>
+            </p:spPr>
+            <p:txBody>
+              <a:bodyPr/>
+              <a:lstStyle/>
+              <a:p>
+                <a:r>
+                  <a:rPr lang="en-GB">
+                    <a:noFill/>
+                  </a:rPr>
+                  <a:t> </a:t>
+                </a:r>
+              </a:p>
+            </p:txBody>
+          </p:sp>
+        </mc:Fallback>
+      </mc:AlternateContent>
+      <mc:AlternateContent xmlns:mc="http://schemas.openxmlformats.org/markup-compatibility/2006">
+        <mc:Choice xmlns:a14="http://schemas.microsoft.com/office/drawing/2010/main" Requires="a14">
+          <p:sp>
+            <p:nvSpPr>
+              <p:cNvPr id="23" name="TextBox 22">
+                <a:extLst>
+                  <a:ext uri="{FF2B5EF4-FFF2-40B4-BE49-F238E27FC236}">
+                    <a16:creationId xmlns:a16="http://schemas.microsoft.com/office/drawing/2014/main" id="{512605F3-9E2A-2436-59C5-E354A3BF76A5}"/>
+                  </a:ext>
+                </a:extLst>
+              </p:cNvPr>
+              <p:cNvSpPr txBox="1"/>
+              <p:nvPr/>
+            </p:nvSpPr>
+            <p:spPr>
+              <a:xfrm>
+                <a:off x="71823" y="4076038"/>
+                <a:ext cx="606755" cy="315984"/>
+              </a:xfrm>
+              <a:prstGeom prst="rect">
+                <a:avLst/>
+              </a:prstGeom>
+              <a:noFill/>
+            </p:spPr>
+            <p:txBody>
+              <a:bodyPr wrap="square">
+                <a:spAutoFit/>
+              </a:bodyPr>
+              <a:lstStyle/>
+              <a:p>
+                <a:pPr/>
+                <a14:m>
+                  <m:oMathPara xmlns:m="http://schemas.openxmlformats.org/officeDocument/2006/math">
+                    <m:oMathParaPr>
+                      <m:jc m:val="centerGroup"/>
+                    </m:oMathParaPr>
+                    <m:oMath xmlns:m="http://schemas.openxmlformats.org/officeDocument/2006/math">
+                      <m:acc>
+                        <m:accPr>
+                          <m:chr m:val="̇"/>
+                          <m:ctrlPr>
+                            <a:rPr lang="en-GB" sz="1400" i="1" smtClean="0">
+                              <a:solidFill>
+                                <a:srgbClr val="836967"/>
+                              </a:solidFill>
+                              <a:latin typeface="Cambria Math" panose="02040503050406030204" pitchFamily="18" charset="0"/>
+                            </a:rPr>
+                          </m:ctrlPr>
+                        </m:accPr>
+                        <m:e>
+                          <m:sSub>
+                            <m:sSubPr>
+                              <m:ctrlPr>
+                                <a:rPr lang="en-GB" sz="1400" i="1">
+                                  <a:solidFill>
+                                    <a:srgbClr val="836967"/>
+                                  </a:solidFill>
+                                  <a:latin typeface="Cambria Math" panose="02040503050406030204" pitchFamily="18" charset="0"/>
+                                </a:rPr>
+                              </m:ctrlPr>
+                            </m:sSubPr>
+                            <m:e>
+                              <m:r>
+                                <a:rPr lang="en-GB" sz="1400" i="1">
+                                  <a:latin typeface="Cambria Math" panose="02040503050406030204" pitchFamily="18" charset="0"/>
+                                </a:rPr>
+                                <m:t>𝑄</m:t>
+                              </m:r>
+                            </m:e>
+                            <m:sub>
+                              <m:r>
+                                <a:rPr lang="en-US" sz="1400" b="0" i="1" smtClean="0">
+                                  <a:latin typeface="Cambria Math" panose="02040503050406030204" pitchFamily="18" charset="0"/>
+                                </a:rPr>
+                                <m:t>𝐻𝐶</m:t>
+                              </m:r>
+                              <m:r>
+                                <a:rPr lang="en-US" sz="1400" b="0" i="1" smtClean="0">
+                                  <a:latin typeface="Cambria Math" panose="02040503050406030204" pitchFamily="18" charset="0"/>
+                                </a:rPr>
+                                <m:t>2</m:t>
+                              </m:r>
+                            </m:sub>
+                          </m:sSub>
+                        </m:e>
+                      </m:acc>
+                    </m:oMath>
+                  </m:oMathPara>
+                </a14:m>
+                <a:endParaRPr lang="en-GB" sz="1400" dirty="0"/>
+              </a:p>
+            </p:txBody>
+          </p:sp>
+        </mc:Choice>
+        <mc:Fallback>
+          <p:sp>
+            <p:nvSpPr>
+              <p:cNvPr id="23" name="TextBox 22">
+                <a:extLst>
+                  <a:ext uri="{FF2B5EF4-FFF2-40B4-BE49-F238E27FC236}">
+                    <a16:creationId xmlns:a16="http://schemas.microsoft.com/office/drawing/2014/main" id="{512605F3-9E2A-2436-59C5-E354A3BF76A5}"/>
+                  </a:ext>
+                </a:extLst>
+              </p:cNvPr>
+              <p:cNvSpPr txBox="1">
+                <a:spLocks noRot="1" noChangeAspect="1" noMove="1" noResize="1" noEditPoints="1" noAdjustHandles="1" noChangeArrowheads="1" noChangeShapeType="1" noTextEdit="1"/>
+              </p:cNvSpPr>
+              <p:nvPr/>
+            </p:nvSpPr>
+            <p:spPr>
+              <a:xfrm>
+                <a:off x="71823" y="4076038"/>
+                <a:ext cx="606755" cy="315984"/>
+              </a:xfrm>
+              <a:prstGeom prst="rect">
+                <a:avLst/>
+              </a:prstGeom>
+              <a:blipFill>
+                <a:blip r:embed="rId12"/>
+                <a:stretch>
+                  <a:fillRect b="-7843"/>
                 </a:stretch>
               </a:blipFill>
             </p:spPr>
@@ -26322,10 +26647,10 @@
       </p:grpSpPr>
       <p:pic>
         <p:nvPicPr>
-          <p:cNvPr id="7" name="Picture 6" descr="Table&#10;&#10;Description automatically generated">
-            <a:extLst>
-              <a:ext uri="{FF2B5EF4-FFF2-40B4-BE49-F238E27FC236}">
-                <a16:creationId xmlns:a16="http://schemas.microsoft.com/office/drawing/2014/main" id="{8D4B3C04-E753-4899-9E86-6EFE04DC921C}"/>
+          <p:cNvPr id="5" name="Picture 4">
+            <a:extLst>
+              <a:ext uri="{FF2B5EF4-FFF2-40B4-BE49-F238E27FC236}">
+                <a16:creationId xmlns:a16="http://schemas.microsoft.com/office/drawing/2014/main" id="{D8D627FF-8018-88D4-564A-8002BB7D0E0F}"/>
               </a:ext>
             </a:extLst>
           </p:cNvPr>
@@ -26335,21 +26660,15 @@
           <p:nvPr/>
         </p:nvPicPr>
         <p:blipFill>
-          <a:blip r:embed="rId2">
-            <a:extLst>
-              <a:ext uri="{28A0092B-C50C-407E-A947-70E740481C1C}">
-                <a14:useLocalDpi xmlns:a14="http://schemas.microsoft.com/office/drawing/2010/main" val="0"/>
-              </a:ext>
-            </a:extLst>
-          </a:blip>
+          <a:blip r:embed="rId2"/>
           <a:stretch>
             <a:fillRect/>
           </a:stretch>
         </p:blipFill>
         <p:spPr>
           <a:xfrm>
-            <a:off x="8607725" y="0"/>
-            <a:ext cx="3584275" cy="5628640"/>
+            <a:off x="8526200" y="1"/>
+            <a:ext cx="3665800" cy="6055359"/>
           </a:xfrm>
           <a:prstGeom prst="rect">
             <a:avLst/>
@@ -26358,10 +26677,10 @@
       </p:pic>
       <p:pic>
         <p:nvPicPr>
-          <p:cNvPr id="9" name="Picture 8" descr="Diagram&#10;&#10;Description automatically generated">
-            <a:extLst>
-              <a:ext uri="{FF2B5EF4-FFF2-40B4-BE49-F238E27FC236}">
-                <a16:creationId xmlns:a16="http://schemas.microsoft.com/office/drawing/2014/main" id="{448F6F89-D61F-42C6-ACEE-C4DBABE5ABDD}"/>
+          <p:cNvPr id="3" name="Picture 2">
+            <a:extLst>
+              <a:ext uri="{FF2B5EF4-FFF2-40B4-BE49-F238E27FC236}">
+                <a16:creationId xmlns:a16="http://schemas.microsoft.com/office/drawing/2014/main" id="{736BAD32-86B7-304A-3E92-7FB3F3B1C5AD}"/>
               </a:ext>
             </a:extLst>
           </p:cNvPr>
@@ -26371,21 +26690,15 @@
           <p:nvPr/>
         </p:nvPicPr>
         <p:blipFill>
-          <a:blip r:embed="rId3">
-            <a:extLst>
-              <a:ext uri="{28A0092B-C50C-407E-A947-70E740481C1C}">
-                <a14:useLocalDpi xmlns:a14="http://schemas.microsoft.com/office/drawing/2010/main" val="0"/>
-              </a:ext>
-            </a:extLst>
-          </a:blip>
+          <a:blip r:embed="rId3"/>
           <a:stretch>
             <a:fillRect/>
           </a:stretch>
         </p:blipFill>
         <p:spPr>
           <a:xfrm>
-            <a:off x="0" y="0"/>
-            <a:ext cx="8615680" cy="4846320"/>
+            <a:off x="0" y="1"/>
+            <a:ext cx="8576952" cy="4632960"/>
           </a:xfrm>
           <a:prstGeom prst="rect">
             <a:avLst/>

--- a/Model.pptx
+++ b/Model.pptx
@@ -277,7 +277,7 @@
           <a:p>
             <a:fld id="{AB5C80F9-2895-4B59-8A35-A8A179B4CFCD}" type="datetimeFigureOut">
               <a:rPr lang="en-GB" smtClean="0"/>
-              <a:t>25/05/2022</a:t>
+              <a:t>02/06/2022</a:t>
             </a:fld>
             <a:endParaRPr lang="en-GB"/>
           </a:p>
@@ -477,7 +477,7 @@
           <a:p>
             <a:fld id="{AB5C80F9-2895-4B59-8A35-A8A179B4CFCD}" type="datetimeFigureOut">
               <a:rPr lang="en-GB" smtClean="0"/>
-              <a:t>25/05/2022</a:t>
+              <a:t>02/06/2022</a:t>
             </a:fld>
             <a:endParaRPr lang="en-GB"/>
           </a:p>
@@ -687,7 +687,7 @@
           <a:p>
             <a:fld id="{AB5C80F9-2895-4B59-8A35-A8A179B4CFCD}" type="datetimeFigureOut">
               <a:rPr lang="en-GB" smtClean="0"/>
-              <a:t>25/05/2022</a:t>
+              <a:t>02/06/2022</a:t>
             </a:fld>
             <a:endParaRPr lang="en-GB"/>
           </a:p>
@@ -887,7 +887,7 @@
           <a:p>
             <a:fld id="{AB5C80F9-2895-4B59-8A35-A8A179B4CFCD}" type="datetimeFigureOut">
               <a:rPr lang="en-GB" smtClean="0"/>
-              <a:t>25/05/2022</a:t>
+              <a:t>02/06/2022</a:t>
             </a:fld>
             <a:endParaRPr lang="en-GB"/>
           </a:p>
@@ -1163,7 +1163,7 @@
           <a:p>
             <a:fld id="{AB5C80F9-2895-4B59-8A35-A8A179B4CFCD}" type="datetimeFigureOut">
               <a:rPr lang="en-GB" smtClean="0"/>
-              <a:t>25/05/2022</a:t>
+              <a:t>02/06/2022</a:t>
             </a:fld>
             <a:endParaRPr lang="en-GB"/>
           </a:p>
@@ -1431,7 +1431,7 @@
           <a:p>
             <a:fld id="{AB5C80F9-2895-4B59-8A35-A8A179B4CFCD}" type="datetimeFigureOut">
               <a:rPr lang="en-GB" smtClean="0"/>
-              <a:t>25/05/2022</a:t>
+              <a:t>02/06/2022</a:t>
             </a:fld>
             <a:endParaRPr lang="en-GB"/>
           </a:p>
@@ -1846,7 +1846,7 @@
           <a:p>
             <a:fld id="{AB5C80F9-2895-4B59-8A35-A8A179B4CFCD}" type="datetimeFigureOut">
               <a:rPr lang="en-GB" smtClean="0"/>
-              <a:t>25/05/2022</a:t>
+              <a:t>02/06/2022</a:t>
             </a:fld>
             <a:endParaRPr lang="en-GB"/>
           </a:p>
@@ -1988,7 +1988,7 @@
           <a:p>
             <a:fld id="{AB5C80F9-2895-4B59-8A35-A8A179B4CFCD}" type="datetimeFigureOut">
               <a:rPr lang="en-GB" smtClean="0"/>
-              <a:t>25/05/2022</a:t>
+              <a:t>02/06/2022</a:t>
             </a:fld>
             <a:endParaRPr lang="en-GB"/>
           </a:p>
@@ -2101,7 +2101,7 @@
           <a:p>
             <a:fld id="{AB5C80F9-2895-4B59-8A35-A8A179B4CFCD}" type="datetimeFigureOut">
               <a:rPr lang="en-GB" smtClean="0"/>
-              <a:t>25/05/2022</a:t>
+              <a:t>02/06/2022</a:t>
             </a:fld>
             <a:endParaRPr lang="en-GB"/>
           </a:p>
@@ -2414,7 +2414,7 @@
           <a:p>
             <a:fld id="{AB5C80F9-2895-4B59-8A35-A8A179B4CFCD}" type="datetimeFigureOut">
               <a:rPr lang="en-GB" smtClean="0"/>
-              <a:t>25/05/2022</a:t>
+              <a:t>02/06/2022</a:t>
             </a:fld>
             <a:endParaRPr lang="en-GB"/>
           </a:p>
@@ -2703,7 +2703,7 @@
           <a:p>
             <a:fld id="{AB5C80F9-2895-4B59-8A35-A8A179B4CFCD}" type="datetimeFigureOut">
               <a:rPr lang="en-GB" smtClean="0"/>
-              <a:t>25/05/2022</a:t>
+              <a:t>02/06/2022</a:t>
             </a:fld>
             <a:endParaRPr lang="en-GB"/>
           </a:p>
@@ -2946,7 +2946,7 @@
           <a:p>
             <a:fld id="{AB5C80F9-2895-4B59-8A35-A8A179B4CFCD}" type="datetimeFigureOut">
               <a:rPr lang="en-GB" smtClean="0"/>
-              <a:t>25/05/2022</a:t>
+              <a:t>02/06/2022</a:t>
             </a:fld>
             <a:endParaRPr lang="en-GB"/>
           </a:p>
@@ -4252,119 +4252,6 @@
           </a:fontRef>
         </p:style>
       </p:cxnSp>
-      <p:grpSp>
-        <p:nvGrpSpPr>
-          <p:cNvPr id="63" name="Group 62">
-            <a:extLst>
-              <a:ext uri="{FF2B5EF4-FFF2-40B4-BE49-F238E27FC236}">
-                <a16:creationId xmlns:a16="http://schemas.microsoft.com/office/drawing/2014/main" id="{96A90A22-B60A-4E49-A0A4-3629EC094355}"/>
-              </a:ext>
-            </a:extLst>
-          </p:cNvPr>
-          <p:cNvGrpSpPr/>
-          <p:nvPr/>
-        </p:nvGrpSpPr>
-        <p:grpSpPr>
-          <a:xfrm>
-            <a:off x="8823728" y="3095715"/>
-            <a:ext cx="576469" cy="369332"/>
-            <a:chOff x="8931252" y="3119791"/>
-            <a:chExt cx="576469" cy="369332"/>
-          </a:xfrm>
-        </p:grpSpPr>
-        <p:sp>
-          <p:nvSpPr>
-            <p:cNvPr id="60" name="Oval 59">
-              <a:extLst>
-                <a:ext uri="{FF2B5EF4-FFF2-40B4-BE49-F238E27FC236}">
-                  <a16:creationId xmlns:a16="http://schemas.microsoft.com/office/drawing/2014/main" id="{102F7CB8-7219-42F1-BBDD-EC9759B997D1}"/>
-                </a:ext>
-              </a:extLst>
-            </p:cNvPr>
-            <p:cNvSpPr/>
-            <p:nvPr/>
-          </p:nvSpPr>
-          <p:spPr>
-            <a:xfrm>
-              <a:off x="9039487" y="3119791"/>
-              <a:ext cx="360000" cy="360000"/>
-            </a:xfrm>
-            <a:prstGeom prst="ellipse">
-              <a:avLst/>
-            </a:prstGeom>
-            <a:solidFill>
-              <a:schemeClr val="accent1">
-                <a:lumMod val="20000"/>
-                <a:lumOff val="80000"/>
-              </a:schemeClr>
-            </a:solidFill>
-          </p:spPr>
-          <p:style>
-            <a:lnRef idx="2">
-              <a:schemeClr val="accent1">
-                <a:shade val="50000"/>
-              </a:schemeClr>
-            </a:lnRef>
-            <a:fillRef idx="1">
-              <a:schemeClr val="accent1"/>
-            </a:fillRef>
-            <a:effectRef idx="0">
-              <a:schemeClr val="accent1"/>
-            </a:effectRef>
-            <a:fontRef idx="minor">
-              <a:schemeClr val="lt1"/>
-            </a:fontRef>
-          </p:style>
-          <p:txBody>
-            <a:bodyPr rtlCol="0" anchor="ctr"/>
-            <a:lstStyle/>
-            <a:p>
-              <a:pPr algn="ctr"/>
-              <a:endParaRPr lang="en-GB"/>
-            </a:p>
-          </p:txBody>
-        </p:sp>
-        <p:sp>
-          <p:nvSpPr>
-            <p:cNvPr id="61" name="TextBox 60">
-              <a:extLst>
-                <a:ext uri="{FF2B5EF4-FFF2-40B4-BE49-F238E27FC236}">
-                  <a16:creationId xmlns:a16="http://schemas.microsoft.com/office/drawing/2014/main" id="{CD081B9D-8C1C-4410-ACEA-1CD776D7AC0C}"/>
-                </a:ext>
-              </a:extLst>
-            </p:cNvPr>
-            <p:cNvSpPr txBox="1"/>
-            <p:nvPr/>
-          </p:nvSpPr>
-          <p:spPr>
-            <a:xfrm>
-              <a:off x="8931252" y="3119791"/>
-              <a:ext cx="576469" cy="369332"/>
-            </a:xfrm>
-            <a:prstGeom prst="rect">
-              <a:avLst/>
-            </a:prstGeom>
-            <a:noFill/>
-            <a:ln>
-              <a:noFill/>
-            </a:ln>
-          </p:spPr>
-          <p:txBody>
-            <a:bodyPr wrap="square" rtlCol="0">
-              <a:spAutoFit/>
-            </a:bodyPr>
-            <a:lstStyle/>
-            <a:p>
-              <a:pPr algn="ctr"/>
-              <a:r>
-                <a:rPr lang="en-US" dirty="0"/>
-                <a:t>F</a:t>
-              </a:r>
-              <a:endParaRPr lang="en-GB" dirty="0"/>
-            </a:p>
-          </p:txBody>
-        </p:sp>
-      </p:grpSp>
       <p:cxnSp>
         <p:nvCxnSpPr>
           <p:cNvPr id="68" name="Straight Arrow Connector 67">
@@ -4376,58 +4263,15 @@
           </p:cNvPr>
           <p:cNvCxnSpPr>
             <a:cxnSpLocks/>
+            <a:stCxn id="55" idx="3"/>
             <a:endCxn id="74" idx="1"/>
           </p:cNvCxnSpPr>
           <p:nvPr/>
         </p:nvCxnSpPr>
         <p:spPr>
           <a:xfrm>
-            <a:off x="9287118" y="3280146"/>
-            <a:ext cx="1496839" cy="2"/>
-          </a:xfrm>
-          <a:prstGeom prst="straightConnector1">
-            <a:avLst/>
-          </a:prstGeom>
-          <a:ln w="12700">
-            <a:solidFill>
-              <a:schemeClr val="tx1"/>
-            </a:solidFill>
-            <a:tailEnd type="triangle"/>
-          </a:ln>
-        </p:spPr>
-        <p:style>
-          <a:lnRef idx="1">
-            <a:schemeClr val="accent1"/>
-          </a:lnRef>
-          <a:fillRef idx="0">
-            <a:schemeClr val="accent1"/>
-          </a:fillRef>
-          <a:effectRef idx="0">
-            <a:schemeClr val="accent1"/>
-          </a:effectRef>
-          <a:fontRef idx="minor">
-            <a:schemeClr val="tx1"/>
-          </a:fontRef>
-        </p:style>
-      </p:cxnSp>
-      <p:cxnSp>
-        <p:nvCxnSpPr>
-          <p:cNvPr id="69" name="Straight Arrow Connector 68">
-            <a:extLst>
-              <a:ext uri="{FF2B5EF4-FFF2-40B4-BE49-F238E27FC236}">
-                <a16:creationId xmlns:a16="http://schemas.microsoft.com/office/drawing/2014/main" id="{14CBFF5F-26B0-4CB1-B8FF-A950167853FE}"/>
-              </a:ext>
-            </a:extLst>
-          </p:cNvPr>
-          <p:cNvCxnSpPr>
-            <a:cxnSpLocks/>
-          </p:cNvCxnSpPr>
-          <p:nvPr/>
-        </p:nvCxnSpPr>
-        <p:spPr>
-          <a:xfrm>
-            <a:off x="8419856" y="3299791"/>
-            <a:ext cx="512107" cy="0"/>
+            <a:off x="8419856" y="3280148"/>
+            <a:ext cx="2364101" cy="0"/>
           </a:xfrm>
           <a:prstGeom prst="straightConnector1">
             <a:avLst/>
@@ -5066,8 +4910,8 @@
           </a:fontRef>
         </p:style>
       </p:cxnSp>
-      <mc:AlternateContent xmlns:mc="http://schemas.openxmlformats.org/markup-compatibility/2006">
-        <mc:Choice xmlns:a14="http://schemas.microsoft.com/office/drawing/2010/main" Requires="a14">
+      <mc:AlternateContent xmlns:mc="http://schemas.openxmlformats.org/markup-compatibility/2006" xmlns:a14="http://schemas.microsoft.com/office/drawing/2010/main">
+        <mc:Choice Requires="a14">
           <p:sp>
             <p:nvSpPr>
               <p:cNvPr id="116" name="TextBox 115">
@@ -5160,7 +5004,7 @@
             </p:txBody>
           </p:sp>
         </mc:Choice>
-        <mc:Fallback>
+        <mc:Fallback xmlns="">
           <p:sp>
             <p:nvSpPr>
               <p:cNvPr id="116" name="TextBox 115">
@@ -5205,8 +5049,8 @@
           </p:sp>
         </mc:Fallback>
       </mc:AlternateContent>
-      <mc:AlternateContent xmlns:mc="http://schemas.openxmlformats.org/markup-compatibility/2006">
-        <mc:Choice xmlns:a14="http://schemas.microsoft.com/office/drawing/2010/main" Requires="a14">
+      <mc:AlternateContent xmlns:mc="http://schemas.openxmlformats.org/markup-compatibility/2006" xmlns:a14="http://schemas.microsoft.com/office/drawing/2010/main">
+        <mc:Choice Requires="a14">
           <p:sp>
             <p:nvSpPr>
               <p:cNvPr id="117" name="TextBox 116">
@@ -5299,7 +5143,7 @@
             </p:txBody>
           </p:sp>
         </mc:Choice>
-        <mc:Fallback>
+        <mc:Fallback xmlns="">
           <p:sp>
             <p:nvSpPr>
               <p:cNvPr id="117" name="TextBox 116">
@@ -7331,285 +7175,6 @@
           </a:fontRef>
         </p:style>
       </p:cxnSp>
-      <p:grpSp>
-        <p:nvGrpSpPr>
-          <p:cNvPr id="193" name="Group 192">
-            <a:extLst>
-              <a:ext uri="{FF2B5EF4-FFF2-40B4-BE49-F238E27FC236}">
-                <a16:creationId xmlns:a16="http://schemas.microsoft.com/office/drawing/2014/main" id="{F16DDD96-C8BD-4737-A15A-E5DED33B7D9B}"/>
-              </a:ext>
-            </a:extLst>
-          </p:cNvPr>
-          <p:cNvGrpSpPr/>
-          <p:nvPr/>
-        </p:nvGrpSpPr>
-        <p:grpSpPr>
-          <a:xfrm>
-            <a:off x="9287118" y="3888236"/>
-            <a:ext cx="804499" cy="700522"/>
-            <a:chOff x="8880757" y="3922643"/>
-            <a:chExt cx="1120837" cy="934286"/>
-          </a:xfrm>
-        </p:grpSpPr>
-        <p:sp>
-          <p:nvSpPr>
-            <p:cNvPr id="189" name="Rectangle 188">
-              <a:extLst>
-                <a:ext uri="{FF2B5EF4-FFF2-40B4-BE49-F238E27FC236}">
-                  <a16:creationId xmlns:a16="http://schemas.microsoft.com/office/drawing/2014/main" id="{DA439CC2-6103-4EA7-8EFA-32EC6C7FACAF}"/>
-                </a:ext>
-              </a:extLst>
-            </p:cNvPr>
-            <p:cNvSpPr/>
-            <p:nvPr/>
-          </p:nvSpPr>
-          <p:spPr>
-            <a:xfrm>
-              <a:off x="8890042" y="3922643"/>
-              <a:ext cx="1095647" cy="934286"/>
-            </a:xfrm>
-            <a:prstGeom prst="rect">
-              <a:avLst/>
-            </a:prstGeom>
-            <a:noFill/>
-          </p:spPr>
-          <p:style>
-            <a:lnRef idx="2">
-              <a:schemeClr val="accent1">
-                <a:shade val="50000"/>
-              </a:schemeClr>
-            </a:lnRef>
-            <a:fillRef idx="1">
-              <a:schemeClr val="accent1"/>
-            </a:fillRef>
-            <a:effectRef idx="0">
-              <a:schemeClr val="accent1"/>
-            </a:effectRef>
-            <a:fontRef idx="minor">
-              <a:schemeClr val="lt1"/>
-            </a:fontRef>
-          </p:style>
-          <p:txBody>
-            <a:bodyPr rtlCol="0" anchor="ctr"/>
-            <a:lstStyle/>
-            <a:p>
-              <a:pPr algn="ctr"/>
-              <a:endParaRPr lang="en-GB"/>
-            </a:p>
-          </p:txBody>
-        </p:sp>
-        <p:sp>
-          <p:nvSpPr>
-            <p:cNvPr id="190" name="Isosceles Triangle 189">
-              <a:extLst>
-                <a:ext uri="{FF2B5EF4-FFF2-40B4-BE49-F238E27FC236}">
-                  <a16:creationId xmlns:a16="http://schemas.microsoft.com/office/drawing/2014/main" id="{44A97516-53BB-48AB-81D8-0F4626741AC9}"/>
-                </a:ext>
-              </a:extLst>
-            </p:cNvPr>
-            <p:cNvSpPr/>
-            <p:nvPr/>
-          </p:nvSpPr>
-          <p:spPr>
-            <a:xfrm rot="16200000">
-              <a:off x="8981122" y="3836456"/>
-              <a:ext cx="920108" cy="1120837"/>
-            </a:xfrm>
-            <a:prstGeom prst="triangle">
-              <a:avLst>
-                <a:gd name="adj" fmla="val 48271"/>
-              </a:avLst>
-            </a:prstGeom>
-            <a:noFill/>
-          </p:spPr>
-          <p:style>
-            <a:lnRef idx="2">
-              <a:schemeClr val="accent1">
-                <a:shade val="50000"/>
-              </a:schemeClr>
-            </a:lnRef>
-            <a:fillRef idx="1">
-              <a:schemeClr val="accent1"/>
-            </a:fillRef>
-            <a:effectRef idx="0">
-              <a:schemeClr val="accent1"/>
-            </a:effectRef>
-            <a:fontRef idx="minor">
-              <a:schemeClr val="lt1"/>
-            </a:fontRef>
-          </p:style>
-          <p:txBody>
-            <a:bodyPr rtlCol="0" anchor="ctr"/>
-            <a:lstStyle/>
-            <a:p>
-              <a:pPr algn="ctr"/>
-              <a:endParaRPr lang="en-GB"/>
-            </a:p>
-          </p:txBody>
-        </p:sp>
-        <p:sp>
-          <p:nvSpPr>
-            <p:cNvPr id="191" name="TextBox 190">
-              <a:extLst>
-                <a:ext uri="{FF2B5EF4-FFF2-40B4-BE49-F238E27FC236}">
-                  <a16:creationId xmlns:a16="http://schemas.microsoft.com/office/drawing/2014/main" id="{F8DF4C71-1176-4AEC-BAD5-BC0748B766DF}"/>
-                </a:ext>
-              </a:extLst>
-            </p:cNvPr>
-            <p:cNvSpPr txBox="1"/>
-            <p:nvPr/>
-          </p:nvSpPr>
-          <p:spPr>
-            <a:xfrm>
-              <a:off x="9710102" y="4379152"/>
-              <a:ext cx="208723" cy="369332"/>
-            </a:xfrm>
-            <a:prstGeom prst="rect">
-              <a:avLst/>
-            </a:prstGeom>
-            <a:noFill/>
-          </p:spPr>
-          <p:txBody>
-            <a:bodyPr wrap="square" rtlCol="0">
-              <a:spAutoFit/>
-            </a:bodyPr>
-            <a:lstStyle/>
-            <a:p>
-              <a:r>
-                <a:rPr lang="en-US" dirty="0"/>
-                <a:t>+</a:t>
-              </a:r>
-              <a:endParaRPr lang="en-GB" dirty="0"/>
-            </a:p>
-          </p:txBody>
-        </p:sp>
-        <p:sp>
-          <p:nvSpPr>
-            <p:cNvPr id="192" name="TextBox 191">
-              <a:extLst>
-                <a:ext uri="{FF2B5EF4-FFF2-40B4-BE49-F238E27FC236}">
-                  <a16:creationId xmlns:a16="http://schemas.microsoft.com/office/drawing/2014/main" id="{7274C32E-026D-40A2-A87C-447D229C1418}"/>
-                </a:ext>
-              </a:extLst>
-            </p:cNvPr>
-            <p:cNvSpPr txBox="1"/>
-            <p:nvPr/>
-          </p:nvSpPr>
-          <p:spPr>
-            <a:xfrm>
-              <a:off x="9735553" y="4119297"/>
-              <a:ext cx="208723" cy="369332"/>
-            </a:xfrm>
-            <a:prstGeom prst="rect">
-              <a:avLst/>
-            </a:prstGeom>
-            <a:noFill/>
-          </p:spPr>
-          <p:txBody>
-            <a:bodyPr wrap="square" rtlCol="0">
-              <a:spAutoFit/>
-            </a:bodyPr>
-            <a:lstStyle/>
-            <a:p>
-              <a:r>
-                <a:rPr lang="en-US" dirty="0"/>
-                <a:t>-</a:t>
-              </a:r>
-              <a:endParaRPr lang="en-GB" dirty="0"/>
-            </a:p>
-          </p:txBody>
-        </p:sp>
-      </p:grpSp>
-      <p:cxnSp>
-        <p:nvCxnSpPr>
-          <p:cNvPr id="198" name="Connector: Elbow 197">
-            <a:extLst>
-              <a:ext uri="{FF2B5EF4-FFF2-40B4-BE49-F238E27FC236}">
-                <a16:creationId xmlns:a16="http://schemas.microsoft.com/office/drawing/2014/main" id="{3A934BCA-EF6F-4B70-BEF4-E2065D1763E7}"/>
-              </a:ext>
-            </a:extLst>
-          </p:cNvPr>
-          <p:cNvCxnSpPr>
-            <a:cxnSpLocks/>
-            <a:endCxn id="190" idx="3"/>
-          </p:cNvCxnSpPr>
-          <p:nvPr/>
-        </p:nvCxnSpPr>
-        <p:spPr>
-          <a:xfrm rot="5400000">
-            <a:off x="9707050" y="3659091"/>
-            <a:ext cx="981217" cy="212081"/>
-          </a:xfrm>
-          <a:prstGeom prst="bentConnector2">
-            <a:avLst/>
-          </a:prstGeom>
-          <a:ln w="12700">
-            <a:solidFill>
-              <a:schemeClr val="tx1">
-                <a:lumMod val="50000"/>
-                <a:lumOff val="50000"/>
-              </a:schemeClr>
-            </a:solidFill>
-            <a:tailEnd type="triangle"/>
-          </a:ln>
-        </p:spPr>
-        <p:style>
-          <a:lnRef idx="1">
-            <a:schemeClr val="accent1"/>
-          </a:lnRef>
-          <a:fillRef idx="0">
-            <a:schemeClr val="accent1"/>
-          </a:fillRef>
-          <a:effectRef idx="0">
-            <a:schemeClr val="accent1"/>
-          </a:effectRef>
-          <a:fontRef idx="minor">
-            <a:schemeClr val="tx1"/>
-          </a:fontRef>
-        </p:style>
-      </p:cxnSp>
-      <p:cxnSp>
-        <p:nvCxnSpPr>
-          <p:cNvPr id="200" name="Straight Arrow Connector 199">
-            <a:extLst>
-              <a:ext uri="{FF2B5EF4-FFF2-40B4-BE49-F238E27FC236}">
-                <a16:creationId xmlns:a16="http://schemas.microsoft.com/office/drawing/2014/main" id="{7508421B-D5B0-4324-8549-69D1C1EC6E44}"/>
-              </a:ext>
-            </a:extLst>
-          </p:cNvPr>
-          <p:cNvCxnSpPr>
-            <a:cxnSpLocks/>
-            <a:stCxn id="204" idx="1"/>
-          </p:cNvCxnSpPr>
-          <p:nvPr/>
-        </p:nvCxnSpPr>
-        <p:spPr>
-          <a:xfrm flipH="1" flipV="1">
-            <a:off x="10093501" y="4431858"/>
-            <a:ext cx="198219" cy="2665"/>
-          </a:xfrm>
-          <a:prstGeom prst="straightConnector1">
-            <a:avLst/>
-          </a:prstGeom>
-          <a:ln>
-            <a:tailEnd type="triangle"/>
-          </a:ln>
-        </p:spPr>
-        <p:style>
-          <a:lnRef idx="2">
-            <a:schemeClr val="dk1"/>
-          </a:lnRef>
-          <a:fillRef idx="0">
-            <a:schemeClr val="dk1"/>
-          </a:fillRef>
-          <a:effectRef idx="1">
-            <a:schemeClr val="dk1"/>
-          </a:effectRef>
-          <a:fontRef idx="minor">
-            <a:schemeClr val="tx1"/>
-          </a:fontRef>
-        </p:style>
-      </p:cxnSp>
       <mc:AlternateContent xmlns:mc="http://schemas.openxmlformats.org/markup-compatibility/2006" xmlns:a14="http://schemas.microsoft.com/office/drawing/2010/main">
         <mc:Choice Requires="a14">
           <p:sp>
@@ -7718,132 +7283,6 @@
                 <a:blip r:embed="rId10"/>
                 <a:stretch>
                   <a:fillRect/>
-                </a:stretch>
-              </a:blipFill>
-            </p:spPr>
-            <p:txBody>
-              <a:bodyPr/>
-              <a:lstStyle/>
-              <a:p>
-                <a:r>
-                  <a:rPr lang="en-GB">
-                    <a:noFill/>
-                  </a:rPr>
-                  <a:t> </a:t>
-                </a:r>
-              </a:p>
-            </p:txBody>
-          </p:sp>
-        </mc:Fallback>
-      </mc:AlternateContent>
-      <mc:AlternateContent xmlns:mc="http://schemas.openxmlformats.org/markup-compatibility/2006" xmlns:a14="http://schemas.microsoft.com/office/drawing/2010/main">
-        <mc:Choice Requires="a14">
-          <p:sp>
-            <p:nvSpPr>
-              <p:cNvPr id="204" name="TextBox 203">
-                <a:extLst>
-                  <a:ext uri="{FF2B5EF4-FFF2-40B4-BE49-F238E27FC236}">
-                    <a16:creationId xmlns:a16="http://schemas.microsoft.com/office/drawing/2014/main" id="{3965C210-91C9-4A7A-81EB-51BA38CB2E1F}"/>
-                  </a:ext>
-                </a:extLst>
-              </p:cNvPr>
-              <p:cNvSpPr txBox="1"/>
-              <p:nvPr/>
-            </p:nvSpPr>
-            <p:spPr>
-              <a:xfrm>
-                <a:off x="10291720" y="4230524"/>
-                <a:ext cx="307945" cy="407997"/>
-              </a:xfrm>
-              <a:prstGeom prst="rect">
-                <a:avLst/>
-              </a:prstGeom>
-              <a:noFill/>
-            </p:spPr>
-            <p:txBody>
-              <a:bodyPr wrap="square">
-                <a:spAutoFit/>
-              </a:bodyPr>
-              <a:lstStyle/>
-              <a:p>
-                <a:pPr/>
-                <a14:m>
-                  <m:oMathPara xmlns:m="http://schemas.openxmlformats.org/officeDocument/2006/math">
-                    <m:oMathParaPr>
-                      <m:jc m:val="centerGroup"/>
-                    </m:oMathParaPr>
-                    <m:oMath xmlns:m="http://schemas.openxmlformats.org/officeDocument/2006/math">
-                      <m:sSubSup>
-                        <m:sSubSupPr>
-                          <m:ctrlPr>
-                            <a:rPr lang="en-GB" i="1" smtClean="0">
-                              <a:solidFill>
-                                <a:srgbClr val="836967"/>
-                              </a:solidFill>
-                              <a:latin typeface="Cambria Math" panose="02040503050406030204" pitchFamily="18" charset="0"/>
-                            </a:rPr>
-                          </m:ctrlPr>
-                        </m:sSubSupPr>
-                        <m:e>
-                          <m:r>
-                            <a:rPr lang="en-GB" i="1">
-                              <a:latin typeface="Cambria Math" panose="02040503050406030204" pitchFamily="18" charset="0"/>
-                            </a:rPr>
-                            <m:t>𝜃</m:t>
-                          </m:r>
-                        </m:e>
-                        <m:sub>
-                          <m:r>
-                            <a:rPr lang="en-US" b="0" i="0" smtClean="0">
-                              <a:latin typeface="Cambria Math" panose="02040503050406030204" pitchFamily="18" charset="0"/>
-                            </a:rPr>
-                            <m:t>6</m:t>
-                          </m:r>
-                        </m:sub>
-                        <m:sup>
-                          <m:r>
-                            <a:rPr lang="en-GB" i="1">
-                              <a:latin typeface="Cambria Math" panose="02040503050406030204" pitchFamily="18" charset="0"/>
-                            </a:rPr>
-                            <m:t>𝑠𝑝</m:t>
-                          </m:r>
-                        </m:sup>
-                      </m:sSubSup>
-                    </m:oMath>
-                  </m:oMathPara>
-                </a14:m>
-                <a:endParaRPr lang="en-GB" dirty="0"/>
-              </a:p>
-            </p:txBody>
-          </p:sp>
-        </mc:Choice>
-        <mc:Fallback xmlns="">
-          <p:sp>
-            <p:nvSpPr>
-              <p:cNvPr id="204" name="TextBox 203">
-                <a:extLst>
-                  <a:ext uri="{FF2B5EF4-FFF2-40B4-BE49-F238E27FC236}">
-                    <a16:creationId xmlns:a16="http://schemas.microsoft.com/office/drawing/2014/main" id="{3965C210-91C9-4A7A-81EB-51BA38CB2E1F}"/>
-                  </a:ext>
-                </a:extLst>
-              </p:cNvPr>
-              <p:cNvSpPr txBox="1">
-                <a:spLocks noRot="1" noChangeAspect="1" noMove="1" noResize="1" noEditPoints="1" noAdjustHandles="1" noChangeArrowheads="1" noChangeShapeType="1" noTextEdit="1"/>
-              </p:cNvSpPr>
-              <p:nvPr/>
-            </p:nvSpPr>
-            <p:spPr>
-              <a:xfrm>
-                <a:off x="10291720" y="4230524"/>
-                <a:ext cx="307945" cy="407997"/>
-              </a:xfrm>
-              <a:prstGeom prst="rect">
-                <a:avLst/>
-              </a:prstGeom>
-              <a:blipFill>
-                <a:blip r:embed="rId11"/>
-                <a:stretch>
-                  <a:fillRect r="-56863"/>
                 </a:stretch>
               </a:blipFill>
             </p:spPr>
@@ -7988,51 +7427,6 @@
           </p:sp>
         </mc:Fallback>
       </mc:AlternateContent>
-      <p:cxnSp>
-        <p:nvCxnSpPr>
-          <p:cNvPr id="210" name="Connector: Elbow 209">
-            <a:extLst>
-              <a:ext uri="{FF2B5EF4-FFF2-40B4-BE49-F238E27FC236}">
-                <a16:creationId xmlns:a16="http://schemas.microsoft.com/office/drawing/2014/main" id="{E383097F-31CF-45FD-BEA8-E3FB6F22C346}"/>
-              </a:ext>
-            </a:extLst>
-          </p:cNvPr>
-          <p:cNvCxnSpPr>
-            <a:stCxn id="190" idx="0"/>
-            <a:endCxn id="61" idx="2"/>
-          </p:cNvCxnSpPr>
-          <p:nvPr/>
-        </p:nvCxnSpPr>
-        <p:spPr>
-          <a:xfrm rot="10800000">
-            <a:off x="9111964" y="3465048"/>
-            <a:ext cx="175155" cy="790693"/>
-          </a:xfrm>
-          <a:prstGeom prst="bentConnector2">
-            <a:avLst/>
-          </a:prstGeom>
-          <a:ln>
-            <a:solidFill>
-              <a:schemeClr val="tx1"/>
-            </a:solidFill>
-            <a:tailEnd type="triangle"/>
-          </a:ln>
-        </p:spPr>
-        <p:style>
-          <a:lnRef idx="1">
-            <a:schemeClr val="accent1"/>
-          </a:lnRef>
-          <a:fillRef idx="0">
-            <a:schemeClr val="accent1"/>
-          </a:fillRef>
-          <a:effectRef idx="0">
-            <a:schemeClr val="accent1"/>
-          </a:effectRef>
-          <a:fontRef idx="minor">
-            <a:schemeClr val="tx1"/>
-          </a:fontRef>
-        </p:style>
-      </p:cxnSp>
       <p:cxnSp>
         <p:nvCxnSpPr>
           <p:cNvPr id="212" name="Connector: Elbow 211">
@@ -11588,119 +10982,6 @@
           </a:fontRef>
         </p:style>
       </p:cxnSp>
-      <p:grpSp>
-        <p:nvGrpSpPr>
-          <p:cNvPr id="63" name="Group 62">
-            <a:extLst>
-              <a:ext uri="{FF2B5EF4-FFF2-40B4-BE49-F238E27FC236}">
-                <a16:creationId xmlns:a16="http://schemas.microsoft.com/office/drawing/2014/main" id="{96A90A22-B60A-4E49-A0A4-3629EC094355}"/>
-              </a:ext>
-            </a:extLst>
-          </p:cNvPr>
-          <p:cNvGrpSpPr/>
-          <p:nvPr/>
-        </p:nvGrpSpPr>
-        <p:grpSpPr>
-          <a:xfrm>
-            <a:off x="7491884" y="2787602"/>
-            <a:ext cx="576469" cy="369332"/>
-            <a:chOff x="8931252" y="3119791"/>
-            <a:chExt cx="576469" cy="369332"/>
-          </a:xfrm>
-        </p:grpSpPr>
-        <p:sp>
-          <p:nvSpPr>
-            <p:cNvPr id="60" name="Oval 59">
-              <a:extLst>
-                <a:ext uri="{FF2B5EF4-FFF2-40B4-BE49-F238E27FC236}">
-                  <a16:creationId xmlns:a16="http://schemas.microsoft.com/office/drawing/2014/main" id="{102F7CB8-7219-42F1-BBDD-EC9759B997D1}"/>
-                </a:ext>
-              </a:extLst>
-            </p:cNvPr>
-            <p:cNvSpPr/>
-            <p:nvPr/>
-          </p:nvSpPr>
-          <p:spPr>
-            <a:xfrm>
-              <a:off x="9039487" y="3119791"/>
-              <a:ext cx="360000" cy="360000"/>
-            </a:xfrm>
-            <a:prstGeom prst="ellipse">
-              <a:avLst/>
-            </a:prstGeom>
-            <a:solidFill>
-              <a:schemeClr val="accent1">
-                <a:lumMod val="20000"/>
-                <a:lumOff val="80000"/>
-              </a:schemeClr>
-            </a:solidFill>
-          </p:spPr>
-          <p:style>
-            <a:lnRef idx="2">
-              <a:schemeClr val="accent1">
-                <a:shade val="50000"/>
-              </a:schemeClr>
-            </a:lnRef>
-            <a:fillRef idx="1">
-              <a:schemeClr val="accent1"/>
-            </a:fillRef>
-            <a:effectRef idx="0">
-              <a:schemeClr val="accent1"/>
-            </a:effectRef>
-            <a:fontRef idx="minor">
-              <a:schemeClr val="lt1"/>
-            </a:fontRef>
-          </p:style>
-          <p:txBody>
-            <a:bodyPr rtlCol="0" anchor="ctr"/>
-            <a:lstStyle/>
-            <a:p>
-              <a:pPr algn="ctr"/>
-              <a:endParaRPr lang="en-GB"/>
-            </a:p>
-          </p:txBody>
-        </p:sp>
-        <p:sp>
-          <p:nvSpPr>
-            <p:cNvPr id="61" name="TextBox 60">
-              <a:extLst>
-                <a:ext uri="{FF2B5EF4-FFF2-40B4-BE49-F238E27FC236}">
-                  <a16:creationId xmlns:a16="http://schemas.microsoft.com/office/drawing/2014/main" id="{CD081B9D-8C1C-4410-ACEA-1CD776D7AC0C}"/>
-                </a:ext>
-              </a:extLst>
-            </p:cNvPr>
-            <p:cNvSpPr txBox="1"/>
-            <p:nvPr/>
-          </p:nvSpPr>
-          <p:spPr>
-            <a:xfrm>
-              <a:off x="8931252" y="3119791"/>
-              <a:ext cx="576469" cy="369332"/>
-            </a:xfrm>
-            <a:prstGeom prst="rect">
-              <a:avLst/>
-            </a:prstGeom>
-            <a:noFill/>
-            <a:ln>
-              <a:noFill/>
-            </a:ln>
-          </p:spPr>
-          <p:txBody>
-            <a:bodyPr wrap="square" rtlCol="0">
-              <a:spAutoFit/>
-            </a:bodyPr>
-            <a:lstStyle/>
-            <a:p>
-              <a:pPr algn="ctr"/>
-              <a:r>
-                <a:rPr lang="en-US" dirty="0"/>
-                <a:t>F</a:t>
-              </a:r>
-              <a:endParaRPr lang="en-GB" dirty="0"/>
-            </a:p>
-          </p:txBody>
-        </p:sp>
-      </p:grpSp>
       <p:cxnSp>
         <p:nvCxnSpPr>
           <p:cNvPr id="68" name="Straight Arrow Connector 67">
@@ -11712,58 +10993,15 @@
           </p:cNvPr>
           <p:cNvCxnSpPr>
             <a:cxnSpLocks/>
+            <a:stCxn id="55" idx="3"/>
             <a:endCxn id="74" idx="1"/>
           </p:cNvCxnSpPr>
           <p:nvPr/>
         </p:nvCxnSpPr>
         <p:spPr>
           <a:xfrm>
-            <a:off x="7955274" y="2972033"/>
-            <a:ext cx="1496839" cy="2"/>
-          </a:xfrm>
-          <a:prstGeom prst="straightConnector1">
-            <a:avLst/>
-          </a:prstGeom>
-          <a:ln w="12700">
-            <a:solidFill>
-              <a:schemeClr val="tx1"/>
-            </a:solidFill>
-            <a:tailEnd type="triangle"/>
-          </a:ln>
-        </p:spPr>
-        <p:style>
-          <a:lnRef idx="1">
-            <a:schemeClr val="accent1"/>
-          </a:lnRef>
-          <a:fillRef idx="0">
-            <a:schemeClr val="accent1"/>
-          </a:fillRef>
-          <a:effectRef idx="0">
-            <a:schemeClr val="accent1"/>
-          </a:effectRef>
-          <a:fontRef idx="minor">
-            <a:schemeClr val="tx1"/>
-          </a:fontRef>
-        </p:style>
-      </p:cxnSp>
-      <p:cxnSp>
-        <p:nvCxnSpPr>
-          <p:cNvPr id="69" name="Straight Arrow Connector 68">
-            <a:extLst>
-              <a:ext uri="{FF2B5EF4-FFF2-40B4-BE49-F238E27FC236}">
-                <a16:creationId xmlns:a16="http://schemas.microsoft.com/office/drawing/2014/main" id="{14CBFF5F-26B0-4CB1-B8FF-A950167853FE}"/>
-              </a:ext>
-            </a:extLst>
-          </p:cNvPr>
-          <p:cNvCxnSpPr>
-            <a:cxnSpLocks/>
-          </p:cNvCxnSpPr>
-          <p:nvPr/>
-        </p:nvCxnSpPr>
-        <p:spPr>
-          <a:xfrm>
-            <a:off x="7088012" y="2991678"/>
-            <a:ext cx="512107" cy="0"/>
+            <a:off x="7088012" y="2972035"/>
+            <a:ext cx="2364101" cy="0"/>
           </a:xfrm>
           <a:prstGeom prst="straightConnector1">
             <a:avLst/>
@@ -12318,8 +11556,8 @@
           </a:fontRef>
         </p:style>
       </p:cxnSp>
-      <mc:AlternateContent xmlns:mc="http://schemas.openxmlformats.org/markup-compatibility/2006">
-        <mc:Choice xmlns:a14="http://schemas.microsoft.com/office/drawing/2010/main" Requires="a14">
+      <mc:AlternateContent xmlns:mc="http://schemas.openxmlformats.org/markup-compatibility/2006" xmlns:a14="http://schemas.microsoft.com/office/drawing/2010/main">
+        <mc:Choice Requires="a14">
           <p:sp>
             <p:nvSpPr>
               <p:cNvPr id="116" name="TextBox 115">
@@ -12412,7 +11650,7 @@
             </p:txBody>
           </p:sp>
         </mc:Choice>
-        <mc:Fallback>
+        <mc:Fallback xmlns="">
           <p:sp>
             <p:nvSpPr>
               <p:cNvPr id="116" name="TextBox 115">
@@ -12457,8 +11695,8 @@
           </p:sp>
         </mc:Fallback>
       </mc:AlternateContent>
-      <mc:AlternateContent xmlns:mc="http://schemas.openxmlformats.org/markup-compatibility/2006">
-        <mc:Choice xmlns:a14="http://schemas.microsoft.com/office/drawing/2010/main" Requires="a14">
+      <mc:AlternateContent xmlns:mc="http://schemas.openxmlformats.org/markup-compatibility/2006" xmlns:a14="http://schemas.microsoft.com/office/drawing/2010/main">
+        <mc:Choice Requires="a14">
           <p:sp>
             <p:nvSpPr>
               <p:cNvPr id="117" name="TextBox 116">
@@ -12551,7 +11789,7 @@
             </p:txBody>
           </p:sp>
         </mc:Choice>
-        <mc:Fallback>
+        <mc:Fallback xmlns="">
           <p:sp>
             <p:nvSpPr>
               <p:cNvPr id="117" name="TextBox 116">
@@ -13757,285 +12995,6 @@
           </a:fontRef>
         </p:style>
       </p:cxnSp>
-      <p:grpSp>
-        <p:nvGrpSpPr>
-          <p:cNvPr id="193" name="Group 192">
-            <a:extLst>
-              <a:ext uri="{FF2B5EF4-FFF2-40B4-BE49-F238E27FC236}">
-                <a16:creationId xmlns:a16="http://schemas.microsoft.com/office/drawing/2014/main" id="{F16DDD96-C8BD-4737-A15A-E5DED33B7D9B}"/>
-              </a:ext>
-            </a:extLst>
-          </p:cNvPr>
-          <p:cNvGrpSpPr/>
-          <p:nvPr/>
-        </p:nvGrpSpPr>
-        <p:grpSpPr>
-          <a:xfrm>
-            <a:off x="7955274" y="3580123"/>
-            <a:ext cx="804499" cy="700522"/>
-            <a:chOff x="8880757" y="3922643"/>
-            <a:chExt cx="1120837" cy="934286"/>
-          </a:xfrm>
-        </p:grpSpPr>
-        <p:sp>
-          <p:nvSpPr>
-            <p:cNvPr id="189" name="Rectangle 188">
-              <a:extLst>
-                <a:ext uri="{FF2B5EF4-FFF2-40B4-BE49-F238E27FC236}">
-                  <a16:creationId xmlns:a16="http://schemas.microsoft.com/office/drawing/2014/main" id="{DA439CC2-6103-4EA7-8EFA-32EC6C7FACAF}"/>
-                </a:ext>
-              </a:extLst>
-            </p:cNvPr>
-            <p:cNvSpPr/>
-            <p:nvPr/>
-          </p:nvSpPr>
-          <p:spPr>
-            <a:xfrm>
-              <a:off x="8890042" y="3922643"/>
-              <a:ext cx="1095647" cy="934286"/>
-            </a:xfrm>
-            <a:prstGeom prst="rect">
-              <a:avLst/>
-            </a:prstGeom>
-            <a:noFill/>
-          </p:spPr>
-          <p:style>
-            <a:lnRef idx="2">
-              <a:schemeClr val="accent1">
-                <a:shade val="50000"/>
-              </a:schemeClr>
-            </a:lnRef>
-            <a:fillRef idx="1">
-              <a:schemeClr val="accent1"/>
-            </a:fillRef>
-            <a:effectRef idx="0">
-              <a:schemeClr val="accent1"/>
-            </a:effectRef>
-            <a:fontRef idx="minor">
-              <a:schemeClr val="lt1"/>
-            </a:fontRef>
-          </p:style>
-          <p:txBody>
-            <a:bodyPr rtlCol="0" anchor="ctr"/>
-            <a:lstStyle/>
-            <a:p>
-              <a:pPr algn="ctr"/>
-              <a:endParaRPr lang="en-GB"/>
-            </a:p>
-          </p:txBody>
-        </p:sp>
-        <p:sp>
-          <p:nvSpPr>
-            <p:cNvPr id="190" name="Isosceles Triangle 189">
-              <a:extLst>
-                <a:ext uri="{FF2B5EF4-FFF2-40B4-BE49-F238E27FC236}">
-                  <a16:creationId xmlns:a16="http://schemas.microsoft.com/office/drawing/2014/main" id="{44A97516-53BB-48AB-81D8-0F4626741AC9}"/>
-                </a:ext>
-              </a:extLst>
-            </p:cNvPr>
-            <p:cNvSpPr/>
-            <p:nvPr/>
-          </p:nvSpPr>
-          <p:spPr>
-            <a:xfrm rot="16200000">
-              <a:off x="8981122" y="3836456"/>
-              <a:ext cx="920108" cy="1120837"/>
-            </a:xfrm>
-            <a:prstGeom prst="triangle">
-              <a:avLst>
-                <a:gd name="adj" fmla="val 48271"/>
-              </a:avLst>
-            </a:prstGeom>
-            <a:noFill/>
-          </p:spPr>
-          <p:style>
-            <a:lnRef idx="2">
-              <a:schemeClr val="accent1">
-                <a:shade val="50000"/>
-              </a:schemeClr>
-            </a:lnRef>
-            <a:fillRef idx="1">
-              <a:schemeClr val="accent1"/>
-            </a:fillRef>
-            <a:effectRef idx="0">
-              <a:schemeClr val="accent1"/>
-            </a:effectRef>
-            <a:fontRef idx="minor">
-              <a:schemeClr val="lt1"/>
-            </a:fontRef>
-          </p:style>
-          <p:txBody>
-            <a:bodyPr rtlCol="0" anchor="ctr"/>
-            <a:lstStyle/>
-            <a:p>
-              <a:pPr algn="ctr"/>
-              <a:endParaRPr lang="en-GB"/>
-            </a:p>
-          </p:txBody>
-        </p:sp>
-        <p:sp>
-          <p:nvSpPr>
-            <p:cNvPr id="191" name="TextBox 190">
-              <a:extLst>
-                <a:ext uri="{FF2B5EF4-FFF2-40B4-BE49-F238E27FC236}">
-                  <a16:creationId xmlns:a16="http://schemas.microsoft.com/office/drawing/2014/main" id="{F8DF4C71-1176-4AEC-BAD5-BC0748B766DF}"/>
-                </a:ext>
-              </a:extLst>
-            </p:cNvPr>
-            <p:cNvSpPr txBox="1"/>
-            <p:nvPr/>
-          </p:nvSpPr>
-          <p:spPr>
-            <a:xfrm>
-              <a:off x="9710102" y="4379152"/>
-              <a:ext cx="208723" cy="369332"/>
-            </a:xfrm>
-            <a:prstGeom prst="rect">
-              <a:avLst/>
-            </a:prstGeom>
-            <a:noFill/>
-          </p:spPr>
-          <p:txBody>
-            <a:bodyPr wrap="square" rtlCol="0">
-              <a:spAutoFit/>
-            </a:bodyPr>
-            <a:lstStyle/>
-            <a:p>
-              <a:r>
-                <a:rPr lang="en-US" dirty="0"/>
-                <a:t>+</a:t>
-              </a:r>
-              <a:endParaRPr lang="en-GB" dirty="0"/>
-            </a:p>
-          </p:txBody>
-        </p:sp>
-        <p:sp>
-          <p:nvSpPr>
-            <p:cNvPr id="192" name="TextBox 191">
-              <a:extLst>
-                <a:ext uri="{FF2B5EF4-FFF2-40B4-BE49-F238E27FC236}">
-                  <a16:creationId xmlns:a16="http://schemas.microsoft.com/office/drawing/2014/main" id="{7274C32E-026D-40A2-A87C-447D229C1418}"/>
-                </a:ext>
-              </a:extLst>
-            </p:cNvPr>
-            <p:cNvSpPr txBox="1"/>
-            <p:nvPr/>
-          </p:nvSpPr>
-          <p:spPr>
-            <a:xfrm>
-              <a:off x="9735553" y="4119297"/>
-              <a:ext cx="208723" cy="369332"/>
-            </a:xfrm>
-            <a:prstGeom prst="rect">
-              <a:avLst/>
-            </a:prstGeom>
-            <a:noFill/>
-          </p:spPr>
-          <p:txBody>
-            <a:bodyPr wrap="square" rtlCol="0">
-              <a:spAutoFit/>
-            </a:bodyPr>
-            <a:lstStyle/>
-            <a:p>
-              <a:r>
-                <a:rPr lang="en-US" dirty="0"/>
-                <a:t>-</a:t>
-              </a:r>
-              <a:endParaRPr lang="en-GB" dirty="0"/>
-            </a:p>
-          </p:txBody>
-        </p:sp>
-      </p:grpSp>
-      <p:cxnSp>
-        <p:nvCxnSpPr>
-          <p:cNvPr id="198" name="Connector: Elbow 197">
-            <a:extLst>
-              <a:ext uri="{FF2B5EF4-FFF2-40B4-BE49-F238E27FC236}">
-                <a16:creationId xmlns:a16="http://schemas.microsoft.com/office/drawing/2014/main" id="{3A934BCA-EF6F-4B70-BEF4-E2065D1763E7}"/>
-              </a:ext>
-            </a:extLst>
-          </p:cNvPr>
-          <p:cNvCxnSpPr>
-            <a:cxnSpLocks/>
-            <a:endCxn id="190" idx="3"/>
-          </p:cNvCxnSpPr>
-          <p:nvPr/>
-        </p:nvCxnSpPr>
-        <p:spPr>
-          <a:xfrm rot="5400000">
-            <a:off x="8375206" y="3350978"/>
-            <a:ext cx="981217" cy="212081"/>
-          </a:xfrm>
-          <a:prstGeom prst="bentConnector2">
-            <a:avLst/>
-          </a:prstGeom>
-          <a:ln w="12700">
-            <a:solidFill>
-              <a:schemeClr val="tx1">
-                <a:lumMod val="50000"/>
-                <a:lumOff val="50000"/>
-              </a:schemeClr>
-            </a:solidFill>
-            <a:tailEnd type="triangle"/>
-          </a:ln>
-        </p:spPr>
-        <p:style>
-          <a:lnRef idx="1">
-            <a:schemeClr val="accent1"/>
-          </a:lnRef>
-          <a:fillRef idx="0">
-            <a:schemeClr val="accent1"/>
-          </a:fillRef>
-          <a:effectRef idx="0">
-            <a:schemeClr val="accent1"/>
-          </a:effectRef>
-          <a:fontRef idx="minor">
-            <a:schemeClr val="tx1"/>
-          </a:fontRef>
-        </p:style>
-      </p:cxnSp>
-      <p:cxnSp>
-        <p:nvCxnSpPr>
-          <p:cNvPr id="200" name="Straight Arrow Connector 199">
-            <a:extLst>
-              <a:ext uri="{FF2B5EF4-FFF2-40B4-BE49-F238E27FC236}">
-                <a16:creationId xmlns:a16="http://schemas.microsoft.com/office/drawing/2014/main" id="{7508421B-D5B0-4324-8549-69D1C1EC6E44}"/>
-              </a:ext>
-            </a:extLst>
-          </p:cNvPr>
-          <p:cNvCxnSpPr>
-            <a:cxnSpLocks/>
-            <a:stCxn id="204" idx="1"/>
-          </p:cNvCxnSpPr>
-          <p:nvPr/>
-        </p:nvCxnSpPr>
-        <p:spPr>
-          <a:xfrm flipH="1" flipV="1">
-            <a:off x="8761657" y="4123745"/>
-            <a:ext cx="198219" cy="2665"/>
-          </a:xfrm>
-          <a:prstGeom prst="straightConnector1">
-            <a:avLst/>
-          </a:prstGeom>
-          <a:ln>
-            <a:tailEnd type="triangle"/>
-          </a:ln>
-        </p:spPr>
-        <p:style>
-          <a:lnRef idx="2">
-            <a:schemeClr val="dk1"/>
-          </a:lnRef>
-          <a:fillRef idx="0">
-            <a:schemeClr val="dk1"/>
-          </a:fillRef>
-          <a:effectRef idx="1">
-            <a:schemeClr val="dk1"/>
-          </a:effectRef>
-          <a:fontRef idx="minor">
-            <a:schemeClr val="tx1"/>
-          </a:fontRef>
-        </p:style>
-      </p:cxnSp>
       <mc:AlternateContent xmlns:mc="http://schemas.openxmlformats.org/markup-compatibility/2006" xmlns:a14="http://schemas.microsoft.com/office/drawing/2010/main">
         <mc:Choice Requires="a14">
           <p:sp>
@@ -14144,132 +13103,6 @@
                 <a:blip r:embed="rId8"/>
                 <a:stretch>
                   <a:fillRect/>
-                </a:stretch>
-              </a:blipFill>
-            </p:spPr>
-            <p:txBody>
-              <a:bodyPr/>
-              <a:lstStyle/>
-              <a:p>
-                <a:r>
-                  <a:rPr lang="en-GB">
-                    <a:noFill/>
-                  </a:rPr>
-                  <a:t> </a:t>
-                </a:r>
-              </a:p>
-            </p:txBody>
-          </p:sp>
-        </mc:Fallback>
-      </mc:AlternateContent>
-      <mc:AlternateContent xmlns:mc="http://schemas.openxmlformats.org/markup-compatibility/2006" xmlns:a14="http://schemas.microsoft.com/office/drawing/2010/main">
-        <mc:Choice Requires="a14">
-          <p:sp>
-            <p:nvSpPr>
-              <p:cNvPr id="204" name="TextBox 203">
-                <a:extLst>
-                  <a:ext uri="{FF2B5EF4-FFF2-40B4-BE49-F238E27FC236}">
-                    <a16:creationId xmlns:a16="http://schemas.microsoft.com/office/drawing/2014/main" id="{3965C210-91C9-4A7A-81EB-51BA38CB2E1F}"/>
-                  </a:ext>
-                </a:extLst>
-              </p:cNvPr>
-              <p:cNvSpPr txBox="1"/>
-              <p:nvPr/>
-            </p:nvSpPr>
-            <p:spPr>
-              <a:xfrm>
-                <a:off x="8959876" y="3922411"/>
-                <a:ext cx="307945" cy="407997"/>
-              </a:xfrm>
-              <a:prstGeom prst="rect">
-                <a:avLst/>
-              </a:prstGeom>
-              <a:noFill/>
-            </p:spPr>
-            <p:txBody>
-              <a:bodyPr wrap="square">
-                <a:spAutoFit/>
-              </a:bodyPr>
-              <a:lstStyle/>
-              <a:p>
-                <a:pPr/>
-                <a14:m>
-                  <m:oMathPara xmlns:m="http://schemas.openxmlformats.org/officeDocument/2006/math">
-                    <m:oMathParaPr>
-                      <m:jc m:val="centerGroup"/>
-                    </m:oMathParaPr>
-                    <m:oMath xmlns:m="http://schemas.openxmlformats.org/officeDocument/2006/math">
-                      <m:sSubSup>
-                        <m:sSubSupPr>
-                          <m:ctrlPr>
-                            <a:rPr lang="en-GB" i="1" smtClean="0">
-                              <a:solidFill>
-                                <a:srgbClr val="836967"/>
-                              </a:solidFill>
-                              <a:latin typeface="Cambria Math" panose="02040503050406030204" pitchFamily="18" charset="0"/>
-                            </a:rPr>
-                          </m:ctrlPr>
-                        </m:sSubSupPr>
-                        <m:e>
-                          <m:r>
-                            <a:rPr lang="en-GB" i="1">
-                              <a:latin typeface="Cambria Math" panose="02040503050406030204" pitchFamily="18" charset="0"/>
-                            </a:rPr>
-                            <m:t>𝜃</m:t>
-                          </m:r>
-                        </m:e>
-                        <m:sub>
-                          <m:r>
-                            <a:rPr lang="en-US" b="0" i="0" smtClean="0">
-                              <a:latin typeface="Cambria Math" panose="02040503050406030204" pitchFamily="18" charset="0"/>
-                            </a:rPr>
-                            <m:t>5</m:t>
-                          </m:r>
-                        </m:sub>
-                        <m:sup>
-                          <m:r>
-                            <a:rPr lang="en-GB" i="1">
-                              <a:latin typeface="Cambria Math" panose="02040503050406030204" pitchFamily="18" charset="0"/>
-                            </a:rPr>
-                            <m:t>𝑠𝑝</m:t>
-                          </m:r>
-                        </m:sup>
-                      </m:sSubSup>
-                    </m:oMath>
-                  </m:oMathPara>
-                </a14:m>
-                <a:endParaRPr lang="en-GB" dirty="0"/>
-              </a:p>
-            </p:txBody>
-          </p:sp>
-        </mc:Choice>
-        <mc:Fallback xmlns="">
-          <p:sp>
-            <p:nvSpPr>
-              <p:cNvPr id="204" name="TextBox 203">
-                <a:extLst>
-                  <a:ext uri="{FF2B5EF4-FFF2-40B4-BE49-F238E27FC236}">
-                    <a16:creationId xmlns:a16="http://schemas.microsoft.com/office/drawing/2014/main" id="{3965C210-91C9-4A7A-81EB-51BA38CB2E1F}"/>
-                  </a:ext>
-                </a:extLst>
-              </p:cNvPr>
-              <p:cNvSpPr txBox="1">
-                <a:spLocks noRot="1" noChangeAspect="1" noMove="1" noResize="1" noEditPoints="1" noAdjustHandles="1" noChangeArrowheads="1" noChangeShapeType="1" noTextEdit="1"/>
-              </p:cNvSpPr>
-              <p:nvPr/>
-            </p:nvSpPr>
-            <p:spPr>
-              <a:xfrm>
-                <a:off x="8959876" y="3922411"/>
-                <a:ext cx="307945" cy="407997"/>
-              </a:xfrm>
-              <a:prstGeom prst="rect">
-                <a:avLst/>
-              </a:prstGeom>
-              <a:blipFill>
-                <a:blip r:embed="rId9"/>
-                <a:stretch>
-                  <a:fillRect r="-60000" b="-1493"/>
                 </a:stretch>
               </a:blipFill>
             </p:spPr>
@@ -14414,51 +13247,6 @@
           </p:sp>
         </mc:Fallback>
       </mc:AlternateContent>
-      <p:cxnSp>
-        <p:nvCxnSpPr>
-          <p:cNvPr id="210" name="Connector: Elbow 209">
-            <a:extLst>
-              <a:ext uri="{FF2B5EF4-FFF2-40B4-BE49-F238E27FC236}">
-                <a16:creationId xmlns:a16="http://schemas.microsoft.com/office/drawing/2014/main" id="{E383097F-31CF-45FD-BEA8-E3FB6F22C346}"/>
-              </a:ext>
-            </a:extLst>
-          </p:cNvPr>
-          <p:cNvCxnSpPr>
-            <a:stCxn id="190" idx="0"/>
-            <a:endCxn id="61" idx="2"/>
-          </p:cNvCxnSpPr>
-          <p:nvPr/>
-        </p:nvCxnSpPr>
-        <p:spPr>
-          <a:xfrm rot="10800000">
-            <a:off x="7780120" y="3156935"/>
-            <a:ext cx="175155" cy="790693"/>
-          </a:xfrm>
-          <a:prstGeom prst="bentConnector2">
-            <a:avLst/>
-          </a:prstGeom>
-          <a:ln>
-            <a:solidFill>
-              <a:schemeClr val="tx1"/>
-            </a:solidFill>
-            <a:tailEnd type="triangle"/>
-          </a:ln>
-        </p:spPr>
-        <p:style>
-          <a:lnRef idx="1">
-            <a:schemeClr val="accent1"/>
-          </a:lnRef>
-          <a:fillRef idx="0">
-            <a:schemeClr val="accent1"/>
-          </a:fillRef>
-          <a:effectRef idx="0">
-            <a:schemeClr val="accent1"/>
-          </a:effectRef>
-          <a:fontRef idx="minor">
-            <a:schemeClr val="tx1"/>
-          </a:fontRef>
-        </p:style>
-      </p:cxnSp>
       <p:cxnSp>
         <p:nvCxnSpPr>
           <p:cNvPr id="212" name="Connector: Elbow 211">
@@ -17899,8 +16687,8 @@
           </a:fontRef>
         </p:style>
       </p:cxnSp>
-      <mc:AlternateContent xmlns:mc="http://schemas.openxmlformats.org/markup-compatibility/2006">
-        <mc:Choice xmlns:a14="http://schemas.microsoft.com/office/drawing/2010/main" Requires="a14">
+      <mc:AlternateContent xmlns:mc="http://schemas.openxmlformats.org/markup-compatibility/2006" xmlns:a14="http://schemas.microsoft.com/office/drawing/2010/main">
+        <mc:Choice Requires="a14">
           <p:sp>
             <p:nvSpPr>
               <p:cNvPr id="116" name="TextBox 115">
@@ -17993,7 +16781,7 @@
             </p:txBody>
           </p:sp>
         </mc:Choice>
-        <mc:Fallback>
+        <mc:Fallback xmlns="">
           <p:sp>
             <p:nvSpPr>
               <p:cNvPr id="116" name="TextBox 115">
@@ -18038,8 +16826,8 @@
           </p:sp>
         </mc:Fallback>
       </mc:AlternateContent>
-      <mc:AlternateContent xmlns:mc="http://schemas.openxmlformats.org/markup-compatibility/2006">
-        <mc:Choice xmlns:a14="http://schemas.microsoft.com/office/drawing/2010/main" Requires="a14">
+      <mc:AlternateContent xmlns:mc="http://schemas.openxmlformats.org/markup-compatibility/2006" xmlns:a14="http://schemas.microsoft.com/office/drawing/2010/main">
+        <mc:Choice Requires="a14">
           <p:sp>
             <p:nvSpPr>
               <p:cNvPr id="117" name="TextBox 116">
@@ -18132,7 +16920,7 @@
             </p:txBody>
           </p:sp>
         </mc:Choice>
-        <mc:Fallback>
+        <mc:Fallback xmlns="">
           <p:sp>
             <p:nvSpPr>
               <p:cNvPr id="117" name="TextBox 116">
@@ -25128,8 +23916,8 @@
           </a:p>
         </p:txBody>
       </p:sp>
-      <mc:AlternateContent xmlns:mc="http://schemas.openxmlformats.org/markup-compatibility/2006">
-        <mc:Choice xmlns:a14="http://schemas.microsoft.com/office/drawing/2010/main" Requires="a14">
+      <mc:AlternateContent xmlns:mc="http://schemas.openxmlformats.org/markup-compatibility/2006" xmlns:a14="http://schemas.microsoft.com/office/drawing/2010/main">
+        <mc:Choice Requires="a14">
           <p:sp>
             <p:nvSpPr>
               <p:cNvPr id="15" name="TextBox 14">
@@ -25216,7 +24004,7 @@
             </p:txBody>
           </p:sp>
         </mc:Choice>
-        <mc:Fallback>
+        <mc:Fallback xmlns="">
           <p:sp>
             <p:nvSpPr>
               <p:cNvPr id="15" name="TextBox 14">
@@ -25261,8 +24049,8 @@
           </p:sp>
         </mc:Fallback>
       </mc:AlternateContent>
-      <mc:AlternateContent xmlns:mc="http://schemas.openxmlformats.org/markup-compatibility/2006">
-        <mc:Choice xmlns:a14="http://schemas.microsoft.com/office/drawing/2010/main" Requires="a14">
+      <mc:AlternateContent xmlns:mc="http://schemas.openxmlformats.org/markup-compatibility/2006" xmlns:a14="http://schemas.microsoft.com/office/drawing/2010/main">
+        <mc:Choice Requires="a14">
           <p:sp>
             <p:nvSpPr>
               <p:cNvPr id="16" name="TextBox 15">
@@ -25349,7 +24137,7 @@
             </p:txBody>
           </p:sp>
         </mc:Choice>
-        <mc:Fallback>
+        <mc:Fallback xmlns="">
           <p:sp>
             <p:nvSpPr>
               <p:cNvPr id="16" name="TextBox 15">
@@ -25409,7 +24197,7 @@
         <p:spPr>
           <a:xfrm>
             <a:off x="1006336" y="4687975"/>
-            <a:ext cx="4241525" cy="2246769"/>
+            <a:ext cx="4241525" cy="2031325"/>
           </a:xfrm>
           <a:prstGeom prst="rect">
             <a:avLst/>
@@ -25490,12 +24278,6 @@
             </a:r>
           </a:p>
           <a:p>
-            <a:r>
-              <a:rPr lang="en-US" sz="1400" dirty="0"/>
-              <a:t>Supply air temperature set point (C)</a:t>
-            </a:r>
-          </a:p>
-          <a:p>
             <a:endParaRPr lang="en-US" sz="1400" dirty="0"/>
           </a:p>
         </p:txBody>
@@ -25538,8 +24320,8 @@
           </a:p>
         </p:txBody>
       </p:sp>
-      <mc:AlternateContent xmlns:mc="http://schemas.openxmlformats.org/markup-compatibility/2006">
-        <mc:Choice xmlns:a14="http://schemas.microsoft.com/office/drawing/2010/main" Requires="a14">
+      <mc:AlternateContent xmlns:mc="http://schemas.openxmlformats.org/markup-compatibility/2006" xmlns:a14="http://schemas.microsoft.com/office/drawing/2010/main">
+        <mc:Choice Requires="a14">
           <p:sp>
             <p:nvSpPr>
               <p:cNvPr id="19" name="TextBox 18">
@@ -25632,7 +24414,7 @@
             </p:txBody>
           </p:sp>
         </mc:Choice>
-        <mc:Fallback>
+        <mc:Fallback xmlns="">
           <p:sp>
             <p:nvSpPr>
               <p:cNvPr id="19" name="TextBox 18">
@@ -25677,8 +24459,8 @@
           </p:sp>
         </mc:Fallback>
       </mc:AlternateContent>
-      <mc:AlternateContent xmlns:mc="http://schemas.openxmlformats.org/markup-compatibility/2006">
-        <mc:Choice xmlns:a14="http://schemas.microsoft.com/office/drawing/2010/main" Requires="a14">
+      <mc:AlternateContent xmlns:mc="http://schemas.openxmlformats.org/markup-compatibility/2006" xmlns:a14="http://schemas.microsoft.com/office/drawing/2010/main">
+        <mc:Choice Requires="a14">
           <p:sp>
             <p:nvSpPr>
               <p:cNvPr id="20" name="TextBox 19">
@@ -25783,7 +24565,7 @@
             </p:txBody>
           </p:sp>
         </mc:Choice>
-        <mc:Fallback>
+        <mc:Fallback xmlns="">
           <p:sp>
             <p:nvSpPr>
               <p:cNvPr id="20" name="TextBox 19">
@@ -25828,8 +24610,8 @@
           </p:sp>
         </mc:Fallback>
       </mc:AlternateContent>
-      <mc:AlternateContent xmlns:mc="http://schemas.openxmlformats.org/markup-compatibility/2006">
-        <mc:Choice xmlns:a14="http://schemas.microsoft.com/office/drawing/2010/main" Requires="a14">
+      <mc:AlternateContent xmlns:mc="http://schemas.openxmlformats.org/markup-compatibility/2006" xmlns:a14="http://schemas.microsoft.com/office/drawing/2010/main">
+        <mc:Choice Requires="a14">
           <p:sp>
             <p:nvSpPr>
               <p:cNvPr id="22" name="TextBox 21">
@@ -25879,7 +24661,7 @@
             </p:txBody>
           </p:sp>
         </mc:Choice>
-        <mc:Fallback>
+        <mc:Fallback xmlns="">
           <p:sp>
             <p:nvSpPr>
               <p:cNvPr id="22" name="TextBox 21">
@@ -25959,8 +24741,8 @@
           </a:p>
         </p:txBody>
       </p:sp>
-      <mc:AlternateContent xmlns:mc="http://schemas.openxmlformats.org/markup-compatibility/2006">
-        <mc:Choice xmlns:a14="http://schemas.microsoft.com/office/drawing/2010/main" Requires="a14">
+      <mc:AlternateContent xmlns:mc="http://schemas.openxmlformats.org/markup-compatibility/2006" xmlns:a14="http://schemas.microsoft.com/office/drawing/2010/main">
+        <mc:Choice Requires="a14">
           <p:sp>
             <p:nvSpPr>
               <p:cNvPr id="25" name="TextBox 24">
@@ -26040,7 +24822,7 @@
             </p:txBody>
           </p:sp>
         </mc:Choice>
-        <mc:Fallback>
+        <mc:Fallback xmlns="">
           <p:sp>
             <p:nvSpPr>
               <p:cNvPr id="25" name="TextBox 24">
@@ -26085,8 +24867,8 @@
           </p:sp>
         </mc:Fallback>
       </mc:AlternateContent>
-      <mc:AlternateContent xmlns:mc="http://schemas.openxmlformats.org/markup-compatibility/2006">
-        <mc:Choice xmlns:a14="http://schemas.microsoft.com/office/drawing/2010/main" Requires="a14">
+      <mc:AlternateContent xmlns:mc="http://schemas.openxmlformats.org/markup-compatibility/2006" xmlns:a14="http://schemas.microsoft.com/office/drawing/2010/main">
+        <mc:Choice Requires="a14">
           <p:sp>
             <p:nvSpPr>
               <p:cNvPr id="26" name="TextBox 25">
@@ -26166,7 +24948,7 @@
             </p:txBody>
           </p:sp>
         </mc:Choice>
-        <mc:Fallback>
+        <mc:Fallback xmlns="">
           <p:sp>
             <p:nvSpPr>
               <p:cNvPr id="26" name="TextBox 25">
@@ -26211,134 +24993,8 @@
           </p:sp>
         </mc:Fallback>
       </mc:AlternateContent>
-      <mc:AlternateContent xmlns:mc="http://schemas.openxmlformats.org/markup-compatibility/2006">
-        <mc:Choice xmlns:a14="http://schemas.microsoft.com/office/drawing/2010/main" Requires="a14">
-          <p:sp>
-            <p:nvSpPr>
-              <p:cNvPr id="27" name="TextBox 26">
-                <a:extLst>
-                  <a:ext uri="{FF2B5EF4-FFF2-40B4-BE49-F238E27FC236}">
-                    <a16:creationId xmlns:a16="http://schemas.microsoft.com/office/drawing/2014/main" id="{7B4922DD-119B-4913-A871-9627CDF269E2}"/>
-                  </a:ext>
-                </a:extLst>
-              </p:cNvPr>
-              <p:cNvSpPr txBox="1"/>
-              <p:nvPr/>
-            </p:nvSpPr>
-            <p:spPr>
-              <a:xfrm>
-                <a:off x="102742" y="6462346"/>
-                <a:ext cx="307945" cy="329642"/>
-              </a:xfrm>
-              <a:prstGeom prst="rect">
-                <a:avLst/>
-              </a:prstGeom>
-              <a:noFill/>
-            </p:spPr>
-            <p:txBody>
-              <a:bodyPr wrap="square">
-                <a:spAutoFit/>
-              </a:bodyPr>
-              <a:lstStyle/>
-              <a:p>
-                <a:pPr/>
-                <a14:m>
-                  <m:oMathPara xmlns:m="http://schemas.openxmlformats.org/officeDocument/2006/math">
-                    <m:oMathParaPr>
-                      <m:jc m:val="centerGroup"/>
-                    </m:oMathParaPr>
-                    <m:oMath xmlns:m="http://schemas.openxmlformats.org/officeDocument/2006/math">
-                      <m:sSubSup>
-                        <m:sSubSupPr>
-                          <m:ctrlPr>
-                            <a:rPr lang="en-GB" sz="1400" i="1" smtClean="0">
-                              <a:solidFill>
-                                <a:srgbClr val="836967"/>
-                              </a:solidFill>
-                              <a:latin typeface="Cambria Math" panose="02040503050406030204" pitchFamily="18" charset="0"/>
-                            </a:rPr>
-                          </m:ctrlPr>
-                        </m:sSubSupPr>
-                        <m:e>
-                          <m:r>
-                            <a:rPr lang="en-GB" sz="1400" i="1">
-                              <a:latin typeface="Cambria Math" panose="02040503050406030204" pitchFamily="18" charset="0"/>
-                            </a:rPr>
-                            <m:t>𝜃</m:t>
-                          </m:r>
-                        </m:e>
-                        <m:sub>
-                          <m:r>
-                            <a:rPr lang="en-US" sz="1400" b="0" i="0" smtClean="0">
-                              <a:latin typeface="Cambria Math" panose="02040503050406030204" pitchFamily="18" charset="0"/>
-                            </a:rPr>
-                            <m:t>6</m:t>
-                          </m:r>
-                        </m:sub>
-                        <m:sup>
-                          <m:r>
-                            <a:rPr lang="en-GB" sz="1400" i="1">
-                              <a:latin typeface="Cambria Math" panose="02040503050406030204" pitchFamily="18" charset="0"/>
-                            </a:rPr>
-                            <m:t>𝑠𝑝</m:t>
-                          </m:r>
-                        </m:sup>
-                      </m:sSubSup>
-                    </m:oMath>
-                  </m:oMathPara>
-                </a14:m>
-                <a:endParaRPr lang="en-GB" sz="1400" dirty="0"/>
-              </a:p>
-            </p:txBody>
-          </p:sp>
-        </mc:Choice>
-        <mc:Fallback>
-          <p:sp>
-            <p:nvSpPr>
-              <p:cNvPr id="27" name="TextBox 26">
-                <a:extLst>
-                  <a:ext uri="{FF2B5EF4-FFF2-40B4-BE49-F238E27FC236}">
-                    <a16:creationId xmlns:a16="http://schemas.microsoft.com/office/drawing/2014/main" id="{7B4922DD-119B-4913-A871-9627CDF269E2}"/>
-                  </a:ext>
-                </a:extLst>
-              </p:cNvPr>
-              <p:cNvSpPr txBox="1">
-                <a:spLocks noRot="1" noChangeAspect="1" noMove="1" noResize="1" noEditPoints="1" noAdjustHandles="1" noChangeArrowheads="1" noChangeShapeType="1" noTextEdit="1"/>
-              </p:cNvSpPr>
-              <p:nvPr/>
-            </p:nvSpPr>
-            <p:spPr>
-              <a:xfrm>
-                <a:off x="102742" y="6462346"/>
-                <a:ext cx="307945" cy="329642"/>
-              </a:xfrm>
-              <a:prstGeom prst="rect">
-                <a:avLst/>
-              </a:prstGeom>
-              <a:blipFill>
-                <a:blip r:embed="rId10"/>
-                <a:stretch>
-                  <a:fillRect r="-28000"/>
-                </a:stretch>
-              </a:blipFill>
-            </p:spPr>
-            <p:txBody>
-              <a:bodyPr/>
-              <a:lstStyle/>
-              <a:p>
-                <a:r>
-                  <a:rPr lang="en-GB">
-                    <a:noFill/>
-                  </a:rPr>
-                  <a:t> </a:t>
-                </a:r>
-              </a:p>
-            </p:txBody>
-          </p:sp>
-        </mc:Fallback>
-      </mc:AlternateContent>
-      <mc:AlternateContent xmlns:mc="http://schemas.openxmlformats.org/markup-compatibility/2006">
-        <mc:Choice xmlns:a14="http://schemas.microsoft.com/office/drawing/2010/main" Requires="a14">
+      <mc:AlternateContent xmlns:mc="http://schemas.openxmlformats.org/markup-compatibility/2006" xmlns:a14="http://schemas.microsoft.com/office/drawing/2010/main">
+        <mc:Choice Requires="a14">
           <p:sp>
             <p:nvSpPr>
               <p:cNvPr id="21" name="TextBox 20">
@@ -26431,7 +25087,7 @@
             </p:txBody>
           </p:sp>
         </mc:Choice>
-        <mc:Fallback>
+        <mc:Fallback xmlns="">
           <p:sp>
             <p:nvSpPr>
               <p:cNvPr id="21" name="TextBox 20">
@@ -26476,8 +25132,8 @@
           </p:sp>
         </mc:Fallback>
       </mc:AlternateContent>
-      <mc:AlternateContent xmlns:mc="http://schemas.openxmlformats.org/markup-compatibility/2006">
-        <mc:Choice xmlns:a14="http://schemas.microsoft.com/office/drawing/2010/main" Requires="a14">
+      <mc:AlternateContent xmlns:mc="http://schemas.openxmlformats.org/markup-compatibility/2006" xmlns:a14="http://schemas.microsoft.com/office/drawing/2010/main">
+        <mc:Choice Requires="a14">
           <p:sp>
             <p:nvSpPr>
               <p:cNvPr id="23" name="TextBox 22">
@@ -26570,7 +25226,7 @@
             </p:txBody>
           </p:sp>
         </mc:Choice>
-        <mc:Fallback>
+        <mc:Fallback xmlns="">
           <p:sp>
             <p:nvSpPr>
               <p:cNvPr id="23" name="TextBox 22">
@@ -26647,10 +25303,10 @@
       </p:grpSpPr>
       <p:pic>
         <p:nvPicPr>
-          <p:cNvPr id="5" name="Picture 4">
-            <a:extLst>
-              <a:ext uri="{FF2B5EF4-FFF2-40B4-BE49-F238E27FC236}">
-                <a16:creationId xmlns:a16="http://schemas.microsoft.com/office/drawing/2014/main" id="{D8D627FF-8018-88D4-564A-8002BB7D0E0F}"/>
+          <p:cNvPr id="7" name="Picture 6">
+            <a:extLst>
+              <a:ext uri="{FF2B5EF4-FFF2-40B4-BE49-F238E27FC236}">
+                <a16:creationId xmlns:a16="http://schemas.microsoft.com/office/drawing/2014/main" id="{7DDCC5E0-778E-74EA-7D26-918E4068434F}"/>
               </a:ext>
             </a:extLst>
           </p:cNvPr>
@@ -26667,8 +25323,8 @@
         </p:blipFill>
         <p:spPr>
           <a:xfrm>
-            <a:off x="8526200" y="1"/>
-            <a:ext cx="3665800" cy="6055359"/>
+            <a:off x="8501553" y="121921"/>
+            <a:ext cx="3690447" cy="5821680"/>
           </a:xfrm>
           <a:prstGeom prst="rect">
             <a:avLst/>
@@ -26677,10 +25333,10 @@
       </p:pic>
       <p:pic>
         <p:nvPicPr>
-          <p:cNvPr id="3" name="Picture 2">
-            <a:extLst>
-              <a:ext uri="{FF2B5EF4-FFF2-40B4-BE49-F238E27FC236}">
-                <a16:creationId xmlns:a16="http://schemas.microsoft.com/office/drawing/2014/main" id="{736BAD32-86B7-304A-3E92-7FB3F3B1C5AD}"/>
+          <p:cNvPr id="4" name="Picture 3">
+            <a:extLst>
+              <a:ext uri="{FF2B5EF4-FFF2-40B4-BE49-F238E27FC236}">
+                <a16:creationId xmlns:a16="http://schemas.microsoft.com/office/drawing/2014/main" id="{7C15540E-C7C5-827F-D1C3-D6B76E877E46}"/>
               </a:ext>
             </a:extLst>
           </p:cNvPr>
@@ -26697,8 +25353,8 @@
         </p:blipFill>
         <p:spPr>
           <a:xfrm>
-            <a:off x="0" y="1"/>
-            <a:ext cx="8576952" cy="4632960"/>
+            <a:off x="0" y="121921"/>
+            <a:ext cx="8645865" cy="4653280"/>
           </a:xfrm>
           <a:prstGeom prst="rect">
             <a:avLst/>

--- a/Model.pptx
+++ b/Model.pptx
@@ -15957,119 +15957,6 @@
           </a:fontRef>
         </p:style>
       </p:cxnSp>
-      <p:grpSp>
-        <p:nvGrpSpPr>
-          <p:cNvPr id="63" name="Group 62">
-            <a:extLst>
-              <a:ext uri="{FF2B5EF4-FFF2-40B4-BE49-F238E27FC236}">
-                <a16:creationId xmlns:a16="http://schemas.microsoft.com/office/drawing/2014/main" id="{96A90A22-B60A-4E49-A0A4-3629EC094355}"/>
-              </a:ext>
-            </a:extLst>
-          </p:cNvPr>
-          <p:cNvGrpSpPr/>
-          <p:nvPr/>
-        </p:nvGrpSpPr>
-        <p:grpSpPr>
-          <a:xfrm>
-            <a:off x="8541268" y="2771728"/>
-            <a:ext cx="576469" cy="369332"/>
-            <a:chOff x="8931252" y="3119791"/>
-            <a:chExt cx="576469" cy="369332"/>
-          </a:xfrm>
-        </p:grpSpPr>
-        <p:sp>
-          <p:nvSpPr>
-            <p:cNvPr id="60" name="Oval 59">
-              <a:extLst>
-                <a:ext uri="{FF2B5EF4-FFF2-40B4-BE49-F238E27FC236}">
-                  <a16:creationId xmlns:a16="http://schemas.microsoft.com/office/drawing/2014/main" id="{102F7CB8-7219-42F1-BBDD-EC9759B997D1}"/>
-                </a:ext>
-              </a:extLst>
-            </p:cNvPr>
-            <p:cNvSpPr/>
-            <p:nvPr/>
-          </p:nvSpPr>
-          <p:spPr>
-            <a:xfrm>
-              <a:off x="9039487" y="3119791"/>
-              <a:ext cx="360000" cy="360000"/>
-            </a:xfrm>
-            <a:prstGeom prst="ellipse">
-              <a:avLst/>
-            </a:prstGeom>
-            <a:solidFill>
-              <a:schemeClr val="accent1">
-                <a:lumMod val="20000"/>
-                <a:lumOff val="80000"/>
-              </a:schemeClr>
-            </a:solidFill>
-          </p:spPr>
-          <p:style>
-            <a:lnRef idx="2">
-              <a:schemeClr val="accent1">
-                <a:shade val="50000"/>
-              </a:schemeClr>
-            </a:lnRef>
-            <a:fillRef idx="1">
-              <a:schemeClr val="accent1"/>
-            </a:fillRef>
-            <a:effectRef idx="0">
-              <a:schemeClr val="accent1"/>
-            </a:effectRef>
-            <a:fontRef idx="minor">
-              <a:schemeClr val="lt1"/>
-            </a:fontRef>
-          </p:style>
-          <p:txBody>
-            <a:bodyPr rtlCol="0" anchor="ctr"/>
-            <a:lstStyle/>
-            <a:p>
-              <a:pPr algn="ctr"/>
-              <a:endParaRPr lang="en-GB"/>
-            </a:p>
-          </p:txBody>
-        </p:sp>
-        <p:sp>
-          <p:nvSpPr>
-            <p:cNvPr id="61" name="TextBox 60">
-              <a:extLst>
-                <a:ext uri="{FF2B5EF4-FFF2-40B4-BE49-F238E27FC236}">
-                  <a16:creationId xmlns:a16="http://schemas.microsoft.com/office/drawing/2014/main" id="{CD081B9D-8C1C-4410-ACEA-1CD776D7AC0C}"/>
-                </a:ext>
-              </a:extLst>
-            </p:cNvPr>
-            <p:cNvSpPr txBox="1"/>
-            <p:nvPr/>
-          </p:nvSpPr>
-          <p:spPr>
-            <a:xfrm>
-              <a:off x="8931252" y="3119791"/>
-              <a:ext cx="576469" cy="369332"/>
-            </a:xfrm>
-            <a:prstGeom prst="rect">
-              <a:avLst/>
-            </a:prstGeom>
-            <a:noFill/>
-            <a:ln>
-              <a:noFill/>
-            </a:ln>
-          </p:spPr>
-          <p:txBody>
-            <a:bodyPr wrap="square" rtlCol="0">
-              <a:spAutoFit/>
-            </a:bodyPr>
-            <a:lstStyle/>
-            <a:p>
-              <a:pPr algn="ctr"/>
-              <a:r>
-                <a:rPr lang="en-US" dirty="0"/>
-                <a:t>F</a:t>
-              </a:r>
-              <a:endParaRPr lang="en-GB" dirty="0"/>
-            </a:p>
-          </p:txBody>
-        </p:sp>
-      </p:grpSp>
       <p:cxnSp>
         <p:nvCxnSpPr>
           <p:cNvPr id="68" name="Straight Arrow Connector 67">
@@ -16081,58 +15968,15 @@
           </p:cNvPr>
           <p:cNvCxnSpPr>
             <a:cxnSpLocks/>
+            <a:stCxn id="55" idx="3"/>
             <a:endCxn id="74" idx="1"/>
           </p:cNvCxnSpPr>
           <p:nvPr/>
         </p:nvCxnSpPr>
         <p:spPr>
           <a:xfrm>
-            <a:off x="9004658" y="2956159"/>
-            <a:ext cx="1496839" cy="2"/>
-          </a:xfrm>
-          <a:prstGeom prst="straightConnector1">
-            <a:avLst/>
-          </a:prstGeom>
-          <a:ln w="12700">
-            <a:solidFill>
-              <a:schemeClr val="tx1"/>
-            </a:solidFill>
-            <a:tailEnd type="triangle"/>
-          </a:ln>
-        </p:spPr>
-        <p:style>
-          <a:lnRef idx="1">
-            <a:schemeClr val="accent1"/>
-          </a:lnRef>
-          <a:fillRef idx="0">
-            <a:schemeClr val="accent1"/>
-          </a:fillRef>
-          <a:effectRef idx="0">
-            <a:schemeClr val="accent1"/>
-          </a:effectRef>
-          <a:fontRef idx="minor">
-            <a:schemeClr val="tx1"/>
-          </a:fontRef>
-        </p:style>
-      </p:cxnSp>
-      <p:cxnSp>
-        <p:nvCxnSpPr>
-          <p:cNvPr id="69" name="Straight Arrow Connector 68">
-            <a:extLst>
-              <a:ext uri="{FF2B5EF4-FFF2-40B4-BE49-F238E27FC236}">
-                <a16:creationId xmlns:a16="http://schemas.microsoft.com/office/drawing/2014/main" id="{14CBFF5F-26B0-4CB1-B8FF-A950167853FE}"/>
-              </a:ext>
-            </a:extLst>
-          </p:cNvPr>
-          <p:cNvCxnSpPr>
-            <a:cxnSpLocks/>
-          </p:cNvCxnSpPr>
-          <p:nvPr/>
-        </p:nvCxnSpPr>
-        <p:spPr>
-          <a:xfrm>
-            <a:off x="8137396" y="2975804"/>
-            <a:ext cx="512107" cy="0"/>
+            <a:off x="8137396" y="2956161"/>
+            <a:ext cx="2364101" cy="0"/>
           </a:xfrm>
           <a:prstGeom prst="straightConnector1">
             <a:avLst/>
@@ -18126,285 +17970,6 @@
           </a:fontRef>
         </p:style>
       </p:cxnSp>
-      <p:grpSp>
-        <p:nvGrpSpPr>
-          <p:cNvPr id="193" name="Group 192">
-            <a:extLst>
-              <a:ext uri="{FF2B5EF4-FFF2-40B4-BE49-F238E27FC236}">
-                <a16:creationId xmlns:a16="http://schemas.microsoft.com/office/drawing/2014/main" id="{F16DDD96-C8BD-4737-A15A-E5DED33B7D9B}"/>
-              </a:ext>
-            </a:extLst>
-          </p:cNvPr>
-          <p:cNvGrpSpPr/>
-          <p:nvPr/>
-        </p:nvGrpSpPr>
-        <p:grpSpPr>
-          <a:xfrm>
-            <a:off x="9004658" y="3564249"/>
-            <a:ext cx="804499" cy="700522"/>
-            <a:chOff x="8880757" y="3922643"/>
-            <a:chExt cx="1120837" cy="934286"/>
-          </a:xfrm>
-        </p:grpSpPr>
-        <p:sp>
-          <p:nvSpPr>
-            <p:cNvPr id="189" name="Rectangle 188">
-              <a:extLst>
-                <a:ext uri="{FF2B5EF4-FFF2-40B4-BE49-F238E27FC236}">
-                  <a16:creationId xmlns:a16="http://schemas.microsoft.com/office/drawing/2014/main" id="{DA439CC2-6103-4EA7-8EFA-32EC6C7FACAF}"/>
-                </a:ext>
-              </a:extLst>
-            </p:cNvPr>
-            <p:cNvSpPr/>
-            <p:nvPr/>
-          </p:nvSpPr>
-          <p:spPr>
-            <a:xfrm>
-              <a:off x="8890042" y="3922643"/>
-              <a:ext cx="1095647" cy="934286"/>
-            </a:xfrm>
-            <a:prstGeom prst="rect">
-              <a:avLst/>
-            </a:prstGeom>
-            <a:noFill/>
-          </p:spPr>
-          <p:style>
-            <a:lnRef idx="2">
-              <a:schemeClr val="accent1">
-                <a:shade val="50000"/>
-              </a:schemeClr>
-            </a:lnRef>
-            <a:fillRef idx="1">
-              <a:schemeClr val="accent1"/>
-            </a:fillRef>
-            <a:effectRef idx="0">
-              <a:schemeClr val="accent1"/>
-            </a:effectRef>
-            <a:fontRef idx="minor">
-              <a:schemeClr val="lt1"/>
-            </a:fontRef>
-          </p:style>
-          <p:txBody>
-            <a:bodyPr rtlCol="0" anchor="ctr"/>
-            <a:lstStyle/>
-            <a:p>
-              <a:pPr algn="ctr"/>
-              <a:endParaRPr lang="en-GB"/>
-            </a:p>
-          </p:txBody>
-        </p:sp>
-        <p:sp>
-          <p:nvSpPr>
-            <p:cNvPr id="190" name="Isosceles Triangle 189">
-              <a:extLst>
-                <a:ext uri="{FF2B5EF4-FFF2-40B4-BE49-F238E27FC236}">
-                  <a16:creationId xmlns:a16="http://schemas.microsoft.com/office/drawing/2014/main" id="{44A97516-53BB-48AB-81D8-0F4626741AC9}"/>
-                </a:ext>
-              </a:extLst>
-            </p:cNvPr>
-            <p:cNvSpPr/>
-            <p:nvPr/>
-          </p:nvSpPr>
-          <p:spPr>
-            <a:xfrm rot="16200000">
-              <a:off x="8981122" y="3836456"/>
-              <a:ext cx="920108" cy="1120837"/>
-            </a:xfrm>
-            <a:prstGeom prst="triangle">
-              <a:avLst>
-                <a:gd name="adj" fmla="val 48271"/>
-              </a:avLst>
-            </a:prstGeom>
-            <a:noFill/>
-          </p:spPr>
-          <p:style>
-            <a:lnRef idx="2">
-              <a:schemeClr val="accent1">
-                <a:shade val="50000"/>
-              </a:schemeClr>
-            </a:lnRef>
-            <a:fillRef idx="1">
-              <a:schemeClr val="accent1"/>
-            </a:fillRef>
-            <a:effectRef idx="0">
-              <a:schemeClr val="accent1"/>
-            </a:effectRef>
-            <a:fontRef idx="minor">
-              <a:schemeClr val="lt1"/>
-            </a:fontRef>
-          </p:style>
-          <p:txBody>
-            <a:bodyPr rtlCol="0" anchor="ctr"/>
-            <a:lstStyle/>
-            <a:p>
-              <a:pPr algn="ctr"/>
-              <a:endParaRPr lang="en-GB"/>
-            </a:p>
-          </p:txBody>
-        </p:sp>
-        <p:sp>
-          <p:nvSpPr>
-            <p:cNvPr id="191" name="TextBox 190">
-              <a:extLst>
-                <a:ext uri="{FF2B5EF4-FFF2-40B4-BE49-F238E27FC236}">
-                  <a16:creationId xmlns:a16="http://schemas.microsoft.com/office/drawing/2014/main" id="{F8DF4C71-1176-4AEC-BAD5-BC0748B766DF}"/>
-                </a:ext>
-              </a:extLst>
-            </p:cNvPr>
-            <p:cNvSpPr txBox="1"/>
-            <p:nvPr/>
-          </p:nvSpPr>
-          <p:spPr>
-            <a:xfrm>
-              <a:off x="9710102" y="4379152"/>
-              <a:ext cx="208723" cy="369332"/>
-            </a:xfrm>
-            <a:prstGeom prst="rect">
-              <a:avLst/>
-            </a:prstGeom>
-            <a:noFill/>
-          </p:spPr>
-          <p:txBody>
-            <a:bodyPr wrap="square" rtlCol="0">
-              <a:spAutoFit/>
-            </a:bodyPr>
-            <a:lstStyle/>
-            <a:p>
-              <a:r>
-                <a:rPr lang="en-US" dirty="0"/>
-                <a:t>+</a:t>
-              </a:r>
-              <a:endParaRPr lang="en-GB" dirty="0"/>
-            </a:p>
-          </p:txBody>
-        </p:sp>
-        <p:sp>
-          <p:nvSpPr>
-            <p:cNvPr id="192" name="TextBox 191">
-              <a:extLst>
-                <a:ext uri="{FF2B5EF4-FFF2-40B4-BE49-F238E27FC236}">
-                  <a16:creationId xmlns:a16="http://schemas.microsoft.com/office/drawing/2014/main" id="{7274C32E-026D-40A2-A87C-447D229C1418}"/>
-                </a:ext>
-              </a:extLst>
-            </p:cNvPr>
-            <p:cNvSpPr txBox="1"/>
-            <p:nvPr/>
-          </p:nvSpPr>
-          <p:spPr>
-            <a:xfrm>
-              <a:off x="9735553" y="4119297"/>
-              <a:ext cx="208723" cy="369332"/>
-            </a:xfrm>
-            <a:prstGeom prst="rect">
-              <a:avLst/>
-            </a:prstGeom>
-            <a:noFill/>
-          </p:spPr>
-          <p:txBody>
-            <a:bodyPr wrap="square" rtlCol="0">
-              <a:spAutoFit/>
-            </a:bodyPr>
-            <a:lstStyle/>
-            <a:p>
-              <a:r>
-                <a:rPr lang="en-US" dirty="0"/>
-                <a:t>-</a:t>
-              </a:r>
-              <a:endParaRPr lang="en-GB" dirty="0"/>
-            </a:p>
-          </p:txBody>
-        </p:sp>
-      </p:grpSp>
-      <p:cxnSp>
-        <p:nvCxnSpPr>
-          <p:cNvPr id="198" name="Connector: Elbow 197">
-            <a:extLst>
-              <a:ext uri="{FF2B5EF4-FFF2-40B4-BE49-F238E27FC236}">
-                <a16:creationId xmlns:a16="http://schemas.microsoft.com/office/drawing/2014/main" id="{3A934BCA-EF6F-4B70-BEF4-E2065D1763E7}"/>
-              </a:ext>
-            </a:extLst>
-          </p:cNvPr>
-          <p:cNvCxnSpPr>
-            <a:cxnSpLocks/>
-            <a:endCxn id="190" idx="3"/>
-          </p:cNvCxnSpPr>
-          <p:nvPr/>
-        </p:nvCxnSpPr>
-        <p:spPr>
-          <a:xfrm rot="5400000">
-            <a:off x="9424590" y="3335104"/>
-            <a:ext cx="981217" cy="212081"/>
-          </a:xfrm>
-          <a:prstGeom prst="bentConnector2">
-            <a:avLst/>
-          </a:prstGeom>
-          <a:ln w="12700">
-            <a:solidFill>
-              <a:schemeClr val="tx1">
-                <a:lumMod val="50000"/>
-                <a:lumOff val="50000"/>
-              </a:schemeClr>
-            </a:solidFill>
-            <a:tailEnd type="triangle"/>
-          </a:ln>
-        </p:spPr>
-        <p:style>
-          <a:lnRef idx="1">
-            <a:schemeClr val="accent1"/>
-          </a:lnRef>
-          <a:fillRef idx="0">
-            <a:schemeClr val="accent1"/>
-          </a:fillRef>
-          <a:effectRef idx="0">
-            <a:schemeClr val="accent1"/>
-          </a:effectRef>
-          <a:fontRef idx="minor">
-            <a:schemeClr val="tx1"/>
-          </a:fontRef>
-        </p:style>
-      </p:cxnSp>
-      <p:cxnSp>
-        <p:nvCxnSpPr>
-          <p:cNvPr id="200" name="Straight Arrow Connector 199">
-            <a:extLst>
-              <a:ext uri="{FF2B5EF4-FFF2-40B4-BE49-F238E27FC236}">
-                <a16:creationId xmlns:a16="http://schemas.microsoft.com/office/drawing/2014/main" id="{7508421B-D5B0-4324-8549-69D1C1EC6E44}"/>
-              </a:ext>
-            </a:extLst>
-          </p:cNvPr>
-          <p:cNvCxnSpPr>
-            <a:cxnSpLocks/>
-            <a:stCxn id="204" idx="1"/>
-          </p:cNvCxnSpPr>
-          <p:nvPr/>
-        </p:nvCxnSpPr>
-        <p:spPr>
-          <a:xfrm flipH="1" flipV="1">
-            <a:off x="9811041" y="4107871"/>
-            <a:ext cx="198219" cy="2665"/>
-          </a:xfrm>
-          <a:prstGeom prst="straightConnector1">
-            <a:avLst/>
-          </a:prstGeom>
-          <a:ln>
-            <a:tailEnd type="triangle"/>
-          </a:ln>
-        </p:spPr>
-        <p:style>
-          <a:lnRef idx="2">
-            <a:schemeClr val="dk1"/>
-          </a:lnRef>
-          <a:fillRef idx="0">
-            <a:schemeClr val="dk1"/>
-          </a:fillRef>
-          <a:effectRef idx="1">
-            <a:schemeClr val="dk1"/>
-          </a:effectRef>
-          <a:fontRef idx="minor">
-            <a:schemeClr val="tx1"/>
-          </a:fontRef>
-        </p:style>
-      </p:cxnSp>
       <mc:AlternateContent xmlns:mc="http://schemas.openxmlformats.org/markup-compatibility/2006" xmlns:a14="http://schemas.microsoft.com/office/drawing/2010/main">
         <mc:Choice Requires="a14">
           <p:sp>
@@ -18513,132 +18078,6 @@
                 <a:blip r:embed="rId8"/>
                 <a:stretch>
                   <a:fillRect/>
-                </a:stretch>
-              </a:blipFill>
-            </p:spPr>
-            <p:txBody>
-              <a:bodyPr/>
-              <a:lstStyle/>
-              <a:p>
-                <a:r>
-                  <a:rPr lang="en-GB">
-                    <a:noFill/>
-                  </a:rPr>
-                  <a:t> </a:t>
-                </a:r>
-              </a:p>
-            </p:txBody>
-          </p:sp>
-        </mc:Fallback>
-      </mc:AlternateContent>
-      <mc:AlternateContent xmlns:mc="http://schemas.openxmlformats.org/markup-compatibility/2006" xmlns:a14="http://schemas.microsoft.com/office/drawing/2010/main">
-        <mc:Choice Requires="a14">
-          <p:sp>
-            <p:nvSpPr>
-              <p:cNvPr id="204" name="TextBox 203">
-                <a:extLst>
-                  <a:ext uri="{FF2B5EF4-FFF2-40B4-BE49-F238E27FC236}">
-                    <a16:creationId xmlns:a16="http://schemas.microsoft.com/office/drawing/2014/main" id="{3965C210-91C9-4A7A-81EB-51BA38CB2E1F}"/>
-                  </a:ext>
-                </a:extLst>
-              </p:cNvPr>
-              <p:cNvSpPr txBox="1"/>
-              <p:nvPr/>
-            </p:nvSpPr>
-            <p:spPr>
-              <a:xfrm>
-                <a:off x="10009260" y="3906537"/>
-                <a:ext cx="307945" cy="407997"/>
-              </a:xfrm>
-              <a:prstGeom prst="rect">
-                <a:avLst/>
-              </a:prstGeom>
-              <a:noFill/>
-            </p:spPr>
-            <p:txBody>
-              <a:bodyPr wrap="square">
-                <a:spAutoFit/>
-              </a:bodyPr>
-              <a:lstStyle/>
-              <a:p>
-                <a:pPr/>
-                <a14:m>
-                  <m:oMathPara xmlns:m="http://schemas.openxmlformats.org/officeDocument/2006/math">
-                    <m:oMathParaPr>
-                      <m:jc m:val="centerGroup"/>
-                    </m:oMathParaPr>
-                    <m:oMath xmlns:m="http://schemas.openxmlformats.org/officeDocument/2006/math">
-                      <m:sSubSup>
-                        <m:sSubSupPr>
-                          <m:ctrlPr>
-                            <a:rPr lang="en-GB" i="1" smtClean="0">
-                              <a:solidFill>
-                                <a:srgbClr val="836967"/>
-                              </a:solidFill>
-                              <a:latin typeface="Cambria Math" panose="02040503050406030204" pitchFamily="18" charset="0"/>
-                            </a:rPr>
-                          </m:ctrlPr>
-                        </m:sSubSupPr>
-                        <m:e>
-                          <m:r>
-                            <a:rPr lang="en-GB" i="1">
-                              <a:latin typeface="Cambria Math" panose="02040503050406030204" pitchFamily="18" charset="0"/>
-                            </a:rPr>
-                            <m:t>𝜃</m:t>
-                          </m:r>
-                        </m:e>
-                        <m:sub>
-                          <m:r>
-                            <a:rPr lang="en-US" b="0" i="0" smtClean="0">
-                              <a:latin typeface="Cambria Math" panose="02040503050406030204" pitchFamily="18" charset="0"/>
-                            </a:rPr>
-                            <m:t>7</m:t>
-                          </m:r>
-                        </m:sub>
-                        <m:sup>
-                          <m:r>
-                            <a:rPr lang="en-GB" i="1">
-                              <a:latin typeface="Cambria Math" panose="02040503050406030204" pitchFamily="18" charset="0"/>
-                            </a:rPr>
-                            <m:t>𝑠𝑝</m:t>
-                          </m:r>
-                        </m:sup>
-                      </m:sSubSup>
-                    </m:oMath>
-                  </m:oMathPara>
-                </a14:m>
-                <a:endParaRPr lang="en-GB" dirty="0"/>
-              </a:p>
-            </p:txBody>
-          </p:sp>
-        </mc:Choice>
-        <mc:Fallback xmlns="">
-          <p:sp>
-            <p:nvSpPr>
-              <p:cNvPr id="204" name="TextBox 203">
-                <a:extLst>
-                  <a:ext uri="{FF2B5EF4-FFF2-40B4-BE49-F238E27FC236}">
-                    <a16:creationId xmlns:a16="http://schemas.microsoft.com/office/drawing/2014/main" id="{3965C210-91C9-4A7A-81EB-51BA38CB2E1F}"/>
-                  </a:ext>
-                </a:extLst>
-              </p:cNvPr>
-              <p:cNvSpPr txBox="1">
-                <a:spLocks noRot="1" noChangeAspect="1" noMove="1" noResize="1" noEditPoints="1" noAdjustHandles="1" noChangeArrowheads="1" noChangeShapeType="1" noTextEdit="1"/>
-              </p:cNvSpPr>
-              <p:nvPr/>
-            </p:nvSpPr>
-            <p:spPr>
-              <a:xfrm>
-                <a:off x="10009260" y="3906537"/>
-                <a:ext cx="307945" cy="407997"/>
-              </a:xfrm>
-              <a:prstGeom prst="rect">
-                <a:avLst/>
-              </a:prstGeom>
-              <a:blipFill>
-                <a:blip r:embed="rId9"/>
-                <a:stretch>
-                  <a:fillRect r="-60000"/>
                 </a:stretch>
               </a:blipFill>
             </p:spPr>
@@ -18783,51 +18222,6 @@
           </p:sp>
         </mc:Fallback>
       </mc:AlternateContent>
-      <p:cxnSp>
-        <p:nvCxnSpPr>
-          <p:cNvPr id="210" name="Connector: Elbow 209">
-            <a:extLst>
-              <a:ext uri="{FF2B5EF4-FFF2-40B4-BE49-F238E27FC236}">
-                <a16:creationId xmlns:a16="http://schemas.microsoft.com/office/drawing/2014/main" id="{E383097F-31CF-45FD-BEA8-E3FB6F22C346}"/>
-              </a:ext>
-            </a:extLst>
-          </p:cNvPr>
-          <p:cNvCxnSpPr>
-            <a:stCxn id="190" idx="0"/>
-            <a:endCxn id="61" idx="2"/>
-          </p:cNvCxnSpPr>
-          <p:nvPr/>
-        </p:nvCxnSpPr>
-        <p:spPr>
-          <a:xfrm rot="10800000">
-            <a:off x="8829504" y="3141061"/>
-            <a:ext cx="175155" cy="790693"/>
-          </a:xfrm>
-          <a:prstGeom prst="bentConnector2">
-            <a:avLst/>
-          </a:prstGeom>
-          <a:ln>
-            <a:solidFill>
-              <a:schemeClr val="tx1"/>
-            </a:solidFill>
-            <a:tailEnd type="triangle"/>
-          </a:ln>
-        </p:spPr>
-        <p:style>
-          <a:lnRef idx="1">
-            <a:schemeClr val="accent1"/>
-          </a:lnRef>
-          <a:fillRef idx="0">
-            <a:schemeClr val="accent1"/>
-          </a:fillRef>
-          <a:effectRef idx="0">
-            <a:schemeClr val="accent1"/>
-          </a:effectRef>
-          <a:fontRef idx="minor">
-            <a:schemeClr val="tx1"/>
-          </a:fontRef>
-        </p:style>
-      </p:cxnSp>
       <p:cxnSp>
         <p:nvCxnSpPr>
           <p:cNvPr id="212" name="Connector: Elbow 211">
@@ -19889,8 +19283,8 @@
           </p:sp>
         </mc:Fallback>
       </mc:AlternateContent>
-      <mc:AlternateContent xmlns:mc="http://schemas.openxmlformats.org/markup-compatibility/2006" xmlns:a14="http://schemas.microsoft.com/office/drawing/2010/main">
-        <mc:Choice Requires="a14">
+      <mc:AlternateContent xmlns:mc="http://schemas.openxmlformats.org/markup-compatibility/2006">
+        <mc:Choice xmlns:a14="http://schemas.microsoft.com/office/drawing/2010/main" Requires="a14">
           <p:sp>
             <p:nvSpPr>
               <p:cNvPr id="242" name="TextBox 241">
@@ -19905,7 +19299,7 @@
             </p:nvSpPr>
             <p:spPr>
               <a:xfrm>
-                <a:off x="8976776" y="2950403"/>
+                <a:off x="8976607" y="2950403"/>
                 <a:ext cx="662974" cy="369332"/>
               </a:xfrm>
               <a:prstGeom prst="rect">
@@ -19977,7 +19371,7 @@
             </p:txBody>
           </p:sp>
         </mc:Choice>
-        <mc:Fallback xmlns="">
+        <mc:Fallback>
           <p:sp>
             <p:nvSpPr>
               <p:cNvPr id="242" name="TextBox 241">
@@ -19994,7 +19388,7 @@
             </p:nvSpPr>
             <p:spPr>
               <a:xfrm>
-                <a:off x="8976776" y="2950403"/>
+                <a:off x="8976607" y="2950403"/>
                 <a:ext cx="662974" cy="369332"/>
               </a:xfrm>
               <a:prstGeom prst="rect">

--- a/Model.pptx
+++ b/Model.pptx
@@ -19283,8 +19283,8 @@
           </p:sp>
         </mc:Fallback>
       </mc:AlternateContent>
-      <mc:AlternateContent xmlns:mc="http://schemas.openxmlformats.org/markup-compatibility/2006">
-        <mc:Choice xmlns:a14="http://schemas.microsoft.com/office/drawing/2010/main" Requires="a14">
+      <mc:AlternateContent xmlns:mc="http://schemas.openxmlformats.org/markup-compatibility/2006" xmlns:a14="http://schemas.microsoft.com/office/drawing/2010/main">
+        <mc:Choice Requires="a14">
           <p:sp>
             <p:nvSpPr>
               <p:cNvPr id="242" name="TextBox 241">
@@ -19371,7 +19371,7 @@
             </p:txBody>
           </p:sp>
         </mc:Choice>
-        <mc:Fallback>
+        <mc:Fallback xmlns="">
           <p:sp>
             <p:nvSpPr>
               <p:cNvPr id="242" name="TextBox 241">
@@ -21754,7 +21754,7 @@
           <a:p>
             <a:r>
               <a:rPr lang="en-US" dirty="0"/>
-              <a:t>4</a:t>
+              <a:t>3</a:t>
             </a:r>
             <a:endParaRPr lang="en-GB" dirty="0"/>
           </a:p>
@@ -22302,7 +22302,7 @@
           <a:p>
             <a:r>
               <a:rPr lang="en-US" dirty="0"/>
-              <a:t>3</a:t>
+              <a:t>2</a:t>
             </a:r>
             <a:endParaRPr lang="en-GB" dirty="0"/>
           </a:p>

--- a/Model.pptx
+++ b/Model.pptx
@@ -6,11 +6,12 @@
   </p:sldMasterIdLst>
   <p:sldIdLst>
     <p:sldId id="256" r:id="rId2"/>
-    <p:sldId id="260" r:id="rId3"/>
-    <p:sldId id="261" r:id="rId4"/>
-    <p:sldId id="257" r:id="rId5"/>
-    <p:sldId id="258" r:id="rId6"/>
-    <p:sldId id="259" r:id="rId7"/>
+    <p:sldId id="262" r:id="rId3"/>
+    <p:sldId id="260" r:id="rId4"/>
+    <p:sldId id="261" r:id="rId5"/>
+    <p:sldId id="257" r:id="rId6"/>
+    <p:sldId id="258" r:id="rId7"/>
+    <p:sldId id="259" r:id="rId8"/>
   </p:sldIdLst>
   <p:sldSz cx="12192000" cy="6858000"/>
   <p:notesSz cx="6858000" cy="9144000"/>
@@ -5188,8 +5189,8 @@
           </p:sp>
         </mc:Fallback>
       </mc:AlternateContent>
-      <mc:AlternateContent xmlns:mc="http://schemas.openxmlformats.org/markup-compatibility/2006" xmlns:a14="http://schemas.microsoft.com/office/drawing/2010/main">
-        <mc:Choice Requires="a14">
+      <mc:AlternateContent xmlns:mc="http://schemas.openxmlformats.org/markup-compatibility/2006">
+        <mc:Choice xmlns:a14="http://schemas.microsoft.com/office/drawing/2010/main" Requires="a14">
           <p:sp>
             <p:nvSpPr>
               <p:cNvPr id="118" name="TextBox 117">
@@ -5204,8 +5205,8 @@
             </p:nvSpPr>
             <p:spPr>
               <a:xfrm>
-                <a:off x="10465436" y="3658052"/>
-                <a:ext cx="606755" cy="379848"/>
+                <a:off x="10296471" y="3659673"/>
+                <a:ext cx="606755" cy="398379"/>
               </a:xfrm>
               <a:prstGeom prst="rect">
                 <a:avLst/>
@@ -5264,6 +5265,18 @@
                                 </a:rPr>
                                 <m:t>𝑠</m:t>
                               </m:r>
+                              <m:r>
+                                <a:rPr lang="en-US" b="0" i="1" smtClean="0">
+                                  <a:latin typeface="Cambria Math" panose="02040503050406030204" pitchFamily="18" charset="0"/>
+                                </a:rPr>
+                                <m:t>,</m:t>
+                              </m:r>
+                              <m:r>
+                                <a:rPr lang="en-US" b="0" i="1" smtClean="0">
+                                  <a:latin typeface="Cambria Math" panose="02040503050406030204" pitchFamily="18" charset="0"/>
+                                </a:rPr>
+                                <m:t>𝑇𝑍</m:t>
+                              </m:r>
                             </m:sub>
                           </m:sSub>
                         </m:e>
@@ -5276,7 +5289,7 @@
             </p:txBody>
           </p:sp>
         </mc:Choice>
-        <mc:Fallback xmlns="">
+        <mc:Fallback>
           <p:sp>
             <p:nvSpPr>
               <p:cNvPr id="118" name="TextBox 117">
@@ -5293,8 +5306,8 @@
             </p:nvSpPr>
             <p:spPr>
               <a:xfrm>
-                <a:off x="10465436" y="3658052"/>
-                <a:ext cx="606755" cy="379848"/>
+                <a:off x="10296471" y="3659673"/>
+                <a:ext cx="606755" cy="398379"/>
               </a:xfrm>
               <a:prstGeom prst="rect">
                 <a:avLst/>
@@ -5302,7 +5315,7 @@
               <a:blipFill>
                 <a:blip r:embed="rId4"/>
                 <a:stretch>
-                  <a:fillRect b="-11290"/>
+                  <a:fillRect l="-2000" r="-3000" b="-6061"/>
                 </a:stretch>
               </a:blipFill>
             </p:spPr>
@@ -5321,8 +5334,8 @@
           </p:sp>
         </mc:Fallback>
       </mc:AlternateContent>
-      <mc:AlternateContent xmlns:mc="http://schemas.openxmlformats.org/markup-compatibility/2006" xmlns:a14="http://schemas.microsoft.com/office/drawing/2010/main">
-        <mc:Choice Requires="a14">
+      <mc:AlternateContent xmlns:mc="http://schemas.openxmlformats.org/markup-compatibility/2006">
+        <mc:Choice xmlns:a14="http://schemas.microsoft.com/office/drawing/2010/main" Requires="a14">
           <p:sp>
             <p:nvSpPr>
               <p:cNvPr id="119" name="TextBox 118">
@@ -5337,8 +5350,8 @@
             </p:nvSpPr>
             <p:spPr>
               <a:xfrm>
-                <a:off x="11206603" y="3671482"/>
-                <a:ext cx="606755" cy="379848"/>
+                <a:off x="11256342" y="3672499"/>
+                <a:ext cx="606755" cy="398379"/>
               </a:xfrm>
               <a:prstGeom prst="rect">
                 <a:avLst/>
@@ -5397,6 +5410,18 @@
                                 </a:rPr>
                                 <m:t>𝑙</m:t>
                               </m:r>
+                              <m:r>
+                                <a:rPr lang="en-US" b="0" i="1" smtClean="0">
+                                  <a:latin typeface="Cambria Math" panose="02040503050406030204" pitchFamily="18" charset="0"/>
+                                </a:rPr>
+                                <m:t>,</m:t>
+                              </m:r>
+                              <m:r>
+                                <a:rPr lang="en-US" b="0" i="1" smtClean="0">
+                                  <a:latin typeface="Cambria Math" panose="02040503050406030204" pitchFamily="18" charset="0"/>
+                                </a:rPr>
+                                <m:t>𝑇𝑍</m:t>
+                              </m:r>
                             </m:sub>
                           </m:sSub>
                         </m:e>
@@ -5409,7 +5434,7 @@
             </p:txBody>
           </p:sp>
         </mc:Choice>
-        <mc:Fallback xmlns="">
+        <mc:Fallback>
           <p:sp>
             <p:nvSpPr>
               <p:cNvPr id="119" name="TextBox 118">
@@ -5426,8 +5451,8 @@
             </p:nvSpPr>
             <p:spPr>
               <a:xfrm>
-                <a:off x="11206603" y="3671482"/>
-                <a:ext cx="606755" cy="379848"/>
+                <a:off x="11256342" y="3672499"/>
+                <a:ext cx="606755" cy="398379"/>
               </a:xfrm>
               <a:prstGeom prst="rect">
                 <a:avLst/>
@@ -5435,7 +5460,7 @@
               <a:blipFill>
                 <a:blip r:embed="rId5"/>
                 <a:stretch>
-                  <a:fillRect b="-9524"/>
+                  <a:fillRect l="-2020" b="-6061"/>
                 </a:stretch>
               </a:blipFill>
             </p:spPr>
@@ -6771,8 +6796,8 @@
           </a:fontRef>
         </p:style>
       </p:cxnSp>
-      <mc:AlternateContent xmlns:mc="http://schemas.openxmlformats.org/markup-compatibility/2006" xmlns:a14="http://schemas.microsoft.com/office/drawing/2010/main">
-        <mc:Choice Requires="a14">
+      <mc:AlternateContent xmlns:mc="http://schemas.openxmlformats.org/markup-compatibility/2006">
+        <mc:Choice xmlns:a14="http://schemas.microsoft.com/office/drawing/2010/main" Requires="a14">
           <p:sp>
             <p:nvSpPr>
               <p:cNvPr id="170" name="TextBox 169">
@@ -6787,8 +6812,8 @@
             </p:nvSpPr>
             <p:spPr>
               <a:xfrm>
-                <a:off x="1203247" y="2434676"/>
-                <a:ext cx="606755" cy="379848"/>
+                <a:off x="1015208" y="2493101"/>
+                <a:ext cx="606755" cy="398379"/>
               </a:xfrm>
               <a:prstGeom prst="rect">
                 <a:avLst/>
@@ -6847,6 +6872,18 @@
                                 </a:rPr>
                                 <m:t>𝑠</m:t>
                               </m:r>
+                              <m:r>
+                                <a:rPr lang="en-US" b="0" i="1" smtClean="0">
+                                  <a:latin typeface="Cambria Math" panose="02040503050406030204" pitchFamily="18" charset="0"/>
+                                </a:rPr>
+                                <m:t>,</m:t>
+                              </m:r>
+                              <m:r>
+                                <a:rPr lang="en-US" b="0" i="1" smtClean="0">
+                                  <a:latin typeface="Cambria Math" panose="02040503050406030204" pitchFamily="18" charset="0"/>
+                                </a:rPr>
+                                <m:t>𝐻𝑋</m:t>
+                              </m:r>
                             </m:sub>
                           </m:sSub>
                         </m:e>
@@ -6859,7 +6896,7 @@
             </p:txBody>
           </p:sp>
         </mc:Choice>
-        <mc:Fallback xmlns="">
+        <mc:Fallback>
           <p:sp>
             <p:nvSpPr>
               <p:cNvPr id="170" name="TextBox 169">
@@ -6876,8 +6913,8 @@
             </p:nvSpPr>
             <p:spPr>
               <a:xfrm>
-                <a:off x="1203247" y="2434676"/>
-                <a:ext cx="606755" cy="379848"/>
+                <a:off x="1015208" y="2493101"/>
+                <a:ext cx="606755" cy="398379"/>
               </a:xfrm>
               <a:prstGeom prst="rect">
                 <a:avLst/>
@@ -6885,7 +6922,7 @@
               <a:blipFill>
                 <a:blip r:embed="rId8"/>
                 <a:stretch>
-                  <a:fillRect b="-9524"/>
+                  <a:fillRect l="-2020" r="-9091" b="-6154"/>
                 </a:stretch>
               </a:blipFill>
             </p:spPr>
@@ -6904,8 +6941,8 @@
           </p:sp>
         </mc:Fallback>
       </mc:AlternateContent>
-      <mc:AlternateContent xmlns:mc="http://schemas.openxmlformats.org/markup-compatibility/2006" xmlns:a14="http://schemas.microsoft.com/office/drawing/2010/main">
-        <mc:Choice Requires="a14">
+      <mc:AlternateContent xmlns:mc="http://schemas.openxmlformats.org/markup-compatibility/2006">
+        <mc:Choice xmlns:a14="http://schemas.microsoft.com/office/drawing/2010/main" Requires="a14">
           <p:sp>
             <p:nvSpPr>
               <p:cNvPr id="171" name="TextBox 170">
@@ -6920,8 +6957,8 @@
             </p:nvSpPr>
             <p:spPr>
               <a:xfrm>
-                <a:off x="1864254" y="2431647"/>
-                <a:ext cx="606755" cy="379848"/>
+                <a:off x="1892648" y="2498841"/>
+                <a:ext cx="606755" cy="398379"/>
               </a:xfrm>
               <a:prstGeom prst="rect">
                 <a:avLst/>
@@ -6980,6 +7017,18 @@
                                 </a:rPr>
                                 <m:t>𝑙</m:t>
                               </m:r>
+                              <m:r>
+                                <a:rPr lang="en-US" b="0" i="1" smtClean="0">
+                                  <a:latin typeface="Cambria Math" panose="02040503050406030204" pitchFamily="18" charset="0"/>
+                                </a:rPr>
+                                <m:t>,</m:t>
+                              </m:r>
+                              <m:r>
+                                <a:rPr lang="en-US" b="0" i="1" smtClean="0">
+                                  <a:latin typeface="Cambria Math" panose="02040503050406030204" pitchFamily="18" charset="0"/>
+                                </a:rPr>
+                                <m:t>𝐻𝑋</m:t>
+                              </m:r>
                             </m:sub>
                           </m:sSub>
                         </m:e>
@@ -6992,7 +7041,7 @@
             </p:txBody>
           </p:sp>
         </mc:Choice>
-        <mc:Fallback xmlns="">
+        <mc:Fallback>
           <p:sp>
             <p:nvSpPr>
               <p:cNvPr id="171" name="TextBox 170">
@@ -7009,8 +7058,8 @@
             </p:nvSpPr>
             <p:spPr>
               <a:xfrm>
-                <a:off x="1864254" y="2431647"/>
-                <a:ext cx="606755" cy="379848"/>
+                <a:off x="1892648" y="2498841"/>
+                <a:ext cx="606755" cy="398379"/>
               </a:xfrm>
               <a:prstGeom prst="rect">
                 <a:avLst/>
@@ -7018,7 +7067,7 @@
               <a:blipFill>
                 <a:blip r:embed="rId9"/>
                 <a:stretch>
-                  <a:fillRect b="-9677"/>
+                  <a:fillRect l="-2000" r="-6000" b="-6154"/>
                 </a:stretch>
               </a:blipFill>
             </p:spPr>
@@ -10077,6 +10126,7452 @@
 </file>
 
 <file path=ppt/slides/slide2.xml><?xml version="1.0" encoding="utf-8"?>
+<p:sld xmlns:a="http://schemas.openxmlformats.org/drawingml/2006/main" xmlns:r="http://schemas.openxmlformats.org/officeDocument/2006/relationships" xmlns:p="http://schemas.openxmlformats.org/presentationml/2006/main">
+  <p:cSld>
+    <p:spTree>
+      <p:nvGrpSpPr>
+        <p:cNvPr id="1" name=""/>
+        <p:cNvGrpSpPr/>
+        <p:nvPr/>
+      </p:nvGrpSpPr>
+      <p:grpSpPr>
+        <a:xfrm>
+          <a:off x="0" y="0"/>
+          <a:ext cx="0" cy="0"/>
+          <a:chOff x="0" y="0"/>
+          <a:chExt cx="0" cy="0"/>
+        </a:xfrm>
+      </p:grpSpPr>
+      <p:grpSp>
+        <p:nvGrpSpPr>
+          <p:cNvPr id="6" name="Group 5">
+            <a:extLst>
+              <a:ext uri="{FF2B5EF4-FFF2-40B4-BE49-F238E27FC236}">
+                <a16:creationId xmlns:a16="http://schemas.microsoft.com/office/drawing/2014/main" id="{BE4FB376-27AE-493B-8239-0D027D3C7345}"/>
+              </a:ext>
+            </a:extLst>
+          </p:cNvPr>
+          <p:cNvGrpSpPr/>
+          <p:nvPr/>
+        </p:nvGrpSpPr>
+        <p:grpSpPr>
+          <a:xfrm>
+            <a:off x="2791160" y="3011791"/>
+            <a:ext cx="576469" cy="576000"/>
+            <a:chOff x="4372748" y="3160643"/>
+            <a:chExt cx="576469" cy="576000"/>
+          </a:xfrm>
+        </p:grpSpPr>
+        <p:sp>
+          <p:nvSpPr>
+            <p:cNvPr id="5" name="Rectangle 4">
+              <a:extLst>
+                <a:ext uri="{FF2B5EF4-FFF2-40B4-BE49-F238E27FC236}">
+                  <a16:creationId xmlns:a16="http://schemas.microsoft.com/office/drawing/2014/main" id="{FBA5A92B-940C-49C9-84FE-A6069646D06C}"/>
+                </a:ext>
+              </a:extLst>
+            </p:cNvPr>
+            <p:cNvSpPr/>
+            <p:nvPr/>
+          </p:nvSpPr>
+          <p:spPr>
+            <a:xfrm>
+              <a:off x="4373217" y="3160643"/>
+              <a:ext cx="576000" cy="576000"/>
+            </a:xfrm>
+            <a:prstGeom prst="rect">
+              <a:avLst/>
+            </a:prstGeom>
+            <a:solidFill>
+              <a:schemeClr val="bg2"/>
+            </a:solidFill>
+          </p:spPr>
+          <p:style>
+            <a:lnRef idx="2">
+              <a:schemeClr val="accent1">
+                <a:shade val="50000"/>
+              </a:schemeClr>
+            </a:lnRef>
+            <a:fillRef idx="1">
+              <a:schemeClr val="accent1"/>
+            </a:fillRef>
+            <a:effectRef idx="0">
+              <a:schemeClr val="accent1"/>
+            </a:effectRef>
+            <a:fontRef idx="minor">
+              <a:schemeClr val="lt1"/>
+            </a:fontRef>
+          </p:style>
+          <p:txBody>
+            <a:bodyPr rtlCol="0" anchor="ctr"/>
+            <a:lstStyle/>
+            <a:p>
+              <a:pPr algn="ctr"/>
+              <a:endParaRPr lang="en-GB"/>
+            </a:p>
+          </p:txBody>
+        </p:sp>
+        <p:sp>
+          <p:nvSpPr>
+            <p:cNvPr id="4" name="TextBox 3">
+              <a:extLst>
+                <a:ext uri="{FF2B5EF4-FFF2-40B4-BE49-F238E27FC236}">
+                  <a16:creationId xmlns:a16="http://schemas.microsoft.com/office/drawing/2014/main" id="{0030962F-85C2-4FEF-8198-AB12EF438A0E}"/>
+                </a:ext>
+              </a:extLst>
+            </p:cNvPr>
+            <p:cNvSpPr txBox="1"/>
+            <p:nvPr/>
+          </p:nvSpPr>
+          <p:spPr>
+            <a:xfrm>
+              <a:off x="4372748" y="3244334"/>
+              <a:ext cx="576469" cy="369332"/>
+            </a:xfrm>
+            <a:prstGeom prst="rect">
+              <a:avLst/>
+            </a:prstGeom>
+            <a:noFill/>
+            <a:ln>
+              <a:noFill/>
+            </a:ln>
+          </p:spPr>
+          <p:txBody>
+            <a:bodyPr wrap="square" rtlCol="0">
+              <a:spAutoFit/>
+            </a:bodyPr>
+            <a:lstStyle/>
+            <a:p>
+              <a:pPr algn="ctr"/>
+              <a:r>
+                <a:rPr lang="en-US" dirty="0"/>
+                <a:t>MX</a:t>
+              </a:r>
+              <a:r>
+                <a:rPr lang="en-US" baseline="-25000" dirty="0"/>
+                <a:t>1</a:t>
+              </a:r>
+              <a:endParaRPr lang="en-GB" dirty="0"/>
+            </a:p>
+          </p:txBody>
+        </p:sp>
+      </p:grpSp>
+      <p:grpSp>
+        <p:nvGrpSpPr>
+          <p:cNvPr id="7" name="Group 6">
+            <a:extLst>
+              <a:ext uri="{FF2B5EF4-FFF2-40B4-BE49-F238E27FC236}">
+                <a16:creationId xmlns:a16="http://schemas.microsoft.com/office/drawing/2014/main" id="{BBAAFAFB-E5BD-4570-8CD0-98A5FB3A26CD}"/>
+              </a:ext>
+            </a:extLst>
+          </p:cNvPr>
+          <p:cNvGrpSpPr/>
+          <p:nvPr/>
+        </p:nvGrpSpPr>
+        <p:grpSpPr>
+          <a:xfrm>
+            <a:off x="7617119" y="3029923"/>
+            <a:ext cx="576469" cy="576000"/>
+            <a:chOff x="4372748" y="3160643"/>
+            <a:chExt cx="576469" cy="576000"/>
+          </a:xfrm>
+        </p:grpSpPr>
+        <p:sp>
+          <p:nvSpPr>
+            <p:cNvPr id="8" name="Rectangle 7">
+              <a:extLst>
+                <a:ext uri="{FF2B5EF4-FFF2-40B4-BE49-F238E27FC236}">
+                  <a16:creationId xmlns:a16="http://schemas.microsoft.com/office/drawing/2014/main" id="{24C4B671-1055-46F4-BAE6-2594381DB610}"/>
+                </a:ext>
+              </a:extLst>
+            </p:cNvPr>
+            <p:cNvSpPr/>
+            <p:nvPr/>
+          </p:nvSpPr>
+          <p:spPr>
+            <a:xfrm>
+              <a:off x="4373217" y="3160643"/>
+              <a:ext cx="576000" cy="576000"/>
+            </a:xfrm>
+            <a:prstGeom prst="rect">
+              <a:avLst/>
+            </a:prstGeom>
+            <a:solidFill>
+              <a:schemeClr val="bg2"/>
+            </a:solidFill>
+          </p:spPr>
+          <p:style>
+            <a:lnRef idx="2">
+              <a:schemeClr val="accent1">
+                <a:shade val="50000"/>
+              </a:schemeClr>
+            </a:lnRef>
+            <a:fillRef idx="1">
+              <a:schemeClr val="accent1"/>
+            </a:fillRef>
+            <a:effectRef idx="0">
+              <a:schemeClr val="accent1"/>
+            </a:effectRef>
+            <a:fontRef idx="minor">
+              <a:schemeClr val="lt1"/>
+            </a:fontRef>
+          </p:style>
+          <p:txBody>
+            <a:bodyPr rtlCol="0" anchor="ctr"/>
+            <a:lstStyle/>
+            <a:p>
+              <a:pPr algn="ctr"/>
+              <a:endParaRPr lang="en-GB"/>
+            </a:p>
+          </p:txBody>
+        </p:sp>
+        <p:sp>
+          <p:nvSpPr>
+            <p:cNvPr id="9" name="TextBox 8">
+              <a:extLst>
+                <a:ext uri="{FF2B5EF4-FFF2-40B4-BE49-F238E27FC236}">
+                  <a16:creationId xmlns:a16="http://schemas.microsoft.com/office/drawing/2014/main" id="{B1AE923F-01F9-4B33-A9BD-6362A435601A}"/>
+                </a:ext>
+              </a:extLst>
+            </p:cNvPr>
+            <p:cNvSpPr txBox="1"/>
+            <p:nvPr/>
+          </p:nvSpPr>
+          <p:spPr>
+            <a:xfrm>
+              <a:off x="4372748" y="3244334"/>
+              <a:ext cx="576469" cy="369332"/>
+            </a:xfrm>
+            <a:prstGeom prst="rect">
+              <a:avLst/>
+            </a:prstGeom>
+            <a:noFill/>
+            <a:ln>
+              <a:noFill/>
+            </a:ln>
+          </p:spPr>
+          <p:txBody>
+            <a:bodyPr wrap="square" rtlCol="0">
+              <a:spAutoFit/>
+            </a:bodyPr>
+            <a:lstStyle/>
+            <a:p>
+              <a:pPr algn="ctr"/>
+              <a:r>
+                <a:rPr lang="en-US" dirty="0"/>
+                <a:t>MX</a:t>
+              </a:r>
+              <a:r>
+                <a:rPr lang="en-US" baseline="-25000" dirty="0"/>
+                <a:t>2</a:t>
+              </a:r>
+              <a:endParaRPr lang="en-GB" dirty="0"/>
+            </a:p>
+          </p:txBody>
+        </p:sp>
+      </p:grpSp>
+      <p:grpSp>
+        <p:nvGrpSpPr>
+          <p:cNvPr id="10" name="Group 9">
+            <a:extLst>
+              <a:ext uri="{FF2B5EF4-FFF2-40B4-BE49-F238E27FC236}">
+                <a16:creationId xmlns:a16="http://schemas.microsoft.com/office/drawing/2014/main" id="{11694C4B-3FE8-47C0-8540-E896C2D62695}"/>
+              </a:ext>
+            </a:extLst>
+          </p:cNvPr>
+          <p:cNvGrpSpPr/>
+          <p:nvPr/>
+        </p:nvGrpSpPr>
+        <p:grpSpPr>
+          <a:xfrm>
+            <a:off x="5893865" y="4007270"/>
+            <a:ext cx="576469" cy="576000"/>
+            <a:chOff x="4372748" y="3160643"/>
+            <a:chExt cx="576469" cy="576000"/>
+          </a:xfrm>
+        </p:grpSpPr>
+        <p:sp>
+          <p:nvSpPr>
+            <p:cNvPr id="11" name="Rectangle 10">
+              <a:extLst>
+                <a:ext uri="{FF2B5EF4-FFF2-40B4-BE49-F238E27FC236}">
+                  <a16:creationId xmlns:a16="http://schemas.microsoft.com/office/drawing/2014/main" id="{D215563B-660B-48C1-9AA2-6A8274297E3F}"/>
+                </a:ext>
+              </a:extLst>
+            </p:cNvPr>
+            <p:cNvSpPr/>
+            <p:nvPr/>
+          </p:nvSpPr>
+          <p:spPr>
+            <a:xfrm>
+              <a:off x="4373217" y="3160643"/>
+              <a:ext cx="576000" cy="576000"/>
+            </a:xfrm>
+            <a:prstGeom prst="rect">
+              <a:avLst/>
+            </a:prstGeom>
+            <a:solidFill>
+              <a:schemeClr val="accent2">
+                <a:lumMod val="20000"/>
+                <a:lumOff val="80000"/>
+              </a:schemeClr>
+            </a:solidFill>
+          </p:spPr>
+          <p:style>
+            <a:lnRef idx="2">
+              <a:schemeClr val="accent1">
+                <a:shade val="50000"/>
+              </a:schemeClr>
+            </a:lnRef>
+            <a:fillRef idx="1">
+              <a:schemeClr val="accent1"/>
+            </a:fillRef>
+            <a:effectRef idx="0">
+              <a:schemeClr val="accent1"/>
+            </a:effectRef>
+            <a:fontRef idx="minor">
+              <a:schemeClr val="lt1"/>
+            </a:fontRef>
+          </p:style>
+          <p:txBody>
+            <a:bodyPr rtlCol="0" anchor="ctr"/>
+            <a:lstStyle/>
+            <a:p>
+              <a:pPr algn="ctr"/>
+              <a:endParaRPr lang="en-GB"/>
+            </a:p>
+          </p:txBody>
+        </p:sp>
+        <p:sp>
+          <p:nvSpPr>
+            <p:cNvPr id="12" name="TextBox 11">
+              <a:extLst>
+                <a:ext uri="{FF2B5EF4-FFF2-40B4-BE49-F238E27FC236}">
+                  <a16:creationId xmlns:a16="http://schemas.microsoft.com/office/drawing/2014/main" id="{AE68508C-49F0-427C-991A-032CEA33B836}"/>
+                </a:ext>
+              </a:extLst>
+            </p:cNvPr>
+            <p:cNvSpPr txBox="1"/>
+            <p:nvPr/>
+          </p:nvSpPr>
+          <p:spPr>
+            <a:xfrm>
+              <a:off x="4372748" y="3244334"/>
+              <a:ext cx="576469" cy="369332"/>
+            </a:xfrm>
+            <a:prstGeom prst="rect">
+              <a:avLst/>
+            </a:prstGeom>
+            <a:noFill/>
+            <a:ln>
+              <a:noFill/>
+            </a:ln>
+          </p:spPr>
+          <p:txBody>
+            <a:bodyPr wrap="square" rtlCol="0">
+              <a:spAutoFit/>
+            </a:bodyPr>
+            <a:lstStyle/>
+            <a:p>
+              <a:pPr algn="ctr"/>
+              <a:r>
+                <a:rPr lang="en-US" dirty="0"/>
+                <a:t>AH</a:t>
+              </a:r>
+              <a:endParaRPr lang="en-GB" dirty="0"/>
+            </a:p>
+          </p:txBody>
+        </p:sp>
+      </p:grpSp>
+      <p:grpSp>
+        <p:nvGrpSpPr>
+          <p:cNvPr id="13" name="Group 12">
+            <a:extLst>
+              <a:ext uri="{FF2B5EF4-FFF2-40B4-BE49-F238E27FC236}">
+                <a16:creationId xmlns:a16="http://schemas.microsoft.com/office/drawing/2014/main" id="{6DA4DD49-C447-42D5-B9D2-43AA761C9AD2}"/>
+              </a:ext>
+            </a:extLst>
+          </p:cNvPr>
+          <p:cNvGrpSpPr/>
+          <p:nvPr/>
+        </p:nvGrpSpPr>
+        <p:grpSpPr>
+          <a:xfrm>
+            <a:off x="4746612" y="3029923"/>
+            <a:ext cx="576469" cy="576000"/>
+            <a:chOff x="4372748" y="3160643"/>
+            <a:chExt cx="576469" cy="576000"/>
+          </a:xfrm>
+          <a:solidFill>
+            <a:srgbClr val="FF0000">
+              <a:alpha val="41176"/>
+            </a:srgbClr>
+          </a:solidFill>
+        </p:grpSpPr>
+        <p:sp>
+          <p:nvSpPr>
+            <p:cNvPr id="14" name="Rectangle 13">
+              <a:extLst>
+                <a:ext uri="{FF2B5EF4-FFF2-40B4-BE49-F238E27FC236}">
+                  <a16:creationId xmlns:a16="http://schemas.microsoft.com/office/drawing/2014/main" id="{345D226C-0335-422F-AEE9-EE04BFBF2616}"/>
+                </a:ext>
+              </a:extLst>
+            </p:cNvPr>
+            <p:cNvSpPr/>
+            <p:nvPr/>
+          </p:nvSpPr>
+          <p:spPr>
+            <a:xfrm>
+              <a:off x="4373217" y="3160643"/>
+              <a:ext cx="576000" cy="576000"/>
+            </a:xfrm>
+            <a:prstGeom prst="rect">
+              <a:avLst/>
+            </a:prstGeom>
+            <a:grpFill/>
+          </p:spPr>
+          <p:style>
+            <a:lnRef idx="2">
+              <a:schemeClr val="accent1">
+                <a:shade val="50000"/>
+              </a:schemeClr>
+            </a:lnRef>
+            <a:fillRef idx="1">
+              <a:schemeClr val="accent1"/>
+            </a:fillRef>
+            <a:effectRef idx="0">
+              <a:schemeClr val="accent1"/>
+            </a:effectRef>
+            <a:fontRef idx="minor">
+              <a:schemeClr val="lt1"/>
+            </a:fontRef>
+          </p:style>
+          <p:txBody>
+            <a:bodyPr rtlCol="0" anchor="ctr"/>
+            <a:lstStyle/>
+            <a:p>
+              <a:pPr algn="ctr"/>
+              <a:endParaRPr lang="en-GB"/>
+            </a:p>
+          </p:txBody>
+        </p:sp>
+        <p:sp>
+          <p:nvSpPr>
+            <p:cNvPr id="15" name="TextBox 14">
+              <a:extLst>
+                <a:ext uri="{FF2B5EF4-FFF2-40B4-BE49-F238E27FC236}">
+                  <a16:creationId xmlns:a16="http://schemas.microsoft.com/office/drawing/2014/main" id="{78B7D4E9-6D8D-4446-8437-D977DEDD2AA9}"/>
+                </a:ext>
+              </a:extLst>
+            </p:cNvPr>
+            <p:cNvSpPr txBox="1"/>
+            <p:nvPr/>
+          </p:nvSpPr>
+          <p:spPr>
+            <a:xfrm>
+              <a:off x="4372748" y="3244334"/>
+              <a:ext cx="576469" cy="369332"/>
+            </a:xfrm>
+            <a:prstGeom prst="rect">
+              <a:avLst/>
+            </a:prstGeom>
+            <a:grpFill/>
+            <a:ln>
+              <a:noFill/>
+            </a:ln>
+          </p:spPr>
+          <p:txBody>
+            <a:bodyPr wrap="square" rtlCol="0">
+              <a:spAutoFit/>
+            </a:bodyPr>
+            <a:lstStyle/>
+            <a:p>
+              <a:pPr algn="ctr"/>
+              <a:r>
+                <a:rPr lang="en-US" dirty="0"/>
+                <a:t>HC</a:t>
+              </a:r>
+              <a:r>
+                <a:rPr lang="en-US" baseline="-25000" dirty="0"/>
+                <a:t>1</a:t>
+              </a:r>
+              <a:endParaRPr lang="en-GB" dirty="0"/>
+            </a:p>
+          </p:txBody>
+        </p:sp>
+      </p:grpSp>
+      <p:cxnSp>
+        <p:nvCxnSpPr>
+          <p:cNvPr id="17" name="Straight Arrow Connector 16">
+            <a:extLst>
+              <a:ext uri="{FF2B5EF4-FFF2-40B4-BE49-F238E27FC236}">
+                <a16:creationId xmlns:a16="http://schemas.microsoft.com/office/drawing/2014/main" id="{2760824D-D6D5-41AC-8B4E-F0D372B43C7A}"/>
+              </a:ext>
+            </a:extLst>
+          </p:cNvPr>
+          <p:cNvCxnSpPr>
+            <a:cxnSpLocks/>
+            <a:stCxn id="4" idx="3"/>
+            <a:endCxn id="115" idx="1"/>
+          </p:cNvCxnSpPr>
+          <p:nvPr/>
+        </p:nvCxnSpPr>
+        <p:spPr>
+          <a:xfrm>
+            <a:off x="3367629" y="3280148"/>
+            <a:ext cx="423798" cy="15675"/>
+          </a:xfrm>
+          <a:prstGeom prst="straightConnector1">
+            <a:avLst/>
+          </a:prstGeom>
+          <a:ln w="12700">
+            <a:solidFill>
+              <a:schemeClr val="tx1"/>
+            </a:solidFill>
+            <a:tailEnd type="triangle"/>
+          </a:ln>
+        </p:spPr>
+        <p:style>
+          <a:lnRef idx="1">
+            <a:schemeClr val="accent1"/>
+          </a:lnRef>
+          <a:fillRef idx="0">
+            <a:schemeClr val="accent1"/>
+          </a:fillRef>
+          <a:effectRef idx="0">
+            <a:schemeClr val="accent1"/>
+          </a:effectRef>
+          <a:fontRef idx="minor">
+            <a:schemeClr val="tx1"/>
+          </a:fontRef>
+        </p:style>
+      </p:cxnSp>
+      <p:cxnSp>
+        <p:nvCxnSpPr>
+          <p:cNvPr id="25" name="Straight Arrow Connector 24">
+            <a:extLst>
+              <a:ext uri="{FF2B5EF4-FFF2-40B4-BE49-F238E27FC236}">
+                <a16:creationId xmlns:a16="http://schemas.microsoft.com/office/drawing/2014/main" id="{20D32560-3B95-4FDA-84F7-DA0BD78B7723}"/>
+              </a:ext>
+            </a:extLst>
+          </p:cNvPr>
+          <p:cNvCxnSpPr>
+            <a:cxnSpLocks/>
+            <a:stCxn id="15" idx="3"/>
+          </p:cNvCxnSpPr>
+          <p:nvPr/>
+        </p:nvCxnSpPr>
+        <p:spPr>
+          <a:xfrm flipV="1">
+            <a:off x="5323081" y="3292522"/>
+            <a:ext cx="448005" cy="5758"/>
+          </a:xfrm>
+          <a:prstGeom prst="straightConnector1">
+            <a:avLst/>
+          </a:prstGeom>
+          <a:ln w="12700">
+            <a:solidFill>
+              <a:schemeClr val="tx1"/>
+            </a:solidFill>
+            <a:tailEnd type="triangle"/>
+          </a:ln>
+        </p:spPr>
+        <p:style>
+          <a:lnRef idx="1">
+            <a:schemeClr val="accent1"/>
+          </a:lnRef>
+          <a:fillRef idx="0">
+            <a:schemeClr val="accent1"/>
+          </a:fillRef>
+          <a:effectRef idx="0">
+            <a:schemeClr val="accent1"/>
+          </a:effectRef>
+          <a:fontRef idx="minor">
+            <a:schemeClr val="tx1"/>
+          </a:fontRef>
+        </p:style>
+      </p:cxnSp>
+      <p:cxnSp>
+        <p:nvCxnSpPr>
+          <p:cNvPr id="34" name="Connector: Elbow 33">
+            <a:extLst>
+              <a:ext uri="{FF2B5EF4-FFF2-40B4-BE49-F238E27FC236}">
+                <a16:creationId xmlns:a16="http://schemas.microsoft.com/office/drawing/2014/main" id="{7A127332-4691-45C1-91B6-2A926CCA6519}"/>
+              </a:ext>
+            </a:extLst>
+          </p:cNvPr>
+          <p:cNvCxnSpPr>
+            <a:cxnSpLocks/>
+            <a:endCxn id="12" idx="1"/>
+          </p:cNvCxnSpPr>
+          <p:nvPr/>
+        </p:nvCxnSpPr>
+        <p:spPr>
+          <a:xfrm rot="16200000" flipH="1">
+            <a:off x="5361099" y="3742860"/>
+            <a:ext cx="945997" cy="119535"/>
+          </a:xfrm>
+          <a:prstGeom prst="bentConnector2">
+            <a:avLst/>
+          </a:prstGeom>
+          <a:ln w="12700">
+            <a:solidFill>
+              <a:schemeClr val="tx1"/>
+            </a:solidFill>
+            <a:tailEnd type="triangle"/>
+          </a:ln>
+        </p:spPr>
+        <p:style>
+          <a:lnRef idx="1">
+            <a:schemeClr val="accent1"/>
+          </a:lnRef>
+          <a:fillRef idx="0">
+            <a:schemeClr val="accent1"/>
+          </a:fillRef>
+          <a:effectRef idx="0">
+            <a:schemeClr val="accent1"/>
+          </a:effectRef>
+          <a:fontRef idx="minor">
+            <a:schemeClr val="tx1"/>
+          </a:fontRef>
+        </p:style>
+      </p:cxnSp>
+      <p:cxnSp>
+        <p:nvCxnSpPr>
+          <p:cNvPr id="38" name="Connector: Elbow 37">
+            <a:extLst>
+              <a:ext uri="{FF2B5EF4-FFF2-40B4-BE49-F238E27FC236}">
+                <a16:creationId xmlns:a16="http://schemas.microsoft.com/office/drawing/2014/main" id="{85EEEC9A-155C-4AB2-9344-3FFD35E8EB79}"/>
+              </a:ext>
+            </a:extLst>
+          </p:cNvPr>
+          <p:cNvCxnSpPr>
+            <a:cxnSpLocks/>
+          </p:cNvCxnSpPr>
+          <p:nvPr/>
+        </p:nvCxnSpPr>
+        <p:spPr>
+          <a:xfrm flipV="1">
+            <a:off x="5771086" y="2799231"/>
+            <a:ext cx="2134267" cy="513421"/>
+          </a:xfrm>
+          <a:prstGeom prst="bentConnector3">
+            <a:avLst>
+              <a:gd name="adj1" fmla="val 171"/>
+            </a:avLst>
+          </a:prstGeom>
+          <a:ln w="12700">
+            <a:solidFill>
+              <a:schemeClr val="tx1"/>
+            </a:solidFill>
+          </a:ln>
+        </p:spPr>
+        <p:style>
+          <a:lnRef idx="1">
+            <a:schemeClr val="accent1"/>
+          </a:lnRef>
+          <a:fillRef idx="0">
+            <a:schemeClr val="accent1"/>
+          </a:fillRef>
+          <a:effectRef idx="0">
+            <a:schemeClr val="accent1"/>
+          </a:effectRef>
+          <a:fontRef idx="minor">
+            <a:schemeClr val="tx1"/>
+          </a:fontRef>
+        </p:style>
+      </p:cxnSp>
+      <p:cxnSp>
+        <p:nvCxnSpPr>
+          <p:cNvPr id="42" name="Straight Arrow Connector 41">
+            <a:extLst>
+              <a:ext uri="{FF2B5EF4-FFF2-40B4-BE49-F238E27FC236}">
+                <a16:creationId xmlns:a16="http://schemas.microsoft.com/office/drawing/2014/main" id="{5E1AC85D-2D05-408F-9164-C14B15732F1D}"/>
+              </a:ext>
+            </a:extLst>
+          </p:cNvPr>
+          <p:cNvCxnSpPr>
+            <a:cxnSpLocks/>
+            <a:endCxn id="8" idx="0"/>
+          </p:cNvCxnSpPr>
+          <p:nvPr/>
+        </p:nvCxnSpPr>
+        <p:spPr>
+          <a:xfrm>
+            <a:off x="7905588" y="2799231"/>
+            <a:ext cx="0" cy="230692"/>
+          </a:xfrm>
+          <a:prstGeom prst="straightConnector1">
+            <a:avLst/>
+          </a:prstGeom>
+          <a:ln w="12700">
+            <a:solidFill>
+              <a:schemeClr val="tx1"/>
+            </a:solidFill>
+            <a:tailEnd type="triangle"/>
+          </a:ln>
+        </p:spPr>
+        <p:style>
+          <a:lnRef idx="1">
+            <a:schemeClr val="accent1"/>
+          </a:lnRef>
+          <a:fillRef idx="0">
+            <a:schemeClr val="accent1"/>
+          </a:fillRef>
+          <a:effectRef idx="0">
+            <a:schemeClr val="accent1"/>
+          </a:effectRef>
+          <a:fontRef idx="minor">
+            <a:schemeClr val="tx1"/>
+          </a:fontRef>
+        </p:style>
+      </p:cxnSp>
+      <p:cxnSp>
+        <p:nvCxnSpPr>
+          <p:cNvPr id="50" name="Connector: Elbow 49">
+            <a:extLst>
+              <a:ext uri="{FF2B5EF4-FFF2-40B4-BE49-F238E27FC236}">
+                <a16:creationId xmlns:a16="http://schemas.microsoft.com/office/drawing/2014/main" id="{0C37ABB3-3596-4848-8576-1B49289C254D}"/>
+              </a:ext>
+            </a:extLst>
+          </p:cNvPr>
+          <p:cNvCxnSpPr>
+            <a:cxnSpLocks/>
+            <a:stCxn id="12" idx="3"/>
+            <a:endCxn id="8" idx="2"/>
+          </p:cNvCxnSpPr>
+          <p:nvPr/>
+        </p:nvCxnSpPr>
+        <p:spPr>
+          <a:xfrm flipV="1">
+            <a:off x="6470334" y="3605923"/>
+            <a:ext cx="1435254" cy="669704"/>
+          </a:xfrm>
+          <a:prstGeom prst="bentConnector2">
+            <a:avLst/>
+          </a:prstGeom>
+          <a:ln>
+            <a:tailEnd type="triangle"/>
+          </a:ln>
+        </p:spPr>
+        <p:style>
+          <a:lnRef idx="2">
+            <a:schemeClr val="dk1"/>
+          </a:lnRef>
+          <a:fillRef idx="0">
+            <a:schemeClr val="dk1"/>
+          </a:fillRef>
+          <a:effectRef idx="1">
+            <a:schemeClr val="dk1"/>
+          </a:effectRef>
+          <a:fontRef idx="minor">
+            <a:schemeClr val="tx1"/>
+          </a:fontRef>
+        </p:style>
+      </p:cxnSp>
+      <p:grpSp>
+        <p:nvGrpSpPr>
+          <p:cNvPr id="53" name="Group 52">
+            <a:extLst>
+              <a:ext uri="{FF2B5EF4-FFF2-40B4-BE49-F238E27FC236}">
+                <a16:creationId xmlns:a16="http://schemas.microsoft.com/office/drawing/2014/main" id="{0B084E3A-5A5B-4129-B69C-4E294560E01B}"/>
+              </a:ext>
+            </a:extLst>
+          </p:cNvPr>
+          <p:cNvGrpSpPr/>
+          <p:nvPr/>
+        </p:nvGrpSpPr>
+        <p:grpSpPr>
+          <a:xfrm>
+            <a:off x="9482471" y="3001853"/>
+            <a:ext cx="576469" cy="576000"/>
+            <a:chOff x="4372748" y="3160643"/>
+            <a:chExt cx="576469" cy="576000"/>
+          </a:xfrm>
+          <a:solidFill>
+            <a:srgbClr val="FF0000">
+              <a:alpha val="41176"/>
+            </a:srgbClr>
+          </a:solidFill>
+        </p:grpSpPr>
+        <p:sp>
+          <p:nvSpPr>
+            <p:cNvPr id="54" name="Rectangle 53">
+              <a:extLst>
+                <a:ext uri="{FF2B5EF4-FFF2-40B4-BE49-F238E27FC236}">
+                  <a16:creationId xmlns:a16="http://schemas.microsoft.com/office/drawing/2014/main" id="{507D3237-1B0D-449C-8454-1102323F5845}"/>
+                </a:ext>
+              </a:extLst>
+            </p:cNvPr>
+            <p:cNvSpPr/>
+            <p:nvPr/>
+          </p:nvSpPr>
+          <p:spPr>
+            <a:xfrm>
+              <a:off x="4373217" y="3160643"/>
+              <a:ext cx="576000" cy="576000"/>
+            </a:xfrm>
+            <a:prstGeom prst="rect">
+              <a:avLst/>
+            </a:prstGeom>
+            <a:grpFill/>
+          </p:spPr>
+          <p:style>
+            <a:lnRef idx="2">
+              <a:schemeClr val="accent1">
+                <a:shade val="50000"/>
+              </a:schemeClr>
+            </a:lnRef>
+            <a:fillRef idx="1">
+              <a:schemeClr val="accent1"/>
+            </a:fillRef>
+            <a:effectRef idx="0">
+              <a:schemeClr val="accent1"/>
+            </a:effectRef>
+            <a:fontRef idx="minor">
+              <a:schemeClr val="lt1"/>
+            </a:fontRef>
+          </p:style>
+          <p:txBody>
+            <a:bodyPr rtlCol="0" anchor="ctr"/>
+            <a:lstStyle/>
+            <a:p>
+              <a:pPr algn="ctr"/>
+              <a:endParaRPr lang="en-GB"/>
+            </a:p>
+          </p:txBody>
+        </p:sp>
+        <p:sp>
+          <p:nvSpPr>
+            <p:cNvPr id="55" name="TextBox 54">
+              <a:extLst>
+                <a:ext uri="{FF2B5EF4-FFF2-40B4-BE49-F238E27FC236}">
+                  <a16:creationId xmlns:a16="http://schemas.microsoft.com/office/drawing/2014/main" id="{79B00B88-880B-47FA-B756-5E2AE9B8ABF7}"/>
+                </a:ext>
+              </a:extLst>
+            </p:cNvPr>
+            <p:cNvSpPr txBox="1"/>
+            <p:nvPr/>
+          </p:nvSpPr>
+          <p:spPr>
+            <a:xfrm>
+              <a:off x="4372748" y="3244334"/>
+              <a:ext cx="576469" cy="369332"/>
+            </a:xfrm>
+            <a:prstGeom prst="rect">
+              <a:avLst/>
+            </a:prstGeom>
+            <a:grpFill/>
+            <a:ln>
+              <a:noFill/>
+            </a:ln>
+          </p:spPr>
+          <p:txBody>
+            <a:bodyPr wrap="square" rtlCol="0">
+              <a:spAutoFit/>
+            </a:bodyPr>
+            <a:lstStyle/>
+            <a:p>
+              <a:pPr algn="ctr"/>
+              <a:r>
+                <a:rPr lang="en-US" dirty="0"/>
+                <a:t>HC</a:t>
+              </a:r>
+              <a:r>
+                <a:rPr lang="en-US" baseline="-25000" dirty="0"/>
+                <a:t>2</a:t>
+              </a:r>
+              <a:endParaRPr lang="en-GB" dirty="0"/>
+            </a:p>
+          </p:txBody>
+        </p:sp>
+      </p:grpSp>
+      <p:cxnSp>
+        <p:nvCxnSpPr>
+          <p:cNvPr id="56" name="Straight Arrow Connector 55">
+            <a:extLst>
+              <a:ext uri="{FF2B5EF4-FFF2-40B4-BE49-F238E27FC236}">
+                <a16:creationId xmlns:a16="http://schemas.microsoft.com/office/drawing/2014/main" id="{833BF335-0786-455A-900C-20B682DBD4A0}"/>
+              </a:ext>
+            </a:extLst>
+          </p:cNvPr>
+          <p:cNvCxnSpPr>
+            <a:cxnSpLocks/>
+            <a:stCxn id="9" idx="3"/>
+            <a:endCxn id="135" idx="1"/>
+          </p:cNvCxnSpPr>
+          <p:nvPr/>
+        </p:nvCxnSpPr>
+        <p:spPr>
+          <a:xfrm flipV="1">
+            <a:off x="8193588" y="3295290"/>
+            <a:ext cx="344418" cy="2990"/>
+          </a:xfrm>
+          <a:prstGeom prst="straightConnector1">
+            <a:avLst/>
+          </a:prstGeom>
+          <a:ln w="12700">
+            <a:solidFill>
+              <a:schemeClr val="tx1"/>
+            </a:solidFill>
+            <a:tailEnd type="triangle"/>
+          </a:ln>
+        </p:spPr>
+        <p:style>
+          <a:lnRef idx="1">
+            <a:schemeClr val="accent1"/>
+          </a:lnRef>
+          <a:fillRef idx="0">
+            <a:schemeClr val="accent1"/>
+          </a:fillRef>
+          <a:effectRef idx="0">
+            <a:schemeClr val="accent1"/>
+          </a:effectRef>
+          <a:fontRef idx="minor">
+            <a:schemeClr val="tx1"/>
+          </a:fontRef>
+        </p:style>
+      </p:cxnSp>
+      <p:cxnSp>
+        <p:nvCxnSpPr>
+          <p:cNvPr id="68" name="Straight Arrow Connector 67">
+            <a:extLst>
+              <a:ext uri="{FF2B5EF4-FFF2-40B4-BE49-F238E27FC236}">
+                <a16:creationId xmlns:a16="http://schemas.microsoft.com/office/drawing/2014/main" id="{1E89D1B9-08A5-407C-8A81-060F434B0C09}"/>
+              </a:ext>
+            </a:extLst>
+          </p:cNvPr>
+          <p:cNvCxnSpPr>
+            <a:cxnSpLocks/>
+            <a:stCxn id="55" idx="3"/>
+            <a:endCxn id="74" idx="1"/>
+          </p:cNvCxnSpPr>
+          <p:nvPr/>
+        </p:nvCxnSpPr>
+        <p:spPr>
+          <a:xfrm>
+            <a:off x="10058940" y="3270210"/>
+            <a:ext cx="725017" cy="9938"/>
+          </a:xfrm>
+          <a:prstGeom prst="straightConnector1">
+            <a:avLst/>
+          </a:prstGeom>
+          <a:ln w="12700">
+            <a:solidFill>
+              <a:schemeClr val="tx1"/>
+            </a:solidFill>
+            <a:tailEnd type="triangle"/>
+          </a:ln>
+        </p:spPr>
+        <p:style>
+          <a:lnRef idx="1">
+            <a:schemeClr val="accent1"/>
+          </a:lnRef>
+          <a:fillRef idx="0">
+            <a:schemeClr val="accent1"/>
+          </a:fillRef>
+          <a:effectRef idx="0">
+            <a:schemeClr val="accent1"/>
+          </a:effectRef>
+          <a:fontRef idx="minor">
+            <a:schemeClr val="tx1"/>
+          </a:fontRef>
+        </p:style>
+      </p:cxnSp>
+      <p:grpSp>
+        <p:nvGrpSpPr>
+          <p:cNvPr id="72" name="Group 71">
+            <a:extLst>
+              <a:ext uri="{FF2B5EF4-FFF2-40B4-BE49-F238E27FC236}">
+                <a16:creationId xmlns:a16="http://schemas.microsoft.com/office/drawing/2014/main" id="{9919A68A-C907-45DA-ACF9-D3086043C0E4}"/>
+              </a:ext>
+            </a:extLst>
+          </p:cNvPr>
+          <p:cNvGrpSpPr/>
+          <p:nvPr/>
+        </p:nvGrpSpPr>
+        <p:grpSpPr>
+          <a:xfrm>
+            <a:off x="10783957" y="3011791"/>
+            <a:ext cx="576469" cy="576000"/>
+            <a:chOff x="4372748" y="3160643"/>
+            <a:chExt cx="576469" cy="576000"/>
+          </a:xfrm>
+          <a:solidFill>
+            <a:srgbClr val="92D050">
+              <a:alpha val="41176"/>
+            </a:srgbClr>
+          </a:solidFill>
+        </p:grpSpPr>
+        <p:sp>
+          <p:nvSpPr>
+            <p:cNvPr id="73" name="Rectangle 72">
+              <a:extLst>
+                <a:ext uri="{FF2B5EF4-FFF2-40B4-BE49-F238E27FC236}">
+                  <a16:creationId xmlns:a16="http://schemas.microsoft.com/office/drawing/2014/main" id="{6C7B12B3-6523-4736-A740-4CD8AD753A17}"/>
+                </a:ext>
+              </a:extLst>
+            </p:cNvPr>
+            <p:cNvSpPr/>
+            <p:nvPr/>
+          </p:nvSpPr>
+          <p:spPr>
+            <a:xfrm>
+              <a:off x="4373217" y="3160643"/>
+              <a:ext cx="576000" cy="576000"/>
+            </a:xfrm>
+            <a:prstGeom prst="rect">
+              <a:avLst/>
+            </a:prstGeom>
+            <a:grpFill/>
+          </p:spPr>
+          <p:style>
+            <a:lnRef idx="2">
+              <a:schemeClr val="accent1">
+                <a:shade val="50000"/>
+              </a:schemeClr>
+            </a:lnRef>
+            <a:fillRef idx="1">
+              <a:schemeClr val="accent1"/>
+            </a:fillRef>
+            <a:effectRef idx="0">
+              <a:schemeClr val="accent1"/>
+            </a:effectRef>
+            <a:fontRef idx="minor">
+              <a:schemeClr val="lt1"/>
+            </a:fontRef>
+          </p:style>
+          <p:txBody>
+            <a:bodyPr rtlCol="0" anchor="ctr"/>
+            <a:lstStyle/>
+            <a:p>
+              <a:pPr algn="ctr"/>
+              <a:endParaRPr lang="en-GB"/>
+            </a:p>
+          </p:txBody>
+        </p:sp>
+        <p:sp>
+          <p:nvSpPr>
+            <p:cNvPr id="74" name="TextBox 73">
+              <a:extLst>
+                <a:ext uri="{FF2B5EF4-FFF2-40B4-BE49-F238E27FC236}">
+                  <a16:creationId xmlns:a16="http://schemas.microsoft.com/office/drawing/2014/main" id="{4E3D3F84-C1C1-46E3-BDF0-F7A9336E8DAE}"/>
+                </a:ext>
+              </a:extLst>
+            </p:cNvPr>
+            <p:cNvSpPr txBox="1"/>
+            <p:nvPr/>
+          </p:nvSpPr>
+          <p:spPr>
+            <a:xfrm>
+              <a:off x="4372748" y="3244334"/>
+              <a:ext cx="576469" cy="369332"/>
+            </a:xfrm>
+            <a:prstGeom prst="rect">
+              <a:avLst/>
+            </a:prstGeom>
+            <a:grpFill/>
+            <a:ln>
+              <a:noFill/>
+            </a:ln>
+          </p:spPr>
+          <p:txBody>
+            <a:bodyPr wrap="square" rtlCol="0">
+              <a:spAutoFit/>
+            </a:bodyPr>
+            <a:lstStyle/>
+            <a:p>
+              <a:pPr algn="ctr"/>
+              <a:r>
+                <a:rPr lang="en-US" dirty="0"/>
+                <a:t>TZ</a:t>
+              </a:r>
+              <a:endParaRPr lang="en-GB" dirty="0"/>
+            </a:p>
+          </p:txBody>
+        </p:sp>
+      </p:grpSp>
+      <p:cxnSp>
+        <p:nvCxnSpPr>
+          <p:cNvPr id="80" name="Connector: Elbow 79">
+            <a:extLst>
+              <a:ext uri="{FF2B5EF4-FFF2-40B4-BE49-F238E27FC236}">
+                <a16:creationId xmlns:a16="http://schemas.microsoft.com/office/drawing/2014/main" id="{A5C6669D-CC35-4CB2-9FCF-9C6968219053}"/>
+              </a:ext>
+            </a:extLst>
+          </p:cNvPr>
+          <p:cNvCxnSpPr>
+            <a:cxnSpLocks/>
+            <a:stCxn id="74" idx="3"/>
+          </p:cNvCxnSpPr>
+          <p:nvPr/>
+        </p:nvCxnSpPr>
+        <p:spPr>
+          <a:xfrm flipH="1" flipV="1">
+            <a:off x="2297856" y="1166232"/>
+            <a:ext cx="9062570" cy="2113916"/>
+          </a:xfrm>
+          <a:prstGeom prst="bentConnector3">
+            <a:avLst>
+              <a:gd name="adj1" fmla="val -8006"/>
+            </a:avLst>
+          </a:prstGeom>
+          <a:ln>
+            <a:tailEnd type="triangle"/>
+          </a:ln>
+        </p:spPr>
+        <p:style>
+          <a:lnRef idx="2">
+            <a:schemeClr val="dk1"/>
+          </a:lnRef>
+          <a:fillRef idx="0">
+            <a:schemeClr val="dk1"/>
+          </a:fillRef>
+          <a:effectRef idx="1">
+            <a:schemeClr val="dk1"/>
+          </a:effectRef>
+          <a:fontRef idx="minor">
+            <a:schemeClr val="tx1"/>
+          </a:fontRef>
+        </p:style>
+      </p:cxnSp>
+      <p:cxnSp>
+        <p:nvCxnSpPr>
+          <p:cNvPr id="87" name="Straight Arrow Connector 86">
+            <a:extLst>
+              <a:ext uri="{FF2B5EF4-FFF2-40B4-BE49-F238E27FC236}">
+                <a16:creationId xmlns:a16="http://schemas.microsoft.com/office/drawing/2014/main" id="{0708E2B9-86AE-43A5-BE1F-512EC5D6E77D}"/>
+              </a:ext>
+            </a:extLst>
+          </p:cNvPr>
+          <p:cNvCxnSpPr>
+            <a:cxnSpLocks/>
+          </p:cNvCxnSpPr>
+          <p:nvPr/>
+        </p:nvCxnSpPr>
+        <p:spPr>
+          <a:xfrm>
+            <a:off x="3034635" y="1175594"/>
+            <a:ext cx="0" cy="1840221"/>
+          </a:xfrm>
+          <a:prstGeom prst="straightConnector1">
+            <a:avLst/>
+          </a:prstGeom>
+          <a:ln>
+            <a:tailEnd type="triangle"/>
+          </a:ln>
+        </p:spPr>
+        <p:style>
+          <a:lnRef idx="2">
+            <a:schemeClr val="dk1"/>
+          </a:lnRef>
+          <a:fillRef idx="0">
+            <a:schemeClr val="dk1"/>
+          </a:fillRef>
+          <a:effectRef idx="1">
+            <a:schemeClr val="dk1"/>
+          </a:effectRef>
+          <a:fontRef idx="minor">
+            <a:schemeClr val="tx1"/>
+          </a:fontRef>
+        </p:style>
+      </p:cxnSp>
+      <p:cxnSp>
+        <p:nvCxnSpPr>
+          <p:cNvPr id="95" name="Straight Arrow Connector 94">
+            <a:extLst>
+              <a:ext uri="{FF2B5EF4-FFF2-40B4-BE49-F238E27FC236}">
+                <a16:creationId xmlns:a16="http://schemas.microsoft.com/office/drawing/2014/main" id="{1DB1DE83-1C08-4D46-8656-0EC08CC530C9}"/>
+              </a:ext>
+            </a:extLst>
+          </p:cNvPr>
+          <p:cNvCxnSpPr>
+            <a:cxnSpLocks/>
+            <a:stCxn id="156" idx="3"/>
+            <a:endCxn id="4" idx="1"/>
+          </p:cNvCxnSpPr>
+          <p:nvPr/>
+        </p:nvCxnSpPr>
+        <p:spPr>
+          <a:xfrm>
+            <a:off x="2080743" y="3280148"/>
+            <a:ext cx="710417" cy="0"/>
+          </a:xfrm>
+          <a:prstGeom prst="straightConnector1">
+            <a:avLst/>
+          </a:prstGeom>
+          <a:ln>
+            <a:tailEnd type="triangle"/>
+          </a:ln>
+        </p:spPr>
+        <p:style>
+          <a:lnRef idx="2">
+            <a:schemeClr val="dk1"/>
+          </a:lnRef>
+          <a:fillRef idx="0">
+            <a:schemeClr val="dk1"/>
+          </a:fillRef>
+          <a:effectRef idx="1">
+            <a:schemeClr val="dk1"/>
+          </a:effectRef>
+          <a:fontRef idx="minor">
+            <a:schemeClr val="tx1"/>
+          </a:fontRef>
+        </p:style>
+      </p:cxnSp>
+      <p:cxnSp>
+        <p:nvCxnSpPr>
+          <p:cNvPr id="101" name="Straight Arrow Connector 100">
+            <a:extLst>
+              <a:ext uri="{FF2B5EF4-FFF2-40B4-BE49-F238E27FC236}">
+                <a16:creationId xmlns:a16="http://schemas.microsoft.com/office/drawing/2014/main" id="{FCBB39BF-D1BE-4C4A-9629-FD7491456024}"/>
+              </a:ext>
+            </a:extLst>
+          </p:cNvPr>
+          <p:cNvCxnSpPr>
+            <a:cxnSpLocks/>
+            <a:stCxn id="151" idx="1"/>
+          </p:cNvCxnSpPr>
+          <p:nvPr/>
+        </p:nvCxnSpPr>
+        <p:spPr>
+          <a:xfrm flipH="1">
+            <a:off x="70852" y="1139401"/>
+            <a:ext cx="609835" cy="9074"/>
+          </a:xfrm>
+          <a:prstGeom prst="straightConnector1">
+            <a:avLst/>
+          </a:prstGeom>
+          <a:ln>
+            <a:tailEnd type="triangle"/>
+          </a:ln>
+        </p:spPr>
+        <p:style>
+          <a:lnRef idx="2">
+            <a:schemeClr val="dk1"/>
+          </a:lnRef>
+          <a:fillRef idx="0">
+            <a:schemeClr val="dk1"/>
+          </a:fillRef>
+          <a:effectRef idx="1">
+            <a:schemeClr val="dk1"/>
+          </a:effectRef>
+          <a:fontRef idx="minor">
+            <a:schemeClr val="tx1"/>
+          </a:fontRef>
+        </p:style>
+      </p:cxnSp>
+      <p:cxnSp>
+        <p:nvCxnSpPr>
+          <p:cNvPr id="103" name="Straight Arrow Connector 102">
+            <a:extLst>
+              <a:ext uri="{FF2B5EF4-FFF2-40B4-BE49-F238E27FC236}">
+                <a16:creationId xmlns:a16="http://schemas.microsoft.com/office/drawing/2014/main" id="{C7ABC379-8C59-4C38-AE72-E448E1FB742A}"/>
+              </a:ext>
+            </a:extLst>
+          </p:cNvPr>
+          <p:cNvCxnSpPr>
+            <a:cxnSpLocks/>
+            <a:endCxn id="156" idx="1"/>
+          </p:cNvCxnSpPr>
+          <p:nvPr/>
+        </p:nvCxnSpPr>
+        <p:spPr>
+          <a:xfrm>
+            <a:off x="70852" y="3280148"/>
+            <a:ext cx="1433422" cy="0"/>
+          </a:xfrm>
+          <a:prstGeom prst="straightConnector1">
+            <a:avLst/>
+          </a:prstGeom>
+          <a:ln>
+            <a:tailEnd type="triangle"/>
+          </a:ln>
+        </p:spPr>
+        <p:style>
+          <a:lnRef idx="2">
+            <a:schemeClr val="dk1"/>
+          </a:lnRef>
+          <a:fillRef idx="0">
+            <a:schemeClr val="dk1"/>
+          </a:fillRef>
+          <a:effectRef idx="1">
+            <a:schemeClr val="dk1"/>
+          </a:effectRef>
+          <a:fontRef idx="minor">
+            <a:schemeClr val="tx1"/>
+          </a:fontRef>
+        </p:style>
+      </p:cxnSp>
+      <p:grpSp>
+        <p:nvGrpSpPr>
+          <p:cNvPr id="104" name="Group 103">
+            <a:extLst>
+              <a:ext uri="{FF2B5EF4-FFF2-40B4-BE49-F238E27FC236}">
+                <a16:creationId xmlns:a16="http://schemas.microsoft.com/office/drawing/2014/main" id="{4C6F4E8C-77F0-4B9C-B1A0-98215581B94E}"/>
+              </a:ext>
+            </a:extLst>
+          </p:cNvPr>
+          <p:cNvGrpSpPr/>
+          <p:nvPr/>
+        </p:nvGrpSpPr>
+        <p:grpSpPr>
+          <a:xfrm>
+            <a:off x="10783957" y="4147447"/>
+            <a:ext cx="576469" cy="576000"/>
+            <a:chOff x="4372748" y="3160643"/>
+            <a:chExt cx="576469" cy="576000"/>
+          </a:xfrm>
+          <a:solidFill>
+            <a:srgbClr val="92D050">
+              <a:alpha val="41176"/>
+            </a:srgbClr>
+          </a:solidFill>
+        </p:grpSpPr>
+        <p:sp>
+          <p:nvSpPr>
+            <p:cNvPr id="105" name="Rectangle 104">
+              <a:extLst>
+                <a:ext uri="{FF2B5EF4-FFF2-40B4-BE49-F238E27FC236}">
+                  <a16:creationId xmlns:a16="http://schemas.microsoft.com/office/drawing/2014/main" id="{F5F4E225-804B-4C4B-ADB0-B457EE22EB92}"/>
+                </a:ext>
+              </a:extLst>
+            </p:cNvPr>
+            <p:cNvSpPr/>
+            <p:nvPr/>
+          </p:nvSpPr>
+          <p:spPr>
+            <a:xfrm>
+              <a:off x="4373217" y="3160643"/>
+              <a:ext cx="576000" cy="576000"/>
+            </a:xfrm>
+            <a:prstGeom prst="rect">
+              <a:avLst/>
+            </a:prstGeom>
+            <a:grpFill/>
+          </p:spPr>
+          <p:style>
+            <a:lnRef idx="2">
+              <a:schemeClr val="accent1">
+                <a:shade val="50000"/>
+              </a:schemeClr>
+            </a:lnRef>
+            <a:fillRef idx="1">
+              <a:schemeClr val="accent1"/>
+            </a:fillRef>
+            <a:effectRef idx="0">
+              <a:schemeClr val="accent1"/>
+            </a:effectRef>
+            <a:fontRef idx="minor">
+              <a:schemeClr val="lt1"/>
+            </a:fontRef>
+          </p:style>
+          <p:txBody>
+            <a:bodyPr rtlCol="0" anchor="ctr"/>
+            <a:lstStyle/>
+            <a:p>
+              <a:pPr algn="ctr"/>
+              <a:endParaRPr lang="en-GB"/>
+            </a:p>
+          </p:txBody>
+        </p:sp>
+        <p:sp>
+          <p:nvSpPr>
+            <p:cNvPr id="106" name="TextBox 105">
+              <a:extLst>
+                <a:ext uri="{FF2B5EF4-FFF2-40B4-BE49-F238E27FC236}">
+                  <a16:creationId xmlns:a16="http://schemas.microsoft.com/office/drawing/2014/main" id="{3B751AF4-0B34-4988-901D-E09C783FF250}"/>
+                </a:ext>
+              </a:extLst>
+            </p:cNvPr>
+            <p:cNvSpPr txBox="1"/>
+            <p:nvPr/>
+          </p:nvSpPr>
+          <p:spPr>
+            <a:xfrm>
+              <a:off x="4372748" y="3244334"/>
+              <a:ext cx="576469" cy="369332"/>
+            </a:xfrm>
+            <a:prstGeom prst="rect">
+              <a:avLst/>
+            </a:prstGeom>
+            <a:grpFill/>
+            <a:ln>
+              <a:noFill/>
+            </a:ln>
+          </p:spPr>
+          <p:txBody>
+            <a:bodyPr wrap="square" rtlCol="0">
+              <a:spAutoFit/>
+            </a:bodyPr>
+            <a:lstStyle/>
+            <a:p>
+              <a:pPr algn="ctr"/>
+              <a:r>
+                <a:rPr lang="en-US" dirty="0"/>
+                <a:t>BL</a:t>
+              </a:r>
+              <a:endParaRPr lang="en-GB" dirty="0"/>
+            </a:p>
+          </p:txBody>
+        </p:sp>
+      </p:grpSp>
+      <p:cxnSp>
+        <p:nvCxnSpPr>
+          <p:cNvPr id="108" name="Straight Arrow Connector 107">
+            <a:extLst>
+              <a:ext uri="{FF2B5EF4-FFF2-40B4-BE49-F238E27FC236}">
+                <a16:creationId xmlns:a16="http://schemas.microsoft.com/office/drawing/2014/main" id="{3EA3FBB7-DCD9-4DEE-A369-748A8F9789A0}"/>
+              </a:ext>
+            </a:extLst>
+          </p:cNvPr>
+          <p:cNvCxnSpPr/>
+          <p:nvPr/>
+        </p:nvCxnSpPr>
+        <p:spPr>
+          <a:xfrm flipV="1">
+            <a:off x="10903226" y="3587791"/>
+            <a:ext cx="0" cy="559656"/>
+          </a:xfrm>
+          <a:prstGeom prst="straightConnector1">
+            <a:avLst/>
+          </a:prstGeom>
+          <a:ln w="12700">
+            <a:solidFill>
+              <a:srgbClr val="FF0000"/>
+            </a:solidFill>
+            <a:tailEnd type="triangle"/>
+          </a:ln>
+        </p:spPr>
+        <p:style>
+          <a:lnRef idx="1">
+            <a:schemeClr val="accent1"/>
+          </a:lnRef>
+          <a:fillRef idx="0">
+            <a:schemeClr val="accent1"/>
+          </a:fillRef>
+          <a:effectRef idx="0">
+            <a:schemeClr val="accent1"/>
+          </a:effectRef>
+          <a:fontRef idx="minor">
+            <a:schemeClr val="tx1"/>
+          </a:fontRef>
+        </p:style>
+      </p:cxnSp>
+      <p:cxnSp>
+        <p:nvCxnSpPr>
+          <p:cNvPr id="109" name="Straight Arrow Connector 108">
+            <a:extLst>
+              <a:ext uri="{FF2B5EF4-FFF2-40B4-BE49-F238E27FC236}">
+                <a16:creationId xmlns:a16="http://schemas.microsoft.com/office/drawing/2014/main" id="{A2227B67-07BB-406E-B761-5BCB4E89A0E6}"/>
+              </a:ext>
+            </a:extLst>
+          </p:cNvPr>
+          <p:cNvCxnSpPr/>
+          <p:nvPr/>
+        </p:nvCxnSpPr>
+        <p:spPr>
+          <a:xfrm flipV="1">
+            <a:off x="11264348" y="3587791"/>
+            <a:ext cx="0" cy="559656"/>
+          </a:xfrm>
+          <a:prstGeom prst="straightConnector1">
+            <a:avLst/>
+          </a:prstGeom>
+          <a:ln w="12700">
+            <a:solidFill>
+              <a:srgbClr val="FF0000"/>
+            </a:solidFill>
+            <a:tailEnd type="triangle"/>
+          </a:ln>
+        </p:spPr>
+        <p:style>
+          <a:lnRef idx="1">
+            <a:schemeClr val="accent1"/>
+          </a:lnRef>
+          <a:fillRef idx="0">
+            <a:schemeClr val="accent1"/>
+          </a:fillRef>
+          <a:effectRef idx="0">
+            <a:schemeClr val="accent1"/>
+          </a:effectRef>
+          <a:fontRef idx="minor">
+            <a:schemeClr val="tx1"/>
+          </a:fontRef>
+        </p:style>
+      </p:cxnSp>
+      <p:cxnSp>
+        <p:nvCxnSpPr>
+          <p:cNvPr id="110" name="Straight Arrow Connector 109">
+            <a:extLst>
+              <a:ext uri="{FF2B5EF4-FFF2-40B4-BE49-F238E27FC236}">
+                <a16:creationId xmlns:a16="http://schemas.microsoft.com/office/drawing/2014/main" id="{67B1762B-1F11-4FB2-A1A2-FE13A0BB989F}"/>
+              </a:ext>
+            </a:extLst>
+          </p:cNvPr>
+          <p:cNvCxnSpPr>
+            <a:cxnSpLocks/>
+            <a:endCxn id="54" idx="2"/>
+          </p:cNvCxnSpPr>
+          <p:nvPr/>
+        </p:nvCxnSpPr>
+        <p:spPr>
+          <a:xfrm flipV="1">
+            <a:off x="9770705" y="3577853"/>
+            <a:ext cx="235" cy="1292322"/>
+          </a:xfrm>
+          <a:prstGeom prst="straightConnector1">
+            <a:avLst/>
+          </a:prstGeom>
+          <a:ln w="12700">
+            <a:solidFill>
+              <a:srgbClr val="FF0000"/>
+            </a:solidFill>
+            <a:tailEnd type="triangle"/>
+          </a:ln>
+        </p:spPr>
+        <p:style>
+          <a:lnRef idx="1">
+            <a:schemeClr val="accent1"/>
+          </a:lnRef>
+          <a:fillRef idx="0">
+            <a:schemeClr val="accent1"/>
+          </a:fillRef>
+          <a:effectRef idx="0">
+            <a:schemeClr val="accent1"/>
+          </a:effectRef>
+          <a:fontRef idx="minor">
+            <a:schemeClr val="tx1"/>
+          </a:fontRef>
+        </p:style>
+      </p:cxnSp>
+      <p:cxnSp>
+        <p:nvCxnSpPr>
+          <p:cNvPr id="112" name="Straight Arrow Connector 111">
+            <a:extLst>
+              <a:ext uri="{FF2B5EF4-FFF2-40B4-BE49-F238E27FC236}">
+                <a16:creationId xmlns:a16="http://schemas.microsoft.com/office/drawing/2014/main" id="{4E655181-EB54-4D0A-B42E-478FF5011C73}"/>
+              </a:ext>
+            </a:extLst>
+          </p:cNvPr>
+          <p:cNvCxnSpPr>
+            <a:cxnSpLocks/>
+            <a:endCxn id="14" idx="2"/>
+          </p:cNvCxnSpPr>
+          <p:nvPr/>
+        </p:nvCxnSpPr>
+        <p:spPr>
+          <a:xfrm flipV="1">
+            <a:off x="5034846" y="3605923"/>
+            <a:ext cx="235" cy="1289508"/>
+          </a:xfrm>
+          <a:prstGeom prst="straightConnector1">
+            <a:avLst/>
+          </a:prstGeom>
+          <a:ln w="12700">
+            <a:solidFill>
+              <a:srgbClr val="FF0000"/>
+            </a:solidFill>
+            <a:tailEnd type="triangle"/>
+          </a:ln>
+        </p:spPr>
+        <p:style>
+          <a:lnRef idx="1">
+            <a:schemeClr val="accent1"/>
+          </a:lnRef>
+          <a:fillRef idx="0">
+            <a:schemeClr val="accent1"/>
+          </a:fillRef>
+          <a:effectRef idx="0">
+            <a:schemeClr val="accent1"/>
+          </a:effectRef>
+          <a:fontRef idx="minor">
+            <a:schemeClr val="tx1"/>
+          </a:fontRef>
+        </p:style>
+      </p:cxnSp>
+      <mc:AlternateContent xmlns:mc="http://schemas.openxmlformats.org/markup-compatibility/2006">
+        <mc:Choice xmlns:a14="http://schemas.microsoft.com/office/drawing/2010/main" Requires="a14">
+          <p:sp>
+            <p:nvSpPr>
+              <p:cNvPr id="116" name="TextBox 115">
+                <a:extLst>
+                  <a:ext uri="{FF2B5EF4-FFF2-40B4-BE49-F238E27FC236}">
+                    <a16:creationId xmlns:a16="http://schemas.microsoft.com/office/drawing/2014/main" id="{274336AD-EE79-4837-AA63-C6F9B70000DB}"/>
+                  </a:ext>
+                </a:extLst>
+              </p:cNvPr>
+              <p:cNvSpPr txBox="1"/>
+              <p:nvPr/>
+            </p:nvSpPr>
+            <p:spPr>
+              <a:xfrm>
+                <a:off x="5033474" y="4140469"/>
+                <a:ext cx="606755" cy="379848"/>
+              </a:xfrm>
+              <a:prstGeom prst="rect">
+                <a:avLst/>
+              </a:prstGeom>
+              <a:noFill/>
+            </p:spPr>
+            <p:txBody>
+              <a:bodyPr wrap="square">
+                <a:spAutoFit/>
+              </a:bodyPr>
+              <a:lstStyle/>
+              <a:p>
+                <a:pPr/>
+                <a14:m>
+                  <m:oMathPara xmlns:m="http://schemas.openxmlformats.org/officeDocument/2006/math">
+                    <m:oMathParaPr>
+                      <m:jc m:val="centerGroup"/>
+                    </m:oMathParaPr>
+                    <m:oMath xmlns:m="http://schemas.openxmlformats.org/officeDocument/2006/math">
+                      <m:acc>
+                        <m:accPr>
+                          <m:chr m:val="̇"/>
+                          <m:ctrlPr>
+                            <a:rPr lang="en-GB" i="1" smtClean="0">
+                              <a:solidFill>
+                                <a:srgbClr val="836967"/>
+                              </a:solidFill>
+                              <a:latin typeface="Cambria Math" panose="02040503050406030204" pitchFamily="18" charset="0"/>
+                            </a:rPr>
+                          </m:ctrlPr>
+                        </m:accPr>
+                        <m:e>
+                          <m:sSub>
+                            <m:sSubPr>
+                              <m:ctrlPr>
+                                <a:rPr lang="en-GB" i="1">
+                                  <a:solidFill>
+                                    <a:srgbClr val="836967"/>
+                                  </a:solidFill>
+                                  <a:latin typeface="Cambria Math" panose="02040503050406030204" pitchFamily="18" charset="0"/>
+                                </a:rPr>
+                              </m:ctrlPr>
+                            </m:sSubPr>
+                            <m:e>
+                              <m:r>
+                                <a:rPr lang="en-GB" i="1">
+                                  <a:latin typeface="Cambria Math" panose="02040503050406030204" pitchFamily="18" charset="0"/>
+                                </a:rPr>
+                                <m:t>𝑄</m:t>
+                              </m:r>
+                            </m:e>
+                            <m:sub>
+                              <m:r>
+                                <a:rPr lang="en-US" b="0" i="1" smtClean="0">
+                                  <a:latin typeface="Cambria Math" panose="02040503050406030204" pitchFamily="18" charset="0"/>
+                                </a:rPr>
+                                <m:t>𝐻𝐶</m:t>
+                              </m:r>
+                              <m:r>
+                                <a:rPr lang="en-US" b="0" i="1" smtClean="0">
+                                  <a:latin typeface="Cambria Math" panose="02040503050406030204" pitchFamily="18" charset="0"/>
+                                </a:rPr>
+                                <m:t>1</m:t>
+                              </m:r>
+                            </m:sub>
+                          </m:sSub>
+                        </m:e>
+                      </m:acc>
+                    </m:oMath>
+                  </m:oMathPara>
+                </a14:m>
+                <a:endParaRPr lang="en-GB" dirty="0"/>
+              </a:p>
+            </p:txBody>
+          </p:sp>
+        </mc:Choice>
+        <mc:Fallback>
+          <p:sp>
+            <p:nvSpPr>
+              <p:cNvPr id="116" name="TextBox 115">
+                <a:extLst>
+                  <a:ext uri="{FF2B5EF4-FFF2-40B4-BE49-F238E27FC236}">
+                    <a16:creationId xmlns:a16="http://schemas.microsoft.com/office/drawing/2014/main" id="{274336AD-EE79-4837-AA63-C6F9B70000DB}"/>
+                  </a:ext>
+                </a:extLst>
+              </p:cNvPr>
+              <p:cNvSpPr txBox="1">
+                <a:spLocks noRot="1" noChangeAspect="1" noMove="1" noResize="1" noEditPoints="1" noAdjustHandles="1" noChangeArrowheads="1" noChangeShapeType="1" noTextEdit="1"/>
+              </p:cNvSpPr>
+              <p:nvPr/>
+            </p:nvSpPr>
+            <p:spPr>
+              <a:xfrm>
+                <a:off x="5033474" y="4140469"/>
+                <a:ext cx="606755" cy="379848"/>
+              </a:xfrm>
+              <a:prstGeom prst="rect">
+                <a:avLst/>
+              </a:prstGeom>
+              <a:blipFill>
+                <a:blip r:embed="rId2"/>
+                <a:stretch>
+                  <a:fillRect l="-2020" r="-3030" b="-9524"/>
+                </a:stretch>
+              </a:blipFill>
+            </p:spPr>
+            <p:txBody>
+              <a:bodyPr/>
+              <a:lstStyle/>
+              <a:p>
+                <a:r>
+                  <a:rPr lang="en-GB">
+                    <a:noFill/>
+                  </a:rPr>
+                  <a:t> </a:t>
+                </a:r>
+              </a:p>
+            </p:txBody>
+          </p:sp>
+        </mc:Fallback>
+      </mc:AlternateContent>
+      <mc:AlternateContent xmlns:mc="http://schemas.openxmlformats.org/markup-compatibility/2006">
+        <mc:Choice xmlns:a14="http://schemas.microsoft.com/office/drawing/2010/main" Requires="a14">
+          <p:sp>
+            <p:nvSpPr>
+              <p:cNvPr id="117" name="TextBox 116">
+                <a:extLst>
+                  <a:ext uri="{FF2B5EF4-FFF2-40B4-BE49-F238E27FC236}">
+                    <a16:creationId xmlns:a16="http://schemas.microsoft.com/office/drawing/2014/main" id="{08FCC6A9-307B-4C4B-8E8A-48F055C6089F}"/>
+                  </a:ext>
+                </a:extLst>
+              </p:cNvPr>
+              <p:cNvSpPr txBox="1"/>
+              <p:nvPr/>
+            </p:nvSpPr>
+            <p:spPr>
+              <a:xfrm>
+                <a:off x="9189160" y="3912505"/>
+                <a:ext cx="606755" cy="379848"/>
+              </a:xfrm>
+              <a:prstGeom prst="rect">
+                <a:avLst/>
+              </a:prstGeom>
+              <a:noFill/>
+            </p:spPr>
+            <p:txBody>
+              <a:bodyPr wrap="square">
+                <a:spAutoFit/>
+              </a:bodyPr>
+              <a:lstStyle/>
+              <a:p>
+                <a:pPr/>
+                <a14:m>
+                  <m:oMathPara xmlns:m="http://schemas.openxmlformats.org/officeDocument/2006/math">
+                    <m:oMathParaPr>
+                      <m:jc m:val="centerGroup"/>
+                    </m:oMathParaPr>
+                    <m:oMath xmlns:m="http://schemas.openxmlformats.org/officeDocument/2006/math">
+                      <m:acc>
+                        <m:accPr>
+                          <m:chr m:val="̇"/>
+                          <m:ctrlPr>
+                            <a:rPr lang="en-GB" i="1" smtClean="0">
+                              <a:solidFill>
+                                <a:srgbClr val="836967"/>
+                              </a:solidFill>
+                              <a:latin typeface="Cambria Math" panose="02040503050406030204" pitchFamily="18" charset="0"/>
+                            </a:rPr>
+                          </m:ctrlPr>
+                        </m:accPr>
+                        <m:e>
+                          <m:sSub>
+                            <m:sSubPr>
+                              <m:ctrlPr>
+                                <a:rPr lang="en-GB" i="1">
+                                  <a:solidFill>
+                                    <a:srgbClr val="836967"/>
+                                  </a:solidFill>
+                                  <a:latin typeface="Cambria Math" panose="02040503050406030204" pitchFamily="18" charset="0"/>
+                                </a:rPr>
+                              </m:ctrlPr>
+                            </m:sSubPr>
+                            <m:e>
+                              <m:r>
+                                <a:rPr lang="en-GB" i="1">
+                                  <a:latin typeface="Cambria Math" panose="02040503050406030204" pitchFamily="18" charset="0"/>
+                                </a:rPr>
+                                <m:t>𝑄</m:t>
+                              </m:r>
+                            </m:e>
+                            <m:sub>
+                              <m:r>
+                                <a:rPr lang="en-US" b="0" i="1" smtClean="0">
+                                  <a:latin typeface="Cambria Math" panose="02040503050406030204" pitchFamily="18" charset="0"/>
+                                </a:rPr>
+                                <m:t>𝐻𝐶</m:t>
+                              </m:r>
+                              <m:r>
+                                <a:rPr lang="en-US" b="0" i="1" smtClean="0">
+                                  <a:latin typeface="Cambria Math" panose="02040503050406030204" pitchFamily="18" charset="0"/>
+                                </a:rPr>
+                                <m:t>2</m:t>
+                              </m:r>
+                            </m:sub>
+                          </m:sSub>
+                        </m:e>
+                      </m:acc>
+                    </m:oMath>
+                  </m:oMathPara>
+                </a14:m>
+                <a:endParaRPr lang="en-GB" dirty="0"/>
+              </a:p>
+            </p:txBody>
+          </p:sp>
+        </mc:Choice>
+        <mc:Fallback>
+          <p:sp>
+            <p:nvSpPr>
+              <p:cNvPr id="117" name="TextBox 116">
+                <a:extLst>
+                  <a:ext uri="{FF2B5EF4-FFF2-40B4-BE49-F238E27FC236}">
+                    <a16:creationId xmlns:a16="http://schemas.microsoft.com/office/drawing/2014/main" id="{08FCC6A9-307B-4C4B-8E8A-48F055C6089F}"/>
+                  </a:ext>
+                </a:extLst>
+              </p:cNvPr>
+              <p:cNvSpPr txBox="1">
+                <a:spLocks noRot="1" noChangeAspect="1" noMove="1" noResize="1" noEditPoints="1" noAdjustHandles="1" noChangeArrowheads="1" noChangeShapeType="1" noTextEdit="1"/>
+              </p:cNvSpPr>
+              <p:nvPr/>
+            </p:nvSpPr>
+            <p:spPr>
+              <a:xfrm>
+                <a:off x="9189160" y="3912505"/>
+                <a:ext cx="606755" cy="379848"/>
+              </a:xfrm>
+              <a:prstGeom prst="rect">
+                <a:avLst/>
+              </a:prstGeom>
+              <a:blipFill>
+                <a:blip r:embed="rId3"/>
+                <a:stretch>
+                  <a:fillRect l="-2000" r="-3000" b="-9677"/>
+                </a:stretch>
+              </a:blipFill>
+            </p:spPr>
+            <p:txBody>
+              <a:bodyPr/>
+              <a:lstStyle/>
+              <a:p>
+                <a:r>
+                  <a:rPr lang="en-GB">
+                    <a:noFill/>
+                  </a:rPr>
+                  <a:t> </a:t>
+                </a:r>
+              </a:p>
+            </p:txBody>
+          </p:sp>
+        </mc:Fallback>
+      </mc:AlternateContent>
+      <mc:AlternateContent xmlns:mc="http://schemas.openxmlformats.org/markup-compatibility/2006">
+        <mc:Choice xmlns:a14="http://schemas.microsoft.com/office/drawing/2010/main" Requires="a14">
+          <p:sp>
+            <p:nvSpPr>
+              <p:cNvPr id="118" name="TextBox 117">
+                <a:extLst>
+                  <a:ext uri="{FF2B5EF4-FFF2-40B4-BE49-F238E27FC236}">
+                    <a16:creationId xmlns:a16="http://schemas.microsoft.com/office/drawing/2014/main" id="{831B3616-2508-483B-B193-F5D60CAFEFB8}"/>
+                  </a:ext>
+                </a:extLst>
+              </p:cNvPr>
+              <p:cNvSpPr txBox="1"/>
+              <p:nvPr/>
+            </p:nvSpPr>
+            <p:spPr>
+              <a:xfrm>
+                <a:off x="10296471" y="3676974"/>
+                <a:ext cx="606755" cy="398379"/>
+              </a:xfrm>
+              <a:prstGeom prst="rect">
+                <a:avLst/>
+              </a:prstGeom>
+              <a:noFill/>
+            </p:spPr>
+            <p:txBody>
+              <a:bodyPr wrap="square">
+                <a:spAutoFit/>
+              </a:bodyPr>
+              <a:lstStyle/>
+              <a:p>
+                <a:pPr/>
+                <a14:m>
+                  <m:oMathPara xmlns:m="http://schemas.openxmlformats.org/officeDocument/2006/math">
+                    <m:oMathParaPr>
+                      <m:jc m:val="centerGroup"/>
+                    </m:oMathParaPr>
+                    <m:oMath xmlns:m="http://schemas.openxmlformats.org/officeDocument/2006/math">
+                      <m:acc>
+                        <m:accPr>
+                          <m:chr m:val="̇"/>
+                          <m:ctrlPr>
+                            <a:rPr lang="en-GB" i="1" smtClean="0">
+                              <a:solidFill>
+                                <a:srgbClr val="836967"/>
+                              </a:solidFill>
+                              <a:latin typeface="Cambria Math" panose="02040503050406030204" pitchFamily="18" charset="0"/>
+                            </a:rPr>
+                          </m:ctrlPr>
+                        </m:accPr>
+                        <m:e>
+                          <m:sSub>
+                            <m:sSubPr>
+                              <m:ctrlPr>
+                                <a:rPr lang="en-GB" i="1">
+                                  <a:solidFill>
+                                    <a:srgbClr val="836967"/>
+                                  </a:solidFill>
+                                  <a:latin typeface="Cambria Math" panose="02040503050406030204" pitchFamily="18" charset="0"/>
+                                </a:rPr>
+                              </m:ctrlPr>
+                            </m:sSubPr>
+                            <m:e>
+                              <m:r>
+                                <a:rPr lang="en-GB" i="1">
+                                  <a:latin typeface="Cambria Math" panose="02040503050406030204" pitchFamily="18" charset="0"/>
+                                </a:rPr>
+                                <m:t>𝑄</m:t>
+                              </m:r>
+                            </m:e>
+                            <m:sub>
+                              <m:r>
+                                <a:rPr lang="en-GB" i="1">
+                                  <a:latin typeface="Cambria Math" panose="02040503050406030204" pitchFamily="18" charset="0"/>
+                                </a:rPr>
+                                <m:t>𝑠</m:t>
+                              </m:r>
+                              <m:r>
+                                <a:rPr lang="en-US" b="0" i="1" smtClean="0">
+                                  <a:latin typeface="Cambria Math" panose="02040503050406030204" pitchFamily="18" charset="0"/>
+                                </a:rPr>
+                                <m:t>,</m:t>
+                              </m:r>
+                              <m:r>
+                                <a:rPr lang="en-US" b="0" i="1" smtClean="0">
+                                  <a:latin typeface="Cambria Math" panose="02040503050406030204" pitchFamily="18" charset="0"/>
+                                </a:rPr>
+                                <m:t>𝑇𝑍</m:t>
+                              </m:r>
+                            </m:sub>
+                          </m:sSub>
+                        </m:e>
+                      </m:acc>
+                    </m:oMath>
+                  </m:oMathPara>
+                </a14:m>
+                <a:endParaRPr lang="en-GB" dirty="0"/>
+              </a:p>
+            </p:txBody>
+          </p:sp>
+        </mc:Choice>
+        <mc:Fallback>
+          <p:sp>
+            <p:nvSpPr>
+              <p:cNvPr id="118" name="TextBox 117">
+                <a:extLst>
+                  <a:ext uri="{FF2B5EF4-FFF2-40B4-BE49-F238E27FC236}">
+                    <a16:creationId xmlns:a16="http://schemas.microsoft.com/office/drawing/2014/main" id="{831B3616-2508-483B-B193-F5D60CAFEFB8}"/>
+                  </a:ext>
+                </a:extLst>
+              </p:cNvPr>
+              <p:cNvSpPr txBox="1">
+                <a:spLocks noRot="1" noChangeAspect="1" noMove="1" noResize="1" noEditPoints="1" noAdjustHandles="1" noChangeArrowheads="1" noChangeShapeType="1" noTextEdit="1"/>
+              </p:cNvSpPr>
+              <p:nvPr/>
+            </p:nvSpPr>
+            <p:spPr>
+              <a:xfrm>
+                <a:off x="10296471" y="3676974"/>
+                <a:ext cx="606755" cy="398379"/>
+              </a:xfrm>
+              <a:prstGeom prst="rect">
+                <a:avLst/>
+              </a:prstGeom>
+              <a:blipFill>
+                <a:blip r:embed="rId4"/>
+                <a:stretch>
+                  <a:fillRect l="-2000" r="-3000" b="-6061"/>
+                </a:stretch>
+              </a:blipFill>
+            </p:spPr>
+            <p:txBody>
+              <a:bodyPr/>
+              <a:lstStyle/>
+              <a:p>
+                <a:r>
+                  <a:rPr lang="en-GB">
+                    <a:noFill/>
+                  </a:rPr>
+                  <a:t> </a:t>
+                </a:r>
+              </a:p>
+            </p:txBody>
+          </p:sp>
+        </mc:Fallback>
+      </mc:AlternateContent>
+      <mc:AlternateContent xmlns:mc="http://schemas.openxmlformats.org/markup-compatibility/2006">
+        <mc:Choice xmlns:a14="http://schemas.microsoft.com/office/drawing/2010/main" Requires="a14">
+          <p:sp>
+            <p:nvSpPr>
+              <p:cNvPr id="119" name="TextBox 118">
+                <a:extLst>
+                  <a:ext uri="{FF2B5EF4-FFF2-40B4-BE49-F238E27FC236}">
+                    <a16:creationId xmlns:a16="http://schemas.microsoft.com/office/drawing/2014/main" id="{5FDF9E73-635F-4645-9A89-806C6BA8637E}"/>
+                  </a:ext>
+                </a:extLst>
+              </p:cNvPr>
+              <p:cNvSpPr txBox="1"/>
+              <p:nvPr/>
+            </p:nvSpPr>
+            <p:spPr>
+              <a:xfrm>
+                <a:off x="11206603" y="3671482"/>
+                <a:ext cx="606755" cy="398379"/>
+              </a:xfrm>
+              <a:prstGeom prst="rect">
+                <a:avLst/>
+              </a:prstGeom>
+              <a:noFill/>
+            </p:spPr>
+            <p:txBody>
+              <a:bodyPr wrap="square">
+                <a:spAutoFit/>
+              </a:bodyPr>
+              <a:lstStyle/>
+              <a:p>
+                <a:pPr/>
+                <a14:m>
+                  <m:oMathPara xmlns:m="http://schemas.openxmlformats.org/officeDocument/2006/math">
+                    <m:oMathParaPr>
+                      <m:jc m:val="centerGroup"/>
+                    </m:oMathParaPr>
+                    <m:oMath xmlns:m="http://schemas.openxmlformats.org/officeDocument/2006/math">
+                      <m:acc>
+                        <m:accPr>
+                          <m:chr m:val="̇"/>
+                          <m:ctrlPr>
+                            <a:rPr lang="en-GB" i="1" smtClean="0">
+                              <a:solidFill>
+                                <a:srgbClr val="836967"/>
+                              </a:solidFill>
+                              <a:latin typeface="Cambria Math" panose="02040503050406030204" pitchFamily="18" charset="0"/>
+                            </a:rPr>
+                          </m:ctrlPr>
+                        </m:accPr>
+                        <m:e>
+                          <m:sSub>
+                            <m:sSubPr>
+                              <m:ctrlPr>
+                                <a:rPr lang="en-GB" i="1">
+                                  <a:solidFill>
+                                    <a:srgbClr val="836967"/>
+                                  </a:solidFill>
+                                  <a:latin typeface="Cambria Math" panose="02040503050406030204" pitchFamily="18" charset="0"/>
+                                </a:rPr>
+                              </m:ctrlPr>
+                            </m:sSubPr>
+                            <m:e>
+                              <m:r>
+                                <a:rPr lang="en-GB" i="1">
+                                  <a:latin typeface="Cambria Math" panose="02040503050406030204" pitchFamily="18" charset="0"/>
+                                </a:rPr>
+                                <m:t>𝑄</m:t>
+                              </m:r>
+                            </m:e>
+                            <m:sub>
+                              <m:r>
+                                <a:rPr lang="en-US" b="0" i="1" smtClean="0">
+                                  <a:latin typeface="Cambria Math" panose="02040503050406030204" pitchFamily="18" charset="0"/>
+                                </a:rPr>
+                                <m:t>𝑙</m:t>
+                              </m:r>
+                              <m:r>
+                                <a:rPr lang="en-US" b="0" i="1" smtClean="0">
+                                  <a:latin typeface="Cambria Math" panose="02040503050406030204" pitchFamily="18" charset="0"/>
+                                </a:rPr>
+                                <m:t>,</m:t>
+                              </m:r>
+                              <m:r>
+                                <a:rPr lang="en-US" b="0" i="1" smtClean="0">
+                                  <a:latin typeface="Cambria Math" panose="02040503050406030204" pitchFamily="18" charset="0"/>
+                                </a:rPr>
+                                <m:t>𝑇𝑍</m:t>
+                              </m:r>
+                            </m:sub>
+                          </m:sSub>
+                        </m:e>
+                      </m:acc>
+                    </m:oMath>
+                  </m:oMathPara>
+                </a14:m>
+                <a:endParaRPr lang="en-GB" dirty="0"/>
+              </a:p>
+            </p:txBody>
+          </p:sp>
+        </mc:Choice>
+        <mc:Fallback>
+          <p:sp>
+            <p:nvSpPr>
+              <p:cNvPr id="119" name="TextBox 118">
+                <a:extLst>
+                  <a:ext uri="{FF2B5EF4-FFF2-40B4-BE49-F238E27FC236}">
+                    <a16:creationId xmlns:a16="http://schemas.microsoft.com/office/drawing/2014/main" id="{5FDF9E73-635F-4645-9A89-806C6BA8637E}"/>
+                  </a:ext>
+                </a:extLst>
+              </p:cNvPr>
+              <p:cNvSpPr txBox="1">
+                <a:spLocks noRot="1" noChangeAspect="1" noMove="1" noResize="1" noEditPoints="1" noAdjustHandles="1" noChangeArrowheads="1" noChangeShapeType="1" noTextEdit="1"/>
+              </p:cNvSpPr>
+              <p:nvPr/>
+            </p:nvSpPr>
+            <p:spPr>
+              <a:xfrm>
+                <a:off x="11206603" y="3671482"/>
+                <a:ext cx="606755" cy="398379"/>
+              </a:xfrm>
+              <a:prstGeom prst="rect">
+                <a:avLst/>
+              </a:prstGeom>
+              <a:blipFill>
+                <a:blip r:embed="rId5"/>
+                <a:stretch>
+                  <a:fillRect l="-2000" b="-6061"/>
+                </a:stretch>
+              </a:blipFill>
+            </p:spPr>
+            <p:txBody>
+              <a:bodyPr/>
+              <a:lstStyle/>
+              <a:p>
+                <a:r>
+                  <a:rPr lang="en-GB">
+                    <a:noFill/>
+                  </a:rPr>
+                  <a:t> </a:t>
+                </a:r>
+              </a:p>
+            </p:txBody>
+          </p:sp>
+        </mc:Fallback>
+      </mc:AlternateContent>
+      <p:sp>
+        <p:nvSpPr>
+          <p:cNvPr id="121" name="Oval 120">
+            <a:extLst>
+              <a:ext uri="{FF2B5EF4-FFF2-40B4-BE49-F238E27FC236}">
+                <a16:creationId xmlns:a16="http://schemas.microsoft.com/office/drawing/2014/main" id="{12C16F70-D76A-41FB-A606-B0EFAB7075BD}"/>
+              </a:ext>
+            </a:extLst>
+          </p:cNvPr>
+          <p:cNvSpPr/>
+          <p:nvPr/>
+        </p:nvSpPr>
+        <p:spPr>
+          <a:xfrm>
+            <a:off x="10285436" y="5357588"/>
+            <a:ext cx="360000" cy="360000"/>
+          </a:xfrm>
+          <a:prstGeom prst="ellipse">
+            <a:avLst/>
+          </a:prstGeom>
+          <a:noFill/>
+          <a:ln w="28575">
+            <a:solidFill>
+              <a:schemeClr val="accent1"/>
+            </a:solidFill>
+          </a:ln>
+        </p:spPr>
+        <p:style>
+          <a:lnRef idx="2">
+            <a:schemeClr val="accent1">
+              <a:shade val="50000"/>
+            </a:schemeClr>
+          </a:lnRef>
+          <a:fillRef idx="1">
+            <a:schemeClr val="accent1"/>
+          </a:fillRef>
+          <a:effectRef idx="0">
+            <a:schemeClr val="accent1"/>
+          </a:effectRef>
+          <a:fontRef idx="minor">
+            <a:schemeClr val="lt1"/>
+          </a:fontRef>
+        </p:style>
+        <p:txBody>
+          <a:bodyPr rtlCol="0" anchor="ctr"/>
+          <a:lstStyle/>
+          <a:p>
+            <a:pPr algn="ctr"/>
+            <a:endParaRPr lang="en-GB"/>
+          </a:p>
+        </p:txBody>
+      </p:sp>
+      <p:cxnSp>
+        <p:nvCxnSpPr>
+          <p:cNvPr id="123" name="Straight Arrow Connector 122">
+            <a:extLst>
+              <a:ext uri="{FF2B5EF4-FFF2-40B4-BE49-F238E27FC236}">
+                <a16:creationId xmlns:a16="http://schemas.microsoft.com/office/drawing/2014/main" id="{91E73687-625B-4E04-B35E-25E2A005F7E6}"/>
+              </a:ext>
+            </a:extLst>
+          </p:cNvPr>
+          <p:cNvCxnSpPr>
+            <a:cxnSpLocks/>
+            <a:endCxn id="121" idx="6"/>
+          </p:cNvCxnSpPr>
+          <p:nvPr/>
+        </p:nvCxnSpPr>
+        <p:spPr>
+          <a:xfrm flipH="1">
+            <a:off x="10645436" y="5537588"/>
+            <a:ext cx="1003225" cy="0"/>
+          </a:xfrm>
+          <a:prstGeom prst="straightConnector1">
+            <a:avLst/>
+          </a:prstGeom>
+          <a:ln>
+            <a:tailEnd type="triangle"/>
+          </a:ln>
+        </p:spPr>
+        <p:style>
+          <a:lnRef idx="2">
+            <a:schemeClr val="dk1"/>
+          </a:lnRef>
+          <a:fillRef idx="0">
+            <a:schemeClr val="dk1"/>
+          </a:fillRef>
+          <a:effectRef idx="1">
+            <a:schemeClr val="dk1"/>
+          </a:effectRef>
+          <a:fontRef idx="minor">
+            <a:schemeClr val="tx1"/>
+          </a:fontRef>
+        </p:style>
+      </p:cxnSp>
+      <p:cxnSp>
+        <p:nvCxnSpPr>
+          <p:cNvPr id="126" name="Connector: Elbow 125">
+            <a:extLst>
+              <a:ext uri="{FF2B5EF4-FFF2-40B4-BE49-F238E27FC236}">
+                <a16:creationId xmlns:a16="http://schemas.microsoft.com/office/drawing/2014/main" id="{DC81EB83-D1B7-4381-AB5D-1E771D1B873E}"/>
+              </a:ext>
+            </a:extLst>
+          </p:cNvPr>
+          <p:cNvCxnSpPr>
+            <a:endCxn id="121" idx="0"/>
+          </p:cNvCxnSpPr>
+          <p:nvPr/>
+        </p:nvCxnSpPr>
+        <p:spPr>
+          <a:xfrm rot="5400000">
+            <a:off x="10204956" y="3536195"/>
+            <a:ext cx="2081873" cy="1560912"/>
+          </a:xfrm>
+          <a:prstGeom prst="bentConnector3">
+            <a:avLst>
+              <a:gd name="adj1" fmla="val 86283"/>
+            </a:avLst>
+          </a:prstGeom>
+          <a:ln w="12700">
+            <a:solidFill>
+              <a:schemeClr val="tx1">
+                <a:lumMod val="50000"/>
+                <a:lumOff val="50000"/>
+              </a:schemeClr>
+            </a:solidFill>
+            <a:tailEnd type="triangle"/>
+          </a:ln>
+        </p:spPr>
+        <p:style>
+          <a:lnRef idx="1">
+            <a:schemeClr val="accent1"/>
+          </a:lnRef>
+          <a:fillRef idx="0">
+            <a:schemeClr val="accent1"/>
+          </a:fillRef>
+          <a:effectRef idx="0">
+            <a:schemeClr val="accent1"/>
+          </a:effectRef>
+          <a:fontRef idx="minor">
+            <a:schemeClr val="tx1"/>
+          </a:fontRef>
+        </p:style>
+      </p:cxnSp>
+      <p:sp>
+        <p:nvSpPr>
+          <p:cNvPr id="128" name="TextBox 127">
+            <a:extLst>
+              <a:ext uri="{FF2B5EF4-FFF2-40B4-BE49-F238E27FC236}">
+                <a16:creationId xmlns:a16="http://schemas.microsoft.com/office/drawing/2014/main" id="{ED8C0B56-D073-4B22-B0AA-596ECBCB2783}"/>
+              </a:ext>
+            </a:extLst>
+          </p:cNvPr>
+          <p:cNvSpPr txBox="1"/>
+          <p:nvPr/>
+        </p:nvSpPr>
+        <p:spPr>
+          <a:xfrm>
+            <a:off x="10590458" y="5444806"/>
+            <a:ext cx="208722" cy="369332"/>
+          </a:xfrm>
+          <a:prstGeom prst="rect">
+            <a:avLst/>
+          </a:prstGeom>
+          <a:noFill/>
+        </p:spPr>
+        <p:txBody>
+          <a:bodyPr wrap="square" rtlCol="0">
+            <a:spAutoFit/>
+          </a:bodyPr>
+          <a:lstStyle/>
+          <a:p>
+            <a:r>
+              <a:rPr lang="en-US" dirty="0"/>
+              <a:t>+</a:t>
+            </a:r>
+            <a:endParaRPr lang="en-GB" dirty="0"/>
+          </a:p>
+        </p:txBody>
+      </p:sp>
+      <p:sp>
+        <p:nvSpPr>
+          <p:cNvPr id="129" name="TextBox 128">
+            <a:extLst>
+              <a:ext uri="{FF2B5EF4-FFF2-40B4-BE49-F238E27FC236}">
+                <a16:creationId xmlns:a16="http://schemas.microsoft.com/office/drawing/2014/main" id="{65248849-7BC1-4D53-9E85-0DB59E6C363E}"/>
+              </a:ext>
+            </a:extLst>
+          </p:cNvPr>
+          <p:cNvSpPr txBox="1"/>
+          <p:nvPr/>
+        </p:nvSpPr>
+        <p:spPr>
+          <a:xfrm>
+            <a:off x="10449295" y="5081038"/>
+            <a:ext cx="208722" cy="369332"/>
+          </a:xfrm>
+          <a:prstGeom prst="rect">
+            <a:avLst/>
+          </a:prstGeom>
+          <a:noFill/>
+        </p:spPr>
+        <p:txBody>
+          <a:bodyPr wrap="square" rtlCol="0">
+            <a:spAutoFit/>
+          </a:bodyPr>
+          <a:lstStyle/>
+          <a:p>
+            <a:r>
+              <a:rPr lang="en-US" dirty="0"/>
+              <a:t>-</a:t>
+            </a:r>
+            <a:endParaRPr lang="en-GB" dirty="0"/>
+          </a:p>
+        </p:txBody>
+      </p:sp>
+      <p:sp>
+        <p:nvSpPr>
+          <p:cNvPr id="130" name="Oval 129">
+            <a:extLst>
+              <a:ext uri="{FF2B5EF4-FFF2-40B4-BE49-F238E27FC236}">
+                <a16:creationId xmlns:a16="http://schemas.microsoft.com/office/drawing/2014/main" id="{3D6CCB73-42C5-4AB2-BE36-B674F1F62F4F}"/>
+              </a:ext>
+            </a:extLst>
+          </p:cNvPr>
+          <p:cNvSpPr/>
+          <p:nvPr/>
+        </p:nvSpPr>
+        <p:spPr>
+          <a:xfrm>
+            <a:off x="9603823" y="6165971"/>
+            <a:ext cx="360000" cy="360000"/>
+          </a:xfrm>
+          <a:prstGeom prst="ellipse">
+            <a:avLst/>
+          </a:prstGeom>
+          <a:noFill/>
+          <a:ln w="28575">
+            <a:solidFill>
+              <a:schemeClr val="accent1"/>
+            </a:solidFill>
+          </a:ln>
+        </p:spPr>
+        <p:style>
+          <a:lnRef idx="2">
+            <a:schemeClr val="accent1">
+              <a:shade val="50000"/>
+            </a:schemeClr>
+          </a:lnRef>
+          <a:fillRef idx="1">
+            <a:schemeClr val="accent1"/>
+          </a:fillRef>
+          <a:effectRef idx="0">
+            <a:schemeClr val="accent1"/>
+          </a:effectRef>
+          <a:fontRef idx="minor">
+            <a:schemeClr val="lt1"/>
+          </a:fontRef>
+        </p:style>
+        <p:txBody>
+          <a:bodyPr rtlCol="0" anchor="ctr"/>
+          <a:lstStyle/>
+          <a:p>
+            <a:pPr algn="ctr"/>
+            <a:endParaRPr lang="en-GB"/>
+          </a:p>
+        </p:txBody>
+      </p:sp>
+      <p:cxnSp>
+        <p:nvCxnSpPr>
+          <p:cNvPr id="131" name="Straight Arrow Connector 130">
+            <a:extLst>
+              <a:ext uri="{FF2B5EF4-FFF2-40B4-BE49-F238E27FC236}">
+                <a16:creationId xmlns:a16="http://schemas.microsoft.com/office/drawing/2014/main" id="{D8419F93-37DB-4E16-8124-A2658095CBE0}"/>
+              </a:ext>
+            </a:extLst>
+          </p:cNvPr>
+          <p:cNvCxnSpPr>
+            <a:cxnSpLocks/>
+            <a:endCxn id="130" idx="6"/>
+          </p:cNvCxnSpPr>
+          <p:nvPr/>
+        </p:nvCxnSpPr>
+        <p:spPr>
+          <a:xfrm flipH="1">
+            <a:off x="9963823" y="6345971"/>
+            <a:ext cx="1003225" cy="0"/>
+          </a:xfrm>
+          <a:prstGeom prst="straightConnector1">
+            <a:avLst/>
+          </a:prstGeom>
+          <a:ln>
+            <a:tailEnd type="triangle"/>
+          </a:ln>
+        </p:spPr>
+        <p:style>
+          <a:lnRef idx="2">
+            <a:schemeClr val="dk1"/>
+          </a:lnRef>
+          <a:fillRef idx="0">
+            <a:schemeClr val="dk1"/>
+          </a:fillRef>
+          <a:effectRef idx="1">
+            <a:schemeClr val="dk1"/>
+          </a:effectRef>
+          <a:fontRef idx="minor">
+            <a:schemeClr val="tx1"/>
+          </a:fontRef>
+        </p:style>
+      </p:cxnSp>
+      <p:sp>
+        <p:nvSpPr>
+          <p:cNvPr id="132" name="TextBox 131">
+            <a:extLst>
+              <a:ext uri="{FF2B5EF4-FFF2-40B4-BE49-F238E27FC236}">
+                <a16:creationId xmlns:a16="http://schemas.microsoft.com/office/drawing/2014/main" id="{E3D46047-B1DE-4B47-BB26-1249D34106D7}"/>
+              </a:ext>
+            </a:extLst>
+          </p:cNvPr>
+          <p:cNvSpPr txBox="1"/>
+          <p:nvPr/>
+        </p:nvSpPr>
+        <p:spPr>
+          <a:xfrm>
+            <a:off x="9908845" y="6253189"/>
+            <a:ext cx="208722" cy="369332"/>
+          </a:xfrm>
+          <a:prstGeom prst="rect">
+            <a:avLst/>
+          </a:prstGeom>
+          <a:noFill/>
+        </p:spPr>
+        <p:txBody>
+          <a:bodyPr wrap="square" rtlCol="0">
+            <a:spAutoFit/>
+          </a:bodyPr>
+          <a:lstStyle/>
+          <a:p>
+            <a:r>
+              <a:rPr lang="en-US" dirty="0"/>
+              <a:t>+</a:t>
+            </a:r>
+            <a:endParaRPr lang="en-GB" dirty="0"/>
+          </a:p>
+        </p:txBody>
+      </p:sp>
+      <p:sp>
+        <p:nvSpPr>
+          <p:cNvPr id="133" name="TextBox 132">
+            <a:extLst>
+              <a:ext uri="{FF2B5EF4-FFF2-40B4-BE49-F238E27FC236}">
+                <a16:creationId xmlns:a16="http://schemas.microsoft.com/office/drawing/2014/main" id="{D2860932-0725-44D1-B1CD-8ECF2F041780}"/>
+              </a:ext>
+            </a:extLst>
+          </p:cNvPr>
+          <p:cNvSpPr txBox="1"/>
+          <p:nvPr/>
+        </p:nvSpPr>
+        <p:spPr>
+          <a:xfrm>
+            <a:off x="9767682" y="5889421"/>
+            <a:ext cx="208722" cy="369332"/>
+          </a:xfrm>
+          <a:prstGeom prst="rect">
+            <a:avLst/>
+          </a:prstGeom>
+          <a:noFill/>
+        </p:spPr>
+        <p:txBody>
+          <a:bodyPr wrap="square" rtlCol="0">
+            <a:spAutoFit/>
+          </a:bodyPr>
+          <a:lstStyle/>
+          <a:p>
+            <a:r>
+              <a:rPr lang="en-US" dirty="0"/>
+              <a:t>-</a:t>
+            </a:r>
+            <a:endParaRPr lang="en-GB" dirty="0"/>
+          </a:p>
+        </p:txBody>
+      </p:sp>
+      <p:cxnSp>
+        <p:nvCxnSpPr>
+          <p:cNvPr id="134" name="Connector: Elbow 133">
+            <a:extLst>
+              <a:ext uri="{FF2B5EF4-FFF2-40B4-BE49-F238E27FC236}">
+                <a16:creationId xmlns:a16="http://schemas.microsoft.com/office/drawing/2014/main" id="{281F944B-EE31-4E60-96A8-418C7A683249}"/>
+              </a:ext>
+            </a:extLst>
+          </p:cNvPr>
+          <p:cNvCxnSpPr>
+            <a:cxnSpLocks/>
+            <a:endCxn id="130" idx="0"/>
+          </p:cNvCxnSpPr>
+          <p:nvPr/>
+        </p:nvCxnSpPr>
+        <p:spPr>
+          <a:xfrm rot="5400000">
+            <a:off x="9369087" y="3694885"/>
+            <a:ext cx="2885822" cy="2056350"/>
+          </a:xfrm>
+          <a:prstGeom prst="bentConnector3">
+            <a:avLst>
+              <a:gd name="adj1" fmla="val 57233"/>
+            </a:avLst>
+          </a:prstGeom>
+          <a:ln w="12700">
+            <a:solidFill>
+              <a:schemeClr val="tx1">
+                <a:lumMod val="50000"/>
+                <a:lumOff val="50000"/>
+              </a:schemeClr>
+            </a:solidFill>
+            <a:tailEnd type="triangle"/>
+          </a:ln>
+        </p:spPr>
+        <p:style>
+          <a:lnRef idx="1">
+            <a:schemeClr val="accent1"/>
+          </a:lnRef>
+          <a:fillRef idx="0">
+            <a:schemeClr val="accent1"/>
+          </a:fillRef>
+          <a:effectRef idx="0">
+            <a:schemeClr val="accent1"/>
+          </a:effectRef>
+          <a:fontRef idx="minor">
+            <a:schemeClr val="tx1"/>
+          </a:fontRef>
+        </p:style>
+      </p:cxnSp>
+      <p:grpSp>
+        <p:nvGrpSpPr>
+          <p:cNvPr id="144" name="Group 143">
+            <a:extLst>
+              <a:ext uri="{FF2B5EF4-FFF2-40B4-BE49-F238E27FC236}">
+                <a16:creationId xmlns:a16="http://schemas.microsoft.com/office/drawing/2014/main" id="{B829BA99-4960-4954-AF8D-A09AC7A6701D}"/>
+              </a:ext>
+            </a:extLst>
+          </p:cNvPr>
+          <p:cNvGrpSpPr/>
+          <p:nvPr/>
+        </p:nvGrpSpPr>
+        <p:grpSpPr>
+          <a:xfrm>
+            <a:off x="8494221" y="5214279"/>
+            <a:ext cx="925265" cy="714699"/>
+            <a:chOff x="8470332" y="5099438"/>
+            <a:chExt cx="925265" cy="714699"/>
+          </a:xfrm>
+        </p:grpSpPr>
+        <p:sp>
+          <p:nvSpPr>
+            <p:cNvPr id="137" name="Isosceles Triangle 136">
+              <a:extLst>
+                <a:ext uri="{FF2B5EF4-FFF2-40B4-BE49-F238E27FC236}">
+                  <a16:creationId xmlns:a16="http://schemas.microsoft.com/office/drawing/2014/main" id="{DAA4FD59-0687-41FA-9463-9B08E811B857}"/>
+                </a:ext>
+              </a:extLst>
+            </p:cNvPr>
+            <p:cNvSpPr/>
+            <p:nvPr/>
+          </p:nvSpPr>
+          <p:spPr>
+            <a:xfrm rot="16200000">
+              <a:off x="8572469" y="4997301"/>
+              <a:ext cx="714699" cy="918974"/>
+            </a:xfrm>
+            <a:prstGeom prst="triangle">
+              <a:avLst/>
+            </a:prstGeom>
+            <a:noFill/>
+            <a:ln w="19050"/>
+          </p:spPr>
+          <p:style>
+            <a:lnRef idx="2">
+              <a:schemeClr val="accent1">
+                <a:shade val="50000"/>
+              </a:schemeClr>
+            </a:lnRef>
+            <a:fillRef idx="1">
+              <a:schemeClr val="accent1"/>
+            </a:fillRef>
+            <a:effectRef idx="0">
+              <a:schemeClr val="accent1"/>
+            </a:effectRef>
+            <a:fontRef idx="minor">
+              <a:schemeClr val="lt1"/>
+            </a:fontRef>
+          </p:style>
+          <p:txBody>
+            <a:bodyPr rtlCol="0" anchor="ctr"/>
+            <a:lstStyle/>
+            <a:p>
+              <a:pPr algn="ctr"/>
+              <a:endParaRPr lang="en-GB"/>
+            </a:p>
+          </p:txBody>
+        </p:sp>
+        <mc:AlternateContent xmlns:mc="http://schemas.openxmlformats.org/markup-compatibility/2006" xmlns:a14="http://schemas.microsoft.com/office/drawing/2010/main">
+          <mc:Choice Requires="a14">
+            <p:sp>
+              <p:nvSpPr>
+                <p:cNvPr id="141" name="TextBox 140">
+                  <a:extLst>
+                    <a:ext uri="{FF2B5EF4-FFF2-40B4-BE49-F238E27FC236}">
+                      <a16:creationId xmlns:a16="http://schemas.microsoft.com/office/drawing/2014/main" id="{8B321A1A-9A0A-4A96-A2FF-0A7CE0488FD6}"/>
+                    </a:ext>
+                  </a:extLst>
+                </p:cNvPr>
+                <p:cNvSpPr txBox="1"/>
+                <p:nvPr/>
+              </p:nvSpPr>
+              <p:spPr>
+                <a:xfrm>
+                  <a:off x="8866153" y="5252259"/>
+                  <a:ext cx="529444" cy="369332"/>
+                </a:xfrm>
+                <a:prstGeom prst="rect">
+                  <a:avLst/>
+                </a:prstGeom>
+                <a:noFill/>
+              </p:spPr>
+              <p:txBody>
+                <a:bodyPr wrap="square">
+                  <a:spAutoFit/>
+                </a:bodyPr>
+                <a:lstStyle/>
+                <a:p>
+                  <a:pPr/>
+                  <a14:m>
+                    <m:oMathPara xmlns:m="http://schemas.openxmlformats.org/officeDocument/2006/math">
+                      <m:oMathParaPr>
+                        <m:jc m:val="centerGroup"/>
+                      </m:oMathParaPr>
+                      <m:oMath xmlns:m="http://schemas.openxmlformats.org/officeDocument/2006/math">
+                        <m:sSub>
+                          <m:sSubPr>
+                            <m:ctrlPr>
+                              <a:rPr lang="en-GB" i="1" smtClean="0">
+                                <a:solidFill>
+                                  <a:srgbClr val="836967"/>
+                                </a:solidFill>
+                                <a:latin typeface="Cambria Math" panose="02040503050406030204" pitchFamily="18" charset="0"/>
+                              </a:rPr>
+                            </m:ctrlPr>
+                          </m:sSubPr>
+                          <m:e>
+                            <m:r>
+                              <a:rPr lang="en-GB" i="1">
+                                <a:latin typeface="Cambria Math" panose="02040503050406030204" pitchFamily="18" charset="0"/>
+                              </a:rPr>
+                              <m:t>𝐾</m:t>
+                            </m:r>
+                          </m:e>
+                          <m:sub>
+                            <m:r>
+                              <a:rPr lang="en-GB" i="1">
+                                <a:latin typeface="Cambria Math" panose="02040503050406030204" pitchFamily="18" charset="0"/>
+                              </a:rPr>
+                              <m:t>𝜃</m:t>
+                            </m:r>
+                          </m:sub>
+                        </m:sSub>
+                      </m:oMath>
+                    </m:oMathPara>
+                  </a14:m>
+                  <a:endParaRPr lang="en-GB" dirty="0"/>
+                </a:p>
+              </p:txBody>
+            </p:sp>
+          </mc:Choice>
+          <mc:Fallback xmlns="">
+            <p:sp>
+              <p:nvSpPr>
+                <p:cNvPr id="141" name="TextBox 140">
+                  <a:extLst>
+                    <a:ext uri="{FF2B5EF4-FFF2-40B4-BE49-F238E27FC236}">
+                      <a16:creationId xmlns:a16="http://schemas.microsoft.com/office/drawing/2014/main" id="{8B321A1A-9A0A-4A96-A2FF-0A7CE0488FD6}"/>
+                    </a:ext>
+                  </a:extLst>
+                </p:cNvPr>
+                <p:cNvSpPr txBox="1">
+                  <a:spLocks noRot="1" noChangeAspect="1" noMove="1" noResize="1" noEditPoints="1" noAdjustHandles="1" noChangeArrowheads="1" noChangeShapeType="1" noTextEdit="1"/>
+                </p:cNvSpPr>
+                <p:nvPr/>
+              </p:nvSpPr>
+              <p:spPr>
+                <a:xfrm>
+                  <a:off x="8866153" y="5252259"/>
+                  <a:ext cx="529444" cy="369332"/>
+                </a:xfrm>
+                <a:prstGeom prst="rect">
+                  <a:avLst/>
+                </a:prstGeom>
+                <a:blipFill>
+                  <a:blip r:embed="rId6"/>
+                  <a:stretch>
+                    <a:fillRect/>
+                  </a:stretch>
+                </a:blipFill>
+              </p:spPr>
+              <p:txBody>
+                <a:bodyPr/>
+                <a:lstStyle/>
+                <a:p>
+                  <a:r>
+                    <a:rPr lang="en-GB">
+                      <a:noFill/>
+                    </a:rPr>
+                    <a:t> </a:t>
+                  </a:r>
+                </a:p>
+              </p:txBody>
+            </p:sp>
+          </mc:Fallback>
+        </mc:AlternateContent>
+      </p:grpSp>
+      <p:grpSp>
+        <p:nvGrpSpPr>
+          <p:cNvPr id="143" name="Group 142">
+            <a:extLst>
+              <a:ext uri="{FF2B5EF4-FFF2-40B4-BE49-F238E27FC236}">
+                <a16:creationId xmlns:a16="http://schemas.microsoft.com/office/drawing/2014/main" id="{C1BE1667-1506-4778-B44D-443C99A3E405}"/>
+              </a:ext>
+            </a:extLst>
+          </p:cNvPr>
+          <p:cNvGrpSpPr/>
+          <p:nvPr/>
+        </p:nvGrpSpPr>
+        <p:grpSpPr>
+          <a:xfrm>
+            <a:off x="6521734" y="5988621"/>
+            <a:ext cx="925265" cy="714699"/>
+            <a:chOff x="6524881" y="5928978"/>
+            <a:chExt cx="925265" cy="714699"/>
+          </a:xfrm>
+        </p:grpSpPr>
+        <p:sp>
+          <p:nvSpPr>
+            <p:cNvPr id="138" name="Isosceles Triangle 137">
+              <a:extLst>
+                <a:ext uri="{FF2B5EF4-FFF2-40B4-BE49-F238E27FC236}">
+                  <a16:creationId xmlns:a16="http://schemas.microsoft.com/office/drawing/2014/main" id="{02754536-DD6C-463D-92DB-66342B15D460}"/>
+                </a:ext>
+              </a:extLst>
+            </p:cNvPr>
+            <p:cNvSpPr/>
+            <p:nvPr/>
+          </p:nvSpPr>
+          <p:spPr>
+            <a:xfrm rot="16200000">
+              <a:off x="6627018" y="5826841"/>
+              <a:ext cx="714699" cy="918974"/>
+            </a:xfrm>
+            <a:prstGeom prst="triangle">
+              <a:avLst/>
+            </a:prstGeom>
+            <a:noFill/>
+            <a:ln w="19050"/>
+          </p:spPr>
+          <p:style>
+            <a:lnRef idx="2">
+              <a:schemeClr val="accent1">
+                <a:shade val="50000"/>
+              </a:schemeClr>
+            </a:lnRef>
+            <a:fillRef idx="1">
+              <a:schemeClr val="accent1"/>
+            </a:fillRef>
+            <a:effectRef idx="0">
+              <a:schemeClr val="accent1"/>
+            </a:effectRef>
+            <a:fontRef idx="minor">
+              <a:schemeClr val="lt1"/>
+            </a:fontRef>
+          </p:style>
+          <p:txBody>
+            <a:bodyPr rtlCol="0" anchor="ctr"/>
+            <a:lstStyle/>
+            <a:p>
+              <a:pPr algn="ctr"/>
+              <a:endParaRPr lang="en-GB"/>
+            </a:p>
+          </p:txBody>
+        </p:sp>
+        <mc:AlternateContent xmlns:mc="http://schemas.openxmlformats.org/markup-compatibility/2006" xmlns:a14="http://schemas.microsoft.com/office/drawing/2010/main">
+          <mc:Choice Requires="a14">
+            <p:sp>
+              <p:nvSpPr>
+                <p:cNvPr id="142" name="TextBox 141">
+                  <a:extLst>
+                    <a:ext uri="{FF2B5EF4-FFF2-40B4-BE49-F238E27FC236}">
+                      <a16:creationId xmlns:a16="http://schemas.microsoft.com/office/drawing/2014/main" id="{D672F8CB-5AFB-4A17-838F-61CFB091E0D4}"/>
+                    </a:ext>
+                  </a:extLst>
+                </p:cNvPr>
+                <p:cNvSpPr txBox="1"/>
+                <p:nvPr/>
+              </p:nvSpPr>
+              <p:spPr>
+                <a:xfrm>
+                  <a:off x="6920702" y="6087755"/>
+                  <a:ext cx="529444" cy="369332"/>
+                </a:xfrm>
+                <a:prstGeom prst="rect">
+                  <a:avLst/>
+                </a:prstGeom>
+                <a:noFill/>
+              </p:spPr>
+              <p:txBody>
+                <a:bodyPr wrap="square">
+                  <a:spAutoFit/>
+                </a:bodyPr>
+                <a:lstStyle/>
+                <a:p>
+                  <a:pPr/>
+                  <a14:m>
+                    <m:oMathPara xmlns:m="http://schemas.openxmlformats.org/officeDocument/2006/math">
+                      <m:oMathParaPr>
+                        <m:jc m:val="centerGroup"/>
+                      </m:oMathParaPr>
+                      <m:oMath xmlns:m="http://schemas.openxmlformats.org/officeDocument/2006/math">
+                        <m:sSub>
+                          <m:sSubPr>
+                            <m:ctrlPr>
+                              <a:rPr lang="en-GB" i="1" smtClean="0">
+                                <a:solidFill>
+                                  <a:srgbClr val="836967"/>
+                                </a:solidFill>
+                                <a:latin typeface="Cambria Math" panose="02040503050406030204" pitchFamily="18" charset="0"/>
+                              </a:rPr>
+                            </m:ctrlPr>
+                          </m:sSubPr>
+                          <m:e>
+                            <m:r>
+                              <a:rPr lang="en-GB" i="1">
+                                <a:latin typeface="Cambria Math" panose="02040503050406030204" pitchFamily="18" charset="0"/>
+                              </a:rPr>
+                              <m:t>𝐾</m:t>
+                            </m:r>
+                          </m:e>
+                          <m:sub>
+                            <m:r>
+                              <a:rPr lang="en-GB" i="1" smtClean="0">
+                                <a:latin typeface="Cambria Math" panose="02040503050406030204" pitchFamily="18" charset="0"/>
+                              </a:rPr>
+                              <m:t>𝜔</m:t>
+                            </m:r>
+                          </m:sub>
+                        </m:sSub>
+                      </m:oMath>
+                    </m:oMathPara>
+                  </a14:m>
+                  <a:endParaRPr lang="en-GB" dirty="0"/>
+                </a:p>
+              </p:txBody>
+            </p:sp>
+          </mc:Choice>
+          <mc:Fallback xmlns="">
+            <p:sp>
+              <p:nvSpPr>
+                <p:cNvPr id="142" name="TextBox 141">
+                  <a:extLst>
+                    <a:ext uri="{FF2B5EF4-FFF2-40B4-BE49-F238E27FC236}">
+                      <a16:creationId xmlns:a16="http://schemas.microsoft.com/office/drawing/2014/main" id="{D672F8CB-5AFB-4A17-838F-61CFB091E0D4}"/>
+                    </a:ext>
+                  </a:extLst>
+                </p:cNvPr>
+                <p:cNvSpPr txBox="1">
+                  <a:spLocks noRot="1" noChangeAspect="1" noMove="1" noResize="1" noEditPoints="1" noAdjustHandles="1" noChangeArrowheads="1" noChangeShapeType="1" noTextEdit="1"/>
+                </p:cNvSpPr>
+                <p:nvPr/>
+              </p:nvSpPr>
+              <p:spPr>
+                <a:xfrm>
+                  <a:off x="6920702" y="6087755"/>
+                  <a:ext cx="529444" cy="369332"/>
+                </a:xfrm>
+                <a:prstGeom prst="rect">
+                  <a:avLst/>
+                </a:prstGeom>
+                <a:blipFill>
+                  <a:blip r:embed="rId7"/>
+                  <a:stretch>
+                    <a:fillRect/>
+                  </a:stretch>
+                </a:blipFill>
+              </p:spPr>
+              <p:txBody>
+                <a:bodyPr/>
+                <a:lstStyle/>
+                <a:p>
+                  <a:r>
+                    <a:rPr lang="en-GB">
+                      <a:noFill/>
+                    </a:rPr>
+                    <a:t> </a:t>
+                  </a:r>
+                </a:p>
+              </p:txBody>
+            </p:sp>
+          </mc:Fallback>
+        </mc:AlternateContent>
+      </p:grpSp>
+      <p:cxnSp>
+        <p:nvCxnSpPr>
+          <p:cNvPr id="146" name="Straight Arrow Connector 145">
+            <a:extLst>
+              <a:ext uri="{FF2B5EF4-FFF2-40B4-BE49-F238E27FC236}">
+                <a16:creationId xmlns:a16="http://schemas.microsoft.com/office/drawing/2014/main" id="{AFC401B7-9848-4363-9036-104D48EBC145}"/>
+              </a:ext>
+            </a:extLst>
+          </p:cNvPr>
+          <p:cNvCxnSpPr>
+            <a:stCxn id="121" idx="2"/>
+            <a:endCxn id="141" idx="3"/>
+          </p:cNvCxnSpPr>
+          <p:nvPr/>
+        </p:nvCxnSpPr>
+        <p:spPr>
+          <a:xfrm flipH="1">
+            <a:off x="9419486" y="5537588"/>
+            <a:ext cx="865950" cy="14178"/>
+          </a:xfrm>
+          <a:prstGeom prst="straightConnector1">
+            <a:avLst/>
+          </a:prstGeom>
+          <a:ln w="12700">
+            <a:solidFill>
+              <a:schemeClr val="tx1"/>
+            </a:solidFill>
+            <a:tailEnd type="triangle"/>
+          </a:ln>
+        </p:spPr>
+        <p:style>
+          <a:lnRef idx="1">
+            <a:schemeClr val="accent1"/>
+          </a:lnRef>
+          <a:fillRef idx="0">
+            <a:schemeClr val="accent1"/>
+          </a:fillRef>
+          <a:effectRef idx="0">
+            <a:schemeClr val="accent1"/>
+          </a:effectRef>
+          <a:fontRef idx="minor">
+            <a:schemeClr val="tx1"/>
+          </a:fontRef>
+        </p:style>
+      </p:cxnSp>
+      <p:cxnSp>
+        <p:nvCxnSpPr>
+          <p:cNvPr id="148" name="Straight Arrow Connector 147">
+            <a:extLst>
+              <a:ext uri="{FF2B5EF4-FFF2-40B4-BE49-F238E27FC236}">
+                <a16:creationId xmlns:a16="http://schemas.microsoft.com/office/drawing/2014/main" id="{618732C6-224A-4175-8CB8-0E14E0D68E94}"/>
+              </a:ext>
+            </a:extLst>
+          </p:cNvPr>
+          <p:cNvCxnSpPr>
+            <a:stCxn id="130" idx="2"/>
+            <a:endCxn id="142" idx="3"/>
+          </p:cNvCxnSpPr>
+          <p:nvPr/>
+        </p:nvCxnSpPr>
+        <p:spPr>
+          <a:xfrm flipH="1" flipV="1">
+            <a:off x="7446999" y="6332064"/>
+            <a:ext cx="2156824" cy="13907"/>
+          </a:xfrm>
+          <a:prstGeom prst="straightConnector1">
+            <a:avLst/>
+          </a:prstGeom>
+          <a:ln w="12700">
+            <a:solidFill>
+              <a:schemeClr val="tx1"/>
+            </a:solidFill>
+            <a:tailEnd type="triangle"/>
+          </a:ln>
+        </p:spPr>
+        <p:style>
+          <a:lnRef idx="1">
+            <a:schemeClr val="accent1"/>
+          </a:lnRef>
+          <a:fillRef idx="0">
+            <a:schemeClr val="accent1"/>
+          </a:fillRef>
+          <a:effectRef idx="0">
+            <a:schemeClr val="accent1"/>
+          </a:effectRef>
+          <a:fontRef idx="minor">
+            <a:schemeClr val="tx1"/>
+          </a:fontRef>
+        </p:style>
+      </p:cxnSp>
+      <p:grpSp>
+        <p:nvGrpSpPr>
+          <p:cNvPr id="149" name="Group 148">
+            <a:extLst>
+              <a:ext uri="{FF2B5EF4-FFF2-40B4-BE49-F238E27FC236}">
+                <a16:creationId xmlns:a16="http://schemas.microsoft.com/office/drawing/2014/main" id="{16C63A60-8567-4FEF-A356-32718A35FD57}"/>
+              </a:ext>
+            </a:extLst>
+          </p:cNvPr>
+          <p:cNvGrpSpPr/>
+          <p:nvPr/>
+        </p:nvGrpSpPr>
+        <p:grpSpPr>
+          <a:xfrm>
+            <a:off x="680687" y="871044"/>
+            <a:ext cx="576469" cy="576000"/>
+            <a:chOff x="4372748" y="3160643"/>
+            <a:chExt cx="576469" cy="576000"/>
+          </a:xfrm>
+        </p:grpSpPr>
+        <p:sp>
+          <p:nvSpPr>
+            <p:cNvPr id="150" name="Rectangle 149">
+              <a:extLst>
+                <a:ext uri="{FF2B5EF4-FFF2-40B4-BE49-F238E27FC236}">
+                  <a16:creationId xmlns:a16="http://schemas.microsoft.com/office/drawing/2014/main" id="{1DD83371-06CE-49EA-ACA5-594FF99816A5}"/>
+                </a:ext>
+              </a:extLst>
+            </p:cNvPr>
+            <p:cNvSpPr/>
+            <p:nvPr/>
+          </p:nvSpPr>
+          <p:spPr>
+            <a:xfrm>
+              <a:off x="4373217" y="3160643"/>
+              <a:ext cx="576000" cy="576000"/>
+            </a:xfrm>
+            <a:prstGeom prst="rect">
+              <a:avLst/>
+            </a:prstGeom>
+            <a:solidFill>
+              <a:schemeClr val="bg2"/>
+            </a:solidFill>
+          </p:spPr>
+          <p:style>
+            <a:lnRef idx="2">
+              <a:schemeClr val="accent1">
+                <a:shade val="50000"/>
+              </a:schemeClr>
+            </a:lnRef>
+            <a:fillRef idx="1">
+              <a:schemeClr val="accent1"/>
+            </a:fillRef>
+            <a:effectRef idx="0">
+              <a:schemeClr val="accent1"/>
+            </a:effectRef>
+            <a:fontRef idx="minor">
+              <a:schemeClr val="lt1"/>
+            </a:fontRef>
+          </p:style>
+          <p:txBody>
+            <a:bodyPr rtlCol="0" anchor="ctr"/>
+            <a:lstStyle/>
+            <a:p>
+              <a:pPr algn="ctr"/>
+              <a:endParaRPr lang="en-GB"/>
+            </a:p>
+          </p:txBody>
+        </p:sp>
+        <p:sp>
+          <p:nvSpPr>
+            <p:cNvPr id="151" name="TextBox 150">
+              <a:extLst>
+                <a:ext uri="{FF2B5EF4-FFF2-40B4-BE49-F238E27FC236}">
+                  <a16:creationId xmlns:a16="http://schemas.microsoft.com/office/drawing/2014/main" id="{A1855305-9309-4B0D-9A30-64572CA056BB}"/>
+                </a:ext>
+              </a:extLst>
+            </p:cNvPr>
+            <p:cNvSpPr txBox="1"/>
+            <p:nvPr/>
+          </p:nvSpPr>
+          <p:spPr>
+            <a:xfrm>
+              <a:off x="4372748" y="3244334"/>
+              <a:ext cx="576469" cy="369332"/>
+            </a:xfrm>
+            <a:prstGeom prst="rect">
+              <a:avLst/>
+            </a:prstGeom>
+            <a:noFill/>
+            <a:ln>
+              <a:noFill/>
+            </a:ln>
+          </p:spPr>
+          <p:txBody>
+            <a:bodyPr wrap="square" rtlCol="0">
+              <a:spAutoFit/>
+            </a:bodyPr>
+            <a:lstStyle/>
+            <a:p>
+              <a:pPr algn="ctr"/>
+              <a:r>
+                <a:rPr lang="en-US" dirty="0"/>
+                <a:t>XM</a:t>
+              </a:r>
+              <a:endParaRPr lang="en-GB" dirty="0"/>
+            </a:p>
+          </p:txBody>
+        </p:sp>
+      </p:grpSp>
+      <p:grpSp>
+        <p:nvGrpSpPr>
+          <p:cNvPr id="154" name="Group 153">
+            <a:extLst>
+              <a:ext uri="{FF2B5EF4-FFF2-40B4-BE49-F238E27FC236}">
+                <a16:creationId xmlns:a16="http://schemas.microsoft.com/office/drawing/2014/main" id="{695A82E4-53B2-4DCB-AED2-7FF44F1088C5}"/>
+              </a:ext>
+            </a:extLst>
+          </p:cNvPr>
+          <p:cNvGrpSpPr/>
+          <p:nvPr/>
+        </p:nvGrpSpPr>
+        <p:grpSpPr>
+          <a:xfrm>
+            <a:off x="1504274" y="3011791"/>
+            <a:ext cx="576469" cy="576000"/>
+            <a:chOff x="4372748" y="3160643"/>
+            <a:chExt cx="576469" cy="576000"/>
+          </a:xfrm>
+          <a:solidFill>
+            <a:schemeClr val="accent2">
+              <a:lumMod val="75000"/>
+            </a:schemeClr>
+          </a:solidFill>
+        </p:grpSpPr>
+        <p:sp>
+          <p:nvSpPr>
+            <p:cNvPr id="155" name="Rectangle 154">
+              <a:extLst>
+                <a:ext uri="{FF2B5EF4-FFF2-40B4-BE49-F238E27FC236}">
+                  <a16:creationId xmlns:a16="http://schemas.microsoft.com/office/drawing/2014/main" id="{68536679-1F2D-4EE8-BB0A-966F1837291E}"/>
+                </a:ext>
+              </a:extLst>
+            </p:cNvPr>
+            <p:cNvSpPr/>
+            <p:nvPr/>
+          </p:nvSpPr>
+          <p:spPr>
+            <a:xfrm>
+              <a:off x="4373217" y="3160643"/>
+              <a:ext cx="576000" cy="576000"/>
+            </a:xfrm>
+            <a:prstGeom prst="rect">
+              <a:avLst/>
+            </a:prstGeom>
+            <a:grpFill/>
+          </p:spPr>
+          <p:style>
+            <a:lnRef idx="2">
+              <a:schemeClr val="accent1">
+                <a:shade val="50000"/>
+              </a:schemeClr>
+            </a:lnRef>
+            <a:fillRef idx="1">
+              <a:schemeClr val="accent1"/>
+            </a:fillRef>
+            <a:effectRef idx="0">
+              <a:schemeClr val="accent1"/>
+            </a:effectRef>
+            <a:fontRef idx="minor">
+              <a:schemeClr val="lt1"/>
+            </a:fontRef>
+          </p:style>
+          <p:txBody>
+            <a:bodyPr rtlCol="0" anchor="ctr"/>
+            <a:lstStyle/>
+            <a:p>
+              <a:pPr algn="ctr"/>
+              <a:endParaRPr lang="en-GB"/>
+            </a:p>
+          </p:txBody>
+        </p:sp>
+        <p:sp>
+          <p:nvSpPr>
+            <p:cNvPr id="156" name="TextBox 155">
+              <a:extLst>
+                <a:ext uri="{FF2B5EF4-FFF2-40B4-BE49-F238E27FC236}">
+                  <a16:creationId xmlns:a16="http://schemas.microsoft.com/office/drawing/2014/main" id="{60CB1BFB-BD77-4F67-BA71-10E26CD54EC7}"/>
+                </a:ext>
+              </a:extLst>
+            </p:cNvPr>
+            <p:cNvSpPr txBox="1"/>
+            <p:nvPr/>
+          </p:nvSpPr>
+          <p:spPr>
+            <a:xfrm>
+              <a:off x="4372748" y="3244334"/>
+              <a:ext cx="576469" cy="369332"/>
+            </a:xfrm>
+            <a:prstGeom prst="rect">
+              <a:avLst/>
+            </a:prstGeom>
+            <a:grpFill/>
+            <a:ln>
+              <a:noFill/>
+            </a:ln>
+          </p:spPr>
+          <p:txBody>
+            <a:bodyPr wrap="square" rtlCol="0">
+              <a:spAutoFit/>
+            </a:bodyPr>
+            <a:lstStyle/>
+            <a:p>
+              <a:pPr algn="ctr"/>
+              <a:r>
+                <a:rPr lang="en-US" dirty="0"/>
+                <a:t>XH</a:t>
+              </a:r>
+              <a:endParaRPr lang="en-GB" dirty="0"/>
+            </a:p>
+          </p:txBody>
+        </p:sp>
+      </p:grpSp>
+      <p:grpSp>
+        <p:nvGrpSpPr>
+          <p:cNvPr id="159" name="Group 158">
+            <a:extLst>
+              <a:ext uri="{FF2B5EF4-FFF2-40B4-BE49-F238E27FC236}">
+                <a16:creationId xmlns:a16="http://schemas.microsoft.com/office/drawing/2014/main" id="{0B5CD114-4D30-454E-B459-15A23E1DE99A}"/>
+              </a:ext>
+            </a:extLst>
+          </p:cNvPr>
+          <p:cNvGrpSpPr/>
+          <p:nvPr/>
+        </p:nvGrpSpPr>
+        <p:grpSpPr>
+          <a:xfrm>
+            <a:off x="1513297" y="1803680"/>
+            <a:ext cx="576469" cy="576000"/>
+            <a:chOff x="4372748" y="3160643"/>
+            <a:chExt cx="576469" cy="576000"/>
+          </a:xfrm>
+          <a:solidFill>
+            <a:srgbClr val="00B0F0"/>
+          </a:solidFill>
+        </p:grpSpPr>
+        <p:sp>
+          <p:nvSpPr>
+            <p:cNvPr id="160" name="Rectangle 159">
+              <a:extLst>
+                <a:ext uri="{FF2B5EF4-FFF2-40B4-BE49-F238E27FC236}">
+                  <a16:creationId xmlns:a16="http://schemas.microsoft.com/office/drawing/2014/main" id="{AF7ED300-C19C-4734-9A6C-27C4E1636515}"/>
+                </a:ext>
+              </a:extLst>
+            </p:cNvPr>
+            <p:cNvSpPr/>
+            <p:nvPr/>
+          </p:nvSpPr>
+          <p:spPr>
+            <a:xfrm>
+              <a:off x="4373217" y="3160643"/>
+              <a:ext cx="576000" cy="576000"/>
+            </a:xfrm>
+            <a:prstGeom prst="rect">
+              <a:avLst/>
+            </a:prstGeom>
+            <a:grpFill/>
+          </p:spPr>
+          <p:style>
+            <a:lnRef idx="2">
+              <a:schemeClr val="accent1">
+                <a:shade val="50000"/>
+              </a:schemeClr>
+            </a:lnRef>
+            <a:fillRef idx="1">
+              <a:schemeClr val="accent1"/>
+            </a:fillRef>
+            <a:effectRef idx="0">
+              <a:schemeClr val="accent1"/>
+            </a:effectRef>
+            <a:fontRef idx="minor">
+              <a:schemeClr val="lt1"/>
+            </a:fontRef>
+          </p:style>
+          <p:txBody>
+            <a:bodyPr rtlCol="0" anchor="ctr"/>
+            <a:lstStyle/>
+            <a:p>
+              <a:pPr algn="ctr"/>
+              <a:endParaRPr lang="en-GB"/>
+            </a:p>
+          </p:txBody>
+        </p:sp>
+        <p:sp>
+          <p:nvSpPr>
+            <p:cNvPr id="161" name="TextBox 160">
+              <a:extLst>
+                <a:ext uri="{FF2B5EF4-FFF2-40B4-BE49-F238E27FC236}">
+                  <a16:creationId xmlns:a16="http://schemas.microsoft.com/office/drawing/2014/main" id="{FFE4CB3B-E584-420F-8E8E-38FCC3F9D968}"/>
+                </a:ext>
+              </a:extLst>
+            </p:cNvPr>
+            <p:cNvSpPr txBox="1"/>
+            <p:nvPr/>
+          </p:nvSpPr>
+          <p:spPr>
+            <a:xfrm>
+              <a:off x="4372748" y="3244334"/>
+              <a:ext cx="576469" cy="369332"/>
+            </a:xfrm>
+            <a:prstGeom prst="rect">
+              <a:avLst/>
+            </a:prstGeom>
+            <a:grpFill/>
+            <a:ln>
+              <a:noFill/>
+            </a:ln>
+          </p:spPr>
+          <p:txBody>
+            <a:bodyPr wrap="square" rtlCol="0">
+              <a:spAutoFit/>
+            </a:bodyPr>
+            <a:lstStyle/>
+            <a:p>
+              <a:pPr algn="ctr"/>
+              <a:r>
+                <a:rPr lang="en-US" dirty="0"/>
+                <a:t>XC</a:t>
+              </a:r>
+              <a:endParaRPr lang="en-GB" dirty="0"/>
+            </a:p>
+          </p:txBody>
+        </p:sp>
+      </p:grpSp>
+      <p:cxnSp>
+        <p:nvCxnSpPr>
+          <p:cNvPr id="168" name="Straight Arrow Connector 167">
+            <a:extLst>
+              <a:ext uri="{FF2B5EF4-FFF2-40B4-BE49-F238E27FC236}">
+                <a16:creationId xmlns:a16="http://schemas.microsoft.com/office/drawing/2014/main" id="{A1666432-E9B5-4935-B55B-5D047B2A84CB}"/>
+              </a:ext>
+            </a:extLst>
+          </p:cNvPr>
+          <p:cNvCxnSpPr>
+            <a:cxnSpLocks/>
+          </p:cNvCxnSpPr>
+          <p:nvPr/>
+        </p:nvCxnSpPr>
+        <p:spPr>
+          <a:xfrm>
+            <a:off x="1648136" y="2377139"/>
+            <a:ext cx="0" cy="628788"/>
+          </a:xfrm>
+          <a:prstGeom prst="straightConnector1">
+            <a:avLst/>
+          </a:prstGeom>
+          <a:ln w="12700">
+            <a:solidFill>
+              <a:srgbClr val="FF0000"/>
+            </a:solidFill>
+            <a:tailEnd type="triangle"/>
+          </a:ln>
+        </p:spPr>
+        <p:style>
+          <a:lnRef idx="1">
+            <a:schemeClr val="accent1"/>
+          </a:lnRef>
+          <a:fillRef idx="0">
+            <a:schemeClr val="accent1"/>
+          </a:fillRef>
+          <a:effectRef idx="0">
+            <a:schemeClr val="accent1"/>
+          </a:effectRef>
+          <a:fontRef idx="minor">
+            <a:schemeClr val="tx1"/>
+          </a:fontRef>
+        </p:style>
+      </p:cxnSp>
+      <p:cxnSp>
+        <p:nvCxnSpPr>
+          <p:cNvPr id="169" name="Straight Arrow Connector 168">
+            <a:extLst>
+              <a:ext uri="{FF2B5EF4-FFF2-40B4-BE49-F238E27FC236}">
+                <a16:creationId xmlns:a16="http://schemas.microsoft.com/office/drawing/2014/main" id="{A5A5526C-B83D-416E-B204-B4F600BDFC2D}"/>
+              </a:ext>
+            </a:extLst>
+          </p:cNvPr>
+          <p:cNvCxnSpPr>
+            <a:cxnSpLocks/>
+          </p:cNvCxnSpPr>
+          <p:nvPr/>
+        </p:nvCxnSpPr>
+        <p:spPr>
+          <a:xfrm flipH="1">
+            <a:off x="1953395" y="2377139"/>
+            <a:ext cx="8160" cy="638738"/>
+          </a:xfrm>
+          <a:prstGeom prst="straightConnector1">
+            <a:avLst/>
+          </a:prstGeom>
+          <a:ln w="12700">
+            <a:solidFill>
+              <a:srgbClr val="FF0000"/>
+            </a:solidFill>
+            <a:tailEnd type="triangle"/>
+          </a:ln>
+        </p:spPr>
+        <p:style>
+          <a:lnRef idx="1">
+            <a:schemeClr val="accent1"/>
+          </a:lnRef>
+          <a:fillRef idx="0">
+            <a:schemeClr val="accent1"/>
+          </a:fillRef>
+          <a:effectRef idx="0">
+            <a:schemeClr val="accent1"/>
+          </a:effectRef>
+          <a:fontRef idx="minor">
+            <a:schemeClr val="tx1"/>
+          </a:fontRef>
+        </p:style>
+      </p:cxnSp>
+      <mc:AlternateContent xmlns:mc="http://schemas.openxmlformats.org/markup-compatibility/2006">
+        <mc:Choice xmlns:a14="http://schemas.microsoft.com/office/drawing/2010/main" Requires="a14">
+          <p:sp>
+            <p:nvSpPr>
+              <p:cNvPr id="170" name="TextBox 169">
+                <a:extLst>
+                  <a:ext uri="{FF2B5EF4-FFF2-40B4-BE49-F238E27FC236}">
+                    <a16:creationId xmlns:a16="http://schemas.microsoft.com/office/drawing/2014/main" id="{80E693FB-5007-4257-A3B0-6893CC58F62A}"/>
+                  </a:ext>
+                </a:extLst>
+              </p:cNvPr>
+              <p:cNvSpPr txBox="1"/>
+              <p:nvPr/>
+            </p:nvSpPr>
+            <p:spPr>
+              <a:xfrm>
+                <a:off x="995739" y="2524421"/>
+                <a:ext cx="606755" cy="398379"/>
+              </a:xfrm>
+              <a:prstGeom prst="rect">
+                <a:avLst/>
+              </a:prstGeom>
+              <a:noFill/>
+            </p:spPr>
+            <p:txBody>
+              <a:bodyPr wrap="square">
+                <a:spAutoFit/>
+              </a:bodyPr>
+              <a:lstStyle/>
+              <a:p>
+                <a:pPr/>
+                <a14:m>
+                  <m:oMathPara xmlns:m="http://schemas.openxmlformats.org/officeDocument/2006/math">
+                    <m:oMathParaPr>
+                      <m:jc m:val="centerGroup"/>
+                    </m:oMathParaPr>
+                    <m:oMath xmlns:m="http://schemas.openxmlformats.org/officeDocument/2006/math">
+                      <m:acc>
+                        <m:accPr>
+                          <m:chr m:val="̇"/>
+                          <m:ctrlPr>
+                            <a:rPr lang="en-GB" i="1" smtClean="0">
+                              <a:solidFill>
+                                <a:srgbClr val="836967"/>
+                              </a:solidFill>
+                              <a:latin typeface="Cambria Math" panose="02040503050406030204" pitchFamily="18" charset="0"/>
+                            </a:rPr>
+                          </m:ctrlPr>
+                        </m:accPr>
+                        <m:e>
+                          <m:sSub>
+                            <m:sSubPr>
+                              <m:ctrlPr>
+                                <a:rPr lang="en-GB" i="1">
+                                  <a:solidFill>
+                                    <a:srgbClr val="836967"/>
+                                  </a:solidFill>
+                                  <a:latin typeface="Cambria Math" panose="02040503050406030204" pitchFamily="18" charset="0"/>
+                                </a:rPr>
+                              </m:ctrlPr>
+                            </m:sSubPr>
+                            <m:e>
+                              <m:r>
+                                <a:rPr lang="en-GB" i="1">
+                                  <a:latin typeface="Cambria Math" panose="02040503050406030204" pitchFamily="18" charset="0"/>
+                                </a:rPr>
+                                <m:t>𝑄</m:t>
+                              </m:r>
+                            </m:e>
+                            <m:sub>
+                              <m:r>
+                                <a:rPr lang="en-GB" i="1">
+                                  <a:latin typeface="Cambria Math" panose="02040503050406030204" pitchFamily="18" charset="0"/>
+                                </a:rPr>
+                                <m:t>𝑠</m:t>
+                              </m:r>
+                              <m:r>
+                                <a:rPr lang="en-US" b="0" i="1" smtClean="0">
+                                  <a:latin typeface="Cambria Math" panose="02040503050406030204" pitchFamily="18" charset="0"/>
+                                </a:rPr>
+                                <m:t>,</m:t>
+                              </m:r>
+                              <m:r>
+                                <a:rPr lang="en-US" b="0" i="1" smtClean="0">
+                                  <a:latin typeface="Cambria Math" panose="02040503050406030204" pitchFamily="18" charset="0"/>
+                                </a:rPr>
+                                <m:t>𝐻𝑋</m:t>
+                              </m:r>
+                            </m:sub>
+                          </m:sSub>
+                        </m:e>
+                      </m:acc>
+                    </m:oMath>
+                  </m:oMathPara>
+                </a14:m>
+                <a:endParaRPr lang="en-GB" dirty="0"/>
+              </a:p>
+            </p:txBody>
+          </p:sp>
+        </mc:Choice>
+        <mc:Fallback>
+          <p:sp>
+            <p:nvSpPr>
+              <p:cNvPr id="170" name="TextBox 169">
+                <a:extLst>
+                  <a:ext uri="{FF2B5EF4-FFF2-40B4-BE49-F238E27FC236}">
+                    <a16:creationId xmlns:a16="http://schemas.microsoft.com/office/drawing/2014/main" id="{80E693FB-5007-4257-A3B0-6893CC58F62A}"/>
+                  </a:ext>
+                </a:extLst>
+              </p:cNvPr>
+              <p:cNvSpPr txBox="1">
+                <a:spLocks noRot="1" noChangeAspect="1" noMove="1" noResize="1" noEditPoints="1" noAdjustHandles="1" noChangeArrowheads="1" noChangeShapeType="1" noTextEdit="1"/>
+              </p:cNvSpPr>
+              <p:nvPr/>
+            </p:nvSpPr>
+            <p:spPr>
+              <a:xfrm>
+                <a:off x="995739" y="2524421"/>
+                <a:ext cx="606755" cy="398379"/>
+              </a:xfrm>
+              <a:prstGeom prst="rect">
+                <a:avLst/>
+              </a:prstGeom>
+              <a:blipFill>
+                <a:blip r:embed="rId8"/>
+                <a:stretch>
+                  <a:fillRect l="-2000" r="-9000" b="-7692"/>
+                </a:stretch>
+              </a:blipFill>
+            </p:spPr>
+            <p:txBody>
+              <a:bodyPr/>
+              <a:lstStyle/>
+              <a:p>
+                <a:r>
+                  <a:rPr lang="en-GB">
+                    <a:noFill/>
+                  </a:rPr>
+                  <a:t> </a:t>
+                </a:r>
+              </a:p>
+            </p:txBody>
+          </p:sp>
+        </mc:Fallback>
+      </mc:AlternateContent>
+      <mc:AlternateContent xmlns:mc="http://schemas.openxmlformats.org/markup-compatibility/2006">
+        <mc:Choice xmlns:a14="http://schemas.microsoft.com/office/drawing/2010/main" Requires="a14">
+          <p:sp>
+            <p:nvSpPr>
+              <p:cNvPr id="171" name="TextBox 170">
+                <a:extLst>
+                  <a:ext uri="{FF2B5EF4-FFF2-40B4-BE49-F238E27FC236}">
+                    <a16:creationId xmlns:a16="http://schemas.microsoft.com/office/drawing/2014/main" id="{F92EB3E8-5CCA-4AE4-A6C3-DE1FA947B5DB}"/>
+                  </a:ext>
+                </a:extLst>
+              </p:cNvPr>
+              <p:cNvSpPr txBox="1"/>
+              <p:nvPr/>
+            </p:nvSpPr>
+            <p:spPr>
+              <a:xfrm>
+                <a:off x="1946087" y="2510641"/>
+                <a:ext cx="606755" cy="398379"/>
+              </a:xfrm>
+              <a:prstGeom prst="rect">
+                <a:avLst/>
+              </a:prstGeom>
+              <a:noFill/>
+            </p:spPr>
+            <p:txBody>
+              <a:bodyPr wrap="square">
+                <a:spAutoFit/>
+              </a:bodyPr>
+              <a:lstStyle/>
+              <a:p>
+                <a:pPr/>
+                <a14:m>
+                  <m:oMathPara xmlns:m="http://schemas.openxmlformats.org/officeDocument/2006/math">
+                    <m:oMathParaPr>
+                      <m:jc m:val="centerGroup"/>
+                    </m:oMathParaPr>
+                    <m:oMath xmlns:m="http://schemas.openxmlformats.org/officeDocument/2006/math">
+                      <m:acc>
+                        <m:accPr>
+                          <m:chr m:val="̇"/>
+                          <m:ctrlPr>
+                            <a:rPr lang="en-GB" i="1" smtClean="0">
+                              <a:solidFill>
+                                <a:srgbClr val="836967"/>
+                              </a:solidFill>
+                              <a:latin typeface="Cambria Math" panose="02040503050406030204" pitchFamily="18" charset="0"/>
+                            </a:rPr>
+                          </m:ctrlPr>
+                        </m:accPr>
+                        <m:e>
+                          <m:sSub>
+                            <m:sSubPr>
+                              <m:ctrlPr>
+                                <a:rPr lang="en-GB" i="1">
+                                  <a:solidFill>
+                                    <a:srgbClr val="836967"/>
+                                  </a:solidFill>
+                                  <a:latin typeface="Cambria Math" panose="02040503050406030204" pitchFamily="18" charset="0"/>
+                                </a:rPr>
+                              </m:ctrlPr>
+                            </m:sSubPr>
+                            <m:e>
+                              <m:r>
+                                <a:rPr lang="en-GB" i="1">
+                                  <a:latin typeface="Cambria Math" panose="02040503050406030204" pitchFamily="18" charset="0"/>
+                                </a:rPr>
+                                <m:t>𝑄</m:t>
+                              </m:r>
+                            </m:e>
+                            <m:sub>
+                              <m:r>
+                                <a:rPr lang="en-US" b="0" i="1" smtClean="0">
+                                  <a:latin typeface="Cambria Math" panose="02040503050406030204" pitchFamily="18" charset="0"/>
+                                </a:rPr>
+                                <m:t>𝑙</m:t>
+                              </m:r>
+                              <m:r>
+                                <a:rPr lang="en-US" b="0" i="1" smtClean="0">
+                                  <a:latin typeface="Cambria Math" panose="02040503050406030204" pitchFamily="18" charset="0"/>
+                                </a:rPr>
+                                <m:t>,</m:t>
+                              </m:r>
+                              <m:r>
+                                <a:rPr lang="en-US" b="0" i="1" smtClean="0">
+                                  <a:latin typeface="Cambria Math" panose="02040503050406030204" pitchFamily="18" charset="0"/>
+                                </a:rPr>
+                                <m:t>𝐻𝑋</m:t>
+                              </m:r>
+                            </m:sub>
+                          </m:sSub>
+                        </m:e>
+                      </m:acc>
+                    </m:oMath>
+                  </m:oMathPara>
+                </a14:m>
+                <a:endParaRPr lang="en-GB" dirty="0"/>
+              </a:p>
+            </p:txBody>
+          </p:sp>
+        </mc:Choice>
+        <mc:Fallback>
+          <p:sp>
+            <p:nvSpPr>
+              <p:cNvPr id="171" name="TextBox 170">
+                <a:extLst>
+                  <a:ext uri="{FF2B5EF4-FFF2-40B4-BE49-F238E27FC236}">
+                    <a16:creationId xmlns:a16="http://schemas.microsoft.com/office/drawing/2014/main" id="{F92EB3E8-5CCA-4AE4-A6C3-DE1FA947B5DB}"/>
+                  </a:ext>
+                </a:extLst>
+              </p:cNvPr>
+              <p:cNvSpPr txBox="1">
+                <a:spLocks noRot="1" noChangeAspect="1" noMove="1" noResize="1" noEditPoints="1" noAdjustHandles="1" noChangeArrowheads="1" noChangeShapeType="1" noTextEdit="1"/>
+              </p:cNvSpPr>
+              <p:nvPr/>
+            </p:nvSpPr>
+            <p:spPr>
+              <a:xfrm>
+                <a:off x="1946087" y="2510641"/>
+                <a:ext cx="606755" cy="398379"/>
+              </a:xfrm>
+              <a:prstGeom prst="rect">
+                <a:avLst/>
+              </a:prstGeom>
+              <a:blipFill>
+                <a:blip r:embed="rId9"/>
+                <a:stretch>
+                  <a:fillRect l="-2000" r="-6000" b="-6154"/>
+                </a:stretch>
+              </a:blipFill>
+            </p:spPr>
+            <p:txBody>
+              <a:bodyPr/>
+              <a:lstStyle/>
+              <a:p>
+                <a:r>
+                  <a:rPr lang="en-GB">
+                    <a:noFill/>
+                  </a:rPr>
+                  <a:t> </a:t>
+                </a:r>
+              </a:p>
+            </p:txBody>
+          </p:sp>
+        </mc:Fallback>
+      </mc:AlternateContent>
+      <p:cxnSp>
+        <p:nvCxnSpPr>
+          <p:cNvPr id="179" name="Connector: Elbow 178">
+            <a:extLst>
+              <a:ext uri="{FF2B5EF4-FFF2-40B4-BE49-F238E27FC236}">
+                <a16:creationId xmlns:a16="http://schemas.microsoft.com/office/drawing/2014/main" id="{1802ECB7-151E-433C-B40D-55C85F14DB35}"/>
+              </a:ext>
+            </a:extLst>
+          </p:cNvPr>
+          <p:cNvCxnSpPr>
+            <a:cxnSpLocks/>
+            <a:endCxn id="161" idx="3"/>
+          </p:cNvCxnSpPr>
+          <p:nvPr/>
+        </p:nvCxnSpPr>
+        <p:spPr>
+          <a:xfrm rot="5400000">
+            <a:off x="1741673" y="1523688"/>
+            <a:ext cx="896443" cy="200255"/>
+          </a:xfrm>
+          <a:prstGeom prst="bentConnector2">
+            <a:avLst/>
+          </a:prstGeom>
+          <a:ln w="12700">
+            <a:solidFill>
+              <a:schemeClr val="tx1"/>
+            </a:solidFill>
+            <a:tailEnd type="triangle"/>
+          </a:ln>
+        </p:spPr>
+        <p:style>
+          <a:lnRef idx="1">
+            <a:schemeClr val="accent1"/>
+          </a:lnRef>
+          <a:fillRef idx="0">
+            <a:schemeClr val="accent1"/>
+          </a:fillRef>
+          <a:effectRef idx="0">
+            <a:schemeClr val="accent1"/>
+          </a:effectRef>
+          <a:fontRef idx="minor">
+            <a:schemeClr val="tx1"/>
+          </a:fontRef>
+        </p:style>
+      </p:cxnSp>
+      <p:cxnSp>
+        <p:nvCxnSpPr>
+          <p:cNvPr id="183" name="Connector: Elbow 182">
+            <a:extLst>
+              <a:ext uri="{FF2B5EF4-FFF2-40B4-BE49-F238E27FC236}">
+                <a16:creationId xmlns:a16="http://schemas.microsoft.com/office/drawing/2014/main" id="{E679FC17-64CC-4112-BBDC-5583AF84A41D}"/>
+              </a:ext>
+            </a:extLst>
+          </p:cNvPr>
+          <p:cNvCxnSpPr>
+            <a:cxnSpLocks/>
+            <a:endCxn id="150" idx="0"/>
+          </p:cNvCxnSpPr>
+          <p:nvPr/>
+        </p:nvCxnSpPr>
+        <p:spPr>
+          <a:xfrm rot="10800000">
+            <a:off x="969156" y="871045"/>
+            <a:ext cx="1319570" cy="291351"/>
+          </a:xfrm>
+          <a:prstGeom prst="bentConnector4">
+            <a:avLst>
+              <a:gd name="adj1" fmla="val 673"/>
+              <a:gd name="adj2" fmla="val 178462"/>
+            </a:avLst>
+          </a:prstGeom>
+          <a:ln w="12700">
+            <a:solidFill>
+              <a:schemeClr val="tx1"/>
+            </a:solidFill>
+            <a:tailEnd type="triangle"/>
+          </a:ln>
+        </p:spPr>
+        <p:style>
+          <a:lnRef idx="1">
+            <a:schemeClr val="accent1"/>
+          </a:lnRef>
+          <a:fillRef idx="0">
+            <a:schemeClr val="accent1"/>
+          </a:fillRef>
+          <a:effectRef idx="0">
+            <a:schemeClr val="accent1"/>
+          </a:effectRef>
+          <a:fontRef idx="minor">
+            <a:schemeClr val="tx1"/>
+          </a:fontRef>
+        </p:style>
+      </p:cxnSp>
+      <p:cxnSp>
+        <p:nvCxnSpPr>
+          <p:cNvPr id="186" name="Connector: Elbow 185">
+            <a:extLst>
+              <a:ext uri="{FF2B5EF4-FFF2-40B4-BE49-F238E27FC236}">
+                <a16:creationId xmlns:a16="http://schemas.microsoft.com/office/drawing/2014/main" id="{0327590A-4248-434E-8E0E-2A96518AB182}"/>
+              </a:ext>
+            </a:extLst>
+          </p:cNvPr>
+          <p:cNvCxnSpPr>
+            <a:stCxn id="161" idx="1"/>
+            <a:endCxn id="150" idx="2"/>
+          </p:cNvCxnSpPr>
+          <p:nvPr/>
+        </p:nvCxnSpPr>
+        <p:spPr>
+          <a:xfrm rot="10800000">
+            <a:off x="969157" y="1447045"/>
+            <a:ext cx="544141" cy="624993"/>
+          </a:xfrm>
+          <a:prstGeom prst="bentConnector2">
+            <a:avLst/>
+          </a:prstGeom>
+          <a:ln w="12700">
+            <a:solidFill>
+              <a:schemeClr val="tx1"/>
+            </a:solidFill>
+            <a:tailEnd type="triangle"/>
+          </a:ln>
+        </p:spPr>
+        <p:style>
+          <a:lnRef idx="1">
+            <a:schemeClr val="accent1"/>
+          </a:lnRef>
+          <a:fillRef idx="0">
+            <a:schemeClr val="accent1"/>
+          </a:fillRef>
+          <a:effectRef idx="0">
+            <a:schemeClr val="accent1"/>
+          </a:effectRef>
+          <a:fontRef idx="minor">
+            <a:schemeClr val="tx1"/>
+          </a:fontRef>
+        </p:style>
+      </p:cxnSp>
+      <mc:AlternateContent xmlns:mc="http://schemas.openxmlformats.org/markup-compatibility/2006">
+        <mc:Choice xmlns:a14="http://schemas.microsoft.com/office/drawing/2010/main" Requires="a14">
+          <p:sp>
+            <p:nvSpPr>
+              <p:cNvPr id="203" name="TextBox 202">
+                <a:extLst>
+                  <a:ext uri="{FF2B5EF4-FFF2-40B4-BE49-F238E27FC236}">
+                    <a16:creationId xmlns:a16="http://schemas.microsoft.com/office/drawing/2014/main" id="{BC36B312-4550-433B-BB94-FA3DDCDB745B}"/>
+                  </a:ext>
+                </a:extLst>
+              </p:cNvPr>
+              <p:cNvSpPr txBox="1"/>
+              <p:nvPr/>
+            </p:nvSpPr>
+            <p:spPr>
+              <a:xfrm>
+                <a:off x="11589555" y="5320107"/>
+                <a:ext cx="642399" cy="407997"/>
+              </a:xfrm>
+              <a:prstGeom prst="rect">
+                <a:avLst/>
+              </a:prstGeom>
+              <a:noFill/>
+            </p:spPr>
+            <p:txBody>
+              <a:bodyPr wrap="square">
+                <a:spAutoFit/>
+              </a:bodyPr>
+              <a:lstStyle/>
+              <a:p>
+                <a:pPr/>
+                <a14:m>
+                  <m:oMathPara xmlns:m="http://schemas.openxmlformats.org/officeDocument/2006/math">
+                    <m:oMathParaPr>
+                      <m:jc m:val="centerGroup"/>
+                    </m:oMathParaPr>
+                    <m:oMath xmlns:m="http://schemas.openxmlformats.org/officeDocument/2006/math">
+                      <m:sSubSup>
+                        <m:sSubSupPr>
+                          <m:ctrlPr>
+                            <a:rPr lang="en-GB" i="1" smtClean="0">
+                              <a:solidFill>
+                                <a:srgbClr val="836967"/>
+                              </a:solidFill>
+                              <a:latin typeface="Cambria Math" panose="02040503050406030204" pitchFamily="18" charset="0"/>
+                            </a:rPr>
+                          </m:ctrlPr>
+                        </m:sSubSupPr>
+                        <m:e>
+                          <m:r>
+                            <a:rPr lang="en-GB" i="1">
+                              <a:latin typeface="Cambria Math" panose="02040503050406030204" pitchFamily="18" charset="0"/>
+                            </a:rPr>
+                            <m:t>𝜃</m:t>
+                          </m:r>
+                        </m:e>
+                        <m:sub>
+                          <m:r>
+                            <a:rPr lang="en-US" b="0" i="0" smtClean="0">
+                              <a:latin typeface="Cambria Math" panose="02040503050406030204" pitchFamily="18" charset="0"/>
+                            </a:rPr>
+                            <m:t>9</m:t>
+                          </m:r>
+                        </m:sub>
+                        <m:sup>
+                          <m:r>
+                            <a:rPr lang="en-GB" i="1">
+                              <a:latin typeface="Cambria Math" panose="02040503050406030204" pitchFamily="18" charset="0"/>
+                            </a:rPr>
+                            <m:t>𝑠𝑝</m:t>
+                          </m:r>
+                        </m:sup>
+                      </m:sSubSup>
+                    </m:oMath>
+                  </m:oMathPara>
+                </a14:m>
+                <a:endParaRPr lang="en-GB" dirty="0"/>
+              </a:p>
+            </p:txBody>
+          </p:sp>
+        </mc:Choice>
+        <mc:Fallback>
+          <p:sp>
+            <p:nvSpPr>
+              <p:cNvPr id="203" name="TextBox 202">
+                <a:extLst>
+                  <a:ext uri="{FF2B5EF4-FFF2-40B4-BE49-F238E27FC236}">
+                    <a16:creationId xmlns:a16="http://schemas.microsoft.com/office/drawing/2014/main" id="{BC36B312-4550-433B-BB94-FA3DDCDB745B}"/>
+                  </a:ext>
+                </a:extLst>
+              </p:cNvPr>
+              <p:cNvSpPr txBox="1">
+                <a:spLocks noRot="1" noChangeAspect="1" noMove="1" noResize="1" noEditPoints="1" noAdjustHandles="1" noChangeArrowheads="1" noChangeShapeType="1" noTextEdit="1"/>
+              </p:cNvSpPr>
+              <p:nvPr/>
+            </p:nvSpPr>
+            <p:spPr>
+              <a:xfrm>
+                <a:off x="11589555" y="5320107"/>
+                <a:ext cx="642399" cy="407997"/>
+              </a:xfrm>
+              <a:prstGeom prst="rect">
+                <a:avLst/>
+              </a:prstGeom>
+              <a:blipFill>
+                <a:blip r:embed="rId10"/>
+                <a:stretch>
+                  <a:fillRect/>
+                </a:stretch>
+              </a:blipFill>
+            </p:spPr>
+            <p:txBody>
+              <a:bodyPr/>
+              <a:lstStyle/>
+              <a:p>
+                <a:r>
+                  <a:rPr lang="en-GB">
+                    <a:noFill/>
+                  </a:rPr>
+                  <a:t> </a:t>
+                </a:r>
+              </a:p>
+            </p:txBody>
+          </p:sp>
+        </mc:Fallback>
+      </mc:AlternateContent>
+      <mc:AlternateContent xmlns:mc="http://schemas.openxmlformats.org/markup-compatibility/2006">
+        <mc:Choice xmlns:a14="http://schemas.microsoft.com/office/drawing/2010/main" Requires="a14">
+          <p:sp>
+            <p:nvSpPr>
+              <p:cNvPr id="208" name="TextBox 207">
+                <a:extLst>
+                  <a:ext uri="{FF2B5EF4-FFF2-40B4-BE49-F238E27FC236}">
+                    <a16:creationId xmlns:a16="http://schemas.microsoft.com/office/drawing/2014/main" id="{08637792-232D-4DFB-85BA-4256B4CD7016}"/>
+                  </a:ext>
+                </a:extLst>
+              </p:cNvPr>
+              <p:cNvSpPr txBox="1"/>
+              <p:nvPr/>
+            </p:nvSpPr>
+            <p:spPr>
+              <a:xfrm>
+                <a:off x="10799180" y="6112948"/>
+                <a:ext cx="1003226" cy="407997"/>
+              </a:xfrm>
+              <a:prstGeom prst="rect">
+                <a:avLst/>
+              </a:prstGeom>
+              <a:noFill/>
+            </p:spPr>
+            <p:txBody>
+              <a:bodyPr wrap="square">
+                <a:spAutoFit/>
+              </a:bodyPr>
+              <a:lstStyle/>
+              <a:p>
+                <a:pPr/>
+                <a14:m>
+                  <m:oMathPara xmlns:m="http://schemas.openxmlformats.org/officeDocument/2006/math">
+                    <m:oMathParaPr>
+                      <m:jc m:val="centerGroup"/>
+                    </m:oMathParaPr>
+                    <m:oMath xmlns:m="http://schemas.openxmlformats.org/officeDocument/2006/math">
+                      <m:sSubSup>
+                        <m:sSubSupPr>
+                          <m:ctrlPr>
+                            <a:rPr lang="en-GB" i="1" smtClean="0">
+                              <a:solidFill>
+                                <a:srgbClr val="836967"/>
+                              </a:solidFill>
+                              <a:latin typeface="Cambria Math" panose="02040503050406030204" pitchFamily="18" charset="0"/>
+                            </a:rPr>
+                          </m:ctrlPr>
+                        </m:sSubSupPr>
+                        <m:e>
+                          <m:r>
+                            <a:rPr lang="en-GB" i="1">
+                              <a:latin typeface="Cambria Math" panose="02040503050406030204" pitchFamily="18" charset="0"/>
+                            </a:rPr>
+                            <m:t>𝜔</m:t>
+                          </m:r>
+                        </m:e>
+                        <m:sub>
+                          <m:r>
+                            <a:rPr lang="en-US" b="0" i="0" smtClean="0">
+                              <a:latin typeface="Cambria Math" panose="02040503050406030204" pitchFamily="18" charset="0"/>
+                            </a:rPr>
+                            <m:t>9</m:t>
+                          </m:r>
+                        </m:sub>
+                        <m:sup>
+                          <m:r>
+                            <a:rPr lang="en-GB" i="1">
+                              <a:latin typeface="Cambria Math" panose="02040503050406030204" pitchFamily="18" charset="0"/>
+                            </a:rPr>
+                            <m:t>𝑠𝑝</m:t>
+                          </m:r>
+                        </m:sup>
+                      </m:sSubSup>
+                    </m:oMath>
+                  </m:oMathPara>
+                </a14:m>
+                <a:endParaRPr lang="en-GB" dirty="0"/>
+              </a:p>
+            </p:txBody>
+          </p:sp>
+        </mc:Choice>
+        <mc:Fallback>
+          <p:sp>
+            <p:nvSpPr>
+              <p:cNvPr id="208" name="TextBox 207">
+                <a:extLst>
+                  <a:ext uri="{FF2B5EF4-FFF2-40B4-BE49-F238E27FC236}">
+                    <a16:creationId xmlns:a16="http://schemas.microsoft.com/office/drawing/2014/main" id="{08637792-232D-4DFB-85BA-4256B4CD7016}"/>
+                  </a:ext>
+                </a:extLst>
+              </p:cNvPr>
+              <p:cNvSpPr txBox="1">
+                <a:spLocks noRot="1" noChangeAspect="1" noMove="1" noResize="1" noEditPoints="1" noAdjustHandles="1" noChangeArrowheads="1" noChangeShapeType="1" noTextEdit="1"/>
+              </p:cNvSpPr>
+              <p:nvPr/>
+            </p:nvSpPr>
+            <p:spPr>
+              <a:xfrm>
+                <a:off x="10799180" y="6112948"/>
+                <a:ext cx="1003226" cy="407997"/>
+              </a:xfrm>
+              <a:prstGeom prst="rect">
+                <a:avLst/>
+              </a:prstGeom>
+              <a:blipFill>
+                <a:blip r:embed="rId11"/>
+                <a:stretch>
+                  <a:fillRect/>
+                </a:stretch>
+              </a:blipFill>
+            </p:spPr>
+            <p:txBody>
+              <a:bodyPr/>
+              <a:lstStyle/>
+              <a:p>
+                <a:r>
+                  <a:rPr lang="en-GB">
+                    <a:noFill/>
+                  </a:rPr>
+                  <a:t> </a:t>
+                </a:r>
+              </a:p>
+            </p:txBody>
+          </p:sp>
+        </mc:Fallback>
+      </mc:AlternateContent>
+      <p:cxnSp>
+        <p:nvCxnSpPr>
+          <p:cNvPr id="212" name="Connector: Elbow 211">
+            <a:extLst>
+              <a:ext uri="{FF2B5EF4-FFF2-40B4-BE49-F238E27FC236}">
+                <a16:creationId xmlns:a16="http://schemas.microsoft.com/office/drawing/2014/main" id="{D846CC25-C547-49F4-82DA-47ABE120E008}"/>
+              </a:ext>
+            </a:extLst>
+          </p:cNvPr>
+          <p:cNvCxnSpPr>
+            <a:cxnSpLocks/>
+          </p:cNvCxnSpPr>
+          <p:nvPr/>
+        </p:nvCxnSpPr>
+        <p:spPr>
+          <a:xfrm flipV="1">
+            <a:off x="8494220" y="4856929"/>
+            <a:ext cx="1301695" cy="714700"/>
+          </a:xfrm>
+          <a:prstGeom prst="bentConnector3">
+            <a:avLst>
+              <a:gd name="adj1" fmla="val -37028"/>
+            </a:avLst>
+          </a:prstGeom>
+          <a:ln>
+            <a:tailEnd type="triangle"/>
+          </a:ln>
+        </p:spPr>
+        <p:style>
+          <a:lnRef idx="1">
+            <a:schemeClr val="accent1"/>
+          </a:lnRef>
+          <a:fillRef idx="0">
+            <a:schemeClr val="accent1"/>
+          </a:fillRef>
+          <a:effectRef idx="0">
+            <a:schemeClr val="accent1"/>
+          </a:effectRef>
+          <a:fontRef idx="minor">
+            <a:schemeClr val="tx1"/>
+          </a:fontRef>
+        </p:style>
+      </p:cxnSp>
+      <p:cxnSp>
+        <p:nvCxnSpPr>
+          <p:cNvPr id="213" name="Connector: Elbow 212">
+            <a:extLst>
+              <a:ext uri="{FF2B5EF4-FFF2-40B4-BE49-F238E27FC236}">
+                <a16:creationId xmlns:a16="http://schemas.microsoft.com/office/drawing/2014/main" id="{FCE43814-2614-4940-A67D-C8A8713A55BC}"/>
+              </a:ext>
+            </a:extLst>
+          </p:cNvPr>
+          <p:cNvCxnSpPr>
+            <a:cxnSpLocks/>
+            <a:stCxn id="138" idx="0"/>
+          </p:cNvCxnSpPr>
+          <p:nvPr/>
+        </p:nvCxnSpPr>
+        <p:spPr>
+          <a:xfrm rot="10800000">
+            <a:off x="5033478" y="4895433"/>
+            <a:ext cx="1488257" cy="1450539"/>
+          </a:xfrm>
+          <a:prstGeom prst="bentConnector3">
+            <a:avLst>
+              <a:gd name="adj1" fmla="val 99708"/>
+            </a:avLst>
+          </a:prstGeom>
+          <a:ln>
+            <a:tailEnd type="triangle"/>
+          </a:ln>
+        </p:spPr>
+        <p:style>
+          <a:lnRef idx="1">
+            <a:schemeClr val="accent1"/>
+          </a:lnRef>
+          <a:fillRef idx="0">
+            <a:schemeClr val="accent1"/>
+          </a:fillRef>
+          <a:effectRef idx="0">
+            <a:schemeClr val="accent1"/>
+          </a:effectRef>
+          <a:fontRef idx="minor">
+            <a:schemeClr val="tx1"/>
+          </a:fontRef>
+        </p:style>
+      </p:cxnSp>
+      <p:sp>
+        <p:nvSpPr>
+          <p:cNvPr id="218" name="TextBox 217">
+            <a:extLst>
+              <a:ext uri="{FF2B5EF4-FFF2-40B4-BE49-F238E27FC236}">
+                <a16:creationId xmlns:a16="http://schemas.microsoft.com/office/drawing/2014/main" id="{CEB3548D-4A4E-41E0-A714-567FECB8A919}"/>
+              </a:ext>
+            </a:extLst>
+          </p:cNvPr>
+          <p:cNvSpPr txBox="1"/>
+          <p:nvPr/>
+        </p:nvSpPr>
+        <p:spPr>
+          <a:xfrm>
+            <a:off x="655942" y="2925188"/>
+            <a:ext cx="328512" cy="369332"/>
+          </a:xfrm>
+          <a:prstGeom prst="rect">
+            <a:avLst/>
+          </a:prstGeom>
+          <a:noFill/>
+        </p:spPr>
+        <p:txBody>
+          <a:bodyPr wrap="square" rtlCol="0">
+            <a:spAutoFit/>
+          </a:bodyPr>
+          <a:lstStyle/>
+          <a:p>
+            <a:r>
+              <a:rPr lang="en-US" dirty="0"/>
+              <a:t>0</a:t>
+            </a:r>
+            <a:endParaRPr lang="en-GB" dirty="0"/>
+          </a:p>
+        </p:txBody>
+      </p:sp>
+      <p:sp>
+        <p:nvSpPr>
+          <p:cNvPr id="219" name="TextBox 218">
+            <a:extLst>
+              <a:ext uri="{FF2B5EF4-FFF2-40B4-BE49-F238E27FC236}">
+                <a16:creationId xmlns:a16="http://schemas.microsoft.com/office/drawing/2014/main" id="{1282BFC7-7713-473D-9BDA-C63B33313C0F}"/>
+              </a:ext>
+            </a:extLst>
+          </p:cNvPr>
+          <p:cNvSpPr txBox="1"/>
+          <p:nvPr/>
+        </p:nvSpPr>
+        <p:spPr>
+          <a:xfrm>
+            <a:off x="2418587" y="2947073"/>
+            <a:ext cx="328512" cy="369332"/>
+          </a:xfrm>
+          <a:prstGeom prst="rect">
+            <a:avLst/>
+          </a:prstGeom>
+          <a:noFill/>
+        </p:spPr>
+        <p:txBody>
+          <a:bodyPr wrap="square" rtlCol="0">
+            <a:spAutoFit/>
+          </a:bodyPr>
+          <a:lstStyle/>
+          <a:p>
+            <a:r>
+              <a:rPr lang="en-US" dirty="0"/>
+              <a:t>1</a:t>
+            </a:r>
+            <a:endParaRPr lang="en-GB" dirty="0"/>
+          </a:p>
+        </p:txBody>
+      </p:sp>
+      <p:sp>
+        <p:nvSpPr>
+          <p:cNvPr id="220" name="TextBox 219">
+            <a:extLst>
+              <a:ext uri="{FF2B5EF4-FFF2-40B4-BE49-F238E27FC236}">
+                <a16:creationId xmlns:a16="http://schemas.microsoft.com/office/drawing/2014/main" id="{2F2B5122-8438-401A-AB53-610D2597C54B}"/>
+              </a:ext>
+            </a:extLst>
+          </p:cNvPr>
+          <p:cNvSpPr txBox="1"/>
+          <p:nvPr/>
+        </p:nvSpPr>
+        <p:spPr>
+          <a:xfrm>
+            <a:off x="3448356" y="2880570"/>
+            <a:ext cx="328512" cy="369332"/>
+          </a:xfrm>
+          <a:prstGeom prst="rect">
+            <a:avLst/>
+          </a:prstGeom>
+          <a:noFill/>
+        </p:spPr>
+        <p:txBody>
+          <a:bodyPr wrap="square" rtlCol="0">
+            <a:spAutoFit/>
+          </a:bodyPr>
+          <a:lstStyle/>
+          <a:p>
+            <a:r>
+              <a:rPr lang="en-US" dirty="0"/>
+              <a:t>2</a:t>
+            </a:r>
+            <a:endParaRPr lang="en-GB" dirty="0"/>
+          </a:p>
+        </p:txBody>
+      </p:sp>
+      <p:sp>
+        <p:nvSpPr>
+          <p:cNvPr id="221" name="TextBox 220">
+            <a:extLst>
+              <a:ext uri="{FF2B5EF4-FFF2-40B4-BE49-F238E27FC236}">
+                <a16:creationId xmlns:a16="http://schemas.microsoft.com/office/drawing/2014/main" id="{049D6CEB-AA90-4965-8A57-B73AEF7FEE2B}"/>
+              </a:ext>
+            </a:extLst>
+          </p:cNvPr>
+          <p:cNvSpPr txBox="1"/>
+          <p:nvPr/>
+        </p:nvSpPr>
+        <p:spPr>
+          <a:xfrm>
+            <a:off x="5394658" y="2914577"/>
+            <a:ext cx="328512" cy="369332"/>
+          </a:xfrm>
+          <a:prstGeom prst="rect">
+            <a:avLst/>
+          </a:prstGeom>
+          <a:noFill/>
+        </p:spPr>
+        <p:txBody>
+          <a:bodyPr wrap="square" rtlCol="0">
+            <a:spAutoFit/>
+          </a:bodyPr>
+          <a:lstStyle/>
+          <a:p>
+            <a:r>
+              <a:rPr lang="en-US" dirty="0"/>
+              <a:t>4</a:t>
+            </a:r>
+            <a:endParaRPr lang="en-GB" dirty="0"/>
+          </a:p>
+        </p:txBody>
+      </p:sp>
+      <p:sp>
+        <p:nvSpPr>
+          <p:cNvPr id="222" name="TextBox 221">
+            <a:extLst>
+              <a:ext uri="{FF2B5EF4-FFF2-40B4-BE49-F238E27FC236}">
+                <a16:creationId xmlns:a16="http://schemas.microsoft.com/office/drawing/2014/main" id="{B58AACDA-0A67-499F-B724-E8EDC1D167DA}"/>
+              </a:ext>
+            </a:extLst>
+          </p:cNvPr>
+          <p:cNvSpPr txBox="1"/>
+          <p:nvPr/>
+        </p:nvSpPr>
+        <p:spPr>
+          <a:xfrm>
+            <a:off x="6852730" y="2438016"/>
+            <a:ext cx="328512" cy="369332"/>
+          </a:xfrm>
+          <a:prstGeom prst="rect">
+            <a:avLst/>
+          </a:prstGeom>
+          <a:noFill/>
+        </p:spPr>
+        <p:txBody>
+          <a:bodyPr wrap="square" rtlCol="0">
+            <a:spAutoFit/>
+          </a:bodyPr>
+          <a:lstStyle/>
+          <a:p>
+            <a:r>
+              <a:rPr lang="en-US" dirty="0"/>
+              <a:t>4</a:t>
+            </a:r>
+            <a:endParaRPr lang="en-GB" dirty="0"/>
+          </a:p>
+        </p:txBody>
+      </p:sp>
+      <p:sp>
+        <p:nvSpPr>
+          <p:cNvPr id="223" name="TextBox 222">
+            <a:extLst>
+              <a:ext uri="{FF2B5EF4-FFF2-40B4-BE49-F238E27FC236}">
+                <a16:creationId xmlns:a16="http://schemas.microsoft.com/office/drawing/2014/main" id="{33CEC485-C6AF-41A1-B97D-CAFBCAD63BD9}"/>
+              </a:ext>
+            </a:extLst>
+          </p:cNvPr>
+          <p:cNvSpPr txBox="1"/>
+          <p:nvPr/>
+        </p:nvSpPr>
+        <p:spPr>
+          <a:xfrm>
+            <a:off x="7162442" y="3892611"/>
+            <a:ext cx="328512" cy="369332"/>
+          </a:xfrm>
+          <a:prstGeom prst="rect">
+            <a:avLst/>
+          </a:prstGeom>
+          <a:noFill/>
+        </p:spPr>
+        <p:txBody>
+          <a:bodyPr wrap="square" rtlCol="0">
+            <a:spAutoFit/>
+          </a:bodyPr>
+          <a:lstStyle/>
+          <a:p>
+            <a:r>
+              <a:rPr lang="en-US" dirty="0"/>
+              <a:t>5</a:t>
+            </a:r>
+            <a:endParaRPr lang="en-GB" dirty="0"/>
+          </a:p>
+        </p:txBody>
+      </p:sp>
+      <p:sp>
+        <p:nvSpPr>
+          <p:cNvPr id="224" name="TextBox 223">
+            <a:extLst>
+              <a:ext uri="{FF2B5EF4-FFF2-40B4-BE49-F238E27FC236}">
+                <a16:creationId xmlns:a16="http://schemas.microsoft.com/office/drawing/2014/main" id="{7CCD9FD6-B04D-4616-BB3E-B2E3C497893B}"/>
+              </a:ext>
+            </a:extLst>
+          </p:cNvPr>
+          <p:cNvSpPr txBox="1"/>
+          <p:nvPr/>
+        </p:nvSpPr>
+        <p:spPr>
+          <a:xfrm>
+            <a:off x="8204418" y="2895195"/>
+            <a:ext cx="328512" cy="369332"/>
+          </a:xfrm>
+          <a:prstGeom prst="rect">
+            <a:avLst/>
+          </a:prstGeom>
+          <a:noFill/>
+        </p:spPr>
+        <p:txBody>
+          <a:bodyPr wrap="square" rtlCol="0">
+            <a:spAutoFit/>
+          </a:bodyPr>
+          <a:lstStyle/>
+          <a:p>
+            <a:r>
+              <a:rPr lang="en-US" dirty="0"/>
+              <a:t>6</a:t>
+            </a:r>
+            <a:endParaRPr lang="en-GB" dirty="0"/>
+          </a:p>
+        </p:txBody>
+      </p:sp>
+      <p:sp>
+        <p:nvSpPr>
+          <p:cNvPr id="225" name="TextBox 224">
+            <a:extLst>
+              <a:ext uri="{FF2B5EF4-FFF2-40B4-BE49-F238E27FC236}">
+                <a16:creationId xmlns:a16="http://schemas.microsoft.com/office/drawing/2014/main" id="{AAA0A07D-22CB-4694-B716-2DC3C9EB034A}"/>
+              </a:ext>
+            </a:extLst>
+          </p:cNvPr>
+          <p:cNvSpPr txBox="1"/>
+          <p:nvPr/>
+        </p:nvSpPr>
+        <p:spPr>
+          <a:xfrm>
+            <a:off x="10204491" y="2909498"/>
+            <a:ext cx="328512" cy="369332"/>
+          </a:xfrm>
+          <a:prstGeom prst="rect">
+            <a:avLst/>
+          </a:prstGeom>
+          <a:noFill/>
+        </p:spPr>
+        <p:txBody>
+          <a:bodyPr wrap="square" rtlCol="0">
+            <a:spAutoFit/>
+          </a:bodyPr>
+          <a:lstStyle/>
+          <a:p>
+            <a:r>
+              <a:rPr lang="en-US" dirty="0"/>
+              <a:t>8</a:t>
+            </a:r>
+            <a:endParaRPr lang="en-GB" dirty="0"/>
+          </a:p>
+        </p:txBody>
+      </p:sp>
+      <p:sp>
+        <p:nvSpPr>
+          <p:cNvPr id="226" name="TextBox 225">
+            <a:extLst>
+              <a:ext uri="{FF2B5EF4-FFF2-40B4-BE49-F238E27FC236}">
+                <a16:creationId xmlns:a16="http://schemas.microsoft.com/office/drawing/2014/main" id="{B17F0E10-3537-4A9D-A7C2-99F6ED7F2128}"/>
+              </a:ext>
+            </a:extLst>
+          </p:cNvPr>
+          <p:cNvSpPr txBox="1"/>
+          <p:nvPr/>
+        </p:nvSpPr>
+        <p:spPr>
+          <a:xfrm>
+            <a:off x="11477511" y="2920740"/>
+            <a:ext cx="328512" cy="369332"/>
+          </a:xfrm>
+          <a:prstGeom prst="rect">
+            <a:avLst/>
+          </a:prstGeom>
+          <a:noFill/>
+        </p:spPr>
+        <p:txBody>
+          <a:bodyPr wrap="square" rtlCol="0">
+            <a:spAutoFit/>
+          </a:bodyPr>
+          <a:lstStyle/>
+          <a:p>
+            <a:r>
+              <a:rPr lang="en-US" dirty="0"/>
+              <a:t>9</a:t>
+            </a:r>
+            <a:endParaRPr lang="en-GB" dirty="0"/>
+          </a:p>
+        </p:txBody>
+      </p:sp>
+      <p:sp>
+        <p:nvSpPr>
+          <p:cNvPr id="227" name="TextBox 226">
+            <a:extLst>
+              <a:ext uri="{FF2B5EF4-FFF2-40B4-BE49-F238E27FC236}">
+                <a16:creationId xmlns:a16="http://schemas.microsoft.com/office/drawing/2014/main" id="{8A77071D-C979-4DAD-8618-E8E93B9EEF1C}"/>
+              </a:ext>
+            </a:extLst>
+          </p:cNvPr>
+          <p:cNvSpPr txBox="1"/>
+          <p:nvPr/>
+        </p:nvSpPr>
+        <p:spPr>
+          <a:xfrm>
+            <a:off x="3154536" y="1537799"/>
+            <a:ext cx="328512" cy="369332"/>
+          </a:xfrm>
+          <a:prstGeom prst="rect">
+            <a:avLst/>
+          </a:prstGeom>
+          <a:noFill/>
+        </p:spPr>
+        <p:txBody>
+          <a:bodyPr wrap="square" rtlCol="0">
+            <a:spAutoFit/>
+          </a:bodyPr>
+          <a:lstStyle/>
+          <a:p>
+            <a:r>
+              <a:rPr lang="en-US" dirty="0"/>
+              <a:t>9</a:t>
+            </a:r>
+            <a:endParaRPr lang="en-GB" dirty="0"/>
+          </a:p>
+        </p:txBody>
+      </p:sp>
+      <p:sp>
+        <p:nvSpPr>
+          <p:cNvPr id="228" name="TextBox 227">
+            <a:extLst>
+              <a:ext uri="{FF2B5EF4-FFF2-40B4-BE49-F238E27FC236}">
+                <a16:creationId xmlns:a16="http://schemas.microsoft.com/office/drawing/2014/main" id="{C2C64F23-EA2E-4B9B-AE51-221AE8BD932B}"/>
+              </a:ext>
+            </a:extLst>
+          </p:cNvPr>
+          <p:cNvSpPr txBox="1"/>
+          <p:nvPr/>
+        </p:nvSpPr>
+        <p:spPr>
+          <a:xfrm>
+            <a:off x="2694814" y="786270"/>
+            <a:ext cx="328512" cy="369332"/>
+          </a:xfrm>
+          <a:prstGeom prst="rect">
+            <a:avLst/>
+          </a:prstGeom>
+          <a:noFill/>
+        </p:spPr>
+        <p:txBody>
+          <a:bodyPr wrap="square" rtlCol="0">
+            <a:spAutoFit/>
+          </a:bodyPr>
+          <a:lstStyle/>
+          <a:p>
+            <a:r>
+              <a:rPr lang="en-US" dirty="0"/>
+              <a:t>9</a:t>
+            </a:r>
+            <a:endParaRPr lang="en-GB" dirty="0"/>
+          </a:p>
+        </p:txBody>
+      </p:sp>
+      <p:sp>
+        <p:nvSpPr>
+          <p:cNvPr id="229" name="TextBox 228">
+            <a:extLst>
+              <a:ext uri="{FF2B5EF4-FFF2-40B4-BE49-F238E27FC236}">
+                <a16:creationId xmlns:a16="http://schemas.microsoft.com/office/drawing/2014/main" id="{D5E9C212-6C5A-4C7F-9A58-CB7B7718F1E2}"/>
+              </a:ext>
+            </a:extLst>
+          </p:cNvPr>
+          <p:cNvSpPr txBox="1"/>
+          <p:nvPr/>
+        </p:nvSpPr>
+        <p:spPr>
+          <a:xfrm>
+            <a:off x="1038991" y="1683437"/>
+            <a:ext cx="449646" cy="369332"/>
+          </a:xfrm>
+          <a:prstGeom prst="rect">
+            <a:avLst/>
+          </a:prstGeom>
+          <a:noFill/>
+        </p:spPr>
+        <p:txBody>
+          <a:bodyPr wrap="square" rtlCol="0">
+            <a:spAutoFit/>
+          </a:bodyPr>
+          <a:lstStyle/>
+          <a:p>
+            <a:r>
+              <a:rPr lang="en-US" dirty="0"/>
+              <a:t>10</a:t>
+            </a:r>
+            <a:endParaRPr lang="en-GB" dirty="0"/>
+          </a:p>
+        </p:txBody>
+      </p:sp>
+      <p:sp>
+        <p:nvSpPr>
+          <p:cNvPr id="230" name="TextBox 229">
+            <a:extLst>
+              <a:ext uri="{FF2B5EF4-FFF2-40B4-BE49-F238E27FC236}">
+                <a16:creationId xmlns:a16="http://schemas.microsoft.com/office/drawing/2014/main" id="{9C797AE6-250E-463D-B477-54C4D07776D4}"/>
+              </a:ext>
+            </a:extLst>
+          </p:cNvPr>
+          <p:cNvSpPr txBox="1"/>
+          <p:nvPr/>
+        </p:nvSpPr>
+        <p:spPr>
+          <a:xfrm>
+            <a:off x="145831" y="789967"/>
+            <a:ext cx="498671" cy="369332"/>
+          </a:xfrm>
+          <a:prstGeom prst="rect">
+            <a:avLst/>
+          </a:prstGeom>
+          <a:noFill/>
+        </p:spPr>
+        <p:txBody>
+          <a:bodyPr wrap="square" rtlCol="0">
+            <a:spAutoFit/>
+          </a:bodyPr>
+          <a:lstStyle/>
+          <a:p>
+            <a:r>
+              <a:rPr lang="en-US" dirty="0"/>
+              <a:t>11</a:t>
+            </a:r>
+            <a:endParaRPr lang="en-GB" dirty="0"/>
+          </a:p>
+        </p:txBody>
+      </p:sp>
+      <mc:AlternateContent xmlns:mc="http://schemas.openxmlformats.org/markup-compatibility/2006" xmlns:a14="http://schemas.microsoft.com/office/drawing/2010/main">
+        <mc:Choice Requires="a14">
+          <p:sp>
+            <p:nvSpPr>
+              <p:cNvPr id="233" name="TextBox 232">
+                <a:extLst>
+                  <a:ext uri="{FF2B5EF4-FFF2-40B4-BE49-F238E27FC236}">
+                    <a16:creationId xmlns:a16="http://schemas.microsoft.com/office/drawing/2014/main" id="{39A58058-784E-4C2D-AE00-652B965F4F97}"/>
+                  </a:ext>
+                </a:extLst>
+              </p:cNvPr>
+              <p:cNvSpPr txBox="1"/>
+              <p:nvPr/>
+            </p:nvSpPr>
+            <p:spPr>
+              <a:xfrm>
+                <a:off x="666092" y="3236019"/>
+                <a:ext cx="762969" cy="369332"/>
+              </a:xfrm>
+              <a:prstGeom prst="rect">
+                <a:avLst/>
+              </a:prstGeom>
+              <a:noFill/>
+            </p:spPr>
+            <p:txBody>
+              <a:bodyPr wrap="square">
+                <a:spAutoFit/>
+              </a:bodyPr>
+              <a:lstStyle/>
+              <a:p>
+                <a:pPr/>
+                <a14:m>
+                  <m:oMathPara xmlns:m="http://schemas.openxmlformats.org/officeDocument/2006/math">
+                    <m:oMathParaPr>
+                      <m:jc m:val="centerGroup"/>
+                    </m:oMathParaPr>
+                    <m:oMath xmlns:m="http://schemas.openxmlformats.org/officeDocument/2006/math">
+                      <m:r>
+                        <a:rPr lang="en-GB" i="1" smtClean="0">
+                          <a:latin typeface="Cambria Math" panose="02040503050406030204" pitchFamily="18" charset="0"/>
+                        </a:rPr>
+                        <m:t>𝛼</m:t>
+                      </m:r>
+                      <m:sSub>
+                        <m:sSubPr>
+                          <m:ctrlPr>
+                            <a:rPr lang="en-GB" i="1">
+                              <a:solidFill>
+                                <a:srgbClr val="836967"/>
+                              </a:solidFill>
+                              <a:latin typeface="Cambria Math" panose="02040503050406030204" pitchFamily="18" charset="0"/>
+                            </a:rPr>
+                          </m:ctrlPr>
+                        </m:sSubPr>
+                        <m:e>
+                          <m:acc>
+                            <m:accPr>
+                              <m:chr m:val="̇"/>
+                              <m:ctrlPr>
+                                <a:rPr lang="en-GB" i="1">
+                                  <a:solidFill>
+                                    <a:srgbClr val="836967"/>
+                                  </a:solidFill>
+                                  <a:latin typeface="Cambria Math" panose="02040503050406030204" pitchFamily="18" charset="0"/>
+                                </a:rPr>
+                              </m:ctrlPr>
+                            </m:accPr>
+                            <m:e>
+                              <m:r>
+                                <a:rPr lang="en-GB" i="1">
+                                  <a:latin typeface="Cambria Math" panose="02040503050406030204" pitchFamily="18" charset="0"/>
+                                </a:rPr>
+                                <m:t>𝑚</m:t>
+                              </m:r>
+                            </m:e>
+                          </m:acc>
+                        </m:e>
+                        <m:sub>
+                          <m:r>
+                            <a:rPr lang="en-GB" i="1">
+                              <a:latin typeface="Cambria Math" panose="02040503050406030204" pitchFamily="18" charset="0"/>
+                            </a:rPr>
+                            <m:t>𝑑𝑎</m:t>
+                          </m:r>
+                        </m:sub>
+                      </m:sSub>
+                    </m:oMath>
+                  </m:oMathPara>
+                </a14:m>
+                <a:endParaRPr lang="en-GB" dirty="0"/>
+              </a:p>
+            </p:txBody>
+          </p:sp>
+        </mc:Choice>
+        <mc:Fallback xmlns="">
+          <p:sp>
+            <p:nvSpPr>
+              <p:cNvPr id="233" name="TextBox 232">
+                <a:extLst>
+                  <a:ext uri="{FF2B5EF4-FFF2-40B4-BE49-F238E27FC236}">
+                    <a16:creationId xmlns:a16="http://schemas.microsoft.com/office/drawing/2014/main" id="{39A58058-784E-4C2D-AE00-652B965F4F97}"/>
+                  </a:ext>
+                </a:extLst>
+              </p:cNvPr>
+              <p:cNvSpPr txBox="1">
+                <a:spLocks noRot="1" noChangeAspect="1" noMove="1" noResize="1" noEditPoints="1" noAdjustHandles="1" noChangeArrowheads="1" noChangeShapeType="1" noTextEdit="1"/>
+              </p:cNvSpPr>
+              <p:nvPr/>
+            </p:nvSpPr>
+            <p:spPr>
+              <a:xfrm>
+                <a:off x="666092" y="3236019"/>
+                <a:ext cx="762969" cy="369332"/>
+              </a:xfrm>
+              <a:prstGeom prst="rect">
+                <a:avLst/>
+              </a:prstGeom>
+              <a:blipFill>
+                <a:blip r:embed="rId13"/>
+                <a:stretch>
+                  <a:fillRect/>
+                </a:stretch>
+              </a:blipFill>
+            </p:spPr>
+            <p:txBody>
+              <a:bodyPr/>
+              <a:lstStyle/>
+              <a:p>
+                <a:r>
+                  <a:rPr lang="en-GB">
+                    <a:noFill/>
+                  </a:rPr>
+                  <a:t> </a:t>
+                </a:r>
+              </a:p>
+            </p:txBody>
+          </p:sp>
+        </mc:Fallback>
+      </mc:AlternateContent>
+      <mc:AlternateContent xmlns:mc="http://schemas.openxmlformats.org/markup-compatibility/2006">
+        <mc:Choice xmlns:a14="http://schemas.microsoft.com/office/drawing/2010/main" Requires="a14">
+          <p:sp>
+            <p:nvSpPr>
+              <p:cNvPr id="234" name="TextBox 233">
+                <a:extLst>
+                  <a:ext uri="{FF2B5EF4-FFF2-40B4-BE49-F238E27FC236}">
+                    <a16:creationId xmlns:a16="http://schemas.microsoft.com/office/drawing/2014/main" id="{4A5D6545-1183-4E00-8FDF-F1FD9CB98A02}"/>
+                  </a:ext>
+                </a:extLst>
+              </p:cNvPr>
+              <p:cNvSpPr txBox="1"/>
+              <p:nvPr/>
+            </p:nvSpPr>
+            <p:spPr>
+              <a:xfrm>
+                <a:off x="2391567" y="1168466"/>
+                <a:ext cx="762969" cy="369332"/>
+              </a:xfrm>
+              <a:prstGeom prst="rect">
+                <a:avLst/>
+              </a:prstGeom>
+              <a:noFill/>
+            </p:spPr>
+            <p:txBody>
+              <a:bodyPr wrap="square">
+                <a:spAutoFit/>
+              </a:bodyPr>
+              <a:lstStyle/>
+              <a:p>
+                <a:pPr/>
+                <a14:m>
+                  <m:oMathPara xmlns:m="http://schemas.openxmlformats.org/officeDocument/2006/math">
+                    <m:oMathParaPr>
+                      <m:jc m:val="centerGroup"/>
+                    </m:oMathParaPr>
+                    <m:oMath xmlns:m="http://schemas.openxmlformats.org/officeDocument/2006/math">
+                      <m:r>
+                        <a:rPr lang="en-GB" i="1" smtClean="0">
+                          <a:latin typeface="Cambria Math" panose="02040503050406030204" pitchFamily="18" charset="0"/>
+                        </a:rPr>
+                        <m:t>𝛼</m:t>
+                      </m:r>
+                      <m:sSub>
+                        <m:sSubPr>
+                          <m:ctrlPr>
+                            <a:rPr lang="en-GB" i="1">
+                              <a:solidFill>
+                                <a:srgbClr val="836967"/>
+                              </a:solidFill>
+                              <a:latin typeface="Cambria Math" panose="02040503050406030204" pitchFamily="18" charset="0"/>
+                            </a:rPr>
+                          </m:ctrlPr>
+                        </m:sSubPr>
+                        <m:e>
+                          <m:acc>
+                            <m:accPr>
+                              <m:chr m:val="̇"/>
+                              <m:ctrlPr>
+                                <a:rPr lang="en-GB" i="1">
+                                  <a:solidFill>
+                                    <a:srgbClr val="836967"/>
+                                  </a:solidFill>
+                                  <a:latin typeface="Cambria Math" panose="02040503050406030204" pitchFamily="18" charset="0"/>
+                                </a:rPr>
+                              </m:ctrlPr>
+                            </m:accPr>
+                            <m:e>
+                              <m:r>
+                                <a:rPr lang="en-GB" i="1">
+                                  <a:latin typeface="Cambria Math" panose="02040503050406030204" pitchFamily="18" charset="0"/>
+                                </a:rPr>
+                                <m:t>𝑚</m:t>
+                              </m:r>
+                            </m:e>
+                          </m:acc>
+                        </m:e>
+                        <m:sub>
+                          <m:r>
+                            <a:rPr lang="en-GB" i="1">
+                              <a:latin typeface="Cambria Math" panose="02040503050406030204" pitchFamily="18" charset="0"/>
+                            </a:rPr>
+                            <m:t>𝑑𝑎</m:t>
+                          </m:r>
+                        </m:sub>
+                      </m:sSub>
+                    </m:oMath>
+                  </m:oMathPara>
+                </a14:m>
+                <a:endParaRPr lang="en-GB" dirty="0"/>
+              </a:p>
+            </p:txBody>
+          </p:sp>
+        </mc:Choice>
+        <mc:Fallback>
+          <p:sp>
+            <p:nvSpPr>
+              <p:cNvPr id="234" name="TextBox 233">
+                <a:extLst>
+                  <a:ext uri="{FF2B5EF4-FFF2-40B4-BE49-F238E27FC236}">
+                    <a16:creationId xmlns:a16="http://schemas.microsoft.com/office/drawing/2014/main" id="{4A5D6545-1183-4E00-8FDF-F1FD9CB98A02}"/>
+                  </a:ext>
+                </a:extLst>
+              </p:cNvPr>
+              <p:cNvSpPr txBox="1">
+                <a:spLocks noRot="1" noChangeAspect="1" noMove="1" noResize="1" noEditPoints="1" noAdjustHandles="1" noChangeArrowheads="1" noChangeShapeType="1" noTextEdit="1"/>
+              </p:cNvSpPr>
+              <p:nvPr/>
+            </p:nvSpPr>
+            <p:spPr>
+              <a:xfrm>
+                <a:off x="2391567" y="1168466"/>
+                <a:ext cx="762969" cy="369332"/>
+              </a:xfrm>
+              <a:prstGeom prst="rect">
+                <a:avLst/>
+              </a:prstGeom>
+              <a:blipFill>
+                <a:blip r:embed="rId14"/>
+                <a:stretch>
+                  <a:fillRect/>
+                </a:stretch>
+              </a:blipFill>
+            </p:spPr>
+            <p:txBody>
+              <a:bodyPr/>
+              <a:lstStyle/>
+              <a:p>
+                <a:r>
+                  <a:rPr lang="en-GB">
+                    <a:noFill/>
+                  </a:rPr>
+                  <a:t> </a:t>
+                </a:r>
+              </a:p>
+            </p:txBody>
+          </p:sp>
+        </mc:Fallback>
+      </mc:AlternateContent>
+      <mc:AlternateContent xmlns:mc="http://schemas.openxmlformats.org/markup-compatibility/2006" xmlns:a14="http://schemas.microsoft.com/office/drawing/2010/main">
+        <mc:Choice Requires="a14">
+          <p:sp>
+            <p:nvSpPr>
+              <p:cNvPr id="235" name="TextBox 234">
+                <a:extLst>
+                  <a:ext uri="{FF2B5EF4-FFF2-40B4-BE49-F238E27FC236}">
+                    <a16:creationId xmlns:a16="http://schemas.microsoft.com/office/drawing/2014/main" id="{F364A002-9445-409C-B297-068D23547169}"/>
+                  </a:ext>
+                </a:extLst>
+              </p:cNvPr>
+              <p:cNvSpPr txBox="1"/>
+              <p:nvPr/>
+            </p:nvSpPr>
+            <p:spPr>
+              <a:xfrm>
+                <a:off x="3002637" y="1810249"/>
+                <a:ext cx="1410802" cy="369332"/>
+              </a:xfrm>
+              <a:prstGeom prst="rect">
+                <a:avLst/>
+              </a:prstGeom>
+              <a:noFill/>
+            </p:spPr>
+            <p:txBody>
+              <a:bodyPr wrap="square">
+                <a:spAutoFit/>
+              </a:bodyPr>
+              <a:lstStyle/>
+              <a:p>
+                <a:pPr/>
+                <a14:m>
+                  <m:oMathPara xmlns:m="http://schemas.openxmlformats.org/officeDocument/2006/math">
+                    <m:oMathParaPr>
+                      <m:jc m:val="centerGroup"/>
+                    </m:oMathParaPr>
+                    <m:oMath xmlns:m="http://schemas.openxmlformats.org/officeDocument/2006/math">
+                      <m:r>
+                        <a:rPr lang="en-US" b="0" i="0" smtClean="0">
+                          <a:latin typeface="Cambria Math" panose="02040503050406030204" pitchFamily="18" charset="0"/>
+                        </a:rPr>
+                        <m:t>(1−</m:t>
+                      </m:r>
+                      <m:r>
+                        <a:rPr lang="en-GB" i="1" smtClean="0">
+                          <a:latin typeface="Cambria Math" panose="02040503050406030204" pitchFamily="18" charset="0"/>
+                        </a:rPr>
+                        <m:t>𝛼</m:t>
+                      </m:r>
+                      <m:r>
+                        <a:rPr lang="en-US" b="0" i="1" smtClean="0">
+                          <a:latin typeface="Cambria Math" panose="02040503050406030204" pitchFamily="18" charset="0"/>
+                        </a:rPr>
+                        <m:t>)</m:t>
+                      </m:r>
+                      <m:sSub>
+                        <m:sSubPr>
+                          <m:ctrlPr>
+                            <a:rPr lang="en-GB" i="1">
+                              <a:solidFill>
+                                <a:srgbClr val="836967"/>
+                              </a:solidFill>
+                              <a:latin typeface="Cambria Math" panose="02040503050406030204" pitchFamily="18" charset="0"/>
+                            </a:rPr>
+                          </m:ctrlPr>
+                        </m:sSubPr>
+                        <m:e>
+                          <m:acc>
+                            <m:accPr>
+                              <m:chr m:val="̇"/>
+                              <m:ctrlPr>
+                                <a:rPr lang="en-GB" i="1">
+                                  <a:solidFill>
+                                    <a:srgbClr val="836967"/>
+                                  </a:solidFill>
+                                  <a:latin typeface="Cambria Math" panose="02040503050406030204" pitchFamily="18" charset="0"/>
+                                </a:rPr>
+                              </m:ctrlPr>
+                            </m:accPr>
+                            <m:e>
+                              <m:r>
+                                <a:rPr lang="en-GB" i="1">
+                                  <a:latin typeface="Cambria Math" panose="02040503050406030204" pitchFamily="18" charset="0"/>
+                                </a:rPr>
+                                <m:t>𝑚</m:t>
+                              </m:r>
+                            </m:e>
+                          </m:acc>
+                        </m:e>
+                        <m:sub>
+                          <m:r>
+                            <a:rPr lang="en-GB" i="1">
+                              <a:latin typeface="Cambria Math" panose="02040503050406030204" pitchFamily="18" charset="0"/>
+                            </a:rPr>
+                            <m:t>𝑑𝑎</m:t>
+                          </m:r>
+                        </m:sub>
+                      </m:sSub>
+                    </m:oMath>
+                  </m:oMathPara>
+                </a14:m>
+                <a:endParaRPr lang="en-GB" dirty="0"/>
+              </a:p>
+            </p:txBody>
+          </p:sp>
+        </mc:Choice>
+        <mc:Fallback xmlns="">
+          <p:sp>
+            <p:nvSpPr>
+              <p:cNvPr id="235" name="TextBox 234">
+                <a:extLst>
+                  <a:ext uri="{FF2B5EF4-FFF2-40B4-BE49-F238E27FC236}">
+                    <a16:creationId xmlns:a16="http://schemas.microsoft.com/office/drawing/2014/main" id="{F364A002-9445-409C-B297-068D23547169}"/>
+                  </a:ext>
+                </a:extLst>
+              </p:cNvPr>
+              <p:cNvSpPr txBox="1">
+                <a:spLocks noRot="1" noChangeAspect="1" noMove="1" noResize="1" noEditPoints="1" noAdjustHandles="1" noChangeArrowheads="1" noChangeShapeType="1" noTextEdit="1"/>
+              </p:cNvSpPr>
+              <p:nvPr/>
+            </p:nvSpPr>
+            <p:spPr>
+              <a:xfrm>
+                <a:off x="3002637" y="1810249"/>
+                <a:ext cx="1410802" cy="369332"/>
+              </a:xfrm>
+              <a:prstGeom prst="rect">
+                <a:avLst/>
+              </a:prstGeom>
+              <a:blipFill>
+                <a:blip r:embed="rId15"/>
+                <a:stretch>
+                  <a:fillRect b="-11475"/>
+                </a:stretch>
+              </a:blipFill>
+            </p:spPr>
+            <p:txBody>
+              <a:bodyPr/>
+              <a:lstStyle/>
+              <a:p>
+                <a:r>
+                  <a:rPr lang="en-GB">
+                    <a:noFill/>
+                  </a:rPr>
+                  <a:t> </a:t>
+                </a:r>
+              </a:p>
+            </p:txBody>
+          </p:sp>
+        </mc:Fallback>
+      </mc:AlternateContent>
+      <mc:AlternateContent xmlns:mc="http://schemas.openxmlformats.org/markup-compatibility/2006">
+        <mc:Choice xmlns:a14="http://schemas.microsoft.com/office/drawing/2010/main" Requires="a14">
+          <p:sp>
+            <p:nvSpPr>
+              <p:cNvPr id="236" name="TextBox 235">
+                <a:extLst>
+                  <a:ext uri="{FF2B5EF4-FFF2-40B4-BE49-F238E27FC236}">
+                    <a16:creationId xmlns:a16="http://schemas.microsoft.com/office/drawing/2014/main" id="{17686CFC-E093-4B83-A2B7-333AE7C412CC}"/>
+                  </a:ext>
+                </a:extLst>
+              </p:cNvPr>
+              <p:cNvSpPr txBox="1"/>
+              <p:nvPr/>
+            </p:nvSpPr>
+            <p:spPr>
+              <a:xfrm>
+                <a:off x="2295292" y="3423140"/>
+                <a:ext cx="762969" cy="369332"/>
+              </a:xfrm>
+              <a:prstGeom prst="rect">
+                <a:avLst/>
+              </a:prstGeom>
+              <a:noFill/>
+            </p:spPr>
+            <p:txBody>
+              <a:bodyPr wrap="square">
+                <a:spAutoFit/>
+              </a:bodyPr>
+              <a:lstStyle/>
+              <a:p>
+                <a:pPr/>
+                <a14:m>
+                  <m:oMathPara xmlns:m="http://schemas.openxmlformats.org/officeDocument/2006/math">
+                    <m:oMathParaPr>
+                      <m:jc m:val="centerGroup"/>
+                    </m:oMathParaPr>
+                    <m:oMath xmlns:m="http://schemas.openxmlformats.org/officeDocument/2006/math">
+                      <m:sSub>
+                        <m:sSubPr>
+                          <m:ctrlPr>
+                            <a:rPr lang="en-GB" i="1">
+                              <a:solidFill>
+                                <a:srgbClr val="836967"/>
+                              </a:solidFill>
+                              <a:latin typeface="Cambria Math" panose="02040503050406030204" pitchFamily="18" charset="0"/>
+                            </a:rPr>
+                          </m:ctrlPr>
+                        </m:sSubPr>
+                        <m:e>
+                          <m:acc>
+                            <m:accPr>
+                              <m:chr m:val="̇"/>
+                              <m:ctrlPr>
+                                <a:rPr lang="en-GB" i="1">
+                                  <a:solidFill>
+                                    <a:srgbClr val="836967"/>
+                                  </a:solidFill>
+                                  <a:latin typeface="Cambria Math" panose="02040503050406030204" pitchFamily="18" charset="0"/>
+                                </a:rPr>
+                              </m:ctrlPr>
+                            </m:accPr>
+                            <m:e>
+                              <m:r>
+                                <a:rPr lang="en-GB" i="1">
+                                  <a:latin typeface="Cambria Math" panose="02040503050406030204" pitchFamily="18" charset="0"/>
+                                </a:rPr>
+                                <m:t>𝑚</m:t>
+                              </m:r>
+                            </m:e>
+                          </m:acc>
+                        </m:e>
+                        <m:sub>
+                          <m:r>
+                            <a:rPr lang="en-GB" i="1">
+                              <a:latin typeface="Cambria Math" panose="02040503050406030204" pitchFamily="18" charset="0"/>
+                            </a:rPr>
+                            <m:t>𝑑𝑎</m:t>
+                          </m:r>
+                        </m:sub>
+                      </m:sSub>
+                    </m:oMath>
+                  </m:oMathPara>
+                </a14:m>
+                <a:endParaRPr lang="en-GB" dirty="0"/>
+              </a:p>
+            </p:txBody>
+          </p:sp>
+        </mc:Choice>
+        <mc:Fallback>
+          <p:sp>
+            <p:nvSpPr>
+              <p:cNvPr id="236" name="TextBox 235">
+                <a:extLst>
+                  <a:ext uri="{FF2B5EF4-FFF2-40B4-BE49-F238E27FC236}">
+                    <a16:creationId xmlns:a16="http://schemas.microsoft.com/office/drawing/2014/main" id="{17686CFC-E093-4B83-A2B7-333AE7C412CC}"/>
+                  </a:ext>
+                </a:extLst>
+              </p:cNvPr>
+              <p:cNvSpPr txBox="1">
+                <a:spLocks noRot="1" noChangeAspect="1" noMove="1" noResize="1" noEditPoints="1" noAdjustHandles="1" noChangeArrowheads="1" noChangeShapeType="1" noTextEdit="1"/>
+              </p:cNvSpPr>
+              <p:nvPr/>
+            </p:nvSpPr>
+            <p:spPr>
+              <a:xfrm>
+                <a:off x="2295292" y="3423140"/>
+                <a:ext cx="762969" cy="369332"/>
+              </a:xfrm>
+              <a:prstGeom prst="rect">
+                <a:avLst/>
+              </a:prstGeom>
+              <a:blipFill>
+                <a:blip r:embed="rId16"/>
+                <a:stretch>
+                  <a:fillRect/>
+                </a:stretch>
+              </a:blipFill>
+            </p:spPr>
+            <p:txBody>
+              <a:bodyPr/>
+              <a:lstStyle/>
+              <a:p>
+                <a:r>
+                  <a:rPr lang="en-GB">
+                    <a:noFill/>
+                  </a:rPr>
+                  <a:t> </a:t>
+                </a:r>
+              </a:p>
+            </p:txBody>
+          </p:sp>
+        </mc:Fallback>
+      </mc:AlternateContent>
+      <mc:AlternateContent xmlns:mc="http://schemas.openxmlformats.org/markup-compatibility/2006">
+        <mc:Choice xmlns:a14="http://schemas.microsoft.com/office/drawing/2010/main" Requires="a14">
+          <p:sp>
+            <p:nvSpPr>
+              <p:cNvPr id="237" name="TextBox 236">
+                <a:extLst>
+                  <a:ext uri="{FF2B5EF4-FFF2-40B4-BE49-F238E27FC236}">
+                    <a16:creationId xmlns:a16="http://schemas.microsoft.com/office/drawing/2014/main" id="{51607192-252A-47DB-A5E2-E36F6B97952F}"/>
+                  </a:ext>
+                </a:extLst>
+              </p:cNvPr>
+              <p:cNvSpPr txBox="1"/>
+              <p:nvPr/>
+            </p:nvSpPr>
+            <p:spPr>
+              <a:xfrm>
+                <a:off x="3216305" y="3324649"/>
+                <a:ext cx="762969" cy="369332"/>
+              </a:xfrm>
+              <a:prstGeom prst="rect">
+                <a:avLst/>
+              </a:prstGeom>
+              <a:noFill/>
+            </p:spPr>
+            <p:txBody>
+              <a:bodyPr wrap="square">
+                <a:spAutoFit/>
+              </a:bodyPr>
+              <a:lstStyle/>
+              <a:p>
+                <a:pPr/>
+                <a14:m>
+                  <m:oMathPara xmlns:m="http://schemas.openxmlformats.org/officeDocument/2006/math">
+                    <m:oMathParaPr>
+                      <m:jc m:val="centerGroup"/>
+                    </m:oMathParaPr>
+                    <m:oMath xmlns:m="http://schemas.openxmlformats.org/officeDocument/2006/math">
+                      <m:sSub>
+                        <m:sSubPr>
+                          <m:ctrlPr>
+                            <a:rPr lang="en-GB" i="1">
+                              <a:solidFill>
+                                <a:srgbClr val="836967"/>
+                              </a:solidFill>
+                              <a:latin typeface="Cambria Math" panose="02040503050406030204" pitchFamily="18" charset="0"/>
+                            </a:rPr>
+                          </m:ctrlPr>
+                        </m:sSubPr>
+                        <m:e>
+                          <m:acc>
+                            <m:accPr>
+                              <m:chr m:val="̇"/>
+                              <m:ctrlPr>
+                                <a:rPr lang="en-GB" i="1">
+                                  <a:solidFill>
+                                    <a:srgbClr val="836967"/>
+                                  </a:solidFill>
+                                  <a:latin typeface="Cambria Math" panose="02040503050406030204" pitchFamily="18" charset="0"/>
+                                </a:rPr>
+                              </m:ctrlPr>
+                            </m:accPr>
+                            <m:e>
+                              <m:r>
+                                <a:rPr lang="en-GB" i="1">
+                                  <a:latin typeface="Cambria Math" panose="02040503050406030204" pitchFamily="18" charset="0"/>
+                                </a:rPr>
+                                <m:t>𝑚</m:t>
+                              </m:r>
+                            </m:e>
+                          </m:acc>
+                        </m:e>
+                        <m:sub>
+                          <m:r>
+                            <a:rPr lang="en-GB" i="1">
+                              <a:latin typeface="Cambria Math" panose="02040503050406030204" pitchFamily="18" charset="0"/>
+                            </a:rPr>
+                            <m:t>𝑑𝑎</m:t>
+                          </m:r>
+                        </m:sub>
+                      </m:sSub>
+                    </m:oMath>
+                  </m:oMathPara>
+                </a14:m>
+                <a:endParaRPr lang="en-GB" dirty="0"/>
+              </a:p>
+            </p:txBody>
+          </p:sp>
+        </mc:Choice>
+        <mc:Fallback>
+          <p:sp>
+            <p:nvSpPr>
+              <p:cNvPr id="237" name="TextBox 236">
+                <a:extLst>
+                  <a:ext uri="{FF2B5EF4-FFF2-40B4-BE49-F238E27FC236}">
+                    <a16:creationId xmlns:a16="http://schemas.microsoft.com/office/drawing/2014/main" id="{51607192-252A-47DB-A5E2-E36F6B97952F}"/>
+                  </a:ext>
+                </a:extLst>
+              </p:cNvPr>
+              <p:cNvSpPr txBox="1">
+                <a:spLocks noRot="1" noChangeAspect="1" noMove="1" noResize="1" noEditPoints="1" noAdjustHandles="1" noChangeArrowheads="1" noChangeShapeType="1" noTextEdit="1"/>
+              </p:cNvSpPr>
+              <p:nvPr/>
+            </p:nvSpPr>
+            <p:spPr>
+              <a:xfrm>
+                <a:off x="3216305" y="3324649"/>
+                <a:ext cx="762969" cy="369332"/>
+              </a:xfrm>
+              <a:prstGeom prst="rect">
+                <a:avLst/>
+              </a:prstGeom>
+              <a:blipFill>
+                <a:blip r:embed="rId17"/>
+                <a:stretch>
+                  <a:fillRect/>
+                </a:stretch>
+              </a:blipFill>
+            </p:spPr>
+            <p:txBody>
+              <a:bodyPr/>
+              <a:lstStyle/>
+              <a:p>
+                <a:r>
+                  <a:rPr lang="en-GB">
+                    <a:noFill/>
+                  </a:rPr>
+                  <a:t> </a:t>
+                </a:r>
+              </a:p>
+            </p:txBody>
+          </p:sp>
+        </mc:Fallback>
+      </mc:AlternateContent>
+      <mc:AlternateContent xmlns:mc="http://schemas.openxmlformats.org/markup-compatibility/2006">
+        <mc:Choice xmlns:a14="http://schemas.microsoft.com/office/drawing/2010/main" Requires="a14">
+          <p:sp>
+            <p:nvSpPr>
+              <p:cNvPr id="238" name="TextBox 237">
+                <a:extLst>
+                  <a:ext uri="{FF2B5EF4-FFF2-40B4-BE49-F238E27FC236}">
+                    <a16:creationId xmlns:a16="http://schemas.microsoft.com/office/drawing/2014/main" id="{A377B8CB-DD30-4499-9731-117D3FD3EE2A}"/>
+                  </a:ext>
+                </a:extLst>
+              </p:cNvPr>
+              <p:cNvSpPr txBox="1"/>
+              <p:nvPr/>
+            </p:nvSpPr>
+            <p:spPr>
+              <a:xfrm>
+                <a:off x="5178183" y="3242311"/>
+                <a:ext cx="762969" cy="369332"/>
+              </a:xfrm>
+              <a:prstGeom prst="rect">
+                <a:avLst/>
+              </a:prstGeom>
+              <a:noFill/>
+            </p:spPr>
+            <p:txBody>
+              <a:bodyPr wrap="square">
+                <a:spAutoFit/>
+              </a:bodyPr>
+              <a:lstStyle/>
+              <a:p>
+                <a:pPr/>
+                <a14:m>
+                  <m:oMathPara xmlns:m="http://schemas.openxmlformats.org/officeDocument/2006/math">
+                    <m:oMathParaPr>
+                      <m:jc m:val="centerGroup"/>
+                    </m:oMathParaPr>
+                    <m:oMath xmlns:m="http://schemas.openxmlformats.org/officeDocument/2006/math">
+                      <m:sSub>
+                        <m:sSubPr>
+                          <m:ctrlPr>
+                            <a:rPr lang="en-GB" i="1">
+                              <a:solidFill>
+                                <a:srgbClr val="836967"/>
+                              </a:solidFill>
+                              <a:latin typeface="Cambria Math" panose="02040503050406030204" pitchFamily="18" charset="0"/>
+                            </a:rPr>
+                          </m:ctrlPr>
+                        </m:sSubPr>
+                        <m:e>
+                          <m:acc>
+                            <m:accPr>
+                              <m:chr m:val="̇"/>
+                              <m:ctrlPr>
+                                <a:rPr lang="en-GB" i="1">
+                                  <a:solidFill>
+                                    <a:srgbClr val="836967"/>
+                                  </a:solidFill>
+                                  <a:latin typeface="Cambria Math" panose="02040503050406030204" pitchFamily="18" charset="0"/>
+                                </a:rPr>
+                              </m:ctrlPr>
+                            </m:accPr>
+                            <m:e>
+                              <m:r>
+                                <a:rPr lang="en-GB" i="1">
+                                  <a:latin typeface="Cambria Math" panose="02040503050406030204" pitchFamily="18" charset="0"/>
+                                </a:rPr>
+                                <m:t>𝑚</m:t>
+                              </m:r>
+                            </m:e>
+                          </m:acc>
+                        </m:e>
+                        <m:sub>
+                          <m:r>
+                            <a:rPr lang="en-GB" i="1">
+                              <a:latin typeface="Cambria Math" panose="02040503050406030204" pitchFamily="18" charset="0"/>
+                            </a:rPr>
+                            <m:t>𝑑𝑎</m:t>
+                          </m:r>
+                        </m:sub>
+                      </m:sSub>
+                    </m:oMath>
+                  </m:oMathPara>
+                </a14:m>
+                <a:endParaRPr lang="en-GB" dirty="0"/>
+              </a:p>
+            </p:txBody>
+          </p:sp>
+        </mc:Choice>
+        <mc:Fallback>
+          <p:sp>
+            <p:nvSpPr>
+              <p:cNvPr id="238" name="TextBox 237">
+                <a:extLst>
+                  <a:ext uri="{FF2B5EF4-FFF2-40B4-BE49-F238E27FC236}">
+                    <a16:creationId xmlns:a16="http://schemas.microsoft.com/office/drawing/2014/main" id="{A377B8CB-DD30-4499-9731-117D3FD3EE2A}"/>
+                  </a:ext>
+                </a:extLst>
+              </p:cNvPr>
+              <p:cNvSpPr txBox="1">
+                <a:spLocks noRot="1" noChangeAspect="1" noMove="1" noResize="1" noEditPoints="1" noAdjustHandles="1" noChangeArrowheads="1" noChangeShapeType="1" noTextEdit="1"/>
+              </p:cNvSpPr>
+              <p:nvPr/>
+            </p:nvSpPr>
+            <p:spPr>
+              <a:xfrm>
+                <a:off x="5178183" y="3242311"/>
+                <a:ext cx="762969" cy="369332"/>
+              </a:xfrm>
+              <a:prstGeom prst="rect">
+                <a:avLst/>
+              </a:prstGeom>
+              <a:blipFill>
+                <a:blip r:embed="rId18"/>
+                <a:stretch>
+                  <a:fillRect/>
+                </a:stretch>
+              </a:blipFill>
+            </p:spPr>
+            <p:txBody>
+              <a:bodyPr/>
+              <a:lstStyle/>
+              <a:p>
+                <a:r>
+                  <a:rPr lang="en-GB">
+                    <a:noFill/>
+                  </a:rPr>
+                  <a:t> </a:t>
+                </a:r>
+              </a:p>
+            </p:txBody>
+          </p:sp>
+        </mc:Fallback>
+      </mc:AlternateContent>
+      <mc:AlternateContent xmlns:mc="http://schemas.openxmlformats.org/markup-compatibility/2006">
+        <mc:Choice xmlns:a14="http://schemas.microsoft.com/office/drawing/2010/main" Requires="a14">
+          <p:sp>
+            <p:nvSpPr>
+              <p:cNvPr id="239" name="TextBox 238">
+                <a:extLst>
+                  <a:ext uri="{FF2B5EF4-FFF2-40B4-BE49-F238E27FC236}">
+                    <a16:creationId xmlns:a16="http://schemas.microsoft.com/office/drawing/2014/main" id="{08F9578C-B0DD-4681-91C1-09A78B89141C}"/>
+                  </a:ext>
+                </a:extLst>
+              </p:cNvPr>
+              <p:cNvSpPr txBox="1"/>
+              <p:nvPr/>
+            </p:nvSpPr>
+            <p:spPr>
+              <a:xfrm>
+                <a:off x="6708695" y="2806765"/>
+                <a:ext cx="662974" cy="369332"/>
+              </a:xfrm>
+              <a:prstGeom prst="rect">
+                <a:avLst/>
+              </a:prstGeom>
+              <a:noFill/>
+            </p:spPr>
+            <p:txBody>
+              <a:bodyPr wrap="square">
+                <a:spAutoFit/>
+              </a:bodyPr>
+              <a:lstStyle/>
+              <a:p>
+                <a:pPr/>
+                <a14:m>
+                  <m:oMathPara xmlns:m="http://schemas.openxmlformats.org/officeDocument/2006/math">
+                    <m:oMathParaPr>
+                      <m:jc m:val="centerGroup"/>
+                    </m:oMathParaPr>
+                    <m:oMath xmlns:m="http://schemas.openxmlformats.org/officeDocument/2006/math">
+                      <m:sSub>
+                        <m:sSubPr>
+                          <m:ctrlPr>
+                            <a:rPr lang="en-GB" i="1">
+                              <a:solidFill>
+                                <a:srgbClr val="836967"/>
+                              </a:solidFill>
+                              <a:latin typeface="Cambria Math" panose="02040503050406030204" pitchFamily="18" charset="0"/>
+                            </a:rPr>
+                          </m:ctrlPr>
+                        </m:sSubPr>
+                        <m:e>
+                          <m:r>
+                            <a:rPr lang="en-US" b="0" i="1" smtClean="0">
+                              <a:latin typeface="Cambria Math" panose="02040503050406030204" pitchFamily="18" charset="0"/>
+                            </a:rPr>
+                            <m:t>𝛽</m:t>
+                          </m:r>
+                          <m:acc>
+                            <m:accPr>
+                              <m:chr m:val="̇"/>
+                              <m:ctrlPr>
+                                <a:rPr lang="en-GB" i="1">
+                                  <a:solidFill>
+                                    <a:srgbClr val="836967"/>
+                                  </a:solidFill>
+                                  <a:latin typeface="Cambria Math" panose="02040503050406030204" pitchFamily="18" charset="0"/>
+                                </a:rPr>
+                              </m:ctrlPr>
+                            </m:accPr>
+                            <m:e>
+                              <m:r>
+                                <a:rPr lang="en-GB" i="1">
+                                  <a:latin typeface="Cambria Math" panose="02040503050406030204" pitchFamily="18" charset="0"/>
+                                </a:rPr>
+                                <m:t>𝑚</m:t>
+                              </m:r>
+                            </m:e>
+                          </m:acc>
+                        </m:e>
+                        <m:sub>
+                          <m:r>
+                            <a:rPr lang="en-GB" i="1">
+                              <a:latin typeface="Cambria Math" panose="02040503050406030204" pitchFamily="18" charset="0"/>
+                            </a:rPr>
+                            <m:t>𝑑𝑎</m:t>
+                          </m:r>
+                        </m:sub>
+                      </m:sSub>
+                    </m:oMath>
+                  </m:oMathPara>
+                </a14:m>
+                <a:endParaRPr lang="en-GB" dirty="0"/>
+              </a:p>
+            </p:txBody>
+          </p:sp>
+        </mc:Choice>
+        <mc:Fallback>
+          <p:sp>
+            <p:nvSpPr>
+              <p:cNvPr id="239" name="TextBox 238">
+                <a:extLst>
+                  <a:ext uri="{FF2B5EF4-FFF2-40B4-BE49-F238E27FC236}">
+                    <a16:creationId xmlns:a16="http://schemas.microsoft.com/office/drawing/2014/main" id="{08F9578C-B0DD-4681-91C1-09A78B89141C}"/>
+                  </a:ext>
+                </a:extLst>
+              </p:cNvPr>
+              <p:cNvSpPr txBox="1">
+                <a:spLocks noRot="1" noChangeAspect="1" noMove="1" noResize="1" noEditPoints="1" noAdjustHandles="1" noChangeArrowheads="1" noChangeShapeType="1" noTextEdit="1"/>
+              </p:cNvSpPr>
+              <p:nvPr/>
+            </p:nvSpPr>
+            <p:spPr>
+              <a:xfrm>
+                <a:off x="6708695" y="2806765"/>
+                <a:ext cx="662974" cy="369332"/>
+              </a:xfrm>
+              <a:prstGeom prst="rect">
+                <a:avLst/>
+              </a:prstGeom>
+              <a:blipFill>
+                <a:blip r:embed="rId19"/>
+                <a:stretch>
+                  <a:fillRect l="-2778" r="-7407" b="-13115"/>
+                </a:stretch>
+              </a:blipFill>
+            </p:spPr>
+            <p:txBody>
+              <a:bodyPr/>
+              <a:lstStyle/>
+              <a:p>
+                <a:r>
+                  <a:rPr lang="en-GB">
+                    <a:noFill/>
+                  </a:rPr>
+                  <a:t> </a:t>
+                </a:r>
+              </a:p>
+            </p:txBody>
+          </p:sp>
+        </mc:Fallback>
+      </mc:AlternateContent>
+      <mc:AlternateContent xmlns:mc="http://schemas.openxmlformats.org/markup-compatibility/2006">
+        <mc:Choice xmlns:a14="http://schemas.microsoft.com/office/drawing/2010/main" Requires="a14">
+          <p:sp>
+            <p:nvSpPr>
+              <p:cNvPr id="240" name="TextBox 239">
+                <a:extLst>
+                  <a:ext uri="{FF2B5EF4-FFF2-40B4-BE49-F238E27FC236}">
+                    <a16:creationId xmlns:a16="http://schemas.microsoft.com/office/drawing/2014/main" id="{A08C071B-F22B-40AE-94E2-837E8991E059}"/>
+                  </a:ext>
+                </a:extLst>
+              </p:cNvPr>
+              <p:cNvSpPr txBox="1"/>
+              <p:nvPr/>
+            </p:nvSpPr>
+            <p:spPr>
+              <a:xfrm>
+                <a:off x="6664331" y="4261360"/>
+                <a:ext cx="1410802" cy="369332"/>
+              </a:xfrm>
+              <a:prstGeom prst="rect">
+                <a:avLst/>
+              </a:prstGeom>
+              <a:noFill/>
+            </p:spPr>
+            <p:txBody>
+              <a:bodyPr wrap="square">
+                <a:spAutoFit/>
+              </a:bodyPr>
+              <a:lstStyle/>
+              <a:p>
+                <a:pPr/>
+                <a14:m>
+                  <m:oMathPara xmlns:m="http://schemas.openxmlformats.org/officeDocument/2006/math">
+                    <m:oMathParaPr>
+                      <m:jc m:val="centerGroup"/>
+                    </m:oMathParaPr>
+                    <m:oMath xmlns:m="http://schemas.openxmlformats.org/officeDocument/2006/math">
+                      <m:r>
+                        <a:rPr lang="en-US" b="0" i="0" smtClean="0">
+                          <a:latin typeface="Cambria Math" panose="02040503050406030204" pitchFamily="18" charset="0"/>
+                        </a:rPr>
+                        <m:t>(1−</m:t>
+                      </m:r>
+                      <m:r>
+                        <a:rPr lang="en-US" b="0" i="1" smtClean="0">
+                          <a:latin typeface="Cambria Math" panose="02040503050406030204" pitchFamily="18" charset="0"/>
+                        </a:rPr>
+                        <m:t>𝛽</m:t>
+                      </m:r>
+                      <m:r>
+                        <a:rPr lang="en-US" b="0" i="1" smtClean="0">
+                          <a:latin typeface="Cambria Math" panose="02040503050406030204" pitchFamily="18" charset="0"/>
+                        </a:rPr>
+                        <m:t>)</m:t>
+                      </m:r>
+                      <m:sSub>
+                        <m:sSubPr>
+                          <m:ctrlPr>
+                            <a:rPr lang="en-GB" i="1">
+                              <a:solidFill>
+                                <a:srgbClr val="836967"/>
+                              </a:solidFill>
+                              <a:latin typeface="Cambria Math" panose="02040503050406030204" pitchFamily="18" charset="0"/>
+                            </a:rPr>
+                          </m:ctrlPr>
+                        </m:sSubPr>
+                        <m:e>
+                          <m:acc>
+                            <m:accPr>
+                              <m:chr m:val="̇"/>
+                              <m:ctrlPr>
+                                <a:rPr lang="en-GB" i="1">
+                                  <a:solidFill>
+                                    <a:srgbClr val="836967"/>
+                                  </a:solidFill>
+                                  <a:latin typeface="Cambria Math" panose="02040503050406030204" pitchFamily="18" charset="0"/>
+                                </a:rPr>
+                              </m:ctrlPr>
+                            </m:accPr>
+                            <m:e>
+                              <m:r>
+                                <a:rPr lang="en-GB" i="1">
+                                  <a:latin typeface="Cambria Math" panose="02040503050406030204" pitchFamily="18" charset="0"/>
+                                </a:rPr>
+                                <m:t>𝑚</m:t>
+                              </m:r>
+                            </m:e>
+                          </m:acc>
+                        </m:e>
+                        <m:sub>
+                          <m:r>
+                            <a:rPr lang="en-GB" i="1">
+                              <a:latin typeface="Cambria Math" panose="02040503050406030204" pitchFamily="18" charset="0"/>
+                            </a:rPr>
+                            <m:t>𝑑𝑎</m:t>
+                          </m:r>
+                        </m:sub>
+                      </m:sSub>
+                    </m:oMath>
+                  </m:oMathPara>
+                </a14:m>
+                <a:endParaRPr lang="en-GB" dirty="0"/>
+              </a:p>
+            </p:txBody>
+          </p:sp>
+        </mc:Choice>
+        <mc:Fallback>
+          <p:sp>
+            <p:nvSpPr>
+              <p:cNvPr id="240" name="TextBox 239">
+                <a:extLst>
+                  <a:ext uri="{FF2B5EF4-FFF2-40B4-BE49-F238E27FC236}">
+                    <a16:creationId xmlns:a16="http://schemas.microsoft.com/office/drawing/2014/main" id="{A08C071B-F22B-40AE-94E2-837E8991E059}"/>
+                  </a:ext>
+                </a:extLst>
+              </p:cNvPr>
+              <p:cNvSpPr txBox="1">
+                <a:spLocks noRot="1" noChangeAspect="1" noMove="1" noResize="1" noEditPoints="1" noAdjustHandles="1" noChangeArrowheads="1" noChangeShapeType="1" noTextEdit="1"/>
+              </p:cNvSpPr>
+              <p:nvPr/>
+            </p:nvSpPr>
+            <p:spPr>
+              <a:xfrm>
+                <a:off x="6664331" y="4261360"/>
+                <a:ext cx="1410802" cy="369332"/>
+              </a:xfrm>
+              <a:prstGeom prst="rect">
+                <a:avLst/>
+              </a:prstGeom>
+              <a:blipFill>
+                <a:blip r:embed="rId20"/>
+                <a:stretch>
+                  <a:fillRect b="-13115"/>
+                </a:stretch>
+              </a:blipFill>
+            </p:spPr>
+            <p:txBody>
+              <a:bodyPr/>
+              <a:lstStyle/>
+              <a:p>
+                <a:r>
+                  <a:rPr lang="en-GB">
+                    <a:noFill/>
+                  </a:rPr>
+                  <a:t> </a:t>
+                </a:r>
+              </a:p>
+            </p:txBody>
+          </p:sp>
+        </mc:Fallback>
+      </mc:AlternateContent>
+      <mc:AlternateContent xmlns:mc="http://schemas.openxmlformats.org/markup-compatibility/2006">
+        <mc:Choice xmlns:a14="http://schemas.microsoft.com/office/drawing/2010/main" Requires="a14">
+          <p:sp>
+            <p:nvSpPr>
+              <p:cNvPr id="241" name="TextBox 240">
+                <a:extLst>
+                  <a:ext uri="{FF2B5EF4-FFF2-40B4-BE49-F238E27FC236}">
+                    <a16:creationId xmlns:a16="http://schemas.microsoft.com/office/drawing/2014/main" id="{09A7AB8B-E979-427E-89D2-9B7647ACB11F}"/>
+                  </a:ext>
+                </a:extLst>
+              </p:cNvPr>
+              <p:cNvSpPr txBox="1"/>
+              <p:nvPr/>
+            </p:nvSpPr>
+            <p:spPr>
+              <a:xfrm>
+                <a:off x="9024708" y="3463779"/>
+                <a:ext cx="662974" cy="369332"/>
+              </a:xfrm>
+              <a:prstGeom prst="rect">
+                <a:avLst/>
+              </a:prstGeom>
+              <a:noFill/>
+            </p:spPr>
+            <p:txBody>
+              <a:bodyPr wrap="square">
+                <a:spAutoFit/>
+              </a:bodyPr>
+              <a:lstStyle/>
+              <a:p>
+                <a:pPr/>
+                <a14:m>
+                  <m:oMathPara xmlns:m="http://schemas.openxmlformats.org/officeDocument/2006/math">
+                    <m:oMathParaPr>
+                      <m:jc m:val="centerGroup"/>
+                    </m:oMathParaPr>
+                    <m:oMath xmlns:m="http://schemas.openxmlformats.org/officeDocument/2006/math">
+                      <m:sSub>
+                        <m:sSubPr>
+                          <m:ctrlPr>
+                            <a:rPr lang="en-GB" i="1">
+                              <a:solidFill>
+                                <a:srgbClr val="836967"/>
+                              </a:solidFill>
+                              <a:latin typeface="Cambria Math" panose="02040503050406030204" pitchFamily="18" charset="0"/>
+                            </a:rPr>
+                          </m:ctrlPr>
+                        </m:sSubPr>
+                        <m:e>
+                          <m:acc>
+                            <m:accPr>
+                              <m:chr m:val="̇"/>
+                              <m:ctrlPr>
+                                <a:rPr lang="en-GB" i="1">
+                                  <a:solidFill>
+                                    <a:srgbClr val="836967"/>
+                                  </a:solidFill>
+                                  <a:latin typeface="Cambria Math" panose="02040503050406030204" pitchFamily="18" charset="0"/>
+                                </a:rPr>
+                              </m:ctrlPr>
+                            </m:accPr>
+                            <m:e>
+                              <m:r>
+                                <a:rPr lang="en-GB" i="1">
+                                  <a:latin typeface="Cambria Math" panose="02040503050406030204" pitchFamily="18" charset="0"/>
+                                </a:rPr>
+                                <m:t>𝑚</m:t>
+                              </m:r>
+                            </m:e>
+                          </m:acc>
+                        </m:e>
+                        <m:sub>
+                          <m:r>
+                            <a:rPr lang="en-GB" i="1">
+                              <a:latin typeface="Cambria Math" panose="02040503050406030204" pitchFamily="18" charset="0"/>
+                            </a:rPr>
+                            <m:t>𝑑𝑎</m:t>
+                          </m:r>
+                        </m:sub>
+                      </m:sSub>
+                    </m:oMath>
+                  </m:oMathPara>
+                </a14:m>
+                <a:endParaRPr lang="en-GB" dirty="0"/>
+              </a:p>
+            </p:txBody>
+          </p:sp>
+        </mc:Choice>
+        <mc:Fallback>
+          <p:sp>
+            <p:nvSpPr>
+              <p:cNvPr id="241" name="TextBox 240">
+                <a:extLst>
+                  <a:ext uri="{FF2B5EF4-FFF2-40B4-BE49-F238E27FC236}">
+                    <a16:creationId xmlns:a16="http://schemas.microsoft.com/office/drawing/2014/main" id="{09A7AB8B-E979-427E-89D2-9B7647ACB11F}"/>
+                  </a:ext>
+                </a:extLst>
+              </p:cNvPr>
+              <p:cNvSpPr txBox="1">
+                <a:spLocks noRot="1" noChangeAspect="1" noMove="1" noResize="1" noEditPoints="1" noAdjustHandles="1" noChangeArrowheads="1" noChangeShapeType="1" noTextEdit="1"/>
+              </p:cNvSpPr>
+              <p:nvPr/>
+            </p:nvSpPr>
+            <p:spPr>
+              <a:xfrm>
+                <a:off x="9024708" y="3463779"/>
+                <a:ext cx="662974" cy="369332"/>
+              </a:xfrm>
+              <a:prstGeom prst="rect">
+                <a:avLst/>
+              </a:prstGeom>
+              <a:blipFill>
+                <a:blip r:embed="rId21"/>
+                <a:stretch>
+                  <a:fillRect/>
+                </a:stretch>
+              </a:blipFill>
+            </p:spPr>
+            <p:txBody>
+              <a:bodyPr/>
+              <a:lstStyle/>
+              <a:p>
+                <a:r>
+                  <a:rPr lang="en-GB">
+                    <a:noFill/>
+                  </a:rPr>
+                  <a:t> </a:t>
+                </a:r>
+              </a:p>
+            </p:txBody>
+          </p:sp>
+        </mc:Fallback>
+      </mc:AlternateContent>
+      <mc:AlternateContent xmlns:mc="http://schemas.openxmlformats.org/markup-compatibility/2006">
+        <mc:Choice xmlns:a14="http://schemas.microsoft.com/office/drawing/2010/main" Requires="a14">
+          <p:sp>
+            <p:nvSpPr>
+              <p:cNvPr id="242" name="TextBox 241">
+                <a:extLst>
+                  <a:ext uri="{FF2B5EF4-FFF2-40B4-BE49-F238E27FC236}">
+                    <a16:creationId xmlns:a16="http://schemas.microsoft.com/office/drawing/2014/main" id="{A87394DB-19C9-4CBF-B0B2-962855F59D49}"/>
+                  </a:ext>
+                </a:extLst>
+              </p:cNvPr>
+              <p:cNvSpPr txBox="1"/>
+              <p:nvPr/>
+            </p:nvSpPr>
+            <p:spPr>
+              <a:xfrm>
+                <a:off x="10067134" y="3307564"/>
+                <a:ext cx="662974" cy="369332"/>
+              </a:xfrm>
+              <a:prstGeom prst="rect">
+                <a:avLst/>
+              </a:prstGeom>
+              <a:noFill/>
+            </p:spPr>
+            <p:txBody>
+              <a:bodyPr wrap="square">
+                <a:spAutoFit/>
+              </a:bodyPr>
+              <a:lstStyle/>
+              <a:p>
+                <a:pPr/>
+                <a14:m>
+                  <m:oMathPara xmlns:m="http://schemas.openxmlformats.org/officeDocument/2006/math">
+                    <m:oMathParaPr>
+                      <m:jc m:val="centerGroup"/>
+                    </m:oMathParaPr>
+                    <m:oMath xmlns:m="http://schemas.openxmlformats.org/officeDocument/2006/math">
+                      <m:sSub>
+                        <m:sSubPr>
+                          <m:ctrlPr>
+                            <a:rPr lang="en-GB" i="1">
+                              <a:solidFill>
+                                <a:srgbClr val="836967"/>
+                              </a:solidFill>
+                              <a:latin typeface="Cambria Math" panose="02040503050406030204" pitchFamily="18" charset="0"/>
+                            </a:rPr>
+                          </m:ctrlPr>
+                        </m:sSubPr>
+                        <m:e>
+                          <m:acc>
+                            <m:accPr>
+                              <m:chr m:val="̇"/>
+                              <m:ctrlPr>
+                                <a:rPr lang="en-GB" i="1">
+                                  <a:solidFill>
+                                    <a:srgbClr val="836967"/>
+                                  </a:solidFill>
+                                  <a:latin typeface="Cambria Math" panose="02040503050406030204" pitchFamily="18" charset="0"/>
+                                </a:rPr>
+                              </m:ctrlPr>
+                            </m:accPr>
+                            <m:e>
+                              <m:r>
+                                <a:rPr lang="en-GB" i="1">
+                                  <a:latin typeface="Cambria Math" panose="02040503050406030204" pitchFamily="18" charset="0"/>
+                                </a:rPr>
+                                <m:t>𝑚</m:t>
+                              </m:r>
+                            </m:e>
+                          </m:acc>
+                        </m:e>
+                        <m:sub>
+                          <m:r>
+                            <a:rPr lang="en-GB" i="1">
+                              <a:latin typeface="Cambria Math" panose="02040503050406030204" pitchFamily="18" charset="0"/>
+                            </a:rPr>
+                            <m:t>𝑑𝑎</m:t>
+                          </m:r>
+                        </m:sub>
+                      </m:sSub>
+                    </m:oMath>
+                  </m:oMathPara>
+                </a14:m>
+                <a:endParaRPr lang="en-GB" dirty="0"/>
+              </a:p>
+            </p:txBody>
+          </p:sp>
+        </mc:Choice>
+        <mc:Fallback>
+          <p:sp>
+            <p:nvSpPr>
+              <p:cNvPr id="242" name="TextBox 241">
+                <a:extLst>
+                  <a:ext uri="{FF2B5EF4-FFF2-40B4-BE49-F238E27FC236}">
+                    <a16:creationId xmlns:a16="http://schemas.microsoft.com/office/drawing/2014/main" id="{A87394DB-19C9-4CBF-B0B2-962855F59D49}"/>
+                  </a:ext>
+                </a:extLst>
+              </p:cNvPr>
+              <p:cNvSpPr txBox="1">
+                <a:spLocks noRot="1" noChangeAspect="1" noMove="1" noResize="1" noEditPoints="1" noAdjustHandles="1" noChangeArrowheads="1" noChangeShapeType="1" noTextEdit="1"/>
+              </p:cNvSpPr>
+              <p:nvPr/>
+            </p:nvSpPr>
+            <p:spPr>
+              <a:xfrm>
+                <a:off x="10067134" y="3307564"/>
+                <a:ext cx="662974" cy="369332"/>
+              </a:xfrm>
+              <a:prstGeom prst="rect">
+                <a:avLst/>
+              </a:prstGeom>
+              <a:blipFill>
+                <a:blip r:embed="rId22"/>
+                <a:stretch>
+                  <a:fillRect/>
+                </a:stretch>
+              </a:blipFill>
+            </p:spPr>
+            <p:txBody>
+              <a:bodyPr/>
+              <a:lstStyle/>
+              <a:p>
+                <a:r>
+                  <a:rPr lang="en-GB">
+                    <a:noFill/>
+                  </a:rPr>
+                  <a:t> </a:t>
+                </a:r>
+              </a:p>
+            </p:txBody>
+          </p:sp>
+        </mc:Fallback>
+      </mc:AlternateContent>
+      <mc:AlternateContent xmlns:mc="http://schemas.openxmlformats.org/markup-compatibility/2006" xmlns:a14="http://schemas.microsoft.com/office/drawing/2010/main">
+        <mc:Choice Requires="a14">
+          <p:sp>
+            <p:nvSpPr>
+              <p:cNvPr id="247" name="TextBox 246">
+                <a:extLst>
+                  <a:ext uri="{FF2B5EF4-FFF2-40B4-BE49-F238E27FC236}">
+                    <a16:creationId xmlns:a16="http://schemas.microsoft.com/office/drawing/2014/main" id="{2D8D674D-C6E6-4ABE-B6FA-605AA4172891}"/>
+                  </a:ext>
+                </a:extLst>
+              </p:cNvPr>
+              <p:cNvSpPr txBox="1"/>
+              <p:nvPr/>
+            </p:nvSpPr>
+            <p:spPr>
+              <a:xfrm>
+                <a:off x="11260134" y="3227452"/>
+                <a:ext cx="662974" cy="369332"/>
+              </a:xfrm>
+              <a:prstGeom prst="rect">
+                <a:avLst/>
+              </a:prstGeom>
+              <a:noFill/>
+            </p:spPr>
+            <p:txBody>
+              <a:bodyPr wrap="square">
+                <a:spAutoFit/>
+              </a:bodyPr>
+              <a:lstStyle/>
+              <a:p>
+                <a:pPr/>
+                <a14:m>
+                  <m:oMathPara xmlns:m="http://schemas.openxmlformats.org/officeDocument/2006/math">
+                    <m:oMathParaPr>
+                      <m:jc m:val="centerGroup"/>
+                    </m:oMathParaPr>
+                    <m:oMath xmlns:m="http://schemas.openxmlformats.org/officeDocument/2006/math">
+                      <m:sSub>
+                        <m:sSubPr>
+                          <m:ctrlPr>
+                            <a:rPr lang="en-GB" i="1">
+                              <a:solidFill>
+                                <a:srgbClr val="836967"/>
+                              </a:solidFill>
+                              <a:latin typeface="Cambria Math" panose="02040503050406030204" pitchFamily="18" charset="0"/>
+                            </a:rPr>
+                          </m:ctrlPr>
+                        </m:sSubPr>
+                        <m:e>
+                          <m:acc>
+                            <m:accPr>
+                              <m:chr m:val="̇"/>
+                              <m:ctrlPr>
+                                <a:rPr lang="en-GB" i="1">
+                                  <a:solidFill>
+                                    <a:srgbClr val="836967"/>
+                                  </a:solidFill>
+                                  <a:latin typeface="Cambria Math" panose="02040503050406030204" pitchFamily="18" charset="0"/>
+                                </a:rPr>
+                              </m:ctrlPr>
+                            </m:accPr>
+                            <m:e>
+                              <m:r>
+                                <a:rPr lang="en-GB" i="1">
+                                  <a:latin typeface="Cambria Math" panose="02040503050406030204" pitchFamily="18" charset="0"/>
+                                </a:rPr>
+                                <m:t>𝑚</m:t>
+                              </m:r>
+                            </m:e>
+                          </m:acc>
+                        </m:e>
+                        <m:sub>
+                          <m:r>
+                            <a:rPr lang="en-GB" i="1">
+                              <a:latin typeface="Cambria Math" panose="02040503050406030204" pitchFamily="18" charset="0"/>
+                            </a:rPr>
+                            <m:t>𝑑𝑎</m:t>
+                          </m:r>
+                        </m:sub>
+                      </m:sSub>
+                    </m:oMath>
+                  </m:oMathPara>
+                </a14:m>
+                <a:endParaRPr lang="en-GB" dirty="0"/>
+              </a:p>
+            </p:txBody>
+          </p:sp>
+        </mc:Choice>
+        <mc:Fallback xmlns="">
+          <p:sp>
+            <p:nvSpPr>
+              <p:cNvPr id="247" name="TextBox 246">
+                <a:extLst>
+                  <a:ext uri="{FF2B5EF4-FFF2-40B4-BE49-F238E27FC236}">
+                    <a16:creationId xmlns:a16="http://schemas.microsoft.com/office/drawing/2014/main" id="{2D8D674D-C6E6-4ABE-B6FA-605AA4172891}"/>
+                  </a:ext>
+                </a:extLst>
+              </p:cNvPr>
+              <p:cNvSpPr txBox="1">
+                <a:spLocks noRot="1" noChangeAspect="1" noMove="1" noResize="1" noEditPoints="1" noAdjustHandles="1" noChangeArrowheads="1" noChangeShapeType="1" noTextEdit="1"/>
+              </p:cNvSpPr>
+              <p:nvPr/>
+            </p:nvSpPr>
+            <p:spPr>
+              <a:xfrm>
+                <a:off x="11260134" y="3227452"/>
+                <a:ext cx="662974" cy="369332"/>
+              </a:xfrm>
+              <a:prstGeom prst="rect">
+                <a:avLst/>
+              </a:prstGeom>
+              <a:blipFill>
+                <a:blip r:embed="rId23"/>
+                <a:stretch>
+                  <a:fillRect/>
+                </a:stretch>
+              </a:blipFill>
+            </p:spPr>
+            <p:txBody>
+              <a:bodyPr/>
+              <a:lstStyle/>
+              <a:p>
+                <a:r>
+                  <a:rPr lang="en-GB">
+                    <a:noFill/>
+                  </a:rPr>
+                  <a:t> </a:t>
+                </a:r>
+              </a:p>
+            </p:txBody>
+          </p:sp>
+        </mc:Fallback>
+      </mc:AlternateContent>
+      <mc:AlternateContent xmlns:mc="http://schemas.openxmlformats.org/markup-compatibility/2006" xmlns:a14="http://schemas.microsoft.com/office/drawing/2010/main">
+        <mc:Choice Requires="a14">
+          <p:sp>
+            <p:nvSpPr>
+              <p:cNvPr id="251" name="TextBox 250">
+                <a:extLst>
+                  <a:ext uri="{FF2B5EF4-FFF2-40B4-BE49-F238E27FC236}">
+                    <a16:creationId xmlns:a16="http://schemas.microsoft.com/office/drawing/2014/main" id="{E8C6A498-CE80-4023-981B-F738D4CBB65E}"/>
+                  </a:ext>
+                </a:extLst>
+              </p:cNvPr>
+              <p:cNvSpPr txBox="1"/>
+              <p:nvPr/>
+            </p:nvSpPr>
+            <p:spPr>
+              <a:xfrm>
+                <a:off x="1400511" y="675905"/>
+                <a:ext cx="1035440" cy="369332"/>
+              </a:xfrm>
+              <a:prstGeom prst="rect">
+                <a:avLst/>
+              </a:prstGeom>
+              <a:noFill/>
+            </p:spPr>
+            <p:txBody>
+              <a:bodyPr wrap="square">
+                <a:spAutoFit/>
+              </a:bodyPr>
+              <a:lstStyle/>
+              <a:p>
+                <a:r>
+                  <a:rPr lang="en-GB" dirty="0"/>
+                  <a:t>𝛾</a:t>
+                </a:r>
+                <a14:m>
+                  <m:oMath xmlns:m="http://schemas.openxmlformats.org/officeDocument/2006/math">
+                    <m:r>
+                      <a:rPr lang="en-GB" i="1" smtClean="0">
+                        <a:latin typeface="Cambria Math" panose="02040503050406030204" pitchFamily="18" charset="0"/>
+                      </a:rPr>
+                      <m:t>𝛼</m:t>
+                    </m:r>
+                    <m:sSub>
+                      <m:sSubPr>
+                        <m:ctrlPr>
+                          <a:rPr lang="en-GB" i="1">
+                            <a:solidFill>
+                              <a:srgbClr val="836967"/>
+                            </a:solidFill>
+                            <a:latin typeface="Cambria Math" panose="02040503050406030204" pitchFamily="18" charset="0"/>
+                          </a:rPr>
+                        </m:ctrlPr>
+                      </m:sSubPr>
+                      <m:e>
+                        <m:acc>
+                          <m:accPr>
+                            <m:chr m:val="̇"/>
+                            <m:ctrlPr>
+                              <a:rPr lang="en-GB" i="1">
+                                <a:solidFill>
+                                  <a:srgbClr val="836967"/>
+                                </a:solidFill>
+                                <a:latin typeface="Cambria Math" panose="02040503050406030204" pitchFamily="18" charset="0"/>
+                              </a:rPr>
+                            </m:ctrlPr>
+                          </m:accPr>
+                          <m:e>
+                            <m:r>
+                              <a:rPr lang="en-GB" i="1">
+                                <a:latin typeface="Cambria Math" panose="02040503050406030204" pitchFamily="18" charset="0"/>
+                              </a:rPr>
+                              <m:t>𝑚</m:t>
+                            </m:r>
+                          </m:e>
+                        </m:acc>
+                      </m:e>
+                      <m:sub>
+                        <m:r>
+                          <a:rPr lang="en-GB" i="1">
+                            <a:latin typeface="Cambria Math" panose="02040503050406030204" pitchFamily="18" charset="0"/>
+                          </a:rPr>
+                          <m:t>𝑑𝑎</m:t>
+                        </m:r>
+                      </m:sub>
+                    </m:sSub>
+                  </m:oMath>
+                </a14:m>
+                <a:endParaRPr lang="en-GB" dirty="0"/>
+              </a:p>
+            </p:txBody>
+          </p:sp>
+        </mc:Choice>
+        <mc:Fallback xmlns="">
+          <p:sp>
+            <p:nvSpPr>
+              <p:cNvPr id="251" name="TextBox 250">
+                <a:extLst>
+                  <a:ext uri="{FF2B5EF4-FFF2-40B4-BE49-F238E27FC236}">
+                    <a16:creationId xmlns:a16="http://schemas.microsoft.com/office/drawing/2014/main" id="{E8C6A498-CE80-4023-981B-F738D4CBB65E}"/>
+                  </a:ext>
+                </a:extLst>
+              </p:cNvPr>
+              <p:cNvSpPr txBox="1">
+                <a:spLocks noRot="1" noChangeAspect="1" noMove="1" noResize="1" noEditPoints="1" noAdjustHandles="1" noChangeArrowheads="1" noChangeShapeType="1" noTextEdit="1"/>
+              </p:cNvSpPr>
+              <p:nvPr/>
+            </p:nvSpPr>
+            <p:spPr>
+              <a:xfrm>
+                <a:off x="1400511" y="675905"/>
+                <a:ext cx="1035440" cy="369332"/>
+              </a:xfrm>
+              <a:prstGeom prst="rect">
+                <a:avLst/>
+              </a:prstGeom>
+              <a:blipFill>
+                <a:blip r:embed="rId24"/>
+                <a:stretch>
+                  <a:fillRect l="-5294" t="-13333" b="-23333"/>
+                </a:stretch>
+              </a:blipFill>
+            </p:spPr>
+            <p:txBody>
+              <a:bodyPr/>
+              <a:lstStyle/>
+              <a:p>
+                <a:r>
+                  <a:rPr lang="en-GB">
+                    <a:noFill/>
+                  </a:rPr>
+                  <a:t> </a:t>
+                </a:r>
+              </a:p>
+            </p:txBody>
+          </p:sp>
+        </mc:Fallback>
+      </mc:AlternateContent>
+      <mc:AlternateContent xmlns:mc="http://schemas.openxmlformats.org/markup-compatibility/2006" xmlns:a14="http://schemas.microsoft.com/office/drawing/2010/main">
+        <mc:Choice Requires="a14">
+          <p:sp>
+            <p:nvSpPr>
+              <p:cNvPr id="252" name="TextBox 251">
+                <a:extLst>
+                  <a:ext uri="{FF2B5EF4-FFF2-40B4-BE49-F238E27FC236}">
+                    <a16:creationId xmlns:a16="http://schemas.microsoft.com/office/drawing/2014/main" id="{236AE04C-1157-4987-ABE8-C896E3C6BC40}"/>
+                  </a:ext>
+                </a:extLst>
+              </p:cNvPr>
+              <p:cNvSpPr txBox="1"/>
+              <p:nvPr/>
+            </p:nvSpPr>
+            <p:spPr>
+              <a:xfrm>
+                <a:off x="-5265" y="2052743"/>
+                <a:ext cx="1673677" cy="369332"/>
+              </a:xfrm>
+              <a:prstGeom prst="rect">
+                <a:avLst/>
+              </a:prstGeom>
+              <a:noFill/>
+            </p:spPr>
+            <p:txBody>
+              <a:bodyPr wrap="square">
+                <a:spAutoFit/>
+              </a:bodyPr>
+              <a:lstStyle/>
+              <a:p>
+                <a:pPr/>
+                <a14:m>
+                  <m:oMathPara xmlns:m="http://schemas.openxmlformats.org/officeDocument/2006/math">
+                    <m:oMathParaPr>
+                      <m:jc m:val="centerGroup"/>
+                    </m:oMathParaPr>
+                    <m:oMath xmlns:m="http://schemas.openxmlformats.org/officeDocument/2006/math">
+                      <m:r>
+                        <a:rPr lang="en-US" b="0" i="0" smtClean="0">
+                          <a:latin typeface="Cambria Math" panose="02040503050406030204" pitchFamily="18" charset="0"/>
+                        </a:rPr>
+                        <m:t>(1−</m:t>
+                      </m:r>
+                      <m:r>
+                        <a:rPr lang="en-US" b="0" i="1" smtClean="0">
+                          <a:latin typeface="Cambria Math" panose="02040503050406030204" pitchFamily="18" charset="0"/>
+                        </a:rPr>
+                        <m:t>𝛾</m:t>
+                      </m:r>
+                      <m:r>
+                        <a:rPr lang="en-US" b="0" i="1" smtClean="0">
+                          <a:latin typeface="Cambria Math" panose="02040503050406030204" pitchFamily="18" charset="0"/>
+                        </a:rPr>
+                        <m:t>)</m:t>
+                      </m:r>
+                      <m:r>
+                        <a:rPr lang="en-GB" i="1" smtClean="0">
+                          <a:latin typeface="Cambria Math" panose="02040503050406030204" pitchFamily="18" charset="0"/>
+                        </a:rPr>
+                        <m:t>𝛼</m:t>
+                      </m:r>
+                      <m:sSub>
+                        <m:sSubPr>
+                          <m:ctrlPr>
+                            <a:rPr lang="en-GB" i="1">
+                              <a:solidFill>
+                                <a:srgbClr val="836967"/>
+                              </a:solidFill>
+                              <a:latin typeface="Cambria Math" panose="02040503050406030204" pitchFamily="18" charset="0"/>
+                            </a:rPr>
+                          </m:ctrlPr>
+                        </m:sSubPr>
+                        <m:e>
+                          <m:acc>
+                            <m:accPr>
+                              <m:chr m:val="̇"/>
+                              <m:ctrlPr>
+                                <a:rPr lang="en-GB" i="1">
+                                  <a:solidFill>
+                                    <a:srgbClr val="836967"/>
+                                  </a:solidFill>
+                                  <a:latin typeface="Cambria Math" panose="02040503050406030204" pitchFamily="18" charset="0"/>
+                                </a:rPr>
+                              </m:ctrlPr>
+                            </m:accPr>
+                            <m:e>
+                              <m:r>
+                                <a:rPr lang="en-GB" i="1">
+                                  <a:latin typeface="Cambria Math" panose="02040503050406030204" pitchFamily="18" charset="0"/>
+                                </a:rPr>
+                                <m:t>𝑚</m:t>
+                              </m:r>
+                            </m:e>
+                          </m:acc>
+                        </m:e>
+                        <m:sub>
+                          <m:r>
+                            <a:rPr lang="en-GB" i="1">
+                              <a:latin typeface="Cambria Math" panose="02040503050406030204" pitchFamily="18" charset="0"/>
+                            </a:rPr>
+                            <m:t>𝑑𝑎</m:t>
+                          </m:r>
+                        </m:sub>
+                      </m:sSub>
+                    </m:oMath>
+                  </m:oMathPara>
+                </a14:m>
+                <a:endParaRPr lang="en-GB" dirty="0"/>
+              </a:p>
+            </p:txBody>
+          </p:sp>
+        </mc:Choice>
+        <mc:Fallback xmlns="">
+          <p:sp>
+            <p:nvSpPr>
+              <p:cNvPr id="252" name="TextBox 251">
+                <a:extLst>
+                  <a:ext uri="{FF2B5EF4-FFF2-40B4-BE49-F238E27FC236}">
+                    <a16:creationId xmlns:a16="http://schemas.microsoft.com/office/drawing/2014/main" id="{236AE04C-1157-4987-ABE8-C896E3C6BC40}"/>
+                  </a:ext>
+                </a:extLst>
+              </p:cNvPr>
+              <p:cNvSpPr txBox="1">
+                <a:spLocks noRot="1" noChangeAspect="1" noMove="1" noResize="1" noEditPoints="1" noAdjustHandles="1" noChangeArrowheads="1" noChangeShapeType="1" noTextEdit="1"/>
+              </p:cNvSpPr>
+              <p:nvPr/>
+            </p:nvSpPr>
+            <p:spPr>
+              <a:xfrm>
+                <a:off x="-5265" y="2052743"/>
+                <a:ext cx="1673677" cy="369332"/>
+              </a:xfrm>
+              <a:prstGeom prst="rect">
+                <a:avLst/>
+              </a:prstGeom>
+              <a:blipFill>
+                <a:blip r:embed="rId25"/>
+                <a:stretch>
+                  <a:fillRect b="-13333"/>
+                </a:stretch>
+              </a:blipFill>
+            </p:spPr>
+            <p:txBody>
+              <a:bodyPr/>
+              <a:lstStyle/>
+              <a:p>
+                <a:r>
+                  <a:rPr lang="en-GB">
+                    <a:noFill/>
+                  </a:rPr>
+                  <a:t> </a:t>
+                </a:r>
+              </a:p>
+            </p:txBody>
+          </p:sp>
+        </mc:Fallback>
+      </mc:AlternateContent>
+      <mc:AlternateContent xmlns:mc="http://schemas.openxmlformats.org/markup-compatibility/2006" xmlns:a14="http://schemas.microsoft.com/office/drawing/2010/main">
+        <mc:Choice Requires="a14">
+          <p:sp>
+            <p:nvSpPr>
+              <p:cNvPr id="253" name="TextBox 252">
+                <a:extLst>
+                  <a:ext uri="{FF2B5EF4-FFF2-40B4-BE49-F238E27FC236}">
+                    <a16:creationId xmlns:a16="http://schemas.microsoft.com/office/drawing/2014/main" id="{5C5EB219-D5CB-471B-B40B-EE59636F3B27}"/>
+                  </a:ext>
+                </a:extLst>
+              </p:cNvPr>
+              <p:cNvSpPr txBox="1"/>
+              <p:nvPr/>
+            </p:nvSpPr>
+            <p:spPr>
+              <a:xfrm>
+                <a:off x="-40669" y="1128454"/>
+                <a:ext cx="762969" cy="369332"/>
+              </a:xfrm>
+              <a:prstGeom prst="rect">
+                <a:avLst/>
+              </a:prstGeom>
+              <a:noFill/>
+            </p:spPr>
+            <p:txBody>
+              <a:bodyPr wrap="square">
+                <a:spAutoFit/>
+              </a:bodyPr>
+              <a:lstStyle/>
+              <a:p>
+                <a:pPr/>
+                <a14:m>
+                  <m:oMathPara xmlns:m="http://schemas.openxmlformats.org/officeDocument/2006/math">
+                    <m:oMathParaPr>
+                      <m:jc m:val="centerGroup"/>
+                    </m:oMathParaPr>
+                    <m:oMath xmlns:m="http://schemas.openxmlformats.org/officeDocument/2006/math">
+                      <m:r>
+                        <a:rPr lang="en-GB" i="1" smtClean="0">
+                          <a:latin typeface="Cambria Math" panose="02040503050406030204" pitchFamily="18" charset="0"/>
+                        </a:rPr>
+                        <m:t>𝛼</m:t>
+                      </m:r>
+                      <m:sSub>
+                        <m:sSubPr>
+                          <m:ctrlPr>
+                            <a:rPr lang="en-GB" i="1">
+                              <a:solidFill>
+                                <a:srgbClr val="836967"/>
+                              </a:solidFill>
+                              <a:latin typeface="Cambria Math" panose="02040503050406030204" pitchFamily="18" charset="0"/>
+                            </a:rPr>
+                          </m:ctrlPr>
+                        </m:sSubPr>
+                        <m:e>
+                          <m:acc>
+                            <m:accPr>
+                              <m:chr m:val="̇"/>
+                              <m:ctrlPr>
+                                <a:rPr lang="en-GB" i="1">
+                                  <a:solidFill>
+                                    <a:srgbClr val="836967"/>
+                                  </a:solidFill>
+                                  <a:latin typeface="Cambria Math" panose="02040503050406030204" pitchFamily="18" charset="0"/>
+                                </a:rPr>
+                              </m:ctrlPr>
+                            </m:accPr>
+                            <m:e>
+                              <m:r>
+                                <a:rPr lang="en-GB" i="1">
+                                  <a:latin typeface="Cambria Math" panose="02040503050406030204" pitchFamily="18" charset="0"/>
+                                </a:rPr>
+                                <m:t>𝑚</m:t>
+                              </m:r>
+                            </m:e>
+                          </m:acc>
+                        </m:e>
+                        <m:sub>
+                          <m:r>
+                            <a:rPr lang="en-GB" i="1">
+                              <a:latin typeface="Cambria Math" panose="02040503050406030204" pitchFamily="18" charset="0"/>
+                            </a:rPr>
+                            <m:t>𝑑𝑎</m:t>
+                          </m:r>
+                        </m:sub>
+                      </m:sSub>
+                    </m:oMath>
+                  </m:oMathPara>
+                </a14:m>
+                <a:endParaRPr lang="en-GB" dirty="0"/>
+              </a:p>
+            </p:txBody>
+          </p:sp>
+        </mc:Choice>
+        <mc:Fallback xmlns="">
+          <p:sp>
+            <p:nvSpPr>
+              <p:cNvPr id="253" name="TextBox 252">
+                <a:extLst>
+                  <a:ext uri="{FF2B5EF4-FFF2-40B4-BE49-F238E27FC236}">
+                    <a16:creationId xmlns:a16="http://schemas.microsoft.com/office/drawing/2014/main" id="{5C5EB219-D5CB-471B-B40B-EE59636F3B27}"/>
+                  </a:ext>
+                </a:extLst>
+              </p:cNvPr>
+              <p:cNvSpPr txBox="1">
+                <a:spLocks noRot="1" noChangeAspect="1" noMove="1" noResize="1" noEditPoints="1" noAdjustHandles="1" noChangeArrowheads="1" noChangeShapeType="1" noTextEdit="1"/>
+              </p:cNvSpPr>
+              <p:nvPr/>
+            </p:nvSpPr>
+            <p:spPr>
+              <a:xfrm>
+                <a:off x="-40669" y="1128454"/>
+                <a:ext cx="762969" cy="369332"/>
+              </a:xfrm>
+              <a:prstGeom prst="rect">
+                <a:avLst/>
+              </a:prstGeom>
+              <a:blipFill>
+                <a:blip r:embed="rId26"/>
+                <a:stretch>
+                  <a:fillRect/>
+                </a:stretch>
+              </a:blipFill>
+            </p:spPr>
+            <p:txBody>
+              <a:bodyPr/>
+              <a:lstStyle/>
+              <a:p>
+                <a:r>
+                  <a:rPr lang="en-GB">
+                    <a:noFill/>
+                  </a:rPr>
+                  <a:t> </a:t>
+                </a:r>
+              </a:p>
+            </p:txBody>
+          </p:sp>
+        </mc:Fallback>
+      </mc:AlternateContent>
+      <p:sp>
+        <p:nvSpPr>
+          <p:cNvPr id="255" name="Rectangle 254">
+            <a:extLst>
+              <a:ext uri="{FF2B5EF4-FFF2-40B4-BE49-F238E27FC236}">
+                <a16:creationId xmlns:a16="http://schemas.microsoft.com/office/drawing/2014/main" id="{9A0C9B2B-32F3-433A-B2A2-A04CC9DEFD9F}"/>
+              </a:ext>
+            </a:extLst>
+          </p:cNvPr>
+          <p:cNvSpPr/>
+          <p:nvPr/>
+        </p:nvSpPr>
+        <p:spPr>
+          <a:xfrm>
+            <a:off x="644502" y="347870"/>
+            <a:ext cx="1766789" cy="3323607"/>
+          </a:xfrm>
+          <a:prstGeom prst="rect">
+            <a:avLst/>
+          </a:prstGeom>
+          <a:noFill/>
+          <a:ln w="38100">
+            <a:solidFill>
+              <a:srgbClr val="FF0000"/>
+            </a:solidFill>
+            <a:prstDash val="dash"/>
+          </a:ln>
+        </p:spPr>
+        <p:style>
+          <a:lnRef idx="2">
+            <a:schemeClr val="accent1">
+              <a:shade val="50000"/>
+            </a:schemeClr>
+          </a:lnRef>
+          <a:fillRef idx="1">
+            <a:schemeClr val="accent1"/>
+          </a:fillRef>
+          <a:effectRef idx="0">
+            <a:schemeClr val="accent1"/>
+          </a:effectRef>
+          <a:fontRef idx="minor">
+            <a:schemeClr val="lt1"/>
+          </a:fontRef>
+        </p:style>
+        <p:txBody>
+          <a:bodyPr rtlCol="0" anchor="ctr"/>
+          <a:lstStyle/>
+          <a:p>
+            <a:pPr algn="ctr"/>
+            <a:endParaRPr lang="en-GB"/>
+          </a:p>
+        </p:txBody>
+      </p:sp>
+      <p:cxnSp>
+        <p:nvCxnSpPr>
+          <p:cNvPr id="262" name="Straight Arrow Connector 261">
+            <a:extLst>
+              <a:ext uri="{FF2B5EF4-FFF2-40B4-BE49-F238E27FC236}">
+                <a16:creationId xmlns:a16="http://schemas.microsoft.com/office/drawing/2014/main" id="{03B55051-F7C3-47A0-902A-BDCA69BED27C}"/>
+              </a:ext>
+            </a:extLst>
+          </p:cNvPr>
+          <p:cNvCxnSpPr>
+            <a:cxnSpLocks/>
+            <a:stCxn id="263" idx="1"/>
+          </p:cNvCxnSpPr>
+          <p:nvPr/>
+        </p:nvCxnSpPr>
+        <p:spPr>
+          <a:xfrm flipH="1">
+            <a:off x="2435951" y="389522"/>
+            <a:ext cx="548990" cy="107435"/>
+          </a:xfrm>
+          <a:prstGeom prst="straightConnector1">
+            <a:avLst/>
+          </a:prstGeom>
+          <a:ln w="28575">
+            <a:solidFill>
+              <a:srgbClr val="FF0000"/>
+            </a:solidFill>
+            <a:tailEnd type="triangle"/>
+          </a:ln>
+        </p:spPr>
+        <p:style>
+          <a:lnRef idx="1">
+            <a:schemeClr val="accent1"/>
+          </a:lnRef>
+          <a:fillRef idx="0">
+            <a:schemeClr val="accent1"/>
+          </a:fillRef>
+          <a:effectRef idx="0">
+            <a:schemeClr val="accent1"/>
+          </a:effectRef>
+          <a:fontRef idx="minor">
+            <a:schemeClr val="tx1"/>
+          </a:fontRef>
+        </p:style>
+      </p:cxnSp>
+      <p:sp>
+        <p:nvSpPr>
+          <p:cNvPr id="263" name="TextBox 262">
+            <a:extLst>
+              <a:ext uri="{FF2B5EF4-FFF2-40B4-BE49-F238E27FC236}">
+                <a16:creationId xmlns:a16="http://schemas.microsoft.com/office/drawing/2014/main" id="{E5DC0660-6A2A-4BAD-9752-CBE17990924E}"/>
+              </a:ext>
+            </a:extLst>
+          </p:cNvPr>
+          <p:cNvSpPr txBox="1"/>
+          <p:nvPr/>
+        </p:nvSpPr>
+        <p:spPr>
+          <a:xfrm>
+            <a:off x="2984941" y="204856"/>
+            <a:ext cx="2133081" cy="369332"/>
+          </a:xfrm>
+          <a:prstGeom prst="rect">
+            <a:avLst/>
+          </a:prstGeom>
+          <a:noFill/>
+        </p:spPr>
+        <p:txBody>
+          <a:bodyPr wrap="square" rtlCol="0">
+            <a:spAutoFit/>
+          </a:bodyPr>
+          <a:lstStyle/>
+          <a:p>
+            <a:r>
+              <a:rPr lang="en-US" dirty="0"/>
+              <a:t>Heat Exchanger</a:t>
+            </a:r>
+            <a:endParaRPr lang="en-GB" dirty="0"/>
+          </a:p>
+        </p:txBody>
+      </p:sp>
+      <p:grpSp>
+        <p:nvGrpSpPr>
+          <p:cNvPr id="113" name="Group 112">
+            <a:extLst>
+              <a:ext uri="{FF2B5EF4-FFF2-40B4-BE49-F238E27FC236}">
+                <a16:creationId xmlns:a16="http://schemas.microsoft.com/office/drawing/2014/main" id="{659E9611-AB1E-2329-98FA-14B1DA5A022C}"/>
+              </a:ext>
+            </a:extLst>
+          </p:cNvPr>
+          <p:cNvGrpSpPr/>
+          <p:nvPr/>
+        </p:nvGrpSpPr>
+        <p:grpSpPr>
+          <a:xfrm>
+            <a:off x="3784069" y="2972657"/>
+            <a:ext cx="583827" cy="646331"/>
+            <a:chOff x="4370475" y="3122184"/>
+            <a:chExt cx="583827" cy="646331"/>
+          </a:xfrm>
+        </p:grpSpPr>
+        <p:sp>
+          <p:nvSpPr>
+            <p:cNvPr id="114" name="Rectangle 113">
+              <a:extLst>
+                <a:ext uri="{FF2B5EF4-FFF2-40B4-BE49-F238E27FC236}">
+                  <a16:creationId xmlns:a16="http://schemas.microsoft.com/office/drawing/2014/main" id="{E3F7BD87-D228-B9EE-3A64-4C73AC879A95}"/>
+                </a:ext>
+              </a:extLst>
+            </p:cNvPr>
+            <p:cNvSpPr/>
+            <p:nvPr/>
+          </p:nvSpPr>
+          <p:spPr>
+            <a:xfrm>
+              <a:off x="4370475" y="3165195"/>
+              <a:ext cx="576000" cy="576000"/>
+            </a:xfrm>
+            <a:prstGeom prst="rect">
+              <a:avLst/>
+            </a:prstGeom>
+            <a:solidFill>
+              <a:schemeClr val="accent4">
+                <a:lumMod val="20000"/>
+                <a:lumOff val="80000"/>
+              </a:schemeClr>
+            </a:solidFill>
+          </p:spPr>
+          <p:style>
+            <a:lnRef idx="2">
+              <a:schemeClr val="accent1">
+                <a:shade val="50000"/>
+              </a:schemeClr>
+            </a:lnRef>
+            <a:fillRef idx="1">
+              <a:schemeClr val="accent1"/>
+            </a:fillRef>
+            <a:effectRef idx="0">
+              <a:schemeClr val="accent1"/>
+            </a:effectRef>
+            <a:fontRef idx="minor">
+              <a:schemeClr val="lt1"/>
+            </a:fontRef>
+          </p:style>
+          <p:txBody>
+            <a:bodyPr rtlCol="0" anchor="ctr"/>
+            <a:lstStyle/>
+            <a:p>
+              <a:pPr algn="ctr"/>
+              <a:endParaRPr lang="en-GB"/>
+            </a:p>
+          </p:txBody>
+        </p:sp>
+        <p:sp>
+          <p:nvSpPr>
+            <p:cNvPr id="115" name="TextBox 114">
+              <a:extLst>
+                <a:ext uri="{FF2B5EF4-FFF2-40B4-BE49-F238E27FC236}">
+                  <a16:creationId xmlns:a16="http://schemas.microsoft.com/office/drawing/2014/main" id="{73313A99-CA2A-2680-8C58-8E690A27B07C}"/>
+                </a:ext>
+              </a:extLst>
+            </p:cNvPr>
+            <p:cNvSpPr txBox="1"/>
+            <p:nvPr/>
+          </p:nvSpPr>
+          <p:spPr>
+            <a:xfrm>
+              <a:off x="4377833" y="3122184"/>
+              <a:ext cx="576469" cy="646331"/>
+            </a:xfrm>
+            <a:prstGeom prst="rect">
+              <a:avLst/>
+            </a:prstGeom>
+            <a:noFill/>
+            <a:ln>
+              <a:noFill/>
+            </a:ln>
+          </p:spPr>
+          <p:txBody>
+            <a:bodyPr wrap="square" rtlCol="0">
+              <a:spAutoFit/>
+            </a:bodyPr>
+            <a:lstStyle/>
+            <a:p>
+              <a:pPr algn="ctr"/>
+              <a:r>
+                <a:rPr lang="en-US" dirty="0"/>
+                <a:t>ADMX</a:t>
+              </a:r>
+              <a:r>
+                <a:rPr lang="en-US" baseline="-25000" dirty="0"/>
+                <a:t>1</a:t>
+              </a:r>
+              <a:endParaRPr lang="en-GB" dirty="0"/>
+            </a:p>
+          </p:txBody>
+        </p:sp>
+      </p:grpSp>
+      <p:cxnSp>
+        <p:nvCxnSpPr>
+          <p:cNvPr id="120" name="Straight Arrow Connector 119">
+            <a:extLst>
+              <a:ext uri="{FF2B5EF4-FFF2-40B4-BE49-F238E27FC236}">
+                <a16:creationId xmlns:a16="http://schemas.microsoft.com/office/drawing/2014/main" id="{BEF795FD-035A-1F4C-FB72-89A6365B280D}"/>
+              </a:ext>
+            </a:extLst>
+          </p:cNvPr>
+          <p:cNvCxnSpPr>
+            <a:cxnSpLocks/>
+            <a:stCxn id="115" idx="3"/>
+            <a:endCxn id="15" idx="1"/>
+          </p:cNvCxnSpPr>
+          <p:nvPr/>
+        </p:nvCxnSpPr>
+        <p:spPr>
+          <a:xfrm>
+            <a:off x="4367896" y="3295823"/>
+            <a:ext cx="378716" cy="2457"/>
+          </a:xfrm>
+          <a:prstGeom prst="straightConnector1">
+            <a:avLst/>
+          </a:prstGeom>
+          <a:ln w="12700">
+            <a:solidFill>
+              <a:schemeClr val="tx1"/>
+            </a:solidFill>
+            <a:tailEnd type="triangle"/>
+          </a:ln>
+        </p:spPr>
+        <p:style>
+          <a:lnRef idx="1">
+            <a:schemeClr val="accent1"/>
+          </a:lnRef>
+          <a:fillRef idx="0">
+            <a:schemeClr val="accent1"/>
+          </a:fillRef>
+          <a:effectRef idx="0">
+            <a:schemeClr val="accent1"/>
+          </a:effectRef>
+          <a:fontRef idx="minor">
+            <a:schemeClr val="tx1"/>
+          </a:fontRef>
+        </p:style>
+      </p:cxnSp>
+      <p:sp>
+        <p:nvSpPr>
+          <p:cNvPr id="122" name="TextBox 121">
+            <a:extLst>
+              <a:ext uri="{FF2B5EF4-FFF2-40B4-BE49-F238E27FC236}">
+                <a16:creationId xmlns:a16="http://schemas.microsoft.com/office/drawing/2014/main" id="{F6084A66-4A8D-CF90-B5FF-9F951EA9FA65}"/>
+              </a:ext>
+            </a:extLst>
+          </p:cNvPr>
+          <p:cNvSpPr txBox="1"/>
+          <p:nvPr/>
+        </p:nvSpPr>
+        <p:spPr>
+          <a:xfrm>
+            <a:off x="4403454" y="2900878"/>
+            <a:ext cx="328512" cy="369332"/>
+          </a:xfrm>
+          <a:prstGeom prst="rect">
+            <a:avLst/>
+          </a:prstGeom>
+          <a:noFill/>
+        </p:spPr>
+        <p:txBody>
+          <a:bodyPr wrap="square" rtlCol="0">
+            <a:spAutoFit/>
+          </a:bodyPr>
+          <a:lstStyle/>
+          <a:p>
+            <a:r>
+              <a:rPr lang="en-US" dirty="0"/>
+              <a:t>3</a:t>
+            </a:r>
+            <a:endParaRPr lang="en-GB" dirty="0"/>
+          </a:p>
+        </p:txBody>
+      </p:sp>
+      <mc:AlternateContent xmlns:mc="http://schemas.openxmlformats.org/markup-compatibility/2006">
+        <mc:Choice xmlns:a14="http://schemas.microsoft.com/office/drawing/2010/main" Requires="a14">
+          <p:sp>
+            <p:nvSpPr>
+              <p:cNvPr id="124" name="TextBox 123">
+                <a:extLst>
+                  <a:ext uri="{FF2B5EF4-FFF2-40B4-BE49-F238E27FC236}">
+                    <a16:creationId xmlns:a16="http://schemas.microsoft.com/office/drawing/2014/main" id="{02C11CC9-F200-F707-3549-755F977C8B29}"/>
+                  </a:ext>
+                </a:extLst>
+              </p:cNvPr>
+              <p:cNvSpPr txBox="1"/>
+              <p:nvPr/>
+            </p:nvSpPr>
+            <p:spPr>
+              <a:xfrm>
+                <a:off x="4236760" y="3420685"/>
+                <a:ext cx="762969" cy="369332"/>
+              </a:xfrm>
+              <a:prstGeom prst="rect">
+                <a:avLst/>
+              </a:prstGeom>
+              <a:noFill/>
+            </p:spPr>
+            <p:txBody>
+              <a:bodyPr wrap="square">
+                <a:spAutoFit/>
+              </a:bodyPr>
+              <a:lstStyle/>
+              <a:p>
+                <a:pPr/>
+                <a14:m>
+                  <m:oMathPara xmlns:m="http://schemas.openxmlformats.org/officeDocument/2006/math">
+                    <m:oMathParaPr>
+                      <m:jc m:val="centerGroup"/>
+                    </m:oMathParaPr>
+                    <m:oMath xmlns:m="http://schemas.openxmlformats.org/officeDocument/2006/math">
+                      <m:sSub>
+                        <m:sSubPr>
+                          <m:ctrlPr>
+                            <a:rPr lang="en-GB" i="1">
+                              <a:solidFill>
+                                <a:srgbClr val="836967"/>
+                              </a:solidFill>
+                              <a:latin typeface="Cambria Math" panose="02040503050406030204" pitchFamily="18" charset="0"/>
+                            </a:rPr>
+                          </m:ctrlPr>
+                        </m:sSubPr>
+                        <m:e>
+                          <m:acc>
+                            <m:accPr>
+                              <m:chr m:val="̇"/>
+                              <m:ctrlPr>
+                                <a:rPr lang="en-GB" i="1">
+                                  <a:solidFill>
+                                    <a:srgbClr val="836967"/>
+                                  </a:solidFill>
+                                  <a:latin typeface="Cambria Math" panose="02040503050406030204" pitchFamily="18" charset="0"/>
+                                </a:rPr>
+                              </m:ctrlPr>
+                            </m:accPr>
+                            <m:e>
+                              <m:r>
+                                <a:rPr lang="en-GB" i="1">
+                                  <a:latin typeface="Cambria Math" panose="02040503050406030204" pitchFamily="18" charset="0"/>
+                                </a:rPr>
+                                <m:t>𝑚</m:t>
+                              </m:r>
+                            </m:e>
+                          </m:acc>
+                        </m:e>
+                        <m:sub>
+                          <m:r>
+                            <a:rPr lang="en-GB" i="1">
+                              <a:latin typeface="Cambria Math" panose="02040503050406030204" pitchFamily="18" charset="0"/>
+                            </a:rPr>
+                            <m:t>𝑑𝑎</m:t>
+                          </m:r>
+                        </m:sub>
+                      </m:sSub>
+                    </m:oMath>
+                  </m:oMathPara>
+                </a14:m>
+                <a:endParaRPr lang="en-GB" dirty="0"/>
+              </a:p>
+            </p:txBody>
+          </p:sp>
+        </mc:Choice>
+        <mc:Fallback>
+          <p:sp>
+            <p:nvSpPr>
+              <p:cNvPr id="124" name="TextBox 123">
+                <a:extLst>
+                  <a:ext uri="{FF2B5EF4-FFF2-40B4-BE49-F238E27FC236}">
+                    <a16:creationId xmlns:a16="http://schemas.microsoft.com/office/drawing/2014/main" id="{02C11CC9-F200-F707-3549-755F977C8B29}"/>
+                  </a:ext>
+                </a:extLst>
+              </p:cNvPr>
+              <p:cNvSpPr txBox="1">
+                <a:spLocks noRot="1" noChangeAspect="1" noMove="1" noResize="1" noEditPoints="1" noAdjustHandles="1" noChangeArrowheads="1" noChangeShapeType="1" noTextEdit="1"/>
+              </p:cNvSpPr>
+              <p:nvPr/>
+            </p:nvSpPr>
+            <p:spPr>
+              <a:xfrm>
+                <a:off x="4236760" y="3420685"/>
+                <a:ext cx="762969" cy="369332"/>
+              </a:xfrm>
+              <a:prstGeom prst="rect">
+                <a:avLst/>
+              </a:prstGeom>
+              <a:blipFill>
+                <a:blip r:embed="rId27"/>
+                <a:stretch>
+                  <a:fillRect/>
+                </a:stretch>
+              </a:blipFill>
+            </p:spPr>
+            <p:txBody>
+              <a:bodyPr/>
+              <a:lstStyle/>
+              <a:p>
+                <a:r>
+                  <a:rPr lang="en-GB">
+                    <a:noFill/>
+                  </a:rPr>
+                  <a:t> </a:t>
+                </a:r>
+              </a:p>
+            </p:txBody>
+          </p:sp>
+        </mc:Fallback>
+      </mc:AlternateContent>
+      <p:grpSp>
+        <p:nvGrpSpPr>
+          <p:cNvPr id="125" name="Group 124">
+            <a:extLst>
+              <a:ext uri="{FF2B5EF4-FFF2-40B4-BE49-F238E27FC236}">
+                <a16:creationId xmlns:a16="http://schemas.microsoft.com/office/drawing/2014/main" id="{BEBE059A-48DE-8573-1E31-07120EE68A0A}"/>
+              </a:ext>
+            </a:extLst>
+          </p:cNvPr>
+          <p:cNvGrpSpPr/>
+          <p:nvPr/>
+        </p:nvGrpSpPr>
+        <p:grpSpPr>
+          <a:xfrm>
+            <a:off x="8530648" y="2972124"/>
+            <a:ext cx="583827" cy="646331"/>
+            <a:chOff x="4370475" y="3122184"/>
+            <a:chExt cx="583827" cy="646331"/>
+          </a:xfrm>
+        </p:grpSpPr>
+        <p:sp>
+          <p:nvSpPr>
+            <p:cNvPr id="127" name="Rectangle 126">
+              <a:extLst>
+                <a:ext uri="{FF2B5EF4-FFF2-40B4-BE49-F238E27FC236}">
+                  <a16:creationId xmlns:a16="http://schemas.microsoft.com/office/drawing/2014/main" id="{38F8A6CA-D5C6-7EEC-B36A-A10E21542F61}"/>
+                </a:ext>
+              </a:extLst>
+            </p:cNvPr>
+            <p:cNvSpPr/>
+            <p:nvPr/>
+          </p:nvSpPr>
+          <p:spPr>
+            <a:xfrm>
+              <a:off x="4370475" y="3165195"/>
+              <a:ext cx="576000" cy="576000"/>
+            </a:xfrm>
+            <a:prstGeom prst="rect">
+              <a:avLst/>
+            </a:prstGeom>
+            <a:solidFill>
+              <a:schemeClr val="accent4">
+                <a:lumMod val="20000"/>
+                <a:lumOff val="80000"/>
+              </a:schemeClr>
+            </a:solidFill>
+          </p:spPr>
+          <p:style>
+            <a:lnRef idx="2">
+              <a:schemeClr val="accent1">
+                <a:shade val="50000"/>
+              </a:schemeClr>
+            </a:lnRef>
+            <a:fillRef idx="1">
+              <a:schemeClr val="accent1"/>
+            </a:fillRef>
+            <a:effectRef idx="0">
+              <a:schemeClr val="accent1"/>
+            </a:effectRef>
+            <a:fontRef idx="minor">
+              <a:schemeClr val="lt1"/>
+            </a:fontRef>
+          </p:style>
+          <p:txBody>
+            <a:bodyPr rtlCol="0" anchor="ctr"/>
+            <a:lstStyle/>
+            <a:p>
+              <a:pPr algn="ctr"/>
+              <a:endParaRPr lang="en-GB"/>
+            </a:p>
+          </p:txBody>
+        </p:sp>
+        <p:sp>
+          <p:nvSpPr>
+            <p:cNvPr id="135" name="TextBox 134">
+              <a:extLst>
+                <a:ext uri="{FF2B5EF4-FFF2-40B4-BE49-F238E27FC236}">
+                  <a16:creationId xmlns:a16="http://schemas.microsoft.com/office/drawing/2014/main" id="{B8249544-EB01-5246-2B7E-C4C9AEC734DE}"/>
+                </a:ext>
+              </a:extLst>
+            </p:cNvPr>
+            <p:cNvSpPr txBox="1"/>
+            <p:nvPr/>
+          </p:nvSpPr>
+          <p:spPr>
+            <a:xfrm>
+              <a:off x="4377833" y="3122184"/>
+              <a:ext cx="576469" cy="646331"/>
+            </a:xfrm>
+            <a:prstGeom prst="rect">
+              <a:avLst/>
+            </a:prstGeom>
+            <a:noFill/>
+            <a:ln>
+              <a:noFill/>
+            </a:ln>
+          </p:spPr>
+          <p:txBody>
+            <a:bodyPr wrap="square" rtlCol="0">
+              <a:spAutoFit/>
+            </a:bodyPr>
+            <a:lstStyle/>
+            <a:p>
+              <a:pPr algn="ctr"/>
+              <a:r>
+                <a:rPr lang="en-US" dirty="0"/>
+                <a:t>ADMX</a:t>
+              </a:r>
+              <a:r>
+                <a:rPr lang="en-US" baseline="-25000" dirty="0"/>
+                <a:t>2</a:t>
+              </a:r>
+              <a:endParaRPr lang="en-GB" dirty="0"/>
+            </a:p>
+          </p:txBody>
+        </p:sp>
+      </p:grpSp>
+      <p:cxnSp>
+        <p:nvCxnSpPr>
+          <p:cNvPr id="136" name="Straight Arrow Connector 135">
+            <a:extLst>
+              <a:ext uri="{FF2B5EF4-FFF2-40B4-BE49-F238E27FC236}">
+                <a16:creationId xmlns:a16="http://schemas.microsoft.com/office/drawing/2014/main" id="{ECEA1574-2B9A-F26E-6580-EF5F6609FDDA}"/>
+              </a:ext>
+            </a:extLst>
+          </p:cNvPr>
+          <p:cNvCxnSpPr>
+            <a:cxnSpLocks/>
+            <a:stCxn id="135" idx="3"/>
+            <a:endCxn id="54" idx="1"/>
+          </p:cNvCxnSpPr>
+          <p:nvPr/>
+        </p:nvCxnSpPr>
+        <p:spPr>
+          <a:xfrm flipV="1">
+            <a:off x="9114475" y="3289853"/>
+            <a:ext cx="368465" cy="5437"/>
+          </a:xfrm>
+          <a:prstGeom prst="straightConnector1">
+            <a:avLst/>
+          </a:prstGeom>
+          <a:ln w="12700">
+            <a:solidFill>
+              <a:schemeClr val="tx1"/>
+            </a:solidFill>
+            <a:tailEnd type="triangle"/>
+          </a:ln>
+        </p:spPr>
+        <p:style>
+          <a:lnRef idx="1">
+            <a:schemeClr val="accent1"/>
+          </a:lnRef>
+          <a:fillRef idx="0">
+            <a:schemeClr val="accent1"/>
+          </a:fillRef>
+          <a:effectRef idx="0">
+            <a:schemeClr val="accent1"/>
+          </a:effectRef>
+          <a:fontRef idx="minor">
+            <a:schemeClr val="tx1"/>
+          </a:fontRef>
+        </p:style>
+      </p:cxnSp>
+      <mc:AlternateContent xmlns:mc="http://schemas.openxmlformats.org/markup-compatibility/2006">
+        <mc:Choice xmlns:a14="http://schemas.microsoft.com/office/drawing/2010/main" Requires="a14">
+          <p:sp>
+            <p:nvSpPr>
+              <p:cNvPr id="139" name="TextBox 138">
+                <a:extLst>
+                  <a:ext uri="{FF2B5EF4-FFF2-40B4-BE49-F238E27FC236}">
+                    <a16:creationId xmlns:a16="http://schemas.microsoft.com/office/drawing/2014/main" id="{E083A57E-A624-34A6-5CCD-BFE8CB77FCB4}"/>
+                  </a:ext>
+                </a:extLst>
+              </p:cNvPr>
+              <p:cNvSpPr txBox="1"/>
+              <p:nvPr/>
+            </p:nvSpPr>
+            <p:spPr>
+              <a:xfrm>
+                <a:off x="8073450" y="3453052"/>
+                <a:ext cx="662974" cy="369332"/>
+              </a:xfrm>
+              <a:prstGeom prst="rect">
+                <a:avLst/>
+              </a:prstGeom>
+              <a:noFill/>
+            </p:spPr>
+            <p:txBody>
+              <a:bodyPr wrap="square">
+                <a:spAutoFit/>
+              </a:bodyPr>
+              <a:lstStyle/>
+              <a:p>
+                <a:pPr/>
+                <a14:m>
+                  <m:oMathPara xmlns:m="http://schemas.openxmlformats.org/officeDocument/2006/math">
+                    <m:oMathParaPr>
+                      <m:jc m:val="centerGroup"/>
+                    </m:oMathParaPr>
+                    <m:oMath xmlns:m="http://schemas.openxmlformats.org/officeDocument/2006/math">
+                      <m:sSub>
+                        <m:sSubPr>
+                          <m:ctrlPr>
+                            <a:rPr lang="en-GB" i="1">
+                              <a:solidFill>
+                                <a:srgbClr val="836967"/>
+                              </a:solidFill>
+                              <a:latin typeface="Cambria Math" panose="02040503050406030204" pitchFamily="18" charset="0"/>
+                            </a:rPr>
+                          </m:ctrlPr>
+                        </m:sSubPr>
+                        <m:e>
+                          <m:acc>
+                            <m:accPr>
+                              <m:chr m:val="̇"/>
+                              <m:ctrlPr>
+                                <a:rPr lang="en-GB" i="1">
+                                  <a:solidFill>
+                                    <a:srgbClr val="836967"/>
+                                  </a:solidFill>
+                                  <a:latin typeface="Cambria Math" panose="02040503050406030204" pitchFamily="18" charset="0"/>
+                                </a:rPr>
+                              </m:ctrlPr>
+                            </m:accPr>
+                            <m:e>
+                              <m:r>
+                                <a:rPr lang="en-GB" i="1">
+                                  <a:latin typeface="Cambria Math" panose="02040503050406030204" pitchFamily="18" charset="0"/>
+                                </a:rPr>
+                                <m:t>𝑚</m:t>
+                              </m:r>
+                            </m:e>
+                          </m:acc>
+                        </m:e>
+                        <m:sub>
+                          <m:r>
+                            <a:rPr lang="en-GB" i="1">
+                              <a:latin typeface="Cambria Math" panose="02040503050406030204" pitchFamily="18" charset="0"/>
+                            </a:rPr>
+                            <m:t>𝑑𝑎</m:t>
+                          </m:r>
+                        </m:sub>
+                      </m:sSub>
+                    </m:oMath>
+                  </m:oMathPara>
+                </a14:m>
+                <a:endParaRPr lang="en-GB" dirty="0"/>
+              </a:p>
+            </p:txBody>
+          </p:sp>
+        </mc:Choice>
+        <mc:Fallback>
+          <p:sp>
+            <p:nvSpPr>
+              <p:cNvPr id="139" name="TextBox 138">
+                <a:extLst>
+                  <a:ext uri="{FF2B5EF4-FFF2-40B4-BE49-F238E27FC236}">
+                    <a16:creationId xmlns:a16="http://schemas.microsoft.com/office/drawing/2014/main" id="{E083A57E-A624-34A6-5CCD-BFE8CB77FCB4}"/>
+                  </a:ext>
+                </a:extLst>
+              </p:cNvPr>
+              <p:cNvSpPr txBox="1">
+                <a:spLocks noRot="1" noChangeAspect="1" noMove="1" noResize="1" noEditPoints="1" noAdjustHandles="1" noChangeArrowheads="1" noChangeShapeType="1" noTextEdit="1"/>
+              </p:cNvSpPr>
+              <p:nvPr/>
+            </p:nvSpPr>
+            <p:spPr>
+              <a:xfrm>
+                <a:off x="8073450" y="3453052"/>
+                <a:ext cx="662974" cy="369332"/>
+              </a:xfrm>
+              <a:prstGeom prst="rect">
+                <a:avLst/>
+              </a:prstGeom>
+              <a:blipFill>
+                <a:blip r:embed="rId28"/>
+                <a:stretch>
+                  <a:fillRect/>
+                </a:stretch>
+              </a:blipFill>
+            </p:spPr>
+            <p:txBody>
+              <a:bodyPr/>
+              <a:lstStyle/>
+              <a:p>
+                <a:r>
+                  <a:rPr lang="en-GB">
+                    <a:noFill/>
+                  </a:rPr>
+                  <a:t> </a:t>
+                </a:r>
+              </a:p>
+            </p:txBody>
+          </p:sp>
+        </mc:Fallback>
+      </mc:AlternateContent>
+      <p:sp>
+        <p:nvSpPr>
+          <p:cNvPr id="140" name="TextBox 139">
+            <a:extLst>
+              <a:ext uri="{FF2B5EF4-FFF2-40B4-BE49-F238E27FC236}">
+                <a16:creationId xmlns:a16="http://schemas.microsoft.com/office/drawing/2014/main" id="{CB169416-50A9-1976-F724-1FD2853324EE}"/>
+              </a:ext>
+            </a:extLst>
+          </p:cNvPr>
+          <p:cNvSpPr txBox="1"/>
+          <p:nvPr/>
+        </p:nvSpPr>
+        <p:spPr>
+          <a:xfrm>
+            <a:off x="9139762" y="2909498"/>
+            <a:ext cx="328512" cy="369332"/>
+          </a:xfrm>
+          <a:prstGeom prst="rect">
+            <a:avLst/>
+          </a:prstGeom>
+          <a:noFill/>
+        </p:spPr>
+        <p:txBody>
+          <a:bodyPr wrap="square" rtlCol="0">
+            <a:spAutoFit/>
+          </a:bodyPr>
+          <a:lstStyle/>
+          <a:p>
+            <a:r>
+              <a:rPr lang="en-US" dirty="0"/>
+              <a:t>7</a:t>
+            </a:r>
+            <a:endParaRPr lang="en-GB" dirty="0"/>
+          </a:p>
+        </p:txBody>
+      </p:sp>
+    </p:spTree>
+    <p:extLst>
+      <p:ext uri="{BB962C8B-B14F-4D97-AF65-F5344CB8AC3E}">
+        <p14:creationId xmlns:p14="http://schemas.microsoft.com/office/powerpoint/2010/main" val="1815504599"/>
+      </p:ext>
+    </p:extLst>
+  </p:cSld>
+  <p:clrMapOvr>
+    <a:masterClrMapping/>
+  </p:clrMapOvr>
+</p:sld>
+</file>
+
+<file path=ppt/slides/slide3.xml><?xml version="1.0" encoding="utf-8"?>
 <p:sld xmlns:a="http://schemas.openxmlformats.org/drawingml/2006/main" xmlns:r="http://schemas.openxmlformats.org/officeDocument/2006/relationships" xmlns:p="http://schemas.openxmlformats.org/presentationml/2006/main">
   <p:cSld>
     <p:spTree>
@@ -15052,7 +22547,7 @@
 </p:sld>
 </file>
 
-<file path=ppt/slides/slide3.xml><?xml version="1.0" encoding="utf-8"?>
+<file path=ppt/slides/slide4.xml><?xml version="1.0" encoding="utf-8"?>
 <p:sld xmlns:a="http://schemas.openxmlformats.org/drawingml/2006/main" xmlns:r="http://schemas.openxmlformats.org/officeDocument/2006/relationships" xmlns:p="http://schemas.openxmlformats.org/presentationml/2006/main">
   <p:cSld>
     <p:spTree>
@@ -20689,7 +28184,7 @@
 </p:sld>
 </file>
 
-<file path=ppt/slides/slide4.xml><?xml version="1.0" encoding="utf-8"?>
+<file path=ppt/slides/slide5.xml><?xml version="1.0" encoding="utf-8"?>
 <p:sld xmlns:a="http://schemas.openxmlformats.org/drawingml/2006/main" xmlns:r="http://schemas.openxmlformats.org/officeDocument/2006/relationships" xmlns:p="http://schemas.openxmlformats.org/presentationml/2006/main">
   <p:cSld>
     <p:spTree>
@@ -21212,8 +28707,8 @@
           </a:fontRef>
         </p:style>
       </p:cxnSp>
-      <mc:AlternateContent xmlns:mc="http://schemas.openxmlformats.org/markup-compatibility/2006" xmlns:a14="http://schemas.microsoft.com/office/drawing/2010/main">
-        <mc:Choice Requires="a14">
+      <mc:AlternateContent xmlns:mc="http://schemas.openxmlformats.org/markup-compatibility/2006">
+        <mc:Choice xmlns:a14="http://schemas.microsoft.com/office/drawing/2010/main" Requires="a14">
           <p:sp>
             <p:nvSpPr>
               <p:cNvPr id="17" name="TextBox 16">
@@ -21228,8 +28723,8 @@
             </p:nvSpPr>
             <p:spPr>
               <a:xfrm>
-                <a:off x="6222508" y="3537919"/>
-                <a:ext cx="606755" cy="379848"/>
+                <a:off x="6021834" y="3536907"/>
+                <a:ext cx="606755" cy="398379"/>
               </a:xfrm>
               <a:prstGeom prst="rect">
                 <a:avLst/>
@@ -21288,6 +28783,18 @@
                                 </a:rPr>
                                 <m:t>𝑠</m:t>
                               </m:r>
+                              <m:r>
+                                <a:rPr lang="en-US" b="0" i="1" smtClean="0">
+                                  <a:latin typeface="Cambria Math" panose="02040503050406030204" pitchFamily="18" charset="0"/>
+                                </a:rPr>
+                                <m:t>,</m:t>
+                              </m:r>
+                              <m:r>
+                                <a:rPr lang="en-US" b="0" i="1" smtClean="0">
+                                  <a:latin typeface="Cambria Math" panose="02040503050406030204" pitchFamily="18" charset="0"/>
+                                </a:rPr>
+                                <m:t>𝐻𝑋</m:t>
+                              </m:r>
                             </m:sub>
                           </m:sSub>
                         </m:e>
@@ -21300,7 +28807,7 @@
             </p:txBody>
           </p:sp>
         </mc:Choice>
-        <mc:Fallback xmlns="">
+        <mc:Fallback>
           <p:sp>
             <p:nvSpPr>
               <p:cNvPr id="17" name="TextBox 16">
@@ -21317,8 +28824,8 @@
             </p:nvSpPr>
             <p:spPr>
               <a:xfrm>
-                <a:off x="6222508" y="3537919"/>
-                <a:ext cx="606755" cy="379848"/>
+                <a:off x="6021834" y="3536907"/>
+                <a:ext cx="606755" cy="398379"/>
               </a:xfrm>
               <a:prstGeom prst="rect">
                 <a:avLst/>
@@ -21326,7 +28833,7 @@
               <a:blipFill>
                 <a:blip r:embed="rId2"/>
                 <a:stretch>
-                  <a:fillRect b="-9524"/>
+                  <a:fillRect l="-2020" r="-9091" b="-6061"/>
                 </a:stretch>
               </a:blipFill>
             </p:spPr>
@@ -21345,8 +28852,8 @@
           </p:sp>
         </mc:Fallback>
       </mc:AlternateContent>
-      <mc:AlternateContent xmlns:mc="http://schemas.openxmlformats.org/markup-compatibility/2006" xmlns:a14="http://schemas.microsoft.com/office/drawing/2010/main">
-        <mc:Choice Requires="a14">
+      <mc:AlternateContent xmlns:mc="http://schemas.openxmlformats.org/markup-compatibility/2006">
+        <mc:Choice xmlns:a14="http://schemas.microsoft.com/office/drawing/2010/main" Requires="a14">
           <p:sp>
             <p:nvSpPr>
               <p:cNvPr id="18" name="TextBox 17">
@@ -21361,8 +28868,8 @@
             </p:nvSpPr>
             <p:spPr>
               <a:xfrm>
-                <a:off x="6884761" y="3533140"/>
-                <a:ext cx="606755" cy="379848"/>
+                <a:off x="6943433" y="3534231"/>
+                <a:ext cx="606755" cy="398379"/>
               </a:xfrm>
               <a:prstGeom prst="rect">
                 <a:avLst/>
@@ -21421,6 +28928,18 @@
                                 </a:rPr>
                                 <m:t>𝑙</m:t>
                               </m:r>
+                              <m:r>
+                                <a:rPr lang="en-US" b="0" i="1" smtClean="0">
+                                  <a:latin typeface="Cambria Math" panose="02040503050406030204" pitchFamily="18" charset="0"/>
+                                </a:rPr>
+                                <m:t>,</m:t>
+                              </m:r>
+                              <m:r>
+                                <a:rPr lang="en-US" b="0" i="1" smtClean="0">
+                                  <a:latin typeface="Cambria Math" panose="02040503050406030204" pitchFamily="18" charset="0"/>
+                                </a:rPr>
+                                <m:t>𝐻𝑋</m:t>
+                              </m:r>
                             </m:sub>
                           </m:sSub>
                         </m:e>
@@ -21433,7 +28952,7 @@
             </p:txBody>
           </p:sp>
         </mc:Choice>
-        <mc:Fallback xmlns="">
+        <mc:Fallback>
           <p:sp>
             <p:nvSpPr>
               <p:cNvPr id="18" name="TextBox 17">
@@ -21450,8 +28969,8 @@
             </p:nvSpPr>
             <p:spPr>
               <a:xfrm>
-                <a:off x="6884761" y="3533140"/>
-                <a:ext cx="606755" cy="379848"/>
+                <a:off x="6943433" y="3534231"/>
+                <a:ext cx="606755" cy="398379"/>
               </a:xfrm>
               <a:prstGeom prst="rect">
                 <a:avLst/>
@@ -21459,7 +28978,7 @@
               <a:blipFill>
                 <a:blip r:embed="rId3"/>
                 <a:stretch>
-                  <a:fillRect b="-9677"/>
+                  <a:fillRect l="-2000" r="-6000" b="-6154"/>
                 </a:stretch>
               </a:blipFill>
             </p:spPr>
@@ -22720,7 +30239,7 @@
 </p:sld>
 </file>
 
-<file path=ppt/slides/slide5.xml><?xml version="1.0" encoding="utf-8"?>
+<file path=ppt/slides/slide6.xml><?xml version="1.0" encoding="utf-8"?>
 <p:sld xmlns:a="http://schemas.openxmlformats.org/drawingml/2006/main" xmlns:r="http://schemas.openxmlformats.org/officeDocument/2006/relationships" xmlns:p="http://schemas.openxmlformats.org/presentationml/2006/main">
   <p:cSld>
     <p:spTree>
@@ -22901,7 +30420,7 @@
         <p:spPr>
           <a:xfrm>
             <a:off x="1006336" y="3429000"/>
-            <a:ext cx="2057401" cy="1384995"/>
+            <a:ext cx="3843960" cy="1815882"/>
           </a:xfrm>
           <a:prstGeom prst="rect">
             <a:avLst/>
@@ -22952,25 +30471,37 @@
           <a:p>
             <a:r>
               <a:rPr lang="en-US" sz="1400" dirty="0"/>
-              <a:t>Heating Coil 1 Energy (J)</a:t>
+              <a:t>Heating Coil 1 Energy (W)</a:t>
             </a:r>
           </a:p>
           <a:p>
             <a:r>
               <a:rPr lang="en-US" sz="1400" dirty="0"/>
-              <a:t>Heating Coil 2 Energy (J)</a:t>
+              <a:t>Heating Coil 2 Energy (W)</a:t>
             </a:r>
           </a:p>
           <a:p>
             <a:r>
               <a:rPr lang="en-US" sz="1400" dirty="0"/>
-              <a:t>Sensible Heat (J)</a:t>
+              <a:t>Sensible Heat for TZ (W)</a:t>
             </a:r>
           </a:p>
           <a:p>
             <a:r>
               <a:rPr lang="en-US" sz="1400" dirty="0"/>
-              <a:t>Latent Heat (J)</a:t>
+              <a:t>Latent Heat for TZ(W)</a:t>
+            </a:r>
+          </a:p>
+          <a:p>
+            <a:r>
+              <a:rPr lang="en-US" sz="1400" dirty="0"/>
+              <a:t>Sensible Heat from HX (W)</a:t>
+            </a:r>
+          </a:p>
+          <a:p>
+            <a:r>
+              <a:rPr lang="en-US" sz="1400" dirty="0"/>
+              <a:t>Latent Heat from HX (W)</a:t>
             </a:r>
           </a:p>
         </p:txBody>
@@ -23310,8 +30841,8 @@
           </a:p>
         </p:txBody>
       </p:sp>
-      <mc:AlternateContent xmlns:mc="http://schemas.openxmlformats.org/markup-compatibility/2006" xmlns:a14="http://schemas.microsoft.com/office/drawing/2010/main">
-        <mc:Choice Requires="a14">
+      <mc:AlternateContent xmlns:mc="http://schemas.openxmlformats.org/markup-compatibility/2006">
+        <mc:Choice xmlns:a14="http://schemas.microsoft.com/office/drawing/2010/main" Requires="a14">
           <p:sp>
             <p:nvSpPr>
               <p:cNvPr id="15" name="TextBox 14">
@@ -23326,8 +30857,8 @@
             </p:nvSpPr>
             <p:spPr>
               <a:xfrm>
-                <a:off x="10517" y="4287657"/>
-                <a:ext cx="606755" cy="315984"/>
+                <a:off x="31117" y="4298391"/>
+                <a:ext cx="606755" cy="330347"/>
               </a:xfrm>
               <a:prstGeom prst="rect">
                 <a:avLst/>
@@ -23386,6 +30917,18 @@
                                 </a:rPr>
                                 <m:t>𝑠</m:t>
                               </m:r>
+                              <m:r>
+                                <a:rPr lang="en-US" sz="1400" b="0" i="1" smtClean="0">
+                                  <a:latin typeface="Cambria Math" panose="02040503050406030204" pitchFamily="18" charset="0"/>
+                                </a:rPr>
+                                <m:t>,</m:t>
+                              </m:r>
+                              <m:r>
+                                <a:rPr lang="en-US" sz="1400" b="0" i="1" smtClean="0">
+                                  <a:latin typeface="Cambria Math" panose="02040503050406030204" pitchFamily="18" charset="0"/>
+                                </a:rPr>
+                                <m:t>𝑇𝑍</m:t>
+                              </m:r>
                             </m:sub>
                           </m:sSub>
                         </m:e>
@@ -23398,7 +30941,7 @@
             </p:txBody>
           </p:sp>
         </mc:Choice>
-        <mc:Fallback xmlns="">
+        <mc:Fallback>
           <p:sp>
             <p:nvSpPr>
               <p:cNvPr id="15" name="TextBox 14">
@@ -23415,8 +30958,8 @@
             </p:nvSpPr>
             <p:spPr>
               <a:xfrm>
-                <a:off x="10517" y="4287657"/>
-                <a:ext cx="606755" cy="315984"/>
+                <a:off x="31117" y="4298391"/>
+                <a:ext cx="606755" cy="330347"/>
               </a:xfrm>
               <a:prstGeom prst="rect">
                 <a:avLst/>
@@ -23424,7 +30967,7 @@
               <a:blipFill>
                 <a:blip r:embed="rId3"/>
                 <a:stretch>
-                  <a:fillRect b="-7692"/>
+                  <a:fillRect b="-5556"/>
                 </a:stretch>
               </a:blipFill>
             </p:spPr>
@@ -23443,8 +30986,8 @@
           </p:sp>
         </mc:Fallback>
       </mc:AlternateContent>
-      <mc:AlternateContent xmlns:mc="http://schemas.openxmlformats.org/markup-compatibility/2006" xmlns:a14="http://schemas.microsoft.com/office/drawing/2010/main">
-        <mc:Choice Requires="a14">
+      <mc:AlternateContent xmlns:mc="http://schemas.openxmlformats.org/markup-compatibility/2006">
+        <mc:Choice xmlns:a14="http://schemas.microsoft.com/office/drawing/2010/main" Requires="a14">
           <p:sp>
             <p:nvSpPr>
               <p:cNvPr id="16" name="TextBox 15">
@@ -23459,8 +31002,8 @@
             </p:nvSpPr>
             <p:spPr>
               <a:xfrm>
-                <a:off x="-16389" y="4487214"/>
-                <a:ext cx="606755" cy="315984"/>
+                <a:off x="28339" y="4497819"/>
+                <a:ext cx="606755" cy="330347"/>
               </a:xfrm>
               <a:prstGeom prst="rect">
                 <a:avLst/>
@@ -23519,6 +31062,18 @@
                                 </a:rPr>
                                 <m:t>𝑙</m:t>
                               </m:r>
+                              <m:r>
+                                <a:rPr lang="en-US" sz="1400" b="0" i="1" smtClean="0">
+                                  <a:latin typeface="Cambria Math" panose="02040503050406030204" pitchFamily="18" charset="0"/>
+                                </a:rPr>
+                                <m:t>,</m:t>
+                              </m:r>
+                              <m:r>
+                                <a:rPr lang="en-US" sz="1400" b="0" i="1" smtClean="0">
+                                  <a:latin typeface="Cambria Math" panose="02040503050406030204" pitchFamily="18" charset="0"/>
+                                </a:rPr>
+                                <m:t>𝑇𝑍</m:t>
+                              </m:r>
                             </m:sub>
                           </m:sSub>
                         </m:e>
@@ -23531,7 +31086,7 @@
             </p:txBody>
           </p:sp>
         </mc:Choice>
-        <mc:Fallback xmlns="">
+        <mc:Fallback>
           <p:sp>
             <p:nvSpPr>
               <p:cNvPr id="16" name="TextBox 15">
@@ -23548,8 +31103,8 @@
             </p:nvSpPr>
             <p:spPr>
               <a:xfrm>
-                <a:off x="-16389" y="4487214"/>
-                <a:ext cx="606755" cy="315984"/>
+                <a:off x="28339" y="4497819"/>
+                <a:ext cx="606755" cy="330347"/>
               </a:xfrm>
               <a:prstGeom prst="rect">
                 <a:avLst/>
@@ -23557,7 +31112,7 @@
               <a:blipFill>
                 <a:blip r:embed="rId4"/>
                 <a:stretch>
-                  <a:fillRect b="-7692"/>
+                  <a:fillRect b="-3704"/>
                 </a:stretch>
               </a:blipFill>
             </p:spPr>
@@ -23590,7 +31145,7 @@
         </p:nvSpPr>
         <p:spPr>
           <a:xfrm>
-            <a:off x="1006336" y="4687975"/>
+            <a:off x="1056792" y="5103992"/>
             <a:ext cx="4241525" cy="2031325"/>
           </a:xfrm>
           <a:prstGeom prst="rect">
@@ -23690,7 +31245,7 @@
         </p:nvSpPr>
         <p:spPr>
           <a:xfrm>
-            <a:off x="107310" y="4910730"/>
+            <a:off x="195743" y="5286260"/>
             <a:ext cx="606755" cy="523220"/>
           </a:xfrm>
           <a:prstGeom prst="rect">
@@ -23714,8 +31269,8 @@
           </a:p>
         </p:txBody>
       </p:sp>
-      <mc:AlternateContent xmlns:mc="http://schemas.openxmlformats.org/markup-compatibility/2006" xmlns:a14="http://schemas.microsoft.com/office/drawing/2010/main">
-        <mc:Choice Requires="a14">
+      <mc:AlternateContent xmlns:mc="http://schemas.openxmlformats.org/markup-compatibility/2006">
+        <mc:Choice xmlns:a14="http://schemas.microsoft.com/office/drawing/2010/main" Requires="a14">
           <p:sp>
             <p:nvSpPr>
               <p:cNvPr id="19" name="TextBox 18">
@@ -23730,7 +31285,7 @@
             </p:nvSpPr>
             <p:spPr>
               <a:xfrm>
-                <a:off x="0" y="5101393"/>
+                <a:off x="88433" y="5476923"/>
                 <a:ext cx="762969" cy="307777"/>
               </a:xfrm>
               <a:prstGeom prst="rect">
@@ -23808,7 +31363,7 @@
             </p:txBody>
           </p:sp>
         </mc:Choice>
-        <mc:Fallback xmlns="">
+        <mc:Fallback>
           <p:sp>
             <p:nvSpPr>
               <p:cNvPr id="19" name="TextBox 18">
@@ -23825,7 +31380,7 @@
             </p:nvSpPr>
             <p:spPr>
               <a:xfrm>
-                <a:off x="0" y="5101393"/>
+                <a:off x="88433" y="5476923"/>
                 <a:ext cx="762969" cy="307777"/>
               </a:xfrm>
               <a:prstGeom prst="rect">
@@ -23853,8 +31408,8 @@
           </p:sp>
         </mc:Fallback>
       </mc:AlternateContent>
-      <mc:AlternateContent xmlns:mc="http://schemas.openxmlformats.org/markup-compatibility/2006" xmlns:a14="http://schemas.microsoft.com/office/drawing/2010/main">
-        <mc:Choice Requires="a14">
+      <mc:AlternateContent xmlns:mc="http://schemas.openxmlformats.org/markup-compatibility/2006">
+        <mc:Choice xmlns:a14="http://schemas.microsoft.com/office/drawing/2010/main" Requires="a14">
           <p:sp>
             <p:nvSpPr>
               <p:cNvPr id="20" name="TextBox 19">
@@ -23869,7 +31424,7 @@
             </p:nvSpPr>
             <p:spPr>
               <a:xfrm>
-                <a:off x="-214662" y="5341177"/>
+                <a:off x="-132758" y="5716709"/>
                 <a:ext cx="1410802" cy="307777"/>
               </a:xfrm>
               <a:prstGeom prst="rect">
@@ -23959,7 +31514,7 @@
             </p:txBody>
           </p:sp>
         </mc:Choice>
-        <mc:Fallback xmlns="">
+        <mc:Fallback>
           <p:sp>
             <p:nvSpPr>
               <p:cNvPr id="20" name="TextBox 19">
@@ -23976,7 +31531,7 @@
             </p:nvSpPr>
             <p:spPr>
               <a:xfrm>
-                <a:off x="-214662" y="5341177"/>
+                <a:off x="-132758" y="5716709"/>
                 <a:ext cx="1410802" cy="307777"/>
               </a:xfrm>
               <a:prstGeom prst="rect">
@@ -23985,7 +31540,7 @@
               <a:blipFill>
                 <a:blip r:embed="rId6"/>
                 <a:stretch>
-                  <a:fillRect b="-5882"/>
+                  <a:fillRect b="-8000"/>
                 </a:stretch>
               </a:blipFill>
             </p:spPr>
@@ -24004,8 +31559,8 @@
           </p:sp>
         </mc:Fallback>
       </mc:AlternateContent>
-      <mc:AlternateContent xmlns:mc="http://schemas.openxmlformats.org/markup-compatibility/2006" xmlns:a14="http://schemas.microsoft.com/office/drawing/2010/main">
-        <mc:Choice Requires="a14">
+      <mc:AlternateContent xmlns:mc="http://schemas.openxmlformats.org/markup-compatibility/2006">
+        <mc:Choice xmlns:a14="http://schemas.microsoft.com/office/drawing/2010/main" Requires="a14">
           <p:sp>
             <p:nvSpPr>
               <p:cNvPr id="22" name="TextBox 21">
@@ -24020,7 +31575,7 @@
             </p:nvSpPr>
             <p:spPr>
               <a:xfrm>
-                <a:off x="48449" y="5558764"/>
+                <a:off x="136882" y="5934294"/>
                 <a:ext cx="477078" cy="307777"/>
               </a:xfrm>
               <a:prstGeom prst="rect">
@@ -24055,7 +31610,7 @@
             </p:txBody>
           </p:sp>
         </mc:Choice>
-        <mc:Fallback xmlns="">
+        <mc:Fallback>
           <p:sp>
             <p:nvSpPr>
               <p:cNvPr id="22" name="TextBox 21">
@@ -24072,7 +31627,7 @@
             </p:nvSpPr>
             <p:spPr>
               <a:xfrm>
-                <a:off x="48449" y="5558764"/>
+                <a:off x="136882" y="5934294"/>
                 <a:ext cx="477078" cy="307777"/>
               </a:xfrm>
               <a:prstGeom prst="rect">
@@ -24081,7 +31636,7 @@
               <a:blipFill>
                 <a:blip r:embed="rId7"/>
                 <a:stretch>
-                  <a:fillRect b="-8000"/>
+                  <a:fillRect b="-5882"/>
                 </a:stretch>
               </a:blipFill>
             </p:spPr>
@@ -24114,7 +31669,7 @@
         </p:nvSpPr>
         <p:spPr>
           <a:xfrm>
-            <a:off x="115538" y="5739619"/>
+            <a:off x="203971" y="6115149"/>
             <a:ext cx="342900" cy="307777"/>
           </a:xfrm>
           <a:prstGeom prst="rect">
@@ -24135,8 +31690,8 @@
           </a:p>
         </p:txBody>
       </p:sp>
-      <mc:AlternateContent xmlns:mc="http://schemas.openxmlformats.org/markup-compatibility/2006" xmlns:a14="http://schemas.microsoft.com/office/drawing/2010/main">
-        <mc:Choice Requires="a14">
+      <mc:AlternateContent xmlns:mc="http://schemas.openxmlformats.org/markup-compatibility/2006">
+        <mc:Choice xmlns:a14="http://schemas.microsoft.com/office/drawing/2010/main" Requires="a14">
           <p:sp>
             <p:nvSpPr>
               <p:cNvPr id="25" name="TextBox 24">
@@ -24151,7 +31706,7 @@
             </p:nvSpPr>
             <p:spPr>
               <a:xfrm>
-                <a:off x="10517" y="5974073"/>
+                <a:off x="98950" y="6349603"/>
                 <a:ext cx="642399" cy="327975"/>
               </a:xfrm>
               <a:prstGeom prst="rect">
@@ -24216,7 +31771,7 @@
             </p:txBody>
           </p:sp>
         </mc:Choice>
-        <mc:Fallback xmlns="">
+        <mc:Fallback>
           <p:sp>
             <p:nvSpPr>
               <p:cNvPr id="25" name="TextBox 24">
@@ -24233,7 +31788,7 @@
             </p:nvSpPr>
             <p:spPr>
               <a:xfrm>
-                <a:off x="10517" y="5974073"/>
+                <a:off x="98950" y="6349603"/>
                 <a:ext cx="642399" cy="327975"/>
               </a:xfrm>
               <a:prstGeom prst="rect">
@@ -24261,8 +31816,8 @@
           </p:sp>
         </mc:Fallback>
       </mc:AlternateContent>
-      <mc:AlternateContent xmlns:mc="http://schemas.openxmlformats.org/markup-compatibility/2006" xmlns:a14="http://schemas.microsoft.com/office/drawing/2010/main">
-        <mc:Choice Requires="a14">
+      <mc:AlternateContent xmlns:mc="http://schemas.openxmlformats.org/markup-compatibility/2006">
+        <mc:Choice xmlns:a14="http://schemas.microsoft.com/office/drawing/2010/main" Requires="a14">
           <p:sp>
             <p:nvSpPr>
               <p:cNvPr id="26" name="TextBox 25">
@@ -24277,7 +31832,7 @@
             </p:nvSpPr>
             <p:spPr>
               <a:xfrm>
-                <a:off x="104255" y="6191660"/>
+                <a:off x="192688" y="6567190"/>
                 <a:ext cx="386484" cy="327975"/>
               </a:xfrm>
               <a:prstGeom prst="rect">
@@ -24342,7 +31897,7 @@
             </p:txBody>
           </p:sp>
         </mc:Choice>
-        <mc:Fallback xmlns="">
+        <mc:Fallback>
           <p:sp>
             <p:nvSpPr>
               <p:cNvPr id="26" name="TextBox 25">
@@ -24359,7 +31914,7 @@
             </p:nvSpPr>
             <p:spPr>
               <a:xfrm>
-                <a:off x="104255" y="6191660"/>
+                <a:off x="192688" y="6567190"/>
                 <a:ext cx="386484" cy="327975"/>
               </a:xfrm>
               <a:prstGeom prst="rect">
@@ -24368,7 +31923,7 @@
               <a:blipFill>
                 <a:blip r:embed="rId9"/>
                 <a:stretch>
-                  <a:fillRect r="-7813"/>
+                  <a:fillRect r="-7937"/>
                 </a:stretch>
               </a:blipFill>
             </p:spPr>
@@ -24665,6 +32220,296 @@
           </p:sp>
         </mc:Fallback>
       </mc:AlternateContent>
+      <mc:AlternateContent xmlns:mc="http://schemas.openxmlformats.org/markup-compatibility/2006">
+        <mc:Choice xmlns:a14="http://schemas.microsoft.com/office/drawing/2010/main" Requires="a14">
+          <p:sp>
+            <p:nvSpPr>
+              <p:cNvPr id="27" name="TextBox 26">
+                <a:extLst>
+                  <a:ext uri="{FF2B5EF4-FFF2-40B4-BE49-F238E27FC236}">
+                    <a16:creationId xmlns:a16="http://schemas.microsoft.com/office/drawing/2014/main" id="{B80DC6FC-2BF6-7399-72B8-1B6225172576}"/>
+                  </a:ext>
+                </a:extLst>
+              </p:cNvPr>
+              <p:cNvSpPr txBox="1"/>
+              <p:nvPr/>
+            </p:nvSpPr>
+            <p:spPr>
+              <a:xfrm>
+                <a:off x="28339" y="4718608"/>
+                <a:ext cx="606755" cy="330347"/>
+              </a:xfrm>
+              <a:prstGeom prst="rect">
+                <a:avLst/>
+              </a:prstGeom>
+              <a:noFill/>
+            </p:spPr>
+            <p:txBody>
+              <a:bodyPr wrap="square">
+                <a:spAutoFit/>
+              </a:bodyPr>
+              <a:lstStyle/>
+              <a:p>
+                <a:pPr/>
+                <a14:m>
+                  <m:oMathPara xmlns:m="http://schemas.openxmlformats.org/officeDocument/2006/math">
+                    <m:oMathParaPr>
+                      <m:jc m:val="centerGroup"/>
+                    </m:oMathParaPr>
+                    <m:oMath xmlns:m="http://schemas.openxmlformats.org/officeDocument/2006/math">
+                      <m:acc>
+                        <m:accPr>
+                          <m:chr m:val="̇"/>
+                          <m:ctrlPr>
+                            <a:rPr lang="en-GB" sz="1400" i="1" smtClean="0">
+                              <a:solidFill>
+                                <a:srgbClr val="836967"/>
+                              </a:solidFill>
+                              <a:latin typeface="Cambria Math" panose="02040503050406030204" pitchFamily="18" charset="0"/>
+                            </a:rPr>
+                          </m:ctrlPr>
+                        </m:accPr>
+                        <m:e>
+                          <m:sSub>
+                            <m:sSubPr>
+                              <m:ctrlPr>
+                                <a:rPr lang="en-GB" sz="1400" i="1">
+                                  <a:solidFill>
+                                    <a:srgbClr val="836967"/>
+                                  </a:solidFill>
+                                  <a:latin typeface="Cambria Math" panose="02040503050406030204" pitchFamily="18" charset="0"/>
+                                </a:rPr>
+                              </m:ctrlPr>
+                            </m:sSubPr>
+                            <m:e>
+                              <m:r>
+                                <a:rPr lang="en-GB" sz="1400" i="1">
+                                  <a:latin typeface="Cambria Math" panose="02040503050406030204" pitchFamily="18" charset="0"/>
+                                </a:rPr>
+                                <m:t>𝑄</m:t>
+                              </m:r>
+                            </m:e>
+                            <m:sub>
+                              <m:r>
+                                <a:rPr lang="en-US" sz="1400" b="0" i="1" smtClean="0">
+                                  <a:latin typeface="Cambria Math" panose="02040503050406030204" pitchFamily="18" charset="0"/>
+                                </a:rPr>
+                                <m:t>𝑠</m:t>
+                              </m:r>
+                              <m:r>
+                                <a:rPr lang="en-US" sz="1400" b="0" i="1" smtClean="0">
+                                  <a:latin typeface="Cambria Math" panose="02040503050406030204" pitchFamily="18" charset="0"/>
+                                </a:rPr>
+                                <m:t>,</m:t>
+                              </m:r>
+                              <m:r>
+                                <a:rPr lang="en-US" sz="1400" b="0" i="1" smtClean="0">
+                                  <a:latin typeface="Cambria Math" panose="02040503050406030204" pitchFamily="18" charset="0"/>
+                                </a:rPr>
+                                <m:t>𝐻𝑋</m:t>
+                              </m:r>
+                            </m:sub>
+                          </m:sSub>
+                        </m:e>
+                      </m:acc>
+                    </m:oMath>
+                  </m:oMathPara>
+                </a14:m>
+                <a:endParaRPr lang="en-GB" sz="1400" dirty="0"/>
+              </a:p>
+            </p:txBody>
+          </p:sp>
+        </mc:Choice>
+        <mc:Fallback>
+          <p:sp>
+            <p:nvSpPr>
+              <p:cNvPr id="27" name="TextBox 26">
+                <a:extLst>
+                  <a:ext uri="{FF2B5EF4-FFF2-40B4-BE49-F238E27FC236}">
+                    <a16:creationId xmlns:a16="http://schemas.microsoft.com/office/drawing/2014/main" id="{B80DC6FC-2BF6-7399-72B8-1B6225172576}"/>
+                  </a:ext>
+                </a:extLst>
+              </p:cNvPr>
+              <p:cNvSpPr txBox="1">
+                <a:spLocks noRot="1" noChangeAspect="1" noMove="1" noResize="1" noEditPoints="1" noAdjustHandles="1" noChangeArrowheads="1" noChangeShapeType="1" noTextEdit="1"/>
+              </p:cNvSpPr>
+              <p:nvPr/>
+            </p:nvSpPr>
+            <p:spPr>
+              <a:xfrm>
+                <a:off x="28339" y="4718608"/>
+                <a:ext cx="606755" cy="330347"/>
+              </a:xfrm>
+              <a:prstGeom prst="rect">
+                <a:avLst/>
+              </a:prstGeom>
+              <a:blipFill>
+                <a:blip r:embed="rId13"/>
+                <a:stretch>
+                  <a:fillRect b="-5556"/>
+                </a:stretch>
+              </a:blipFill>
+            </p:spPr>
+            <p:txBody>
+              <a:bodyPr/>
+              <a:lstStyle/>
+              <a:p>
+                <a:r>
+                  <a:rPr lang="en-GB">
+                    <a:noFill/>
+                  </a:rPr>
+                  <a:t> </a:t>
+                </a:r>
+              </a:p>
+            </p:txBody>
+          </p:sp>
+        </mc:Fallback>
+      </mc:AlternateContent>
+      <mc:AlternateContent xmlns:mc="http://schemas.openxmlformats.org/markup-compatibility/2006">
+        <mc:Choice xmlns:a14="http://schemas.microsoft.com/office/drawing/2010/main" Requires="a14">
+          <p:sp>
+            <p:nvSpPr>
+              <p:cNvPr id="28" name="TextBox 27">
+                <a:extLst>
+                  <a:ext uri="{FF2B5EF4-FFF2-40B4-BE49-F238E27FC236}">
+                    <a16:creationId xmlns:a16="http://schemas.microsoft.com/office/drawing/2014/main" id="{DB94AA65-9916-F33C-5F98-02C18B741461}"/>
+                  </a:ext>
+                </a:extLst>
+              </p:cNvPr>
+              <p:cNvSpPr txBox="1"/>
+              <p:nvPr/>
+            </p:nvSpPr>
+            <p:spPr>
+              <a:xfrm>
+                <a:off x="43965" y="4929113"/>
+                <a:ext cx="606755" cy="330347"/>
+              </a:xfrm>
+              <a:prstGeom prst="rect">
+                <a:avLst/>
+              </a:prstGeom>
+              <a:noFill/>
+            </p:spPr>
+            <p:txBody>
+              <a:bodyPr wrap="square">
+                <a:spAutoFit/>
+              </a:bodyPr>
+              <a:lstStyle/>
+              <a:p>
+                <a:pPr/>
+                <a14:m>
+                  <m:oMathPara xmlns:m="http://schemas.openxmlformats.org/officeDocument/2006/math">
+                    <m:oMathParaPr>
+                      <m:jc m:val="centerGroup"/>
+                    </m:oMathParaPr>
+                    <m:oMath xmlns:m="http://schemas.openxmlformats.org/officeDocument/2006/math">
+                      <m:acc>
+                        <m:accPr>
+                          <m:chr m:val="̇"/>
+                          <m:ctrlPr>
+                            <a:rPr lang="en-GB" sz="1400" i="1" smtClean="0">
+                              <a:solidFill>
+                                <a:srgbClr val="836967"/>
+                              </a:solidFill>
+                              <a:latin typeface="Cambria Math" panose="02040503050406030204" pitchFamily="18" charset="0"/>
+                            </a:rPr>
+                          </m:ctrlPr>
+                        </m:accPr>
+                        <m:e>
+                          <m:sSub>
+                            <m:sSubPr>
+                              <m:ctrlPr>
+                                <a:rPr lang="en-GB" sz="1400" i="1">
+                                  <a:solidFill>
+                                    <a:srgbClr val="836967"/>
+                                  </a:solidFill>
+                                  <a:latin typeface="Cambria Math" panose="02040503050406030204" pitchFamily="18" charset="0"/>
+                                </a:rPr>
+                              </m:ctrlPr>
+                            </m:sSubPr>
+                            <m:e>
+                              <m:r>
+                                <a:rPr lang="en-GB" sz="1400" i="1">
+                                  <a:latin typeface="Cambria Math" panose="02040503050406030204" pitchFamily="18" charset="0"/>
+                                </a:rPr>
+                                <m:t>𝑄</m:t>
+                              </m:r>
+                            </m:e>
+                            <m:sub>
+                              <m:r>
+                                <a:rPr lang="en-US" sz="1400" b="0" i="1" smtClean="0">
+                                  <a:latin typeface="Cambria Math" panose="02040503050406030204" pitchFamily="18" charset="0"/>
+                                </a:rPr>
+                                <m:t>𝑙</m:t>
+                              </m:r>
+                              <m:r>
+                                <a:rPr lang="en-US" sz="1400" b="0" i="1" smtClean="0">
+                                  <a:latin typeface="Cambria Math" panose="02040503050406030204" pitchFamily="18" charset="0"/>
+                                </a:rPr>
+                                <m:t>,</m:t>
+                              </m:r>
+                              <m:r>
+                                <a:rPr lang="en-US" sz="1400" b="0" i="1" smtClean="0">
+                                  <a:latin typeface="Cambria Math" panose="02040503050406030204" pitchFamily="18" charset="0"/>
+                                </a:rPr>
+                                <m:t>𝐻𝑋</m:t>
+                              </m:r>
+                            </m:sub>
+                          </m:sSub>
+                        </m:e>
+                      </m:acc>
+                    </m:oMath>
+                  </m:oMathPara>
+                </a14:m>
+                <a:endParaRPr lang="en-GB" sz="1400" dirty="0"/>
+              </a:p>
+            </p:txBody>
+          </p:sp>
+        </mc:Choice>
+        <mc:Fallback>
+          <p:sp>
+            <p:nvSpPr>
+              <p:cNvPr id="28" name="TextBox 27">
+                <a:extLst>
+                  <a:ext uri="{FF2B5EF4-FFF2-40B4-BE49-F238E27FC236}">
+                    <a16:creationId xmlns:a16="http://schemas.microsoft.com/office/drawing/2014/main" id="{DB94AA65-9916-F33C-5F98-02C18B741461}"/>
+                  </a:ext>
+                </a:extLst>
+              </p:cNvPr>
+              <p:cNvSpPr txBox="1">
+                <a:spLocks noRot="1" noChangeAspect="1" noMove="1" noResize="1" noEditPoints="1" noAdjustHandles="1" noChangeArrowheads="1" noChangeShapeType="1" noTextEdit="1"/>
+              </p:cNvSpPr>
+              <p:nvPr/>
+            </p:nvSpPr>
+            <p:spPr>
+              <a:xfrm>
+                <a:off x="43965" y="4929113"/>
+                <a:ext cx="606755" cy="330347"/>
+              </a:xfrm>
+              <a:prstGeom prst="rect">
+                <a:avLst/>
+              </a:prstGeom>
+              <a:blipFill>
+                <a:blip r:embed="rId14"/>
+                <a:stretch>
+                  <a:fillRect b="-3704"/>
+                </a:stretch>
+              </a:blipFill>
+            </p:spPr>
+            <p:txBody>
+              <a:bodyPr/>
+              <a:lstStyle/>
+              <a:p>
+                <a:r>
+                  <a:rPr lang="en-GB">
+                    <a:noFill/>
+                  </a:rPr>
+                  <a:t> </a:t>
+                </a:r>
+              </a:p>
+            </p:txBody>
+          </p:sp>
+        </mc:Fallback>
+      </mc:AlternateContent>
     </p:spTree>
     <p:extLst>
       <p:ext uri="{BB962C8B-B14F-4D97-AF65-F5344CB8AC3E}">
@@ -24678,7 +32523,7 @@
 </p:sld>
 </file>
 
-<file path=ppt/slides/slide6.xml><?xml version="1.0" encoding="utf-8"?>
+<file path=ppt/slides/slide7.xml><?xml version="1.0" encoding="utf-8"?>
 <p:sld xmlns:a="http://schemas.openxmlformats.org/drawingml/2006/main" xmlns:r="http://schemas.openxmlformats.org/officeDocument/2006/relationships" xmlns:p="http://schemas.openxmlformats.org/presentationml/2006/main">
   <p:cSld>
     <p:spTree>
@@ -24697,10 +32542,10 @@
       </p:grpSpPr>
       <p:pic>
         <p:nvPicPr>
-          <p:cNvPr id="7" name="Picture 6">
+          <p:cNvPr id="3" name="Picture 2">
             <a:extLst>
               <a:ext uri="{FF2B5EF4-FFF2-40B4-BE49-F238E27FC236}">
-                <a16:creationId xmlns:a16="http://schemas.microsoft.com/office/drawing/2014/main" id="{7DDCC5E0-778E-74EA-7D26-918E4068434F}"/>
+                <a16:creationId xmlns:a16="http://schemas.microsoft.com/office/drawing/2014/main" id="{2F2078C8-FA8C-5379-6E01-62E6D0631717}"/>
               </a:ext>
             </a:extLst>
           </p:cNvPr>
@@ -24717,8 +32562,8 @@
         </p:blipFill>
         <p:spPr>
           <a:xfrm>
-            <a:off x="8501553" y="121921"/>
-            <a:ext cx="3690447" cy="5821680"/>
+            <a:off x="8547786" y="0"/>
+            <a:ext cx="3644213" cy="6014720"/>
           </a:xfrm>
           <a:prstGeom prst="rect">
             <a:avLst/>
@@ -24727,10 +32572,10 @@
       </p:pic>
       <p:pic>
         <p:nvPicPr>
-          <p:cNvPr id="4" name="Picture 3">
+          <p:cNvPr id="6" name="Picture 5">
             <a:extLst>
               <a:ext uri="{FF2B5EF4-FFF2-40B4-BE49-F238E27FC236}">
-                <a16:creationId xmlns:a16="http://schemas.microsoft.com/office/drawing/2014/main" id="{7C15540E-C7C5-827F-D1C3-D6B76E877E46}"/>
+                <a16:creationId xmlns:a16="http://schemas.microsoft.com/office/drawing/2014/main" id="{5A4A687C-82D1-9A70-693F-3F6D2C6C3448}"/>
               </a:ext>
             </a:extLst>
           </p:cNvPr>
@@ -24747,8 +32592,8 @@
         </p:blipFill>
         <p:spPr>
           <a:xfrm>
-            <a:off x="0" y="121921"/>
-            <a:ext cx="8645865" cy="4653280"/>
+            <a:off x="0" y="619761"/>
+            <a:ext cx="8611705" cy="4612640"/>
           </a:xfrm>
           <a:prstGeom prst="rect">
             <a:avLst/>
